--- a/presentazione/Andrea_Filippi_presentazione.pptx
+++ b/presentazione/Andrea_Filippi_presentazione.pptx
@@ -4,27 +4,35 @@
   <p:sldMasterIdLst>
     <p:sldMasterId id="2147483648" r:id="rId1"/>
   </p:sldMasterIdLst>
+  <p:notesMasterIdLst>
+    <p:notesMasterId r:id="rId24"/>
+  </p:notesMasterIdLst>
+  <p:handoutMasterIdLst>
+    <p:handoutMasterId r:id="rId25"/>
+  </p:handoutMasterIdLst>
   <p:sldIdLst>
     <p:sldId id="257" r:id="rId2"/>
     <p:sldId id="258" r:id="rId3"/>
     <p:sldId id="276" r:id="rId4"/>
     <p:sldId id="259" r:id="rId5"/>
-    <p:sldId id="260" r:id="rId6"/>
-    <p:sldId id="261" r:id="rId7"/>
-    <p:sldId id="262" r:id="rId8"/>
-    <p:sldId id="263" r:id="rId9"/>
-    <p:sldId id="264" r:id="rId10"/>
-    <p:sldId id="265" r:id="rId11"/>
-    <p:sldId id="266" r:id="rId12"/>
-    <p:sldId id="267" r:id="rId13"/>
-    <p:sldId id="268" r:id="rId14"/>
-    <p:sldId id="270" r:id="rId15"/>
-    <p:sldId id="277" r:id="rId16"/>
-    <p:sldId id="271" r:id="rId17"/>
-    <p:sldId id="273" r:id="rId18"/>
-    <p:sldId id="274" r:id="rId19"/>
-    <p:sldId id="275" r:id="rId20"/>
-    <p:sldId id="272" r:id="rId21"/>
+    <p:sldId id="279" r:id="rId6"/>
+    <p:sldId id="260" r:id="rId7"/>
+    <p:sldId id="261" r:id="rId8"/>
+    <p:sldId id="262" r:id="rId9"/>
+    <p:sldId id="263" r:id="rId10"/>
+    <p:sldId id="264" r:id="rId11"/>
+    <p:sldId id="265" r:id="rId12"/>
+    <p:sldId id="266" r:id="rId13"/>
+    <p:sldId id="267" r:id="rId14"/>
+    <p:sldId id="268" r:id="rId15"/>
+    <p:sldId id="270" r:id="rId16"/>
+    <p:sldId id="277" r:id="rId17"/>
+    <p:sldId id="271" r:id="rId18"/>
+    <p:sldId id="273" r:id="rId19"/>
+    <p:sldId id="274" r:id="rId20"/>
+    <p:sldId id="275" r:id="rId21"/>
+    <p:sldId id="272" r:id="rId22"/>
+    <p:sldId id="278" r:id="rId23"/>
   </p:sldIdLst>
   <p:sldSz cx="9144000" cy="6858000" type="screen4x3"/>
   <p:notesSz cx="6858000" cy="9144000"/>
@@ -124,6 +132,585 @@
     </a:lvl9pPr>
   </p:defaultTextStyle>
 </p:presentation>
+</file>
+
+<file path=ppt/handoutMasters/handoutMaster1.xml><?xml version="1.0" encoding="utf-8"?>
+<p:handoutMaster xmlns:a="http://schemas.openxmlformats.org/drawingml/2006/main" xmlns:r="http://schemas.openxmlformats.org/officeDocument/2006/relationships" xmlns:p="http://schemas.openxmlformats.org/presentationml/2006/main">
+  <p:cSld>
+    <p:bg>
+      <p:bgRef idx="1001">
+        <a:schemeClr val="bg1"/>
+      </p:bgRef>
+    </p:bg>
+    <p:spTree>
+      <p:nvGrpSpPr>
+        <p:cNvPr id="1" name=""/>
+        <p:cNvGrpSpPr/>
+        <p:nvPr/>
+      </p:nvGrpSpPr>
+      <p:grpSpPr>
+        <a:xfrm>
+          <a:off x="0" y="0"/>
+          <a:ext cx="0" cy="0"/>
+          <a:chOff x="0" y="0"/>
+          <a:chExt cx="0" cy="0"/>
+        </a:xfrm>
+      </p:grpSpPr>
+      <p:sp>
+        <p:nvSpPr>
+          <p:cNvPr id="2" name="Segnaposto intestazione 1"/>
+          <p:cNvSpPr>
+            <a:spLocks noGrp="1"/>
+          </p:cNvSpPr>
+          <p:nvPr>
+            <p:ph type="hdr" sz="quarter"/>
+          </p:nvPr>
+        </p:nvSpPr>
+        <p:spPr>
+          <a:xfrm>
+            <a:off x="0" y="0"/>
+            <a:ext cx="2971800" cy="457200"/>
+          </a:xfrm>
+          <a:prstGeom prst="rect">
+            <a:avLst/>
+          </a:prstGeom>
+        </p:spPr>
+        <p:txBody>
+          <a:bodyPr vert="horz" lIns="91440" tIns="45720" rIns="91440" bIns="45720" rtlCol="0"/>
+          <a:lstStyle>
+            <a:lvl1pPr algn="l">
+              <a:defRPr sz="1200"/>
+            </a:lvl1pPr>
+          </a:lstStyle>
+          <a:p>
+            <a:r>
+              <a:rPr lang="it-IT" smtClean="0"/>
+              <a:t>Idskfjdlajhslfjhafòsfo</a:t>
+            </a:r>
+            <a:endParaRPr lang="it-IT"/>
+          </a:p>
+        </p:txBody>
+      </p:sp>
+      <p:sp>
+        <p:nvSpPr>
+          <p:cNvPr id="3" name="Segnaposto data 2"/>
+          <p:cNvSpPr>
+            <a:spLocks noGrp="1"/>
+          </p:cNvSpPr>
+          <p:nvPr>
+            <p:ph type="dt" sz="quarter" idx="1"/>
+          </p:nvPr>
+        </p:nvSpPr>
+        <p:spPr>
+          <a:xfrm>
+            <a:off x="3884613" y="0"/>
+            <a:ext cx="2971800" cy="457200"/>
+          </a:xfrm>
+          <a:prstGeom prst="rect">
+            <a:avLst/>
+          </a:prstGeom>
+        </p:spPr>
+        <p:txBody>
+          <a:bodyPr vert="horz" lIns="91440" tIns="45720" rIns="91440" bIns="45720" rtlCol="0"/>
+          <a:lstStyle>
+            <a:lvl1pPr algn="r">
+              <a:defRPr sz="1200"/>
+            </a:lvl1pPr>
+          </a:lstStyle>
+          <a:p>
+            <a:fld id="{1241E074-2FD2-4C27-9E2D-186E87302046}" type="datetimeFigureOut">
+              <a:rPr lang="it-IT" smtClean="0"/>
+              <a:pPr/>
+              <a:t>03/10/2018</a:t>
+            </a:fld>
+            <a:endParaRPr lang="it-IT"/>
+          </a:p>
+        </p:txBody>
+      </p:sp>
+      <p:sp>
+        <p:nvSpPr>
+          <p:cNvPr id="4" name="Segnaposto piè di pagina 3"/>
+          <p:cNvSpPr>
+            <a:spLocks noGrp="1"/>
+          </p:cNvSpPr>
+          <p:nvPr>
+            <p:ph type="ftr" sz="quarter" idx="2"/>
+          </p:nvPr>
+        </p:nvSpPr>
+        <p:spPr>
+          <a:xfrm>
+            <a:off x="0" y="8685213"/>
+            <a:ext cx="2971800" cy="457200"/>
+          </a:xfrm>
+          <a:prstGeom prst="rect">
+            <a:avLst/>
+          </a:prstGeom>
+        </p:spPr>
+        <p:txBody>
+          <a:bodyPr vert="horz" lIns="91440" tIns="45720" rIns="91440" bIns="45720" rtlCol="0" anchor="b"/>
+          <a:lstStyle>
+            <a:lvl1pPr algn="l">
+              <a:defRPr sz="1200"/>
+            </a:lvl1pPr>
+          </a:lstStyle>
+          <a:p>
+            <a:endParaRPr lang="it-IT"/>
+          </a:p>
+        </p:txBody>
+      </p:sp>
+      <p:sp>
+        <p:nvSpPr>
+          <p:cNvPr id="5" name="Segnaposto numero diapositiva 4"/>
+          <p:cNvSpPr>
+            <a:spLocks noGrp="1"/>
+          </p:cNvSpPr>
+          <p:nvPr>
+            <p:ph type="sldNum" sz="quarter" idx="3"/>
+          </p:nvPr>
+        </p:nvSpPr>
+        <p:spPr>
+          <a:xfrm>
+            <a:off x="3884613" y="8685213"/>
+            <a:ext cx="2971800" cy="457200"/>
+          </a:xfrm>
+          <a:prstGeom prst="rect">
+            <a:avLst/>
+          </a:prstGeom>
+        </p:spPr>
+        <p:txBody>
+          <a:bodyPr vert="horz" lIns="91440" tIns="45720" rIns="91440" bIns="45720" rtlCol="0" anchor="b"/>
+          <a:lstStyle>
+            <a:lvl1pPr algn="r">
+              <a:defRPr sz="1200"/>
+            </a:lvl1pPr>
+          </a:lstStyle>
+          <a:p>
+            <a:fld id="{73CC12E4-C06D-4B97-8D74-CA735EF8B151}" type="slidenum">
+              <a:rPr lang="it-IT" smtClean="0"/>
+              <a:pPr/>
+              <a:t>‹N›</a:t>
+            </a:fld>
+            <a:endParaRPr lang="it-IT"/>
+          </a:p>
+        </p:txBody>
+      </p:sp>
+    </p:spTree>
+  </p:cSld>
+  <p:clrMap bg1="lt1" tx1="dk1" bg2="lt2" tx2="dk2" accent1="accent1" accent2="accent2" accent3="accent3" accent4="accent4" accent5="accent5" accent6="accent6" hlink="hlink" folHlink="folHlink"/>
+  <p:hf sldNum="0" hdr="0" ftr="0" dt="0"/>
+</p:handoutMaster>
+</file>
+
+<file path=ppt/notesMasters/notesMaster1.xml><?xml version="1.0" encoding="utf-8"?>
+<p:notesMaster xmlns:a="http://schemas.openxmlformats.org/drawingml/2006/main" xmlns:r="http://schemas.openxmlformats.org/officeDocument/2006/relationships" xmlns:p="http://schemas.openxmlformats.org/presentationml/2006/main">
+  <p:cSld>
+    <p:bg>
+      <p:bgRef idx="1001">
+        <a:schemeClr val="bg1"/>
+      </p:bgRef>
+    </p:bg>
+    <p:spTree>
+      <p:nvGrpSpPr>
+        <p:cNvPr id="1" name=""/>
+        <p:cNvGrpSpPr/>
+        <p:nvPr/>
+      </p:nvGrpSpPr>
+      <p:grpSpPr>
+        <a:xfrm>
+          <a:off x="0" y="0"/>
+          <a:ext cx="0" cy="0"/>
+          <a:chOff x="0" y="0"/>
+          <a:chExt cx="0" cy="0"/>
+        </a:xfrm>
+      </p:grpSpPr>
+      <p:sp>
+        <p:nvSpPr>
+          <p:cNvPr id="2" name="Segnaposto intestazione 1"/>
+          <p:cNvSpPr>
+            <a:spLocks noGrp="1"/>
+          </p:cNvSpPr>
+          <p:nvPr>
+            <p:ph type="hdr" sz="quarter"/>
+          </p:nvPr>
+        </p:nvSpPr>
+        <p:spPr>
+          <a:xfrm>
+            <a:off x="0" y="0"/>
+            <a:ext cx="2971800" cy="457200"/>
+          </a:xfrm>
+          <a:prstGeom prst="rect">
+            <a:avLst/>
+          </a:prstGeom>
+        </p:spPr>
+        <p:txBody>
+          <a:bodyPr vert="horz" lIns="91440" tIns="45720" rIns="91440" bIns="45720" rtlCol="0"/>
+          <a:lstStyle>
+            <a:lvl1pPr algn="l">
+              <a:defRPr sz="1200"/>
+            </a:lvl1pPr>
+          </a:lstStyle>
+          <a:p>
+            <a:r>
+              <a:rPr lang="it-IT" smtClean="0"/>
+              <a:t>Idskfjdlajhslfjhafòsfo</a:t>
+            </a:r>
+            <a:endParaRPr lang="it-IT"/>
+          </a:p>
+        </p:txBody>
+      </p:sp>
+      <p:sp>
+        <p:nvSpPr>
+          <p:cNvPr id="3" name="Segnaposto data 2"/>
+          <p:cNvSpPr>
+            <a:spLocks noGrp="1"/>
+          </p:cNvSpPr>
+          <p:nvPr>
+            <p:ph type="dt" idx="1"/>
+          </p:nvPr>
+        </p:nvSpPr>
+        <p:spPr>
+          <a:xfrm>
+            <a:off x="3884613" y="0"/>
+            <a:ext cx="2971800" cy="457200"/>
+          </a:xfrm>
+          <a:prstGeom prst="rect">
+            <a:avLst/>
+          </a:prstGeom>
+        </p:spPr>
+        <p:txBody>
+          <a:bodyPr vert="horz" lIns="91440" tIns="45720" rIns="91440" bIns="45720" rtlCol="0"/>
+          <a:lstStyle>
+            <a:lvl1pPr algn="r">
+              <a:defRPr sz="1200"/>
+            </a:lvl1pPr>
+          </a:lstStyle>
+          <a:p>
+            <a:fld id="{B97B50AB-66F7-4003-9F4E-503B6C387402}" type="datetimeFigureOut">
+              <a:rPr lang="it-IT" smtClean="0"/>
+              <a:pPr/>
+              <a:t>03/10/2018</a:t>
+            </a:fld>
+            <a:endParaRPr lang="it-IT"/>
+          </a:p>
+        </p:txBody>
+      </p:sp>
+      <p:sp>
+        <p:nvSpPr>
+          <p:cNvPr id="4" name="Segnaposto immagine diapositiva 3"/>
+          <p:cNvSpPr>
+            <a:spLocks noGrp="1" noRot="1" noChangeAspect="1"/>
+          </p:cNvSpPr>
+          <p:nvPr>
+            <p:ph type="sldImg" idx="2"/>
+          </p:nvPr>
+        </p:nvSpPr>
+        <p:spPr>
+          <a:xfrm>
+            <a:off x="1143000" y="685800"/>
+            <a:ext cx="4572000" cy="3429000"/>
+          </a:xfrm>
+          <a:prstGeom prst="rect">
+            <a:avLst/>
+          </a:prstGeom>
+          <a:noFill/>
+          <a:ln w="12700">
+            <a:solidFill>
+              <a:prstClr val="black"/>
+            </a:solidFill>
+          </a:ln>
+        </p:spPr>
+        <p:txBody>
+          <a:bodyPr vert="horz" lIns="91440" tIns="45720" rIns="91440" bIns="45720" rtlCol="0" anchor="ctr"/>
+          <a:lstStyle/>
+          <a:p>
+            <a:endParaRPr lang="it-IT"/>
+          </a:p>
+        </p:txBody>
+      </p:sp>
+      <p:sp>
+        <p:nvSpPr>
+          <p:cNvPr id="5" name="Segnaposto note 4"/>
+          <p:cNvSpPr>
+            <a:spLocks noGrp="1"/>
+          </p:cNvSpPr>
+          <p:nvPr>
+            <p:ph type="body" sz="quarter" idx="3"/>
+          </p:nvPr>
+        </p:nvSpPr>
+        <p:spPr>
+          <a:xfrm>
+            <a:off x="685800" y="4343400"/>
+            <a:ext cx="5486400" cy="4114800"/>
+          </a:xfrm>
+          <a:prstGeom prst="rect">
+            <a:avLst/>
+          </a:prstGeom>
+        </p:spPr>
+        <p:txBody>
+          <a:bodyPr vert="horz" lIns="91440" tIns="45720" rIns="91440" bIns="45720" rtlCol="0">
+            <a:normAutofit/>
+          </a:bodyPr>
+          <a:lstStyle/>
+          <a:p>
+            <a:pPr lvl="0"/>
+            <a:r>
+              <a:rPr lang="it-IT" smtClean="0"/>
+              <a:t>Fare clic per modificare stili del testo dello schema</a:t>
+            </a:r>
+          </a:p>
+          <a:p>
+            <a:pPr lvl="1"/>
+            <a:r>
+              <a:rPr lang="it-IT" smtClean="0"/>
+              <a:t>Secondo livello</a:t>
+            </a:r>
+          </a:p>
+          <a:p>
+            <a:pPr lvl="2"/>
+            <a:r>
+              <a:rPr lang="it-IT" smtClean="0"/>
+              <a:t>Terzo livello</a:t>
+            </a:r>
+          </a:p>
+          <a:p>
+            <a:pPr lvl="3"/>
+            <a:r>
+              <a:rPr lang="it-IT" smtClean="0"/>
+              <a:t>Quarto livello</a:t>
+            </a:r>
+          </a:p>
+          <a:p>
+            <a:pPr lvl="4"/>
+            <a:r>
+              <a:rPr lang="it-IT" smtClean="0"/>
+              <a:t>Quinto livello</a:t>
+            </a:r>
+            <a:endParaRPr lang="it-IT"/>
+          </a:p>
+        </p:txBody>
+      </p:sp>
+      <p:sp>
+        <p:nvSpPr>
+          <p:cNvPr id="6" name="Segnaposto piè di pagina 5"/>
+          <p:cNvSpPr>
+            <a:spLocks noGrp="1"/>
+          </p:cNvSpPr>
+          <p:nvPr>
+            <p:ph type="ftr" sz="quarter" idx="4"/>
+          </p:nvPr>
+        </p:nvSpPr>
+        <p:spPr>
+          <a:xfrm>
+            <a:off x="0" y="8685213"/>
+            <a:ext cx="2971800" cy="457200"/>
+          </a:xfrm>
+          <a:prstGeom prst="rect">
+            <a:avLst/>
+          </a:prstGeom>
+        </p:spPr>
+        <p:txBody>
+          <a:bodyPr vert="horz" lIns="91440" tIns="45720" rIns="91440" bIns="45720" rtlCol="0" anchor="b"/>
+          <a:lstStyle>
+            <a:lvl1pPr algn="l">
+              <a:defRPr sz="1200"/>
+            </a:lvl1pPr>
+          </a:lstStyle>
+          <a:p>
+            <a:endParaRPr lang="it-IT"/>
+          </a:p>
+        </p:txBody>
+      </p:sp>
+      <p:sp>
+        <p:nvSpPr>
+          <p:cNvPr id="7" name="Segnaposto numero diapositiva 6"/>
+          <p:cNvSpPr>
+            <a:spLocks noGrp="1"/>
+          </p:cNvSpPr>
+          <p:nvPr>
+            <p:ph type="sldNum" sz="quarter" idx="5"/>
+          </p:nvPr>
+        </p:nvSpPr>
+        <p:spPr>
+          <a:xfrm>
+            <a:off x="3884613" y="8685213"/>
+            <a:ext cx="2971800" cy="457200"/>
+          </a:xfrm>
+          <a:prstGeom prst="rect">
+            <a:avLst/>
+          </a:prstGeom>
+        </p:spPr>
+        <p:txBody>
+          <a:bodyPr vert="horz" lIns="91440" tIns="45720" rIns="91440" bIns="45720" rtlCol="0" anchor="b"/>
+          <a:lstStyle>
+            <a:lvl1pPr algn="r">
+              <a:defRPr sz="1200"/>
+            </a:lvl1pPr>
+          </a:lstStyle>
+          <a:p>
+            <a:fld id="{F9F1489E-481C-4616-9A7B-A31C58594166}" type="slidenum">
+              <a:rPr lang="it-IT" smtClean="0"/>
+              <a:pPr/>
+              <a:t>‹N›</a:t>
+            </a:fld>
+            <a:endParaRPr lang="it-IT"/>
+          </a:p>
+        </p:txBody>
+      </p:sp>
+    </p:spTree>
+  </p:cSld>
+  <p:clrMap bg1="lt1" tx1="dk1" bg2="lt2" tx2="dk2" accent1="accent1" accent2="accent2" accent3="accent3" accent4="accent4" accent5="accent5" accent6="accent6" hlink="hlink" folHlink="folHlink"/>
+  <p:hf sldNum="0" hdr="0" ftr="0" dt="0"/>
+  <p:notesStyle>
+    <a:lvl1pPr marL="0" algn="l" defTabSz="914400" rtl="0" eaLnBrk="1" latinLnBrk="0" hangingPunct="1">
+      <a:defRPr sz="1200" kern="1200">
+        <a:solidFill>
+          <a:schemeClr val="tx1"/>
+        </a:solidFill>
+        <a:latin typeface="+mn-lt"/>
+        <a:ea typeface="+mn-ea"/>
+        <a:cs typeface="+mn-cs"/>
+      </a:defRPr>
+    </a:lvl1pPr>
+    <a:lvl2pPr marL="457200" algn="l" defTabSz="914400" rtl="0" eaLnBrk="1" latinLnBrk="0" hangingPunct="1">
+      <a:defRPr sz="1200" kern="1200">
+        <a:solidFill>
+          <a:schemeClr val="tx1"/>
+        </a:solidFill>
+        <a:latin typeface="+mn-lt"/>
+        <a:ea typeface="+mn-ea"/>
+        <a:cs typeface="+mn-cs"/>
+      </a:defRPr>
+    </a:lvl2pPr>
+    <a:lvl3pPr marL="914400" algn="l" defTabSz="914400" rtl="0" eaLnBrk="1" latinLnBrk="0" hangingPunct="1">
+      <a:defRPr sz="1200" kern="1200">
+        <a:solidFill>
+          <a:schemeClr val="tx1"/>
+        </a:solidFill>
+        <a:latin typeface="+mn-lt"/>
+        <a:ea typeface="+mn-ea"/>
+        <a:cs typeface="+mn-cs"/>
+      </a:defRPr>
+    </a:lvl3pPr>
+    <a:lvl4pPr marL="1371600" algn="l" defTabSz="914400" rtl="0" eaLnBrk="1" latinLnBrk="0" hangingPunct="1">
+      <a:defRPr sz="1200" kern="1200">
+        <a:solidFill>
+          <a:schemeClr val="tx1"/>
+        </a:solidFill>
+        <a:latin typeface="+mn-lt"/>
+        <a:ea typeface="+mn-ea"/>
+        <a:cs typeface="+mn-cs"/>
+      </a:defRPr>
+    </a:lvl4pPr>
+    <a:lvl5pPr marL="1828800" algn="l" defTabSz="914400" rtl="0" eaLnBrk="1" latinLnBrk="0" hangingPunct="1">
+      <a:defRPr sz="1200" kern="1200">
+        <a:solidFill>
+          <a:schemeClr val="tx1"/>
+        </a:solidFill>
+        <a:latin typeface="+mn-lt"/>
+        <a:ea typeface="+mn-ea"/>
+        <a:cs typeface="+mn-cs"/>
+      </a:defRPr>
+    </a:lvl5pPr>
+    <a:lvl6pPr marL="2286000" algn="l" defTabSz="914400" rtl="0" eaLnBrk="1" latinLnBrk="0" hangingPunct="1">
+      <a:defRPr sz="1200" kern="1200">
+        <a:solidFill>
+          <a:schemeClr val="tx1"/>
+        </a:solidFill>
+        <a:latin typeface="+mn-lt"/>
+        <a:ea typeface="+mn-ea"/>
+        <a:cs typeface="+mn-cs"/>
+      </a:defRPr>
+    </a:lvl6pPr>
+    <a:lvl7pPr marL="2743200" algn="l" defTabSz="914400" rtl="0" eaLnBrk="1" latinLnBrk="0" hangingPunct="1">
+      <a:defRPr sz="1200" kern="1200">
+        <a:solidFill>
+          <a:schemeClr val="tx1"/>
+        </a:solidFill>
+        <a:latin typeface="+mn-lt"/>
+        <a:ea typeface="+mn-ea"/>
+        <a:cs typeface="+mn-cs"/>
+      </a:defRPr>
+    </a:lvl7pPr>
+    <a:lvl8pPr marL="3200400" algn="l" defTabSz="914400" rtl="0" eaLnBrk="1" latinLnBrk="0" hangingPunct="1">
+      <a:defRPr sz="1200" kern="1200">
+        <a:solidFill>
+          <a:schemeClr val="tx1"/>
+        </a:solidFill>
+        <a:latin typeface="+mn-lt"/>
+        <a:ea typeface="+mn-ea"/>
+        <a:cs typeface="+mn-cs"/>
+      </a:defRPr>
+    </a:lvl8pPr>
+    <a:lvl9pPr marL="3657600" algn="l" defTabSz="914400" rtl="0" eaLnBrk="1" latinLnBrk="0" hangingPunct="1">
+      <a:defRPr sz="1200" kern="1200">
+        <a:solidFill>
+          <a:schemeClr val="tx1"/>
+        </a:solidFill>
+        <a:latin typeface="+mn-lt"/>
+        <a:ea typeface="+mn-ea"/>
+        <a:cs typeface="+mn-cs"/>
+      </a:defRPr>
+    </a:lvl9pPr>
+  </p:notesStyle>
+</p:notesMaster>
+</file>
+
+<file path=ppt/notesSlides/notesSlide1.xml><?xml version="1.0" encoding="utf-8"?>
+<p:notes xmlns:a="http://schemas.openxmlformats.org/drawingml/2006/main" xmlns:r="http://schemas.openxmlformats.org/officeDocument/2006/relationships" xmlns:p="http://schemas.openxmlformats.org/presentationml/2006/main">
+  <p:cSld>
+    <p:spTree>
+      <p:nvGrpSpPr>
+        <p:cNvPr id="1" name=""/>
+        <p:cNvGrpSpPr/>
+        <p:nvPr/>
+      </p:nvGrpSpPr>
+      <p:grpSpPr>
+        <a:xfrm>
+          <a:off x="0" y="0"/>
+          <a:ext cx="0" cy="0"/>
+          <a:chOff x="0" y="0"/>
+          <a:chExt cx="0" cy="0"/>
+        </a:xfrm>
+      </p:grpSpPr>
+      <p:sp>
+        <p:nvSpPr>
+          <p:cNvPr id="2" name="Segnaposto immagine diapositiva 1"/>
+          <p:cNvSpPr>
+            <a:spLocks noGrp="1" noRot="1" noChangeAspect="1"/>
+          </p:cNvSpPr>
+          <p:nvPr>
+            <p:ph type="sldImg"/>
+          </p:nvPr>
+        </p:nvSpPr>
+        <p:spPr/>
+      </p:sp>
+      <p:sp>
+        <p:nvSpPr>
+          <p:cNvPr id="3" name="Segnaposto note 2"/>
+          <p:cNvSpPr>
+            <a:spLocks noGrp="1"/>
+          </p:cNvSpPr>
+          <p:nvPr>
+            <p:ph type="body" idx="1"/>
+          </p:nvPr>
+        </p:nvSpPr>
+        <p:spPr/>
+        <p:txBody>
+          <a:bodyPr>
+            <a:normAutofit/>
+          </a:bodyPr>
+          <a:lstStyle/>
+          <a:p>
+            <a:endParaRPr lang="it-IT"/>
+          </a:p>
+        </p:txBody>
+      </p:sp>
+    </p:spTree>
+  </p:cSld>
+  <p:clrMapOvr>
+    <a:masterClrMapping/>
+  </p:clrMapOvr>
+</p:notes>
 </file>
 
 <file path=ppt/slideLayouts/slideLayout1.xml><?xml version="1.0" encoding="utf-8"?>
@@ -308,7 +895,7 @@
             <a:fld id="{D25BB3CF-9E66-4877-B644-C586699910B7}" type="datetimeFigureOut">
               <a:rPr lang="it-IT" smtClean="0"/>
               <a:pPr/>
-              <a:t>01/10/2018</a:t>
+              <a:t>03/10/2018</a:t>
             </a:fld>
             <a:endParaRPr lang="it-IT"/>
           </a:p>
@@ -475,7 +1062,7 @@
             <a:fld id="{D25BB3CF-9E66-4877-B644-C586699910B7}" type="datetimeFigureOut">
               <a:rPr lang="it-IT" smtClean="0"/>
               <a:pPr/>
-              <a:t>01/10/2018</a:t>
+              <a:t>03/10/2018</a:t>
             </a:fld>
             <a:endParaRPr lang="it-IT"/>
           </a:p>
@@ -652,7 +1239,7 @@
             <a:fld id="{D25BB3CF-9E66-4877-B644-C586699910B7}" type="datetimeFigureOut">
               <a:rPr lang="it-IT" smtClean="0"/>
               <a:pPr/>
-              <a:t>01/10/2018</a:t>
+              <a:t>03/10/2018</a:t>
             </a:fld>
             <a:endParaRPr lang="it-IT"/>
           </a:p>
@@ -819,7 +1406,7 @@
             <a:fld id="{D25BB3CF-9E66-4877-B644-C586699910B7}" type="datetimeFigureOut">
               <a:rPr lang="it-IT" smtClean="0"/>
               <a:pPr/>
-              <a:t>01/10/2018</a:t>
+              <a:t>03/10/2018</a:t>
             </a:fld>
             <a:endParaRPr lang="it-IT"/>
           </a:p>
@@ -1062,7 +1649,7 @@
             <a:fld id="{D25BB3CF-9E66-4877-B644-C586699910B7}" type="datetimeFigureOut">
               <a:rPr lang="it-IT" smtClean="0"/>
               <a:pPr/>
-              <a:t>01/10/2018</a:t>
+              <a:t>03/10/2018</a:t>
             </a:fld>
             <a:endParaRPr lang="it-IT"/>
           </a:p>
@@ -1347,7 +1934,7 @@
             <a:fld id="{D25BB3CF-9E66-4877-B644-C586699910B7}" type="datetimeFigureOut">
               <a:rPr lang="it-IT" smtClean="0"/>
               <a:pPr/>
-              <a:t>01/10/2018</a:t>
+              <a:t>03/10/2018</a:t>
             </a:fld>
             <a:endParaRPr lang="it-IT"/>
           </a:p>
@@ -1766,7 +2353,7 @@
             <a:fld id="{D25BB3CF-9E66-4877-B644-C586699910B7}" type="datetimeFigureOut">
               <a:rPr lang="it-IT" smtClean="0"/>
               <a:pPr/>
-              <a:t>01/10/2018</a:t>
+              <a:t>03/10/2018</a:t>
             </a:fld>
             <a:endParaRPr lang="it-IT"/>
           </a:p>
@@ -1881,7 +2468,7 @@
             <a:fld id="{D25BB3CF-9E66-4877-B644-C586699910B7}" type="datetimeFigureOut">
               <a:rPr lang="it-IT" smtClean="0"/>
               <a:pPr/>
-              <a:t>01/10/2018</a:t>
+              <a:t>03/10/2018</a:t>
             </a:fld>
             <a:endParaRPr lang="it-IT"/>
           </a:p>
@@ -1973,7 +2560,7 @@
             <a:fld id="{D25BB3CF-9E66-4877-B644-C586699910B7}" type="datetimeFigureOut">
               <a:rPr lang="it-IT" smtClean="0"/>
               <a:pPr/>
-              <a:t>01/10/2018</a:t>
+              <a:t>03/10/2018</a:t>
             </a:fld>
             <a:endParaRPr lang="it-IT"/>
           </a:p>
@@ -2247,7 +2834,7 @@
             <a:fld id="{D25BB3CF-9E66-4877-B644-C586699910B7}" type="datetimeFigureOut">
               <a:rPr lang="it-IT" smtClean="0"/>
               <a:pPr/>
-              <a:t>01/10/2018</a:t>
+              <a:t>03/10/2018</a:t>
             </a:fld>
             <a:endParaRPr lang="it-IT"/>
           </a:p>
@@ -2497,7 +3084,7 @@
             <a:fld id="{D25BB3CF-9E66-4877-B644-C586699910B7}" type="datetimeFigureOut">
               <a:rPr lang="it-IT" smtClean="0"/>
               <a:pPr/>
-              <a:t>01/10/2018</a:t>
+              <a:t>03/10/2018</a:t>
             </a:fld>
             <a:endParaRPr lang="it-IT"/>
           </a:p>
@@ -2707,7 +3294,7 @@
             <a:fld id="{D25BB3CF-9E66-4877-B644-C586699910B7}" type="datetimeFigureOut">
               <a:rPr lang="it-IT" smtClean="0"/>
               <a:pPr/>
-              <a:t>01/10/2018</a:t>
+              <a:t>03/10/2018</a:t>
             </a:fld>
             <a:endParaRPr lang="it-IT"/>
           </a:p>
@@ -3314,6 +3901,13 @@
   <p:clrMapOvr>
     <a:masterClrMapping/>
   </p:clrMapOvr>
+  <p:timing>
+    <p:tnLst>
+      <p:par>
+        <p:cTn id="1" dur="indefinite" restart="never" nodeType="tmRoot"/>
+      </p:par>
+    </p:tnLst>
+  </p:timing>
 </p:sld>
 </file>
 
@@ -3344,18 +3938,19 @@
             <p:ph type="title"/>
           </p:nvPr>
         </p:nvSpPr>
-        <p:spPr/>
+        <p:spPr>
+          <a:xfrm>
+            <a:off x="457200" y="720747"/>
+            <a:ext cx="8229600" cy="1143000"/>
+          </a:xfrm>
+        </p:spPr>
         <p:txBody>
           <a:bodyPr/>
           <a:lstStyle/>
           <a:p>
             <a:r>
               <a:rPr lang="it-IT" dirty="0" smtClean="0"/>
-              <a:t>Trasmettitore 4/</a:t>
-            </a:r>
-            <a:r>
-              <a:rPr lang="it-IT" dirty="0" err="1" smtClean="0"/>
-              <a:t>4</a:t>
+              <a:t>Trasmettitore 3/4</a:t>
             </a:r>
             <a:endParaRPr lang="it-IT" dirty="0"/>
           </a:p>
@@ -3371,7 +3966,12 @@
             <p:ph idx="1"/>
           </p:nvPr>
         </p:nvSpPr>
-        <p:spPr/>
+        <p:spPr>
+          <a:xfrm>
+            <a:off x="457200" y="2046309"/>
+            <a:ext cx="8229600" cy="4525963"/>
+          </a:xfrm>
+        </p:spPr>
         <p:txBody>
           <a:bodyPr/>
           <a:lstStyle/>
@@ -3381,15 +3981,14 @@
             </a:pPr>
             <a:r>
               <a:rPr lang="it-IT" dirty="0" smtClean="0"/>
-              <a:t>Passaggio dati all’SDR</a:t>
-            </a:r>
-            <a:endParaRPr lang="it-IT" dirty="0" smtClean="0"/>
+              <a:t>Allocazione simboli sulle sottoportanti e creazione campioni per l’SDR</a:t>
+            </a:r>
           </a:p>
         </p:txBody>
       </p:sp>
       <p:pic>
         <p:nvPicPr>
-          <p:cNvPr id="4098" name="Picture 2" descr="C:\Users\fiapol\Desktop\tesi\PoorManThesis-master\PoorManThesis-master\images\Tx4.png"/>
+          <p:cNvPr id="3074" name="Picture 2" descr="C:\Users\fiapol\Desktop\tesi\PoorManThesis-master\PoorManThesis-master\images\Tx3.png"/>
           <p:cNvPicPr>
             <a:picLocks noChangeAspect="1" noChangeArrowheads="1"/>
           </p:cNvPicPr>
@@ -3404,8 +4003,8 @@
         </p:blipFill>
         <p:spPr bwMode="auto">
           <a:xfrm>
-            <a:off x="2184400" y="3240088"/>
-            <a:ext cx="5705475" cy="2924175"/>
+            <a:off x="130207" y="3732233"/>
+            <a:ext cx="8942387" cy="1687743"/>
           </a:xfrm>
           <a:prstGeom prst="rect">
             <a:avLst/>
@@ -3413,11 +4012,283 @@
           <a:noFill/>
         </p:spPr>
       </p:pic>
+      <p:grpSp>
+        <p:nvGrpSpPr>
+          <p:cNvPr id="14" name="Gruppo 13"/>
+          <p:cNvGrpSpPr/>
+          <p:nvPr/>
+        </p:nvGrpSpPr>
+        <p:grpSpPr>
+          <a:xfrm>
+            <a:off x="796" y="33105"/>
+            <a:ext cx="9143207" cy="681251"/>
+            <a:chOff x="796" y="33105"/>
+            <a:chExt cx="9143207" cy="681251"/>
+          </a:xfrm>
+        </p:grpSpPr>
+        <p:grpSp>
+          <p:nvGrpSpPr>
+            <p:cNvPr id="15" name="Gruppo 7"/>
+            <p:cNvGrpSpPr/>
+            <p:nvPr/>
+          </p:nvGrpSpPr>
+          <p:grpSpPr>
+            <a:xfrm>
+              <a:off x="71406" y="71414"/>
+              <a:ext cx="3071864" cy="567375"/>
+              <a:chOff x="0" y="0"/>
+              <a:chExt cx="8715404" cy="1609736"/>
+            </a:xfrm>
+          </p:grpSpPr>
+          <p:pic>
+            <p:nvPicPr>
+              <p:cNvPr id="19" name="Picture 3"/>
+              <p:cNvPicPr>
+                <a:picLocks noChangeAspect="1" noChangeArrowheads="1"/>
+              </p:cNvPicPr>
+              <p:nvPr/>
+            </p:nvPicPr>
+            <p:blipFill>
+              <a:blip r:embed="rId3" cstate="print"/>
+              <a:srcRect l="45509" t="4944" r="39530" b="69980"/>
+              <a:stretch>
+                <a:fillRect/>
+              </a:stretch>
+            </p:blipFill>
+            <p:spPr bwMode="auto">
+              <a:xfrm>
+                <a:off x="0" y="0"/>
+                <a:ext cx="1857388" cy="1609736"/>
+              </a:xfrm>
+              <a:prstGeom prst="rect">
+                <a:avLst/>
+              </a:prstGeom>
+              <a:noFill/>
+              <a:ln w="9525">
+                <a:noFill/>
+                <a:miter lim="800000"/>
+                <a:headEnd/>
+                <a:tailEnd/>
+              </a:ln>
+              <a:effectLst/>
+            </p:spPr>
+          </p:pic>
+          <p:pic>
+            <p:nvPicPr>
+              <p:cNvPr id="20" name="Picture 4"/>
+              <p:cNvPicPr>
+                <a:picLocks noChangeAspect="1" noChangeArrowheads="1"/>
+              </p:cNvPicPr>
+              <p:nvPr/>
+            </p:nvPicPr>
+            <p:blipFill>
+              <a:blip r:embed="rId4" cstate="print"/>
+              <a:srcRect l="16687" t="64901" r="11001" b="28126"/>
+              <a:stretch>
+                <a:fillRect/>
+              </a:stretch>
+            </p:blipFill>
+            <p:spPr bwMode="auto">
+              <a:xfrm>
+                <a:off x="1714512" y="671173"/>
+                <a:ext cx="7000892" cy="357190"/>
+              </a:xfrm>
+              <a:prstGeom prst="rect">
+                <a:avLst/>
+              </a:prstGeom>
+              <a:noFill/>
+              <a:ln w="9525">
+                <a:noFill/>
+                <a:miter lim="800000"/>
+                <a:headEnd/>
+                <a:tailEnd/>
+              </a:ln>
+              <a:effectLst/>
+            </p:spPr>
+          </p:pic>
+          <p:pic>
+            <p:nvPicPr>
+              <p:cNvPr id="21" name="Picture 3"/>
+              <p:cNvPicPr>
+                <a:picLocks noChangeAspect="1" noChangeArrowheads="1"/>
+              </p:cNvPicPr>
+              <p:nvPr/>
+            </p:nvPicPr>
+            <p:blipFill>
+              <a:blip r:embed="rId5" cstate="print"/>
+              <a:srcRect l="28553" t="28091" r="22574" b="62426"/>
+              <a:stretch>
+                <a:fillRect/>
+              </a:stretch>
+            </p:blipFill>
+            <p:spPr bwMode="auto">
+              <a:xfrm>
+                <a:off x="3071802" y="99669"/>
+                <a:ext cx="4272064" cy="428628"/>
+              </a:xfrm>
+              <a:prstGeom prst="rect">
+                <a:avLst/>
+              </a:prstGeom>
+              <a:noFill/>
+              <a:ln w="9525">
+                <a:noFill/>
+                <a:miter lim="800000"/>
+                <a:headEnd/>
+                <a:tailEnd/>
+              </a:ln>
+              <a:effectLst/>
+            </p:spPr>
+          </p:pic>
+          <p:pic>
+            <p:nvPicPr>
+              <p:cNvPr id="22" name="Picture 4"/>
+              <p:cNvPicPr>
+                <a:picLocks noChangeAspect="1" noChangeArrowheads="1"/>
+              </p:cNvPicPr>
+              <p:nvPr/>
+            </p:nvPicPr>
+            <p:blipFill>
+              <a:blip r:embed="rId4" cstate="print"/>
+              <a:srcRect l="16687" t="80243" r="11001" b="13986"/>
+              <a:stretch>
+                <a:fillRect/>
+              </a:stretch>
+            </p:blipFill>
+            <p:spPr bwMode="auto">
+              <a:xfrm>
+                <a:off x="1714512" y="1028363"/>
+                <a:ext cx="7000892" cy="295621"/>
+              </a:xfrm>
+              <a:prstGeom prst="rect">
+                <a:avLst/>
+              </a:prstGeom>
+              <a:noFill/>
+              <a:ln w="9525">
+                <a:noFill/>
+                <a:miter lim="800000"/>
+                <a:headEnd/>
+                <a:tailEnd/>
+              </a:ln>
+              <a:effectLst/>
+            </p:spPr>
+          </p:pic>
+        </p:grpSp>
+        <p:pic>
+          <p:nvPicPr>
+            <p:cNvPr id="16" name="Picture 2"/>
+            <p:cNvPicPr>
+              <a:picLocks noChangeAspect="1" noChangeArrowheads="1"/>
+            </p:cNvPicPr>
+            <p:nvPr/>
+          </p:nvPicPr>
+          <p:blipFill>
+            <a:blip r:embed="rId6" cstate="print"/>
+            <a:srcRect l="12051" t="16667" r="5893" b="54167"/>
+            <a:stretch>
+              <a:fillRect/>
+            </a:stretch>
+          </p:blipFill>
+          <p:spPr bwMode="auto">
+            <a:xfrm>
+              <a:off x="3071802" y="33105"/>
+              <a:ext cx="3143274" cy="681251"/>
+            </a:xfrm>
+            <a:prstGeom prst="rect">
+              <a:avLst/>
+            </a:prstGeom>
+            <a:noFill/>
+            <a:ln w="9525">
+              <a:noFill/>
+              <a:miter lim="800000"/>
+              <a:headEnd/>
+              <a:tailEnd/>
+            </a:ln>
+            <a:effectLst/>
+          </p:spPr>
+        </p:pic>
+        <p:pic>
+          <p:nvPicPr>
+            <p:cNvPr id="17" name="Picture 2"/>
+            <p:cNvPicPr>
+              <a:picLocks noChangeAspect="1" noChangeArrowheads="1"/>
+            </p:cNvPicPr>
+            <p:nvPr/>
+          </p:nvPicPr>
+          <p:blipFill>
+            <a:blip r:embed="rId7"/>
+            <a:srcRect l="74285" t="66211" r="2939" b="22997"/>
+            <a:stretch>
+              <a:fillRect/>
+            </a:stretch>
+          </p:blipFill>
+          <p:spPr bwMode="auto">
+            <a:xfrm>
+              <a:off x="6929454" y="142852"/>
+              <a:ext cx="1500166" cy="433410"/>
+            </a:xfrm>
+            <a:prstGeom prst="rect">
+              <a:avLst/>
+            </a:prstGeom>
+            <a:noFill/>
+            <a:ln w="9525">
+              <a:noFill/>
+              <a:miter lim="800000"/>
+              <a:headEnd/>
+              <a:tailEnd/>
+            </a:ln>
+            <a:effectLst/>
+          </p:spPr>
+        </p:pic>
+        <p:cxnSp>
+          <p:nvCxnSpPr>
+            <p:cNvPr id="18" name="Connettore 1 17"/>
+            <p:cNvCxnSpPr/>
+            <p:nvPr/>
+          </p:nvCxnSpPr>
+          <p:spPr>
+            <a:xfrm rot="10800000" flipV="1">
+              <a:off x="796" y="711275"/>
+              <a:ext cx="9143207" cy="3080"/>
+            </a:xfrm>
+            <a:prstGeom prst="line">
+              <a:avLst/>
+            </a:prstGeom>
+            <a:ln>
+              <a:solidFill>
+                <a:schemeClr val="bg1">
+                  <a:lumMod val="50000"/>
+                </a:schemeClr>
+              </a:solidFill>
+            </a:ln>
+          </p:spPr>
+          <p:style>
+            <a:lnRef idx="1">
+              <a:schemeClr val="accent1"/>
+            </a:lnRef>
+            <a:fillRef idx="0">
+              <a:schemeClr val="accent1"/>
+            </a:fillRef>
+            <a:effectRef idx="0">
+              <a:schemeClr val="accent1"/>
+            </a:effectRef>
+            <a:fontRef idx="minor">
+              <a:schemeClr val="tx1"/>
+            </a:fontRef>
+          </p:style>
+        </p:cxnSp>
+      </p:grpSp>
     </p:spTree>
   </p:cSld>
   <p:clrMapOvr>
     <a:masterClrMapping/>
   </p:clrMapOvr>
+  <p:timing>
+    <p:tnLst>
+      <p:par>
+        <p:cTn id="1" dur="indefinite" restart="never" nodeType="tmRoot"/>
+      </p:par>
+    </p:tnLst>
+  </p:timing>
 </p:sld>
 </file>
 
@@ -3448,14 +4319,23 @@
             <p:ph type="title"/>
           </p:nvPr>
         </p:nvSpPr>
-        <p:spPr/>
+        <p:spPr>
+          <a:xfrm>
+            <a:off x="457200" y="714356"/>
+            <a:ext cx="8229600" cy="1143000"/>
+          </a:xfrm>
+        </p:spPr>
         <p:txBody>
           <a:bodyPr/>
           <a:lstStyle/>
           <a:p>
             <a:r>
               <a:rPr lang="it-IT" dirty="0" smtClean="0"/>
-              <a:t>Ricevitore 1/3</a:t>
+              <a:t>Trasmettitore 4/</a:t>
+            </a:r>
+            <a:r>
+              <a:rPr lang="it-IT" dirty="0" err="1" smtClean="0"/>
+              <a:t>4</a:t>
             </a:r>
             <a:endParaRPr lang="it-IT" dirty="0"/>
           </a:p>
@@ -3471,7 +4351,12 @@
             <p:ph idx="1"/>
           </p:nvPr>
         </p:nvSpPr>
-        <p:spPr/>
+        <p:spPr>
+          <a:xfrm>
+            <a:off x="457200" y="2079647"/>
+            <a:ext cx="8229600" cy="4525963"/>
+          </a:xfrm>
+        </p:spPr>
         <p:txBody>
           <a:bodyPr/>
           <a:lstStyle/>
@@ -3481,15 +4366,14 @@
             </a:pPr>
             <a:r>
               <a:rPr lang="it-IT" dirty="0" smtClean="0"/>
-              <a:t>Ricezione informazioni, sincronizzazione</a:t>
-            </a:r>
-            <a:endParaRPr lang="it-IT" dirty="0" smtClean="0"/>
+              <a:t>Passaggio dati all’SDR</a:t>
+            </a:r>
           </a:p>
         </p:txBody>
       </p:sp>
       <p:pic>
         <p:nvPicPr>
-          <p:cNvPr id="5122" name="Picture 2" descr="C:\Users\fiapol\Desktop\tesi\PoorManThesis-master\PoorManThesis-master\images\Rx1.png"/>
+          <p:cNvPr id="4098" name="Picture 2" descr="C:\Users\fiapol\Desktop\tesi\PoorManThesis-master\PoorManThesis-master\images\Tx4.png"/>
           <p:cNvPicPr>
             <a:picLocks noChangeAspect="1" noChangeArrowheads="1"/>
           </p:cNvPicPr>
@@ -3504,8 +4388,8 @@
         </p:blipFill>
         <p:spPr bwMode="auto">
           <a:xfrm>
-            <a:off x="88414" y="2714620"/>
-            <a:ext cx="8912742" cy="3302833"/>
+            <a:off x="1928794" y="3143248"/>
+            <a:ext cx="5705475" cy="2924175"/>
           </a:xfrm>
           <a:prstGeom prst="rect">
             <a:avLst/>
@@ -3513,11 +4397,283 @@
           <a:noFill/>
         </p:spPr>
       </p:pic>
+      <p:grpSp>
+        <p:nvGrpSpPr>
+          <p:cNvPr id="14" name="Gruppo 13"/>
+          <p:cNvGrpSpPr/>
+          <p:nvPr/>
+        </p:nvGrpSpPr>
+        <p:grpSpPr>
+          <a:xfrm>
+            <a:off x="796" y="33105"/>
+            <a:ext cx="9143207" cy="681251"/>
+            <a:chOff x="796" y="33105"/>
+            <a:chExt cx="9143207" cy="681251"/>
+          </a:xfrm>
+        </p:grpSpPr>
+        <p:grpSp>
+          <p:nvGrpSpPr>
+            <p:cNvPr id="15" name="Gruppo 7"/>
+            <p:cNvGrpSpPr/>
+            <p:nvPr/>
+          </p:nvGrpSpPr>
+          <p:grpSpPr>
+            <a:xfrm>
+              <a:off x="71406" y="71414"/>
+              <a:ext cx="3071864" cy="567375"/>
+              <a:chOff x="0" y="0"/>
+              <a:chExt cx="8715404" cy="1609736"/>
+            </a:xfrm>
+          </p:grpSpPr>
+          <p:pic>
+            <p:nvPicPr>
+              <p:cNvPr id="19" name="Picture 3"/>
+              <p:cNvPicPr>
+                <a:picLocks noChangeAspect="1" noChangeArrowheads="1"/>
+              </p:cNvPicPr>
+              <p:nvPr/>
+            </p:nvPicPr>
+            <p:blipFill>
+              <a:blip r:embed="rId3" cstate="print"/>
+              <a:srcRect l="45509" t="4944" r="39530" b="69980"/>
+              <a:stretch>
+                <a:fillRect/>
+              </a:stretch>
+            </p:blipFill>
+            <p:spPr bwMode="auto">
+              <a:xfrm>
+                <a:off x="0" y="0"/>
+                <a:ext cx="1857388" cy="1609736"/>
+              </a:xfrm>
+              <a:prstGeom prst="rect">
+                <a:avLst/>
+              </a:prstGeom>
+              <a:noFill/>
+              <a:ln w="9525">
+                <a:noFill/>
+                <a:miter lim="800000"/>
+                <a:headEnd/>
+                <a:tailEnd/>
+              </a:ln>
+              <a:effectLst/>
+            </p:spPr>
+          </p:pic>
+          <p:pic>
+            <p:nvPicPr>
+              <p:cNvPr id="20" name="Picture 4"/>
+              <p:cNvPicPr>
+                <a:picLocks noChangeAspect="1" noChangeArrowheads="1"/>
+              </p:cNvPicPr>
+              <p:nvPr/>
+            </p:nvPicPr>
+            <p:blipFill>
+              <a:blip r:embed="rId4" cstate="print"/>
+              <a:srcRect l="16687" t="64901" r="11001" b="28126"/>
+              <a:stretch>
+                <a:fillRect/>
+              </a:stretch>
+            </p:blipFill>
+            <p:spPr bwMode="auto">
+              <a:xfrm>
+                <a:off x="1714512" y="671173"/>
+                <a:ext cx="7000892" cy="357190"/>
+              </a:xfrm>
+              <a:prstGeom prst="rect">
+                <a:avLst/>
+              </a:prstGeom>
+              <a:noFill/>
+              <a:ln w="9525">
+                <a:noFill/>
+                <a:miter lim="800000"/>
+                <a:headEnd/>
+                <a:tailEnd/>
+              </a:ln>
+              <a:effectLst/>
+            </p:spPr>
+          </p:pic>
+          <p:pic>
+            <p:nvPicPr>
+              <p:cNvPr id="21" name="Picture 3"/>
+              <p:cNvPicPr>
+                <a:picLocks noChangeAspect="1" noChangeArrowheads="1"/>
+              </p:cNvPicPr>
+              <p:nvPr/>
+            </p:nvPicPr>
+            <p:blipFill>
+              <a:blip r:embed="rId5" cstate="print"/>
+              <a:srcRect l="28553" t="28091" r="22574" b="62426"/>
+              <a:stretch>
+                <a:fillRect/>
+              </a:stretch>
+            </p:blipFill>
+            <p:spPr bwMode="auto">
+              <a:xfrm>
+                <a:off x="3071802" y="99669"/>
+                <a:ext cx="4272064" cy="428628"/>
+              </a:xfrm>
+              <a:prstGeom prst="rect">
+                <a:avLst/>
+              </a:prstGeom>
+              <a:noFill/>
+              <a:ln w="9525">
+                <a:noFill/>
+                <a:miter lim="800000"/>
+                <a:headEnd/>
+                <a:tailEnd/>
+              </a:ln>
+              <a:effectLst/>
+            </p:spPr>
+          </p:pic>
+          <p:pic>
+            <p:nvPicPr>
+              <p:cNvPr id="22" name="Picture 4"/>
+              <p:cNvPicPr>
+                <a:picLocks noChangeAspect="1" noChangeArrowheads="1"/>
+              </p:cNvPicPr>
+              <p:nvPr/>
+            </p:nvPicPr>
+            <p:blipFill>
+              <a:blip r:embed="rId4" cstate="print"/>
+              <a:srcRect l="16687" t="80243" r="11001" b="13986"/>
+              <a:stretch>
+                <a:fillRect/>
+              </a:stretch>
+            </p:blipFill>
+            <p:spPr bwMode="auto">
+              <a:xfrm>
+                <a:off x="1714512" y="1028363"/>
+                <a:ext cx="7000892" cy="295621"/>
+              </a:xfrm>
+              <a:prstGeom prst="rect">
+                <a:avLst/>
+              </a:prstGeom>
+              <a:noFill/>
+              <a:ln w="9525">
+                <a:noFill/>
+                <a:miter lim="800000"/>
+                <a:headEnd/>
+                <a:tailEnd/>
+              </a:ln>
+              <a:effectLst/>
+            </p:spPr>
+          </p:pic>
+        </p:grpSp>
+        <p:pic>
+          <p:nvPicPr>
+            <p:cNvPr id="16" name="Picture 2"/>
+            <p:cNvPicPr>
+              <a:picLocks noChangeAspect="1" noChangeArrowheads="1"/>
+            </p:cNvPicPr>
+            <p:nvPr/>
+          </p:nvPicPr>
+          <p:blipFill>
+            <a:blip r:embed="rId6" cstate="print"/>
+            <a:srcRect l="12051" t="16667" r="5893" b="54167"/>
+            <a:stretch>
+              <a:fillRect/>
+            </a:stretch>
+          </p:blipFill>
+          <p:spPr bwMode="auto">
+            <a:xfrm>
+              <a:off x="3071802" y="33105"/>
+              <a:ext cx="3143274" cy="681251"/>
+            </a:xfrm>
+            <a:prstGeom prst="rect">
+              <a:avLst/>
+            </a:prstGeom>
+            <a:noFill/>
+            <a:ln w="9525">
+              <a:noFill/>
+              <a:miter lim="800000"/>
+              <a:headEnd/>
+              <a:tailEnd/>
+            </a:ln>
+            <a:effectLst/>
+          </p:spPr>
+        </p:pic>
+        <p:pic>
+          <p:nvPicPr>
+            <p:cNvPr id="17" name="Picture 2"/>
+            <p:cNvPicPr>
+              <a:picLocks noChangeAspect="1" noChangeArrowheads="1"/>
+            </p:cNvPicPr>
+            <p:nvPr/>
+          </p:nvPicPr>
+          <p:blipFill>
+            <a:blip r:embed="rId7"/>
+            <a:srcRect l="74285" t="66211" r="2939" b="22997"/>
+            <a:stretch>
+              <a:fillRect/>
+            </a:stretch>
+          </p:blipFill>
+          <p:spPr bwMode="auto">
+            <a:xfrm>
+              <a:off x="6929454" y="142852"/>
+              <a:ext cx="1500166" cy="433410"/>
+            </a:xfrm>
+            <a:prstGeom prst="rect">
+              <a:avLst/>
+            </a:prstGeom>
+            <a:noFill/>
+            <a:ln w="9525">
+              <a:noFill/>
+              <a:miter lim="800000"/>
+              <a:headEnd/>
+              <a:tailEnd/>
+            </a:ln>
+            <a:effectLst/>
+          </p:spPr>
+        </p:pic>
+        <p:cxnSp>
+          <p:nvCxnSpPr>
+            <p:cNvPr id="18" name="Connettore 1 17"/>
+            <p:cNvCxnSpPr/>
+            <p:nvPr/>
+          </p:nvCxnSpPr>
+          <p:spPr>
+            <a:xfrm rot="10800000" flipV="1">
+              <a:off x="796" y="711275"/>
+              <a:ext cx="9143207" cy="3080"/>
+            </a:xfrm>
+            <a:prstGeom prst="line">
+              <a:avLst/>
+            </a:prstGeom>
+            <a:ln>
+              <a:solidFill>
+                <a:schemeClr val="bg1">
+                  <a:lumMod val="50000"/>
+                </a:schemeClr>
+              </a:solidFill>
+            </a:ln>
+          </p:spPr>
+          <p:style>
+            <a:lnRef idx="1">
+              <a:schemeClr val="accent1"/>
+            </a:lnRef>
+            <a:fillRef idx="0">
+              <a:schemeClr val="accent1"/>
+            </a:fillRef>
+            <a:effectRef idx="0">
+              <a:schemeClr val="accent1"/>
+            </a:effectRef>
+            <a:fontRef idx="minor">
+              <a:schemeClr val="tx1"/>
+            </a:fontRef>
+          </p:style>
+        </p:cxnSp>
+      </p:grpSp>
     </p:spTree>
   </p:cSld>
   <p:clrMapOvr>
     <a:masterClrMapping/>
   </p:clrMapOvr>
+  <p:timing>
+    <p:tnLst>
+      <p:par>
+        <p:cTn id="1" dur="indefinite" restart="never" nodeType="tmRoot"/>
+      </p:par>
+    </p:tnLst>
+  </p:timing>
 </p:sld>
 </file>
 
@@ -3548,14 +4704,19 @@
             <p:ph type="title"/>
           </p:nvPr>
         </p:nvSpPr>
-        <p:spPr/>
+        <p:spPr>
+          <a:xfrm>
+            <a:off x="457200" y="720747"/>
+            <a:ext cx="8229600" cy="1143000"/>
+          </a:xfrm>
+        </p:spPr>
         <p:txBody>
           <a:bodyPr/>
           <a:lstStyle/>
           <a:p>
             <a:r>
               <a:rPr lang="it-IT" dirty="0" smtClean="0"/>
-              <a:t>Ricevitore 2/3</a:t>
+              <a:t>Ricevitore 1/3</a:t>
             </a:r>
             <a:endParaRPr lang="it-IT" dirty="0"/>
           </a:p>
@@ -3571,7 +4732,12 @@
             <p:ph idx="1"/>
           </p:nvPr>
         </p:nvSpPr>
-        <p:spPr/>
+        <p:spPr>
+          <a:xfrm>
+            <a:off x="457200" y="2046309"/>
+            <a:ext cx="8229600" cy="4525963"/>
+          </a:xfrm>
+        </p:spPr>
         <p:txBody>
           <a:bodyPr/>
           <a:lstStyle/>
@@ -3581,15 +4747,14 @@
             </a:pPr>
             <a:r>
               <a:rPr lang="it-IT" dirty="0" smtClean="0"/>
-              <a:t>Equalizzazione e ottenimento simboli</a:t>
-            </a:r>
-            <a:endParaRPr lang="it-IT" dirty="0" smtClean="0"/>
+              <a:t>Ricezione informazioni, sincronizzazione</a:t>
+            </a:r>
           </a:p>
         </p:txBody>
       </p:sp>
       <p:pic>
         <p:nvPicPr>
-          <p:cNvPr id="6146" name="Picture 2" descr="C:\Users\fiapol\Desktop\tesi\PoorManThesis-master\PoorManThesis-master\images\Rx2.png"/>
+          <p:cNvPr id="5122" name="Picture 2" descr="C:\Users\fiapol\Desktop\tesi\PoorManThesis-master\PoorManThesis-master\images\Rx1.png"/>
           <p:cNvPicPr>
             <a:picLocks noChangeAspect="1" noChangeArrowheads="1"/>
           </p:cNvPicPr>
@@ -3604,8 +4769,8 @@
         </p:blipFill>
         <p:spPr bwMode="auto">
           <a:xfrm>
-            <a:off x="142844" y="2571744"/>
-            <a:ext cx="9010635" cy="2924032"/>
+            <a:off x="88414" y="3160729"/>
+            <a:ext cx="8912742" cy="3302833"/>
           </a:xfrm>
           <a:prstGeom prst="rect">
             <a:avLst/>
@@ -3613,11 +4778,283 @@
           <a:noFill/>
         </p:spPr>
       </p:pic>
+      <p:grpSp>
+        <p:nvGrpSpPr>
+          <p:cNvPr id="14" name="Gruppo 13"/>
+          <p:cNvGrpSpPr/>
+          <p:nvPr/>
+        </p:nvGrpSpPr>
+        <p:grpSpPr>
+          <a:xfrm>
+            <a:off x="796" y="33105"/>
+            <a:ext cx="9143207" cy="681251"/>
+            <a:chOff x="796" y="33105"/>
+            <a:chExt cx="9143207" cy="681251"/>
+          </a:xfrm>
+        </p:grpSpPr>
+        <p:grpSp>
+          <p:nvGrpSpPr>
+            <p:cNvPr id="15" name="Gruppo 7"/>
+            <p:cNvGrpSpPr/>
+            <p:nvPr/>
+          </p:nvGrpSpPr>
+          <p:grpSpPr>
+            <a:xfrm>
+              <a:off x="71406" y="71414"/>
+              <a:ext cx="3071864" cy="567375"/>
+              <a:chOff x="0" y="0"/>
+              <a:chExt cx="8715404" cy="1609736"/>
+            </a:xfrm>
+          </p:grpSpPr>
+          <p:pic>
+            <p:nvPicPr>
+              <p:cNvPr id="19" name="Picture 3"/>
+              <p:cNvPicPr>
+                <a:picLocks noChangeAspect="1" noChangeArrowheads="1"/>
+              </p:cNvPicPr>
+              <p:nvPr/>
+            </p:nvPicPr>
+            <p:blipFill>
+              <a:blip r:embed="rId3" cstate="print"/>
+              <a:srcRect l="45509" t="4944" r="39530" b="69980"/>
+              <a:stretch>
+                <a:fillRect/>
+              </a:stretch>
+            </p:blipFill>
+            <p:spPr bwMode="auto">
+              <a:xfrm>
+                <a:off x="0" y="0"/>
+                <a:ext cx="1857388" cy="1609736"/>
+              </a:xfrm>
+              <a:prstGeom prst="rect">
+                <a:avLst/>
+              </a:prstGeom>
+              <a:noFill/>
+              <a:ln w="9525">
+                <a:noFill/>
+                <a:miter lim="800000"/>
+                <a:headEnd/>
+                <a:tailEnd/>
+              </a:ln>
+              <a:effectLst/>
+            </p:spPr>
+          </p:pic>
+          <p:pic>
+            <p:nvPicPr>
+              <p:cNvPr id="20" name="Picture 4"/>
+              <p:cNvPicPr>
+                <a:picLocks noChangeAspect="1" noChangeArrowheads="1"/>
+              </p:cNvPicPr>
+              <p:nvPr/>
+            </p:nvPicPr>
+            <p:blipFill>
+              <a:blip r:embed="rId4" cstate="print"/>
+              <a:srcRect l="16687" t="64901" r="11001" b="28126"/>
+              <a:stretch>
+                <a:fillRect/>
+              </a:stretch>
+            </p:blipFill>
+            <p:spPr bwMode="auto">
+              <a:xfrm>
+                <a:off x="1714512" y="671173"/>
+                <a:ext cx="7000892" cy="357190"/>
+              </a:xfrm>
+              <a:prstGeom prst="rect">
+                <a:avLst/>
+              </a:prstGeom>
+              <a:noFill/>
+              <a:ln w="9525">
+                <a:noFill/>
+                <a:miter lim="800000"/>
+                <a:headEnd/>
+                <a:tailEnd/>
+              </a:ln>
+              <a:effectLst/>
+            </p:spPr>
+          </p:pic>
+          <p:pic>
+            <p:nvPicPr>
+              <p:cNvPr id="21" name="Picture 3"/>
+              <p:cNvPicPr>
+                <a:picLocks noChangeAspect="1" noChangeArrowheads="1"/>
+              </p:cNvPicPr>
+              <p:nvPr/>
+            </p:nvPicPr>
+            <p:blipFill>
+              <a:blip r:embed="rId5" cstate="print"/>
+              <a:srcRect l="28553" t="28091" r="22574" b="62426"/>
+              <a:stretch>
+                <a:fillRect/>
+              </a:stretch>
+            </p:blipFill>
+            <p:spPr bwMode="auto">
+              <a:xfrm>
+                <a:off x="3071802" y="99669"/>
+                <a:ext cx="4272064" cy="428628"/>
+              </a:xfrm>
+              <a:prstGeom prst="rect">
+                <a:avLst/>
+              </a:prstGeom>
+              <a:noFill/>
+              <a:ln w="9525">
+                <a:noFill/>
+                <a:miter lim="800000"/>
+                <a:headEnd/>
+                <a:tailEnd/>
+              </a:ln>
+              <a:effectLst/>
+            </p:spPr>
+          </p:pic>
+          <p:pic>
+            <p:nvPicPr>
+              <p:cNvPr id="22" name="Picture 4"/>
+              <p:cNvPicPr>
+                <a:picLocks noChangeAspect="1" noChangeArrowheads="1"/>
+              </p:cNvPicPr>
+              <p:nvPr/>
+            </p:nvPicPr>
+            <p:blipFill>
+              <a:blip r:embed="rId4" cstate="print"/>
+              <a:srcRect l="16687" t="80243" r="11001" b="13986"/>
+              <a:stretch>
+                <a:fillRect/>
+              </a:stretch>
+            </p:blipFill>
+            <p:spPr bwMode="auto">
+              <a:xfrm>
+                <a:off x="1714512" y="1028363"/>
+                <a:ext cx="7000892" cy="295621"/>
+              </a:xfrm>
+              <a:prstGeom prst="rect">
+                <a:avLst/>
+              </a:prstGeom>
+              <a:noFill/>
+              <a:ln w="9525">
+                <a:noFill/>
+                <a:miter lim="800000"/>
+                <a:headEnd/>
+                <a:tailEnd/>
+              </a:ln>
+              <a:effectLst/>
+            </p:spPr>
+          </p:pic>
+        </p:grpSp>
+        <p:pic>
+          <p:nvPicPr>
+            <p:cNvPr id="16" name="Picture 2"/>
+            <p:cNvPicPr>
+              <a:picLocks noChangeAspect="1" noChangeArrowheads="1"/>
+            </p:cNvPicPr>
+            <p:nvPr/>
+          </p:nvPicPr>
+          <p:blipFill>
+            <a:blip r:embed="rId6" cstate="print"/>
+            <a:srcRect l="12051" t="16667" r="5893" b="54167"/>
+            <a:stretch>
+              <a:fillRect/>
+            </a:stretch>
+          </p:blipFill>
+          <p:spPr bwMode="auto">
+            <a:xfrm>
+              <a:off x="3071802" y="33105"/>
+              <a:ext cx="3143274" cy="681251"/>
+            </a:xfrm>
+            <a:prstGeom prst="rect">
+              <a:avLst/>
+            </a:prstGeom>
+            <a:noFill/>
+            <a:ln w="9525">
+              <a:noFill/>
+              <a:miter lim="800000"/>
+              <a:headEnd/>
+              <a:tailEnd/>
+            </a:ln>
+            <a:effectLst/>
+          </p:spPr>
+        </p:pic>
+        <p:pic>
+          <p:nvPicPr>
+            <p:cNvPr id="17" name="Picture 2"/>
+            <p:cNvPicPr>
+              <a:picLocks noChangeAspect="1" noChangeArrowheads="1"/>
+            </p:cNvPicPr>
+            <p:nvPr/>
+          </p:nvPicPr>
+          <p:blipFill>
+            <a:blip r:embed="rId7"/>
+            <a:srcRect l="74285" t="66211" r="2939" b="22997"/>
+            <a:stretch>
+              <a:fillRect/>
+            </a:stretch>
+          </p:blipFill>
+          <p:spPr bwMode="auto">
+            <a:xfrm>
+              <a:off x="6929454" y="142852"/>
+              <a:ext cx="1500166" cy="433410"/>
+            </a:xfrm>
+            <a:prstGeom prst="rect">
+              <a:avLst/>
+            </a:prstGeom>
+            <a:noFill/>
+            <a:ln w="9525">
+              <a:noFill/>
+              <a:miter lim="800000"/>
+              <a:headEnd/>
+              <a:tailEnd/>
+            </a:ln>
+            <a:effectLst/>
+          </p:spPr>
+        </p:pic>
+        <p:cxnSp>
+          <p:nvCxnSpPr>
+            <p:cNvPr id="18" name="Connettore 1 17"/>
+            <p:cNvCxnSpPr/>
+            <p:nvPr/>
+          </p:nvCxnSpPr>
+          <p:spPr>
+            <a:xfrm rot="10800000" flipV="1">
+              <a:off x="796" y="711275"/>
+              <a:ext cx="9143207" cy="3080"/>
+            </a:xfrm>
+            <a:prstGeom prst="line">
+              <a:avLst/>
+            </a:prstGeom>
+            <a:ln>
+              <a:solidFill>
+                <a:schemeClr val="bg1">
+                  <a:lumMod val="50000"/>
+                </a:schemeClr>
+              </a:solidFill>
+            </a:ln>
+          </p:spPr>
+          <p:style>
+            <a:lnRef idx="1">
+              <a:schemeClr val="accent1"/>
+            </a:lnRef>
+            <a:fillRef idx="0">
+              <a:schemeClr val="accent1"/>
+            </a:fillRef>
+            <a:effectRef idx="0">
+              <a:schemeClr val="accent1"/>
+            </a:effectRef>
+            <a:fontRef idx="minor">
+              <a:schemeClr val="tx1"/>
+            </a:fontRef>
+          </p:style>
+        </p:cxnSp>
+      </p:grpSp>
     </p:spTree>
   </p:cSld>
   <p:clrMapOvr>
     <a:masterClrMapping/>
   </p:clrMapOvr>
+  <p:timing>
+    <p:tnLst>
+      <p:par>
+        <p:cTn id="1" dur="indefinite" restart="never" nodeType="tmRoot"/>
+      </p:par>
+    </p:tnLst>
+  </p:timing>
 </p:sld>
 </file>
 
@@ -3648,18 +5085,19 @@
             <p:ph type="title"/>
           </p:nvPr>
         </p:nvSpPr>
-        <p:spPr/>
+        <p:spPr>
+          <a:xfrm>
+            <a:off x="457200" y="720747"/>
+            <a:ext cx="8229600" cy="1143000"/>
+          </a:xfrm>
+        </p:spPr>
         <p:txBody>
           <a:bodyPr/>
           <a:lstStyle/>
           <a:p>
             <a:r>
               <a:rPr lang="it-IT" dirty="0" smtClean="0"/>
-              <a:t>Ricevitore 3/</a:t>
-            </a:r>
-            <a:r>
-              <a:rPr lang="it-IT" dirty="0" err="1" smtClean="0"/>
-              <a:t>3</a:t>
+              <a:t>Ricevitore 2/3</a:t>
             </a:r>
             <a:endParaRPr lang="it-IT" dirty="0"/>
           </a:p>
@@ -3675,7 +5113,12 @@
             <p:ph idx="1"/>
           </p:nvPr>
         </p:nvSpPr>
-        <p:spPr/>
+        <p:spPr>
+          <a:xfrm>
+            <a:off x="457200" y="2046309"/>
+            <a:ext cx="8229600" cy="4525963"/>
+          </a:xfrm>
+        </p:spPr>
         <p:txBody>
           <a:bodyPr/>
           <a:lstStyle/>
@@ -3685,23 +5128,14 @@
             </a:pPr>
             <a:r>
               <a:rPr lang="it-IT" dirty="0" smtClean="0"/>
-              <a:t>Decodifica </a:t>
-            </a:r>
-            <a:r>
-              <a:rPr lang="it-IT" dirty="0" err="1" smtClean="0"/>
-              <a:t>payload</a:t>
-            </a:r>
-            <a:r>
-              <a:rPr lang="it-IT" dirty="0" smtClean="0"/>
-              <a:t> e scrittura file</a:t>
-            </a:r>
-            <a:endParaRPr lang="it-IT" dirty="0" smtClean="0"/>
+              <a:t>Equalizzazione e ottenimento simboli</a:t>
+            </a:r>
           </a:p>
         </p:txBody>
       </p:sp>
       <p:pic>
         <p:nvPicPr>
-          <p:cNvPr id="7170" name="Picture 2" descr="C:\Users\fiapol\Desktop\tesi\PoorManThesis-master\PoorManThesis-master\images\Rx3.png"/>
+          <p:cNvPr id="6146" name="Picture 2" descr="C:\Users\fiapol\Desktop\tesi\PoorManThesis-master\PoorManThesis-master\images\Rx2.png"/>
           <p:cNvPicPr>
             <a:picLocks noChangeAspect="1" noChangeArrowheads="1"/>
           </p:cNvPicPr>
@@ -3716,8 +5150,8 @@
         </p:blipFill>
         <p:spPr bwMode="auto">
           <a:xfrm>
-            <a:off x="142844" y="3214686"/>
-            <a:ext cx="8858280" cy="1241385"/>
+            <a:off x="142844" y="3017853"/>
+            <a:ext cx="9010635" cy="2924032"/>
           </a:xfrm>
           <a:prstGeom prst="rect">
             <a:avLst/>
@@ -3725,11 +5159,283 @@
           <a:noFill/>
         </p:spPr>
       </p:pic>
+      <p:grpSp>
+        <p:nvGrpSpPr>
+          <p:cNvPr id="14" name="Gruppo 13"/>
+          <p:cNvGrpSpPr/>
+          <p:nvPr/>
+        </p:nvGrpSpPr>
+        <p:grpSpPr>
+          <a:xfrm>
+            <a:off x="796" y="33105"/>
+            <a:ext cx="9143207" cy="681251"/>
+            <a:chOff x="796" y="33105"/>
+            <a:chExt cx="9143207" cy="681251"/>
+          </a:xfrm>
+        </p:grpSpPr>
+        <p:grpSp>
+          <p:nvGrpSpPr>
+            <p:cNvPr id="15" name="Gruppo 7"/>
+            <p:cNvGrpSpPr/>
+            <p:nvPr/>
+          </p:nvGrpSpPr>
+          <p:grpSpPr>
+            <a:xfrm>
+              <a:off x="71406" y="71414"/>
+              <a:ext cx="3071864" cy="567375"/>
+              <a:chOff x="0" y="0"/>
+              <a:chExt cx="8715404" cy="1609736"/>
+            </a:xfrm>
+          </p:grpSpPr>
+          <p:pic>
+            <p:nvPicPr>
+              <p:cNvPr id="19" name="Picture 3"/>
+              <p:cNvPicPr>
+                <a:picLocks noChangeAspect="1" noChangeArrowheads="1"/>
+              </p:cNvPicPr>
+              <p:nvPr/>
+            </p:nvPicPr>
+            <p:blipFill>
+              <a:blip r:embed="rId3" cstate="print"/>
+              <a:srcRect l="45509" t="4944" r="39530" b="69980"/>
+              <a:stretch>
+                <a:fillRect/>
+              </a:stretch>
+            </p:blipFill>
+            <p:spPr bwMode="auto">
+              <a:xfrm>
+                <a:off x="0" y="0"/>
+                <a:ext cx="1857388" cy="1609736"/>
+              </a:xfrm>
+              <a:prstGeom prst="rect">
+                <a:avLst/>
+              </a:prstGeom>
+              <a:noFill/>
+              <a:ln w="9525">
+                <a:noFill/>
+                <a:miter lim="800000"/>
+                <a:headEnd/>
+                <a:tailEnd/>
+              </a:ln>
+              <a:effectLst/>
+            </p:spPr>
+          </p:pic>
+          <p:pic>
+            <p:nvPicPr>
+              <p:cNvPr id="20" name="Picture 4"/>
+              <p:cNvPicPr>
+                <a:picLocks noChangeAspect="1" noChangeArrowheads="1"/>
+              </p:cNvPicPr>
+              <p:nvPr/>
+            </p:nvPicPr>
+            <p:blipFill>
+              <a:blip r:embed="rId4" cstate="print"/>
+              <a:srcRect l="16687" t="64901" r="11001" b="28126"/>
+              <a:stretch>
+                <a:fillRect/>
+              </a:stretch>
+            </p:blipFill>
+            <p:spPr bwMode="auto">
+              <a:xfrm>
+                <a:off x="1714512" y="671173"/>
+                <a:ext cx="7000892" cy="357190"/>
+              </a:xfrm>
+              <a:prstGeom prst="rect">
+                <a:avLst/>
+              </a:prstGeom>
+              <a:noFill/>
+              <a:ln w="9525">
+                <a:noFill/>
+                <a:miter lim="800000"/>
+                <a:headEnd/>
+                <a:tailEnd/>
+              </a:ln>
+              <a:effectLst/>
+            </p:spPr>
+          </p:pic>
+          <p:pic>
+            <p:nvPicPr>
+              <p:cNvPr id="21" name="Picture 3"/>
+              <p:cNvPicPr>
+                <a:picLocks noChangeAspect="1" noChangeArrowheads="1"/>
+              </p:cNvPicPr>
+              <p:nvPr/>
+            </p:nvPicPr>
+            <p:blipFill>
+              <a:blip r:embed="rId5" cstate="print"/>
+              <a:srcRect l="28553" t="28091" r="22574" b="62426"/>
+              <a:stretch>
+                <a:fillRect/>
+              </a:stretch>
+            </p:blipFill>
+            <p:spPr bwMode="auto">
+              <a:xfrm>
+                <a:off x="3071802" y="99669"/>
+                <a:ext cx="4272064" cy="428628"/>
+              </a:xfrm>
+              <a:prstGeom prst="rect">
+                <a:avLst/>
+              </a:prstGeom>
+              <a:noFill/>
+              <a:ln w="9525">
+                <a:noFill/>
+                <a:miter lim="800000"/>
+                <a:headEnd/>
+                <a:tailEnd/>
+              </a:ln>
+              <a:effectLst/>
+            </p:spPr>
+          </p:pic>
+          <p:pic>
+            <p:nvPicPr>
+              <p:cNvPr id="22" name="Picture 4"/>
+              <p:cNvPicPr>
+                <a:picLocks noChangeAspect="1" noChangeArrowheads="1"/>
+              </p:cNvPicPr>
+              <p:nvPr/>
+            </p:nvPicPr>
+            <p:blipFill>
+              <a:blip r:embed="rId4" cstate="print"/>
+              <a:srcRect l="16687" t="80243" r="11001" b="13986"/>
+              <a:stretch>
+                <a:fillRect/>
+              </a:stretch>
+            </p:blipFill>
+            <p:spPr bwMode="auto">
+              <a:xfrm>
+                <a:off x="1714512" y="1028363"/>
+                <a:ext cx="7000892" cy="295621"/>
+              </a:xfrm>
+              <a:prstGeom prst="rect">
+                <a:avLst/>
+              </a:prstGeom>
+              <a:noFill/>
+              <a:ln w="9525">
+                <a:noFill/>
+                <a:miter lim="800000"/>
+                <a:headEnd/>
+                <a:tailEnd/>
+              </a:ln>
+              <a:effectLst/>
+            </p:spPr>
+          </p:pic>
+        </p:grpSp>
+        <p:pic>
+          <p:nvPicPr>
+            <p:cNvPr id="16" name="Picture 2"/>
+            <p:cNvPicPr>
+              <a:picLocks noChangeAspect="1" noChangeArrowheads="1"/>
+            </p:cNvPicPr>
+            <p:nvPr/>
+          </p:nvPicPr>
+          <p:blipFill>
+            <a:blip r:embed="rId6" cstate="print"/>
+            <a:srcRect l="12051" t="16667" r="5893" b="54167"/>
+            <a:stretch>
+              <a:fillRect/>
+            </a:stretch>
+          </p:blipFill>
+          <p:spPr bwMode="auto">
+            <a:xfrm>
+              <a:off x="3071802" y="33105"/>
+              <a:ext cx="3143274" cy="681251"/>
+            </a:xfrm>
+            <a:prstGeom prst="rect">
+              <a:avLst/>
+            </a:prstGeom>
+            <a:noFill/>
+            <a:ln w="9525">
+              <a:noFill/>
+              <a:miter lim="800000"/>
+              <a:headEnd/>
+              <a:tailEnd/>
+            </a:ln>
+            <a:effectLst/>
+          </p:spPr>
+        </p:pic>
+        <p:pic>
+          <p:nvPicPr>
+            <p:cNvPr id="17" name="Picture 2"/>
+            <p:cNvPicPr>
+              <a:picLocks noChangeAspect="1" noChangeArrowheads="1"/>
+            </p:cNvPicPr>
+            <p:nvPr/>
+          </p:nvPicPr>
+          <p:blipFill>
+            <a:blip r:embed="rId7"/>
+            <a:srcRect l="74285" t="66211" r="2939" b="22997"/>
+            <a:stretch>
+              <a:fillRect/>
+            </a:stretch>
+          </p:blipFill>
+          <p:spPr bwMode="auto">
+            <a:xfrm>
+              <a:off x="6929454" y="142852"/>
+              <a:ext cx="1500166" cy="433410"/>
+            </a:xfrm>
+            <a:prstGeom prst="rect">
+              <a:avLst/>
+            </a:prstGeom>
+            <a:noFill/>
+            <a:ln w="9525">
+              <a:noFill/>
+              <a:miter lim="800000"/>
+              <a:headEnd/>
+              <a:tailEnd/>
+            </a:ln>
+            <a:effectLst/>
+          </p:spPr>
+        </p:pic>
+        <p:cxnSp>
+          <p:nvCxnSpPr>
+            <p:cNvPr id="18" name="Connettore 1 17"/>
+            <p:cNvCxnSpPr/>
+            <p:nvPr/>
+          </p:nvCxnSpPr>
+          <p:spPr>
+            <a:xfrm rot="10800000" flipV="1">
+              <a:off x="796" y="711275"/>
+              <a:ext cx="9143207" cy="3080"/>
+            </a:xfrm>
+            <a:prstGeom prst="line">
+              <a:avLst/>
+            </a:prstGeom>
+            <a:ln>
+              <a:solidFill>
+                <a:schemeClr val="bg1">
+                  <a:lumMod val="50000"/>
+                </a:schemeClr>
+              </a:solidFill>
+            </a:ln>
+          </p:spPr>
+          <p:style>
+            <a:lnRef idx="1">
+              <a:schemeClr val="accent1"/>
+            </a:lnRef>
+            <a:fillRef idx="0">
+              <a:schemeClr val="accent1"/>
+            </a:fillRef>
+            <a:effectRef idx="0">
+              <a:schemeClr val="accent1"/>
+            </a:effectRef>
+            <a:fontRef idx="minor">
+              <a:schemeClr val="tx1"/>
+            </a:fontRef>
+          </p:style>
+        </p:cxnSp>
+      </p:grpSp>
     </p:spTree>
   </p:cSld>
   <p:clrMapOvr>
     <a:masterClrMapping/>
   </p:clrMapOvr>
+  <p:timing>
+    <p:tnLst>
+      <p:par>
+        <p:cTn id="1" dur="indefinite" restart="never" nodeType="tmRoot"/>
+      </p:par>
+    </p:tnLst>
+  </p:timing>
 </p:sld>
 </file>
 
@@ -3762,7 +5468,400 @@
         </p:nvSpPr>
         <p:spPr>
           <a:xfrm>
-            <a:off x="500034" y="71422"/>
+            <a:off x="457200" y="720747"/>
+            <a:ext cx="8229600" cy="1143000"/>
+          </a:xfrm>
+        </p:spPr>
+        <p:txBody>
+          <a:bodyPr/>
+          <a:lstStyle/>
+          <a:p>
+            <a:r>
+              <a:rPr lang="it-IT" dirty="0" smtClean="0"/>
+              <a:t>Ricevitore 3/</a:t>
+            </a:r>
+            <a:r>
+              <a:rPr lang="it-IT" dirty="0" err="1" smtClean="0"/>
+              <a:t>3</a:t>
+            </a:r>
+            <a:endParaRPr lang="it-IT" dirty="0"/>
+          </a:p>
+        </p:txBody>
+      </p:sp>
+      <p:sp>
+        <p:nvSpPr>
+          <p:cNvPr id="3" name="Segnaposto contenuto 2"/>
+          <p:cNvSpPr>
+            <a:spLocks noGrp="1"/>
+          </p:cNvSpPr>
+          <p:nvPr>
+            <p:ph idx="1"/>
+          </p:nvPr>
+        </p:nvSpPr>
+        <p:spPr>
+          <a:xfrm>
+            <a:off x="457200" y="2046309"/>
+            <a:ext cx="8229600" cy="4525963"/>
+          </a:xfrm>
+        </p:spPr>
+        <p:txBody>
+          <a:bodyPr/>
+          <a:lstStyle/>
+          <a:p>
+            <a:pPr algn="ctr">
+              <a:buNone/>
+            </a:pPr>
+            <a:r>
+              <a:rPr lang="it-IT" dirty="0" smtClean="0"/>
+              <a:t>Decodifica </a:t>
+            </a:r>
+            <a:r>
+              <a:rPr lang="it-IT" dirty="0" err="1" smtClean="0"/>
+              <a:t>payload</a:t>
+            </a:r>
+            <a:r>
+              <a:rPr lang="it-IT" dirty="0" smtClean="0"/>
+              <a:t> e scrittura file</a:t>
+            </a:r>
+          </a:p>
+        </p:txBody>
+      </p:sp>
+      <p:pic>
+        <p:nvPicPr>
+          <p:cNvPr id="7170" name="Picture 2" descr="C:\Users\fiapol\Desktop\tesi\PoorManThesis-master\PoorManThesis-master\images\Rx3.png"/>
+          <p:cNvPicPr>
+            <a:picLocks noChangeAspect="1" noChangeArrowheads="1"/>
+          </p:cNvPicPr>
+          <p:nvPr/>
+        </p:nvPicPr>
+        <p:blipFill>
+          <a:blip r:embed="rId2"/>
+          <a:srcRect/>
+          <a:stretch>
+            <a:fillRect/>
+          </a:stretch>
+        </p:blipFill>
+        <p:spPr bwMode="auto">
+          <a:xfrm>
+            <a:off x="142844" y="3660795"/>
+            <a:ext cx="8858280" cy="1241385"/>
+          </a:xfrm>
+          <a:prstGeom prst="rect">
+            <a:avLst/>
+          </a:prstGeom>
+          <a:noFill/>
+        </p:spPr>
+      </p:pic>
+      <p:grpSp>
+        <p:nvGrpSpPr>
+          <p:cNvPr id="14" name="Gruppo 13"/>
+          <p:cNvGrpSpPr/>
+          <p:nvPr/>
+        </p:nvGrpSpPr>
+        <p:grpSpPr>
+          <a:xfrm>
+            <a:off x="796" y="33105"/>
+            <a:ext cx="9143207" cy="681251"/>
+            <a:chOff x="796" y="33105"/>
+            <a:chExt cx="9143207" cy="681251"/>
+          </a:xfrm>
+        </p:grpSpPr>
+        <p:grpSp>
+          <p:nvGrpSpPr>
+            <p:cNvPr id="15" name="Gruppo 7"/>
+            <p:cNvGrpSpPr/>
+            <p:nvPr/>
+          </p:nvGrpSpPr>
+          <p:grpSpPr>
+            <a:xfrm>
+              <a:off x="71406" y="71414"/>
+              <a:ext cx="3071864" cy="567375"/>
+              <a:chOff x="0" y="0"/>
+              <a:chExt cx="8715404" cy="1609736"/>
+            </a:xfrm>
+          </p:grpSpPr>
+          <p:pic>
+            <p:nvPicPr>
+              <p:cNvPr id="19" name="Picture 3"/>
+              <p:cNvPicPr>
+                <a:picLocks noChangeAspect="1" noChangeArrowheads="1"/>
+              </p:cNvPicPr>
+              <p:nvPr/>
+            </p:nvPicPr>
+            <p:blipFill>
+              <a:blip r:embed="rId3" cstate="print"/>
+              <a:srcRect l="45509" t="4944" r="39530" b="69980"/>
+              <a:stretch>
+                <a:fillRect/>
+              </a:stretch>
+            </p:blipFill>
+            <p:spPr bwMode="auto">
+              <a:xfrm>
+                <a:off x="0" y="0"/>
+                <a:ext cx="1857388" cy="1609736"/>
+              </a:xfrm>
+              <a:prstGeom prst="rect">
+                <a:avLst/>
+              </a:prstGeom>
+              <a:noFill/>
+              <a:ln w="9525">
+                <a:noFill/>
+                <a:miter lim="800000"/>
+                <a:headEnd/>
+                <a:tailEnd/>
+              </a:ln>
+              <a:effectLst/>
+            </p:spPr>
+          </p:pic>
+          <p:pic>
+            <p:nvPicPr>
+              <p:cNvPr id="20" name="Picture 4"/>
+              <p:cNvPicPr>
+                <a:picLocks noChangeAspect="1" noChangeArrowheads="1"/>
+              </p:cNvPicPr>
+              <p:nvPr/>
+            </p:nvPicPr>
+            <p:blipFill>
+              <a:blip r:embed="rId4" cstate="print"/>
+              <a:srcRect l="16687" t="64901" r="11001" b="28126"/>
+              <a:stretch>
+                <a:fillRect/>
+              </a:stretch>
+            </p:blipFill>
+            <p:spPr bwMode="auto">
+              <a:xfrm>
+                <a:off x="1714512" y="671173"/>
+                <a:ext cx="7000892" cy="357190"/>
+              </a:xfrm>
+              <a:prstGeom prst="rect">
+                <a:avLst/>
+              </a:prstGeom>
+              <a:noFill/>
+              <a:ln w="9525">
+                <a:noFill/>
+                <a:miter lim="800000"/>
+                <a:headEnd/>
+                <a:tailEnd/>
+              </a:ln>
+              <a:effectLst/>
+            </p:spPr>
+          </p:pic>
+          <p:pic>
+            <p:nvPicPr>
+              <p:cNvPr id="21" name="Picture 3"/>
+              <p:cNvPicPr>
+                <a:picLocks noChangeAspect="1" noChangeArrowheads="1"/>
+              </p:cNvPicPr>
+              <p:nvPr/>
+            </p:nvPicPr>
+            <p:blipFill>
+              <a:blip r:embed="rId5" cstate="print"/>
+              <a:srcRect l="28553" t="28091" r="22574" b="62426"/>
+              <a:stretch>
+                <a:fillRect/>
+              </a:stretch>
+            </p:blipFill>
+            <p:spPr bwMode="auto">
+              <a:xfrm>
+                <a:off x="3071802" y="99669"/>
+                <a:ext cx="4272064" cy="428628"/>
+              </a:xfrm>
+              <a:prstGeom prst="rect">
+                <a:avLst/>
+              </a:prstGeom>
+              <a:noFill/>
+              <a:ln w="9525">
+                <a:noFill/>
+                <a:miter lim="800000"/>
+                <a:headEnd/>
+                <a:tailEnd/>
+              </a:ln>
+              <a:effectLst/>
+            </p:spPr>
+          </p:pic>
+          <p:pic>
+            <p:nvPicPr>
+              <p:cNvPr id="22" name="Picture 4"/>
+              <p:cNvPicPr>
+                <a:picLocks noChangeAspect="1" noChangeArrowheads="1"/>
+              </p:cNvPicPr>
+              <p:nvPr/>
+            </p:nvPicPr>
+            <p:blipFill>
+              <a:blip r:embed="rId4" cstate="print"/>
+              <a:srcRect l="16687" t="80243" r="11001" b="13986"/>
+              <a:stretch>
+                <a:fillRect/>
+              </a:stretch>
+            </p:blipFill>
+            <p:spPr bwMode="auto">
+              <a:xfrm>
+                <a:off x="1714512" y="1028363"/>
+                <a:ext cx="7000892" cy="295621"/>
+              </a:xfrm>
+              <a:prstGeom prst="rect">
+                <a:avLst/>
+              </a:prstGeom>
+              <a:noFill/>
+              <a:ln w="9525">
+                <a:noFill/>
+                <a:miter lim="800000"/>
+                <a:headEnd/>
+                <a:tailEnd/>
+              </a:ln>
+              <a:effectLst/>
+            </p:spPr>
+          </p:pic>
+        </p:grpSp>
+        <p:pic>
+          <p:nvPicPr>
+            <p:cNvPr id="16" name="Picture 2"/>
+            <p:cNvPicPr>
+              <a:picLocks noChangeAspect="1" noChangeArrowheads="1"/>
+            </p:cNvPicPr>
+            <p:nvPr/>
+          </p:nvPicPr>
+          <p:blipFill>
+            <a:blip r:embed="rId6" cstate="print"/>
+            <a:srcRect l="12051" t="16667" r="5893" b="54167"/>
+            <a:stretch>
+              <a:fillRect/>
+            </a:stretch>
+          </p:blipFill>
+          <p:spPr bwMode="auto">
+            <a:xfrm>
+              <a:off x="3071802" y="33105"/>
+              <a:ext cx="3143274" cy="681251"/>
+            </a:xfrm>
+            <a:prstGeom prst="rect">
+              <a:avLst/>
+            </a:prstGeom>
+            <a:noFill/>
+            <a:ln w="9525">
+              <a:noFill/>
+              <a:miter lim="800000"/>
+              <a:headEnd/>
+              <a:tailEnd/>
+            </a:ln>
+            <a:effectLst/>
+          </p:spPr>
+        </p:pic>
+        <p:pic>
+          <p:nvPicPr>
+            <p:cNvPr id="17" name="Picture 2"/>
+            <p:cNvPicPr>
+              <a:picLocks noChangeAspect="1" noChangeArrowheads="1"/>
+            </p:cNvPicPr>
+            <p:nvPr/>
+          </p:nvPicPr>
+          <p:blipFill>
+            <a:blip r:embed="rId7"/>
+            <a:srcRect l="74285" t="66211" r="2939" b="22997"/>
+            <a:stretch>
+              <a:fillRect/>
+            </a:stretch>
+          </p:blipFill>
+          <p:spPr bwMode="auto">
+            <a:xfrm>
+              <a:off x="6929454" y="142852"/>
+              <a:ext cx="1500166" cy="433410"/>
+            </a:xfrm>
+            <a:prstGeom prst="rect">
+              <a:avLst/>
+            </a:prstGeom>
+            <a:noFill/>
+            <a:ln w="9525">
+              <a:noFill/>
+              <a:miter lim="800000"/>
+              <a:headEnd/>
+              <a:tailEnd/>
+            </a:ln>
+            <a:effectLst/>
+          </p:spPr>
+        </p:pic>
+        <p:cxnSp>
+          <p:nvCxnSpPr>
+            <p:cNvPr id="18" name="Connettore 1 17"/>
+            <p:cNvCxnSpPr/>
+            <p:nvPr/>
+          </p:nvCxnSpPr>
+          <p:spPr>
+            <a:xfrm rot="10800000" flipV="1">
+              <a:off x="796" y="711275"/>
+              <a:ext cx="9143207" cy="3080"/>
+            </a:xfrm>
+            <a:prstGeom prst="line">
+              <a:avLst/>
+            </a:prstGeom>
+            <a:ln>
+              <a:solidFill>
+                <a:schemeClr val="bg1">
+                  <a:lumMod val="50000"/>
+                </a:schemeClr>
+              </a:solidFill>
+            </a:ln>
+          </p:spPr>
+          <p:style>
+            <a:lnRef idx="1">
+              <a:schemeClr val="accent1"/>
+            </a:lnRef>
+            <a:fillRef idx="0">
+              <a:schemeClr val="accent1"/>
+            </a:fillRef>
+            <a:effectRef idx="0">
+              <a:schemeClr val="accent1"/>
+            </a:effectRef>
+            <a:fontRef idx="minor">
+              <a:schemeClr val="tx1"/>
+            </a:fontRef>
+          </p:style>
+        </p:cxnSp>
+      </p:grpSp>
+    </p:spTree>
+  </p:cSld>
+  <p:clrMapOvr>
+    <a:masterClrMapping/>
+  </p:clrMapOvr>
+  <p:timing>
+    <p:tnLst>
+      <p:par>
+        <p:cTn id="1" dur="indefinite" restart="never" nodeType="tmRoot"/>
+      </p:par>
+    </p:tnLst>
+  </p:timing>
+</p:sld>
+</file>
+
+<file path=ppt/slides/slide15.xml><?xml version="1.0" encoding="utf-8"?>
+<p:sld xmlns:a="http://schemas.openxmlformats.org/drawingml/2006/main" xmlns:r="http://schemas.openxmlformats.org/officeDocument/2006/relationships" xmlns:p="http://schemas.openxmlformats.org/presentationml/2006/main">
+  <p:cSld>
+    <p:spTree>
+      <p:nvGrpSpPr>
+        <p:cNvPr id="1" name=""/>
+        <p:cNvGrpSpPr/>
+        <p:nvPr/>
+      </p:nvGrpSpPr>
+      <p:grpSpPr>
+        <a:xfrm>
+          <a:off x="0" y="0"/>
+          <a:ext cx="0" cy="0"/>
+          <a:chOff x="0" y="0"/>
+          <a:chExt cx="0" cy="0"/>
+        </a:xfrm>
+      </p:grpSpPr>
+      <p:sp>
+        <p:nvSpPr>
+          <p:cNvPr id="2" name="Titolo 1"/>
+          <p:cNvSpPr>
+            <a:spLocks noGrp="1"/>
+          </p:cNvSpPr>
+          <p:nvPr>
+            <p:ph type="title"/>
+          </p:nvPr>
+        </p:nvSpPr>
+        <p:spPr>
+          <a:xfrm>
+            <a:off x="500034" y="571480"/>
             <a:ext cx="8229600" cy="1143000"/>
           </a:xfrm>
         </p:spPr>
@@ -3806,7 +5905,7 @@
         </p:blipFill>
         <p:spPr bwMode="auto">
           <a:xfrm>
-            <a:off x="6000792" y="1357298"/>
+            <a:off x="6000792" y="1571612"/>
             <a:ext cx="3143240" cy="2530111"/>
           </a:xfrm>
           <a:prstGeom prst="rect">
@@ -3843,7 +5942,7 @@
         </p:blipFill>
         <p:spPr bwMode="auto">
           <a:xfrm>
-            <a:off x="142844" y="1357298"/>
+            <a:off x="142844" y="1571612"/>
             <a:ext cx="3251453" cy="2428891"/>
           </a:xfrm>
           <a:prstGeom prst="rect">
@@ -3880,7 +5979,7 @@
         </p:blipFill>
         <p:spPr bwMode="auto">
           <a:xfrm>
-            <a:off x="3071802" y="1371850"/>
+            <a:off x="3071802" y="1586164"/>
             <a:ext cx="3427523" cy="2557216"/>
           </a:xfrm>
           <a:prstGeom prst="rect">
@@ -3906,7 +6005,7 @@
         </p:blipFill>
         <p:spPr bwMode="auto">
           <a:xfrm>
-            <a:off x="285720" y="4071942"/>
+            <a:off x="285720" y="4286256"/>
             <a:ext cx="8643998" cy="2252678"/>
           </a:xfrm>
           <a:prstGeom prst="rect">
@@ -3932,7 +6031,7 @@
         </p:blipFill>
         <p:spPr bwMode="auto">
           <a:xfrm>
-            <a:off x="2428860" y="6357958"/>
+            <a:off x="2428860" y="6572272"/>
             <a:ext cx="4573591" cy="209897"/>
           </a:xfrm>
           <a:prstGeom prst="rect">
@@ -3941,117 +6040,283 @@
           <a:noFill/>
         </p:spPr>
       </p:pic>
+      <p:grpSp>
+        <p:nvGrpSpPr>
+          <p:cNvPr id="17" name="Gruppo 16"/>
+          <p:cNvGrpSpPr/>
+          <p:nvPr/>
+        </p:nvGrpSpPr>
+        <p:grpSpPr>
+          <a:xfrm>
+            <a:off x="796" y="33105"/>
+            <a:ext cx="9143207" cy="681251"/>
+            <a:chOff x="796" y="33105"/>
+            <a:chExt cx="9143207" cy="681251"/>
+          </a:xfrm>
+        </p:grpSpPr>
+        <p:grpSp>
+          <p:nvGrpSpPr>
+            <p:cNvPr id="18" name="Gruppo 7"/>
+            <p:cNvGrpSpPr/>
+            <p:nvPr/>
+          </p:nvGrpSpPr>
+          <p:grpSpPr>
+            <a:xfrm>
+              <a:off x="71406" y="71414"/>
+              <a:ext cx="3071864" cy="567375"/>
+              <a:chOff x="0" y="0"/>
+              <a:chExt cx="8715404" cy="1609736"/>
+            </a:xfrm>
+          </p:grpSpPr>
+          <p:pic>
+            <p:nvPicPr>
+              <p:cNvPr id="22" name="Picture 3"/>
+              <p:cNvPicPr>
+                <a:picLocks noChangeAspect="1" noChangeArrowheads="1"/>
+              </p:cNvPicPr>
+              <p:nvPr/>
+            </p:nvPicPr>
+            <p:blipFill>
+              <a:blip r:embed="rId7" cstate="print"/>
+              <a:srcRect l="45509" t="4944" r="39530" b="69980"/>
+              <a:stretch>
+                <a:fillRect/>
+              </a:stretch>
+            </p:blipFill>
+            <p:spPr bwMode="auto">
+              <a:xfrm>
+                <a:off x="0" y="0"/>
+                <a:ext cx="1857388" cy="1609736"/>
+              </a:xfrm>
+              <a:prstGeom prst="rect">
+                <a:avLst/>
+              </a:prstGeom>
+              <a:noFill/>
+              <a:ln w="9525">
+                <a:noFill/>
+                <a:miter lim="800000"/>
+                <a:headEnd/>
+                <a:tailEnd/>
+              </a:ln>
+              <a:effectLst/>
+            </p:spPr>
+          </p:pic>
+          <p:pic>
+            <p:nvPicPr>
+              <p:cNvPr id="23" name="Picture 4"/>
+              <p:cNvPicPr>
+                <a:picLocks noChangeAspect="1" noChangeArrowheads="1"/>
+              </p:cNvPicPr>
+              <p:nvPr/>
+            </p:nvPicPr>
+            <p:blipFill>
+              <a:blip r:embed="rId8" cstate="print"/>
+              <a:srcRect l="16687" t="64901" r="11001" b="28126"/>
+              <a:stretch>
+                <a:fillRect/>
+              </a:stretch>
+            </p:blipFill>
+            <p:spPr bwMode="auto">
+              <a:xfrm>
+                <a:off x="1714512" y="671173"/>
+                <a:ext cx="7000892" cy="357190"/>
+              </a:xfrm>
+              <a:prstGeom prst="rect">
+                <a:avLst/>
+              </a:prstGeom>
+              <a:noFill/>
+              <a:ln w="9525">
+                <a:noFill/>
+                <a:miter lim="800000"/>
+                <a:headEnd/>
+                <a:tailEnd/>
+              </a:ln>
+              <a:effectLst/>
+            </p:spPr>
+          </p:pic>
+          <p:pic>
+            <p:nvPicPr>
+              <p:cNvPr id="24" name="Picture 3"/>
+              <p:cNvPicPr>
+                <a:picLocks noChangeAspect="1" noChangeArrowheads="1"/>
+              </p:cNvPicPr>
+              <p:nvPr/>
+            </p:nvPicPr>
+            <p:blipFill>
+              <a:blip r:embed="rId9" cstate="print"/>
+              <a:srcRect l="28553" t="28091" r="22574" b="62426"/>
+              <a:stretch>
+                <a:fillRect/>
+              </a:stretch>
+            </p:blipFill>
+            <p:spPr bwMode="auto">
+              <a:xfrm>
+                <a:off x="3071802" y="99669"/>
+                <a:ext cx="4272064" cy="428628"/>
+              </a:xfrm>
+              <a:prstGeom prst="rect">
+                <a:avLst/>
+              </a:prstGeom>
+              <a:noFill/>
+              <a:ln w="9525">
+                <a:noFill/>
+                <a:miter lim="800000"/>
+                <a:headEnd/>
+                <a:tailEnd/>
+              </a:ln>
+              <a:effectLst/>
+            </p:spPr>
+          </p:pic>
+          <p:pic>
+            <p:nvPicPr>
+              <p:cNvPr id="25" name="Picture 4"/>
+              <p:cNvPicPr>
+                <a:picLocks noChangeAspect="1" noChangeArrowheads="1"/>
+              </p:cNvPicPr>
+              <p:nvPr/>
+            </p:nvPicPr>
+            <p:blipFill>
+              <a:blip r:embed="rId8" cstate="print"/>
+              <a:srcRect l="16687" t="80243" r="11001" b="13986"/>
+              <a:stretch>
+                <a:fillRect/>
+              </a:stretch>
+            </p:blipFill>
+            <p:spPr bwMode="auto">
+              <a:xfrm>
+                <a:off x="1714512" y="1028363"/>
+                <a:ext cx="7000892" cy="295621"/>
+              </a:xfrm>
+              <a:prstGeom prst="rect">
+                <a:avLst/>
+              </a:prstGeom>
+              <a:noFill/>
+              <a:ln w="9525">
+                <a:noFill/>
+                <a:miter lim="800000"/>
+                <a:headEnd/>
+                <a:tailEnd/>
+              </a:ln>
+              <a:effectLst/>
+            </p:spPr>
+          </p:pic>
+        </p:grpSp>
+        <p:pic>
+          <p:nvPicPr>
+            <p:cNvPr id="19" name="Picture 2"/>
+            <p:cNvPicPr>
+              <a:picLocks noChangeAspect="1" noChangeArrowheads="1"/>
+            </p:cNvPicPr>
+            <p:nvPr/>
+          </p:nvPicPr>
+          <p:blipFill>
+            <a:blip r:embed="rId10" cstate="print"/>
+            <a:srcRect l="12051" t="16667" r="5893" b="54167"/>
+            <a:stretch>
+              <a:fillRect/>
+            </a:stretch>
+          </p:blipFill>
+          <p:spPr bwMode="auto">
+            <a:xfrm>
+              <a:off x="3071802" y="33105"/>
+              <a:ext cx="3143274" cy="681251"/>
+            </a:xfrm>
+            <a:prstGeom prst="rect">
+              <a:avLst/>
+            </a:prstGeom>
+            <a:noFill/>
+            <a:ln w="9525">
+              <a:noFill/>
+              <a:miter lim="800000"/>
+              <a:headEnd/>
+              <a:tailEnd/>
+            </a:ln>
+            <a:effectLst/>
+          </p:spPr>
+        </p:pic>
+        <p:pic>
+          <p:nvPicPr>
+            <p:cNvPr id="20" name="Picture 2"/>
+            <p:cNvPicPr>
+              <a:picLocks noChangeAspect="1" noChangeArrowheads="1"/>
+            </p:cNvPicPr>
+            <p:nvPr/>
+          </p:nvPicPr>
+          <p:blipFill>
+            <a:blip r:embed="rId11"/>
+            <a:srcRect l="74285" t="66211" r="2939" b="22997"/>
+            <a:stretch>
+              <a:fillRect/>
+            </a:stretch>
+          </p:blipFill>
+          <p:spPr bwMode="auto">
+            <a:xfrm>
+              <a:off x="6929454" y="142852"/>
+              <a:ext cx="1500166" cy="433410"/>
+            </a:xfrm>
+            <a:prstGeom prst="rect">
+              <a:avLst/>
+            </a:prstGeom>
+            <a:noFill/>
+            <a:ln w="9525">
+              <a:noFill/>
+              <a:miter lim="800000"/>
+              <a:headEnd/>
+              <a:tailEnd/>
+            </a:ln>
+            <a:effectLst/>
+          </p:spPr>
+        </p:pic>
+        <p:cxnSp>
+          <p:nvCxnSpPr>
+            <p:cNvPr id="21" name="Connettore 1 20"/>
+            <p:cNvCxnSpPr/>
+            <p:nvPr/>
+          </p:nvCxnSpPr>
+          <p:spPr>
+            <a:xfrm rot="10800000" flipV="1">
+              <a:off x="796" y="711275"/>
+              <a:ext cx="9143207" cy="3080"/>
+            </a:xfrm>
+            <a:prstGeom prst="line">
+              <a:avLst/>
+            </a:prstGeom>
+            <a:ln>
+              <a:solidFill>
+                <a:schemeClr val="bg1">
+                  <a:lumMod val="50000"/>
+                </a:schemeClr>
+              </a:solidFill>
+            </a:ln>
+          </p:spPr>
+          <p:style>
+            <a:lnRef idx="1">
+              <a:schemeClr val="accent1"/>
+            </a:lnRef>
+            <a:fillRef idx="0">
+              <a:schemeClr val="accent1"/>
+            </a:fillRef>
+            <a:effectRef idx="0">
+              <a:schemeClr val="accent1"/>
+            </a:effectRef>
+            <a:fontRef idx="minor">
+              <a:schemeClr val="tx1"/>
+            </a:fontRef>
+          </p:style>
+        </p:cxnSp>
+      </p:grpSp>
     </p:spTree>
   </p:cSld>
   <p:clrMapOvr>
     <a:masterClrMapping/>
   </p:clrMapOvr>
-</p:sld>
-</file>
-
-<file path=ppt/slides/slide15.xml><?xml version="1.0" encoding="utf-8"?>
-<p:sld xmlns:a="http://schemas.openxmlformats.org/drawingml/2006/main" xmlns:r="http://schemas.openxmlformats.org/officeDocument/2006/relationships" xmlns:p="http://schemas.openxmlformats.org/presentationml/2006/main">
-  <p:cSld>
-    <p:spTree>
-      <p:nvGrpSpPr>
-        <p:cNvPr id="1" name=""/>
-        <p:cNvGrpSpPr/>
-        <p:nvPr/>
-      </p:nvGrpSpPr>
-      <p:grpSpPr>
-        <a:xfrm>
-          <a:off x="0" y="0"/>
-          <a:ext cx="0" cy="0"/>
-          <a:chOff x="0" y="0"/>
-          <a:chExt cx="0" cy="0"/>
-        </a:xfrm>
-      </p:grpSpPr>
-      <p:sp>
-        <p:nvSpPr>
-          <p:cNvPr id="2" name="Titolo 1"/>
-          <p:cNvSpPr>
-            <a:spLocks noGrp="1"/>
-          </p:cNvSpPr>
-          <p:nvPr>
-            <p:ph type="title"/>
-          </p:nvPr>
-        </p:nvSpPr>
-        <p:spPr/>
-        <p:txBody>
-          <a:bodyPr/>
-          <a:lstStyle/>
-          <a:p>
-            <a:r>
-              <a:rPr lang="it-IT" dirty="0" smtClean="0"/>
-              <a:t>Creare blocchi in </a:t>
-            </a:r>
-            <a:r>
-              <a:rPr lang="it-IT" dirty="0" err="1" smtClean="0"/>
-              <a:t>Gnuradio</a:t>
-            </a:r>
-            <a:endParaRPr lang="it-IT" dirty="0"/>
-          </a:p>
-        </p:txBody>
-      </p:sp>
-      <p:sp>
-        <p:nvSpPr>
-          <p:cNvPr id="3" name="Segnaposto contenuto 2"/>
-          <p:cNvSpPr>
-            <a:spLocks noGrp="1"/>
-          </p:cNvSpPr>
-          <p:nvPr>
-            <p:ph idx="1"/>
-          </p:nvPr>
-        </p:nvSpPr>
-        <p:spPr/>
-        <p:txBody>
-          <a:bodyPr/>
-          <a:lstStyle/>
-          <a:p>
-            <a:r>
-              <a:rPr lang="it-IT" dirty="0" smtClean="0"/>
-              <a:t>Flusso delle informazioni nel programma</a:t>
-            </a:r>
-          </a:p>
-          <a:p>
-            <a:r>
-              <a:rPr lang="it-IT" dirty="0" smtClean="0"/>
-              <a:t>Composizione blocco</a:t>
-            </a:r>
-          </a:p>
-          <a:p>
-            <a:pPr lvl="1"/>
-            <a:r>
-              <a:rPr lang="it-IT" dirty="0" smtClean="0"/>
-              <a:t>Algoritmo</a:t>
-            </a:r>
-          </a:p>
-          <a:p>
-            <a:pPr lvl="1"/>
-            <a:r>
-              <a:rPr lang="it-IT" dirty="0" smtClean="0"/>
-              <a:t>Attributi per l’interfaccia con gli altri moduli</a:t>
-            </a:r>
-          </a:p>
-          <a:p>
-            <a:pPr lvl="1"/>
-            <a:r>
-              <a:rPr lang="it-IT" dirty="0" smtClean="0"/>
-              <a:t>Codice di tes</a:t>
-            </a:r>
-            <a:r>
-              <a:rPr lang="it-IT" dirty="0" smtClean="0"/>
-              <a:t>t</a:t>
-            </a:r>
-            <a:endParaRPr lang="it-IT" dirty="0" smtClean="0"/>
-          </a:p>
-        </p:txBody>
-      </p:sp>
-    </p:spTree>
-  </p:cSld>
-  <p:clrMapOvr>
-    <a:masterClrMapping/>
-  </p:clrMapOvr>
+  <p:timing>
+    <p:tnLst>
+      <p:par>
+        <p:cTn id="1" dur="indefinite" restart="never" nodeType="tmRoot"/>
+      </p:par>
+    </p:tnLst>
+  </p:timing>
 </p:sld>
 </file>
 
@@ -4082,24 +6347,23 @@
             <p:ph type="title"/>
           </p:nvPr>
         </p:nvSpPr>
-        <p:spPr/>
+        <p:spPr>
+          <a:xfrm>
+            <a:off x="457200" y="720747"/>
+            <a:ext cx="8229600" cy="1143000"/>
+          </a:xfrm>
+        </p:spPr>
         <p:txBody>
-          <a:bodyPr>
-            <a:normAutofit fontScale="90000"/>
-          </a:bodyPr>
+          <a:bodyPr/>
           <a:lstStyle/>
           <a:p>
             <a:r>
               <a:rPr lang="it-IT" dirty="0" smtClean="0"/>
-              <a:t>Progettazione modulo </a:t>
+              <a:t>Creare blocchi in </a:t>
             </a:r>
             <a:r>
               <a:rPr lang="it-IT" dirty="0" err="1" smtClean="0"/>
               <a:t>Gnuradio</a:t>
-            </a:r>
-            <a:r>
-              <a:rPr lang="it-IT" dirty="0" smtClean="0"/>
-              <a:t> 1/4</a:t>
             </a:r>
             <a:endParaRPr lang="it-IT" dirty="0"/>
           </a:p>
@@ -4115,54 +6379,332 @@
             <p:ph idx="1"/>
           </p:nvPr>
         </p:nvSpPr>
-        <p:spPr/>
+        <p:spPr>
+          <a:xfrm>
+            <a:off x="457200" y="2046309"/>
+            <a:ext cx="8229600" cy="4525963"/>
+          </a:xfrm>
+        </p:spPr>
         <p:txBody>
           <a:bodyPr/>
           <a:lstStyle/>
           <a:p>
             <a:r>
               <a:rPr lang="it-IT" dirty="0" smtClean="0"/>
+              <a:t>Flusso delle informazioni nel programma</a:t>
+            </a:r>
+          </a:p>
+          <a:p>
+            <a:r>
+              <a:rPr lang="it-IT" dirty="0" smtClean="0"/>
+              <a:t>Composizione blocco</a:t>
+            </a:r>
+          </a:p>
+          <a:p>
+            <a:pPr lvl="1"/>
+            <a:r>
+              <a:rPr lang="it-IT" dirty="0" smtClean="0"/>
               <a:t>Algoritmo</a:t>
+            </a:r>
+          </a:p>
+          <a:p>
+            <a:pPr lvl="1"/>
+            <a:r>
+              <a:rPr lang="it-IT" dirty="0" smtClean="0"/>
+              <a:t>Attributi per l’interfaccia con gli altri moduli</a:t>
+            </a:r>
+          </a:p>
+          <a:p>
+            <a:pPr lvl="1"/>
+            <a:r>
+              <a:rPr lang="it-IT" dirty="0" smtClean="0"/>
+              <a:t>Codice di test</a:t>
             </a:r>
           </a:p>
         </p:txBody>
       </p:sp>
-      <p:pic>
-        <p:nvPicPr>
-          <p:cNvPr id="10242" name="Picture 2" descr="C:\Users\fiapol\Desktop\tesi\PoorManThesis-master\PoorManThesis-master\images\rsaTxCode.png"/>
-          <p:cNvPicPr>
-            <a:picLocks noChangeAspect="1" noChangeArrowheads="1"/>
-          </p:cNvPicPr>
+      <p:grpSp>
+        <p:nvGrpSpPr>
+          <p:cNvPr id="13" name="Gruppo 12"/>
+          <p:cNvGrpSpPr/>
           <p:nvPr/>
-        </p:nvPicPr>
-        <p:blipFill>
-          <a:blip r:embed="rId2"/>
-          <a:srcRect/>
-          <a:stretch>
-            <a:fillRect/>
-          </a:stretch>
-        </p:blipFill>
-        <p:spPr bwMode="auto">
+        </p:nvGrpSpPr>
+        <p:grpSpPr>
           <a:xfrm>
-            <a:off x="500034" y="2571744"/>
-            <a:ext cx="8501090" cy="2456455"/>
+            <a:off x="796" y="33105"/>
+            <a:ext cx="9143207" cy="681251"/>
+            <a:chOff x="796" y="33105"/>
+            <a:chExt cx="9143207" cy="681251"/>
           </a:xfrm>
-          <a:prstGeom prst="rect">
-            <a:avLst/>
-          </a:prstGeom>
-          <a:noFill/>
-        </p:spPr>
-      </p:pic>
+        </p:grpSpPr>
+        <p:grpSp>
+          <p:nvGrpSpPr>
+            <p:cNvPr id="14" name="Gruppo 7"/>
+            <p:cNvGrpSpPr/>
+            <p:nvPr/>
+          </p:nvGrpSpPr>
+          <p:grpSpPr>
+            <a:xfrm>
+              <a:off x="71406" y="71414"/>
+              <a:ext cx="3071864" cy="567375"/>
+              <a:chOff x="0" y="0"/>
+              <a:chExt cx="8715404" cy="1609736"/>
+            </a:xfrm>
+          </p:grpSpPr>
+          <p:pic>
+            <p:nvPicPr>
+              <p:cNvPr id="18" name="Picture 3"/>
+              <p:cNvPicPr>
+                <a:picLocks noChangeAspect="1" noChangeArrowheads="1"/>
+              </p:cNvPicPr>
+              <p:nvPr/>
+            </p:nvPicPr>
+            <p:blipFill>
+              <a:blip r:embed="rId2" cstate="print"/>
+              <a:srcRect l="45509" t="4944" r="39530" b="69980"/>
+              <a:stretch>
+                <a:fillRect/>
+              </a:stretch>
+            </p:blipFill>
+            <p:spPr bwMode="auto">
+              <a:xfrm>
+                <a:off x="0" y="0"/>
+                <a:ext cx="1857388" cy="1609736"/>
+              </a:xfrm>
+              <a:prstGeom prst="rect">
+                <a:avLst/>
+              </a:prstGeom>
+              <a:noFill/>
+              <a:ln w="9525">
+                <a:noFill/>
+                <a:miter lim="800000"/>
+                <a:headEnd/>
+                <a:tailEnd/>
+              </a:ln>
+              <a:effectLst/>
+            </p:spPr>
+          </p:pic>
+          <p:pic>
+            <p:nvPicPr>
+              <p:cNvPr id="19" name="Picture 4"/>
+              <p:cNvPicPr>
+                <a:picLocks noChangeAspect="1" noChangeArrowheads="1"/>
+              </p:cNvPicPr>
+              <p:nvPr/>
+            </p:nvPicPr>
+            <p:blipFill>
+              <a:blip r:embed="rId3" cstate="print"/>
+              <a:srcRect l="16687" t="64901" r="11001" b="28126"/>
+              <a:stretch>
+                <a:fillRect/>
+              </a:stretch>
+            </p:blipFill>
+            <p:spPr bwMode="auto">
+              <a:xfrm>
+                <a:off x="1714512" y="671173"/>
+                <a:ext cx="7000892" cy="357190"/>
+              </a:xfrm>
+              <a:prstGeom prst="rect">
+                <a:avLst/>
+              </a:prstGeom>
+              <a:noFill/>
+              <a:ln w="9525">
+                <a:noFill/>
+                <a:miter lim="800000"/>
+                <a:headEnd/>
+                <a:tailEnd/>
+              </a:ln>
+              <a:effectLst/>
+            </p:spPr>
+          </p:pic>
+          <p:pic>
+            <p:nvPicPr>
+              <p:cNvPr id="20" name="Picture 3"/>
+              <p:cNvPicPr>
+                <a:picLocks noChangeAspect="1" noChangeArrowheads="1"/>
+              </p:cNvPicPr>
+              <p:nvPr/>
+            </p:nvPicPr>
+            <p:blipFill>
+              <a:blip r:embed="rId4" cstate="print"/>
+              <a:srcRect l="28553" t="28091" r="22574" b="62426"/>
+              <a:stretch>
+                <a:fillRect/>
+              </a:stretch>
+            </p:blipFill>
+            <p:spPr bwMode="auto">
+              <a:xfrm>
+                <a:off x="3071802" y="99669"/>
+                <a:ext cx="4272064" cy="428628"/>
+              </a:xfrm>
+              <a:prstGeom prst="rect">
+                <a:avLst/>
+              </a:prstGeom>
+              <a:noFill/>
+              <a:ln w="9525">
+                <a:noFill/>
+                <a:miter lim="800000"/>
+                <a:headEnd/>
+                <a:tailEnd/>
+              </a:ln>
+              <a:effectLst/>
+            </p:spPr>
+          </p:pic>
+          <p:pic>
+            <p:nvPicPr>
+              <p:cNvPr id="21" name="Picture 4"/>
+              <p:cNvPicPr>
+                <a:picLocks noChangeAspect="1" noChangeArrowheads="1"/>
+              </p:cNvPicPr>
+              <p:nvPr/>
+            </p:nvPicPr>
+            <p:blipFill>
+              <a:blip r:embed="rId3" cstate="print"/>
+              <a:srcRect l="16687" t="80243" r="11001" b="13986"/>
+              <a:stretch>
+                <a:fillRect/>
+              </a:stretch>
+            </p:blipFill>
+            <p:spPr bwMode="auto">
+              <a:xfrm>
+                <a:off x="1714512" y="1028363"/>
+                <a:ext cx="7000892" cy="295621"/>
+              </a:xfrm>
+              <a:prstGeom prst="rect">
+                <a:avLst/>
+              </a:prstGeom>
+              <a:noFill/>
+              <a:ln w="9525">
+                <a:noFill/>
+                <a:miter lim="800000"/>
+                <a:headEnd/>
+                <a:tailEnd/>
+              </a:ln>
+              <a:effectLst/>
+            </p:spPr>
+          </p:pic>
+        </p:grpSp>
+        <p:pic>
+          <p:nvPicPr>
+            <p:cNvPr id="15" name="Picture 2"/>
+            <p:cNvPicPr>
+              <a:picLocks noChangeAspect="1" noChangeArrowheads="1"/>
+            </p:cNvPicPr>
+            <p:nvPr/>
+          </p:nvPicPr>
+          <p:blipFill>
+            <a:blip r:embed="rId5" cstate="print"/>
+            <a:srcRect l="12051" t="16667" r="5893" b="54167"/>
+            <a:stretch>
+              <a:fillRect/>
+            </a:stretch>
+          </p:blipFill>
+          <p:spPr bwMode="auto">
+            <a:xfrm>
+              <a:off x="3071802" y="33105"/>
+              <a:ext cx="3143274" cy="681251"/>
+            </a:xfrm>
+            <a:prstGeom prst="rect">
+              <a:avLst/>
+            </a:prstGeom>
+            <a:noFill/>
+            <a:ln w="9525">
+              <a:noFill/>
+              <a:miter lim="800000"/>
+              <a:headEnd/>
+              <a:tailEnd/>
+            </a:ln>
+            <a:effectLst/>
+          </p:spPr>
+        </p:pic>
+        <p:pic>
+          <p:nvPicPr>
+            <p:cNvPr id="16" name="Picture 2"/>
+            <p:cNvPicPr>
+              <a:picLocks noChangeAspect="1" noChangeArrowheads="1"/>
+            </p:cNvPicPr>
+            <p:nvPr/>
+          </p:nvPicPr>
+          <p:blipFill>
+            <a:blip r:embed="rId6"/>
+            <a:srcRect l="74285" t="66211" r="2939" b="22997"/>
+            <a:stretch>
+              <a:fillRect/>
+            </a:stretch>
+          </p:blipFill>
+          <p:spPr bwMode="auto">
+            <a:xfrm>
+              <a:off x="6929454" y="142852"/>
+              <a:ext cx="1500166" cy="433410"/>
+            </a:xfrm>
+            <a:prstGeom prst="rect">
+              <a:avLst/>
+            </a:prstGeom>
+            <a:noFill/>
+            <a:ln w="9525">
+              <a:noFill/>
+              <a:miter lim="800000"/>
+              <a:headEnd/>
+              <a:tailEnd/>
+            </a:ln>
+            <a:effectLst/>
+          </p:spPr>
+        </p:pic>
+        <p:cxnSp>
+          <p:nvCxnSpPr>
+            <p:cNvPr id="17" name="Connettore 1 16"/>
+            <p:cNvCxnSpPr/>
+            <p:nvPr/>
+          </p:nvCxnSpPr>
+          <p:spPr>
+            <a:xfrm rot="10800000" flipV="1">
+              <a:off x="796" y="711275"/>
+              <a:ext cx="9143207" cy="3080"/>
+            </a:xfrm>
+            <a:prstGeom prst="line">
+              <a:avLst/>
+            </a:prstGeom>
+            <a:ln>
+              <a:solidFill>
+                <a:schemeClr val="bg1">
+                  <a:lumMod val="50000"/>
+                </a:schemeClr>
+              </a:solidFill>
+            </a:ln>
+          </p:spPr>
+          <p:style>
+            <a:lnRef idx="1">
+              <a:schemeClr val="accent1"/>
+            </a:lnRef>
+            <a:fillRef idx="0">
+              <a:schemeClr val="accent1"/>
+            </a:fillRef>
+            <a:effectRef idx="0">
+              <a:schemeClr val="accent1"/>
+            </a:effectRef>
+            <a:fontRef idx="minor">
+              <a:schemeClr val="tx1"/>
+            </a:fontRef>
+          </p:style>
+        </p:cxnSp>
+      </p:grpSp>
     </p:spTree>
   </p:cSld>
   <p:clrMapOvr>
     <a:masterClrMapping/>
   </p:clrMapOvr>
+  <p:timing>
+    <p:tnLst>
+      <p:par>
+        <p:cTn id="1" dur="indefinite" restart="never" nodeType="tmRoot"/>
+      </p:par>
+    </p:tnLst>
+  </p:timing>
 </p:sld>
 </file>
 
 <file path=ppt/slides/slide17.xml><?xml version="1.0" encoding="utf-8"?>
-<p:sld xmlns:a="http://schemas.openxmlformats.org/drawingml/2006/main" xmlns:r="http://schemas.openxmlformats.org/officeDocument/2006/relationships" xmlns:p="http://schemas.openxmlformats.org/presentationml/2006/main">
+<p:sld xmlns:a="http://schemas.openxmlformats.org/drawingml/2006/main" xmlns:r="http://schemas.openxmlformats.org/officeDocument/2006/relationships" xmlns:p="http://schemas.openxmlformats.org/presentationml/2006/main" show="0">
   <p:cSld>
     <p:spTree>
       <p:nvGrpSpPr>
@@ -4188,7 +6730,12 @@
             <p:ph type="title"/>
           </p:nvPr>
         </p:nvSpPr>
-        <p:spPr/>
+        <p:spPr>
+          <a:xfrm>
+            <a:off x="457200" y="720747"/>
+            <a:ext cx="8229600" cy="1143000"/>
+          </a:xfrm>
+        </p:spPr>
         <p:txBody>
           <a:bodyPr>
             <a:normAutofit fontScale="90000"/>
@@ -4205,7 +6752,7 @@
             </a:r>
             <a:r>
               <a:rPr lang="it-IT" dirty="0" smtClean="0"/>
-              <a:t> 3/4</a:t>
+              <a:t> 1/3</a:t>
             </a:r>
             <a:endParaRPr lang="it-IT" dirty="0"/>
           </a:p>
@@ -4221,26 +6768,26 @@
             <p:ph idx="1"/>
           </p:nvPr>
         </p:nvSpPr>
-        <p:spPr/>
+        <p:spPr>
+          <a:xfrm>
+            <a:off x="457200" y="2046309"/>
+            <a:ext cx="8229600" cy="4525963"/>
+          </a:xfrm>
+        </p:spPr>
         <p:txBody>
           <a:bodyPr/>
           <a:lstStyle/>
           <a:p>
             <a:r>
               <a:rPr lang="it-IT" dirty="0" smtClean="0"/>
-              <a:t>Attributi per ambiente </a:t>
-            </a:r>
-            <a:r>
-              <a:rPr lang="it-IT" dirty="0" smtClean="0"/>
-              <a:t>grafico</a:t>
-            </a:r>
-            <a:endParaRPr lang="it-IT" dirty="0" smtClean="0"/>
+              <a:t>Algoritmo</a:t>
+            </a:r>
           </a:p>
         </p:txBody>
       </p:sp>
       <p:pic>
         <p:nvPicPr>
-          <p:cNvPr id="11267" name="Picture 3" descr="C:\Users\fiapol\Desktop\tesi\immagini presentazione\Attributi.png"/>
+          <p:cNvPr id="10242" name="Picture 2" descr="C:\Users\fiapol\Desktop\tesi\PoorManThesis-master\PoorManThesis-master\images\rsaTxCode.png"/>
           <p:cNvPicPr>
             <a:picLocks noChangeAspect="1" noChangeArrowheads="1"/>
           </p:cNvPicPr>
@@ -4255,8 +6802,8 @@
         </p:blipFill>
         <p:spPr bwMode="auto">
           <a:xfrm>
-            <a:off x="2571736" y="2200316"/>
-            <a:ext cx="4120391" cy="4514832"/>
+            <a:off x="500034" y="3017853"/>
+            <a:ext cx="8501090" cy="2456455"/>
           </a:xfrm>
           <a:prstGeom prst="rect">
             <a:avLst/>
@@ -4264,16 +6811,289 @@
           <a:noFill/>
         </p:spPr>
       </p:pic>
+      <p:grpSp>
+        <p:nvGrpSpPr>
+          <p:cNvPr id="14" name="Gruppo 13"/>
+          <p:cNvGrpSpPr/>
+          <p:nvPr/>
+        </p:nvGrpSpPr>
+        <p:grpSpPr>
+          <a:xfrm>
+            <a:off x="796" y="33105"/>
+            <a:ext cx="9143207" cy="681251"/>
+            <a:chOff x="796" y="33105"/>
+            <a:chExt cx="9143207" cy="681251"/>
+          </a:xfrm>
+        </p:grpSpPr>
+        <p:grpSp>
+          <p:nvGrpSpPr>
+            <p:cNvPr id="15" name="Gruppo 7"/>
+            <p:cNvGrpSpPr/>
+            <p:nvPr/>
+          </p:nvGrpSpPr>
+          <p:grpSpPr>
+            <a:xfrm>
+              <a:off x="71406" y="71414"/>
+              <a:ext cx="3071864" cy="567375"/>
+              <a:chOff x="0" y="0"/>
+              <a:chExt cx="8715404" cy="1609736"/>
+            </a:xfrm>
+          </p:grpSpPr>
+          <p:pic>
+            <p:nvPicPr>
+              <p:cNvPr id="19" name="Picture 3"/>
+              <p:cNvPicPr>
+                <a:picLocks noChangeAspect="1" noChangeArrowheads="1"/>
+              </p:cNvPicPr>
+              <p:nvPr/>
+            </p:nvPicPr>
+            <p:blipFill>
+              <a:blip r:embed="rId3" cstate="print"/>
+              <a:srcRect l="45509" t="4944" r="39530" b="69980"/>
+              <a:stretch>
+                <a:fillRect/>
+              </a:stretch>
+            </p:blipFill>
+            <p:spPr bwMode="auto">
+              <a:xfrm>
+                <a:off x="0" y="0"/>
+                <a:ext cx="1857388" cy="1609736"/>
+              </a:xfrm>
+              <a:prstGeom prst="rect">
+                <a:avLst/>
+              </a:prstGeom>
+              <a:noFill/>
+              <a:ln w="9525">
+                <a:noFill/>
+                <a:miter lim="800000"/>
+                <a:headEnd/>
+                <a:tailEnd/>
+              </a:ln>
+              <a:effectLst/>
+            </p:spPr>
+          </p:pic>
+          <p:pic>
+            <p:nvPicPr>
+              <p:cNvPr id="20" name="Picture 4"/>
+              <p:cNvPicPr>
+                <a:picLocks noChangeAspect="1" noChangeArrowheads="1"/>
+              </p:cNvPicPr>
+              <p:nvPr/>
+            </p:nvPicPr>
+            <p:blipFill>
+              <a:blip r:embed="rId4" cstate="print"/>
+              <a:srcRect l="16687" t="64901" r="11001" b="28126"/>
+              <a:stretch>
+                <a:fillRect/>
+              </a:stretch>
+            </p:blipFill>
+            <p:spPr bwMode="auto">
+              <a:xfrm>
+                <a:off x="1714512" y="671173"/>
+                <a:ext cx="7000892" cy="357190"/>
+              </a:xfrm>
+              <a:prstGeom prst="rect">
+                <a:avLst/>
+              </a:prstGeom>
+              <a:noFill/>
+              <a:ln w="9525">
+                <a:noFill/>
+                <a:miter lim="800000"/>
+                <a:headEnd/>
+                <a:tailEnd/>
+              </a:ln>
+              <a:effectLst/>
+            </p:spPr>
+          </p:pic>
+          <p:pic>
+            <p:nvPicPr>
+              <p:cNvPr id="21" name="Picture 3"/>
+              <p:cNvPicPr>
+                <a:picLocks noChangeAspect="1" noChangeArrowheads="1"/>
+              </p:cNvPicPr>
+              <p:nvPr/>
+            </p:nvPicPr>
+            <p:blipFill>
+              <a:blip r:embed="rId5" cstate="print"/>
+              <a:srcRect l="28553" t="28091" r="22574" b="62426"/>
+              <a:stretch>
+                <a:fillRect/>
+              </a:stretch>
+            </p:blipFill>
+            <p:spPr bwMode="auto">
+              <a:xfrm>
+                <a:off x="3071802" y="99669"/>
+                <a:ext cx="4272064" cy="428628"/>
+              </a:xfrm>
+              <a:prstGeom prst="rect">
+                <a:avLst/>
+              </a:prstGeom>
+              <a:noFill/>
+              <a:ln w="9525">
+                <a:noFill/>
+                <a:miter lim="800000"/>
+                <a:headEnd/>
+                <a:tailEnd/>
+              </a:ln>
+              <a:effectLst/>
+            </p:spPr>
+          </p:pic>
+          <p:pic>
+            <p:nvPicPr>
+              <p:cNvPr id="22" name="Picture 4"/>
+              <p:cNvPicPr>
+                <a:picLocks noChangeAspect="1" noChangeArrowheads="1"/>
+              </p:cNvPicPr>
+              <p:nvPr/>
+            </p:nvPicPr>
+            <p:blipFill>
+              <a:blip r:embed="rId4" cstate="print"/>
+              <a:srcRect l="16687" t="80243" r="11001" b="13986"/>
+              <a:stretch>
+                <a:fillRect/>
+              </a:stretch>
+            </p:blipFill>
+            <p:spPr bwMode="auto">
+              <a:xfrm>
+                <a:off x="1714512" y="1028363"/>
+                <a:ext cx="7000892" cy="295621"/>
+              </a:xfrm>
+              <a:prstGeom prst="rect">
+                <a:avLst/>
+              </a:prstGeom>
+              <a:noFill/>
+              <a:ln w="9525">
+                <a:noFill/>
+                <a:miter lim="800000"/>
+                <a:headEnd/>
+                <a:tailEnd/>
+              </a:ln>
+              <a:effectLst/>
+            </p:spPr>
+          </p:pic>
+        </p:grpSp>
+        <p:pic>
+          <p:nvPicPr>
+            <p:cNvPr id="16" name="Picture 2"/>
+            <p:cNvPicPr>
+              <a:picLocks noChangeAspect="1" noChangeArrowheads="1"/>
+            </p:cNvPicPr>
+            <p:nvPr/>
+          </p:nvPicPr>
+          <p:blipFill>
+            <a:blip r:embed="rId6" cstate="print"/>
+            <a:srcRect l="12051" t="16667" r="5893" b="54167"/>
+            <a:stretch>
+              <a:fillRect/>
+            </a:stretch>
+          </p:blipFill>
+          <p:spPr bwMode="auto">
+            <a:xfrm>
+              <a:off x="3071802" y="33105"/>
+              <a:ext cx="3143274" cy="681251"/>
+            </a:xfrm>
+            <a:prstGeom prst="rect">
+              <a:avLst/>
+            </a:prstGeom>
+            <a:noFill/>
+            <a:ln w="9525">
+              <a:noFill/>
+              <a:miter lim="800000"/>
+              <a:headEnd/>
+              <a:tailEnd/>
+            </a:ln>
+            <a:effectLst/>
+          </p:spPr>
+        </p:pic>
+        <p:pic>
+          <p:nvPicPr>
+            <p:cNvPr id="17" name="Picture 2"/>
+            <p:cNvPicPr>
+              <a:picLocks noChangeAspect="1" noChangeArrowheads="1"/>
+            </p:cNvPicPr>
+            <p:nvPr/>
+          </p:nvPicPr>
+          <p:blipFill>
+            <a:blip r:embed="rId7"/>
+            <a:srcRect l="74285" t="66211" r="2939" b="22997"/>
+            <a:stretch>
+              <a:fillRect/>
+            </a:stretch>
+          </p:blipFill>
+          <p:spPr bwMode="auto">
+            <a:xfrm>
+              <a:off x="6929454" y="142852"/>
+              <a:ext cx="1500166" cy="433410"/>
+            </a:xfrm>
+            <a:prstGeom prst="rect">
+              <a:avLst/>
+            </a:prstGeom>
+            <a:noFill/>
+            <a:ln w="9525">
+              <a:noFill/>
+              <a:miter lim="800000"/>
+              <a:headEnd/>
+              <a:tailEnd/>
+            </a:ln>
+            <a:effectLst/>
+          </p:spPr>
+        </p:pic>
+        <p:cxnSp>
+          <p:nvCxnSpPr>
+            <p:cNvPr id="18" name="Connettore 1 17"/>
+            <p:cNvCxnSpPr/>
+            <p:nvPr/>
+          </p:nvCxnSpPr>
+          <p:spPr>
+            <a:xfrm rot="10800000" flipV="1">
+              <a:off x="796" y="711275"/>
+              <a:ext cx="9143207" cy="3080"/>
+            </a:xfrm>
+            <a:prstGeom prst="line">
+              <a:avLst/>
+            </a:prstGeom>
+            <a:ln>
+              <a:solidFill>
+                <a:schemeClr val="bg1">
+                  <a:lumMod val="50000"/>
+                </a:schemeClr>
+              </a:solidFill>
+            </a:ln>
+          </p:spPr>
+          <p:style>
+            <a:lnRef idx="1">
+              <a:schemeClr val="accent1"/>
+            </a:lnRef>
+            <a:fillRef idx="0">
+              <a:schemeClr val="accent1"/>
+            </a:fillRef>
+            <a:effectRef idx="0">
+              <a:schemeClr val="accent1"/>
+            </a:effectRef>
+            <a:fontRef idx="minor">
+              <a:schemeClr val="tx1"/>
+            </a:fontRef>
+          </p:style>
+        </p:cxnSp>
+      </p:grpSp>
     </p:spTree>
   </p:cSld>
   <p:clrMapOvr>
     <a:masterClrMapping/>
   </p:clrMapOvr>
+  <p:transition/>
+  <p:timing>
+    <p:tnLst>
+      <p:par>
+        <p:cTn id="1" dur="indefinite" restart="never" nodeType="tmRoot"/>
+      </p:par>
+    </p:tnLst>
+  </p:timing>
 </p:sld>
 </file>
 
 <file path=ppt/slides/slide18.xml><?xml version="1.0" encoding="utf-8"?>
-<p:sld xmlns:a="http://schemas.openxmlformats.org/drawingml/2006/main" xmlns:r="http://schemas.openxmlformats.org/officeDocument/2006/relationships" xmlns:p="http://schemas.openxmlformats.org/presentationml/2006/main">
+<p:sld xmlns:a="http://schemas.openxmlformats.org/drawingml/2006/main" xmlns:r="http://schemas.openxmlformats.org/officeDocument/2006/relationships" xmlns:p="http://schemas.openxmlformats.org/presentationml/2006/main" show="0">
   <p:cSld>
     <p:spTree>
       <p:nvGrpSpPr>
@@ -4299,7 +7119,12 @@
             <p:ph type="title"/>
           </p:nvPr>
         </p:nvSpPr>
-        <p:spPr/>
+        <p:spPr>
+          <a:xfrm>
+            <a:off x="457200" y="703266"/>
+            <a:ext cx="8229600" cy="1143000"/>
+          </a:xfrm>
+        </p:spPr>
         <p:txBody>
           <a:bodyPr>
             <a:normAutofit fontScale="90000"/>
@@ -4316,7 +7141,7 @@
             </a:r>
             <a:r>
               <a:rPr lang="it-IT" dirty="0" smtClean="0"/>
-              <a:t> 2/4</a:t>
+              <a:t> 2/3</a:t>
             </a:r>
             <a:endParaRPr lang="it-IT" dirty="0"/>
           </a:p>
@@ -4332,26 +7157,26 @@
             <p:ph idx="1"/>
           </p:nvPr>
         </p:nvSpPr>
-        <p:spPr/>
+        <p:spPr>
+          <a:xfrm>
+            <a:off x="457200" y="2028828"/>
+            <a:ext cx="8229600" cy="4525963"/>
+          </a:xfrm>
+        </p:spPr>
         <p:txBody>
           <a:bodyPr/>
           <a:lstStyle/>
           <a:p>
             <a:r>
               <a:rPr lang="it-IT" dirty="0" smtClean="0"/>
-              <a:t>Codice di </a:t>
-            </a:r>
-            <a:r>
-              <a:rPr lang="it-IT" dirty="0" smtClean="0"/>
-              <a:t>test</a:t>
-            </a:r>
-            <a:endParaRPr lang="it-IT" dirty="0" smtClean="0"/>
+              <a:t>Attributi per ambiente grafico</a:t>
+            </a:r>
           </a:p>
         </p:txBody>
       </p:sp>
       <p:pic>
         <p:nvPicPr>
-          <p:cNvPr id="12291" name="Picture 3" descr="C:\Users\fiapol\Desktop\tesi\PoorManThesis-master\PoorManThesis-master\images\rsaTxQa.png"/>
+          <p:cNvPr id="11267" name="Picture 3" descr="C:\Users\fiapol\Desktop\tesi\immagini presentazione\Attributi.png"/>
           <p:cNvPicPr>
             <a:picLocks noChangeAspect="1" noChangeArrowheads="1"/>
           </p:cNvPicPr>
@@ -4359,15 +7184,15 @@
         </p:nvPicPr>
         <p:blipFill>
           <a:blip r:embed="rId2"/>
-          <a:srcRect/>
+          <a:srcRect l="8669" t="24050" r="6377" b="14941"/>
           <a:stretch>
             <a:fillRect/>
           </a:stretch>
         </p:blipFill>
         <p:spPr bwMode="auto">
           <a:xfrm>
-            <a:off x="1928794" y="2786058"/>
-            <a:ext cx="5162991" cy="2209801"/>
+            <a:off x="2285984" y="2714620"/>
+            <a:ext cx="4357718" cy="3429024"/>
           </a:xfrm>
           <a:prstGeom prst="rect">
             <a:avLst/>
@@ -4375,16 +7200,289 @@
           <a:noFill/>
         </p:spPr>
       </p:pic>
+      <p:grpSp>
+        <p:nvGrpSpPr>
+          <p:cNvPr id="14" name="Gruppo 13"/>
+          <p:cNvGrpSpPr/>
+          <p:nvPr/>
+        </p:nvGrpSpPr>
+        <p:grpSpPr>
+          <a:xfrm>
+            <a:off x="796" y="33105"/>
+            <a:ext cx="9143207" cy="681251"/>
+            <a:chOff x="796" y="33105"/>
+            <a:chExt cx="9143207" cy="681251"/>
+          </a:xfrm>
+        </p:grpSpPr>
+        <p:grpSp>
+          <p:nvGrpSpPr>
+            <p:cNvPr id="15" name="Gruppo 7"/>
+            <p:cNvGrpSpPr/>
+            <p:nvPr/>
+          </p:nvGrpSpPr>
+          <p:grpSpPr>
+            <a:xfrm>
+              <a:off x="71406" y="71414"/>
+              <a:ext cx="3071864" cy="567375"/>
+              <a:chOff x="0" y="0"/>
+              <a:chExt cx="8715404" cy="1609736"/>
+            </a:xfrm>
+          </p:grpSpPr>
+          <p:pic>
+            <p:nvPicPr>
+              <p:cNvPr id="19" name="Picture 3"/>
+              <p:cNvPicPr>
+                <a:picLocks noChangeAspect="1" noChangeArrowheads="1"/>
+              </p:cNvPicPr>
+              <p:nvPr/>
+            </p:nvPicPr>
+            <p:blipFill>
+              <a:blip r:embed="rId3" cstate="print"/>
+              <a:srcRect l="45509" t="4944" r="39530" b="69980"/>
+              <a:stretch>
+                <a:fillRect/>
+              </a:stretch>
+            </p:blipFill>
+            <p:spPr bwMode="auto">
+              <a:xfrm>
+                <a:off x="0" y="0"/>
+                <a:ext cx="1857388" cy="1609736"/>
+              </a:xfrm>
+              <a:prstGeom prst="rect">
+                <a:avLst/>
+              </a:prstGeom>
+              <a:noFill/>
+              <a:ln w="9525">
+                <a:noFill/>
+                <a:miter lim="800000"/>
+                <a:headEnd/>
+                <a:tailEnd/>
+              </a:ln>
+              <a:effectLst/>
+            </p:spPr>
+          </p:pic>
+          <p:pic>
+            <p:nvPicPr>
+              <p:cNvPr id="20" name="Picture 4"/>
+              <p:cNvPicPr>
+                <a:picLocks noChangeAspect="1" noChangeArrowheads="1"/>
+              </p:cNvPicPr>
+              <p:nvPr/>
+            </p:nvPicPr>
+            <p:blipFill>
+              <a:blip r:embed="rId4" cstate="print"/>
+              <a:srcRect l="16687" t="64901" r="11001" b="28126"/>
+              <a:stretch>
+                <a:fillRect/>
+              </a:stretch>
+            </p:blipFill>
+            <p:spPr bwMode="auto">
+              <a:xfrm>
+                <a:off x="1714512" y="671173"/>
+                <a:ext cx="7000892" cy="357190"/>
+              </a:xfrm>
+              <a:prstGeom prst="rect">
+                <a:avLst/>
+              </a:prstGeom>
+              <a:noFill/>
+              <a:ln w="9525">
+                <a:noFill/>
+                <a:miter lim="800000"/>
+                <a:headEnd/>
+                <a:tailEnd/>
+              </a:ln>
+              <a:effectLst/>
+            </p:spPr>
+          </p:pic>
+          <p:pic>
+            <p:nvPicPr>
+              <p:cNvPr id="21" name="Picture 3"/>
+              <p:cNvPicPr>
+                <a:picLocks noChangeAspect="1" noChangeArrowheads="1"/>
+              </p:cNvPicPr>
+              <p:nvPr/>
+            </p:nvPicPr>
+            <p:blipFill>
+              <a:blip r:embed="rId5" cstate="print"/>
+              <a:srcRect l="28553" t="28091" r="22574" b="62426"/>
+              <a:stretch>
+                <a:fillRect/>
+              </a:stretch>
+            </p:blipFill>
+            <p:spPr bwMode="auto">
+              <a:xfrm>
+                <a:off x="3071802" y="99669"/>
+                <a:ext cx="4272064" cy="428628"/>
+              </a:xfrm>
+              <a:prstGeom prst="rect">
+                <a:avLst/>
+              </a:prstGeom>
+              <a:noFill/>
+              <a:ln w="9525">
+                <a:noFill/>
+                <a:miter lim="800000"/>
+                <a:headEnd/>
+                <a:tailEnd/>
+              </a:ln>
+              <a:effectLst/>
+            </p:spPr>
+          </p:pic>
+          <p:pic>
+            <p:nvPicPr>
+              <p:cNvPr id="22" name="Picture 4"/>
+              <p:cNvPicPr>
+                <a:picLocks noChangeAspect="1" noChangeArrowheads="1"/>
+              </p:cNvPicPr>
+              <p:nvPr/>
+            </p:nvPicPr>
+            <p:blipFill>
+              <a:blip r:embed="rId4" cstate="print"/>
+              <a:srcRect l="16687" t="80243" r="11001" b="13986"/>
+              <a:stretch>
+                <a:fillRect/>
+              </a:stretch>
+            </p:blipFill>
+            <p:spPr bwMode="auto">
+              <a:xfrm>
+                <a:off x="1714512" y="1028363"/>
+                <a:ext cx="7000892" cy="295621"/>
+              </a:xfrm>
+              <a:prstGeom prst="rect">
+                <a:avLst/>
+              </a:prstGeom>
+              <a:noFill/>
+              <a:ln w="9525">
+                <a:noFill/>
+                <a:miter lim="800000"/>
+                <a:headEnd/>
+                <a:tailEnd/>
+              </a:ln>
+              <a:effectLst/>
+            </p:spPr>
+          </p:pic>
+        </p:grpSp>
+        <p:pic>
+          <p:nvPicPr>
+            <p:cNvPr id="16" name="Picture 2"/>
+            <p:cNvPicPr>
+              <a:picLocks noChangeAspect="1" noChangeArrowheads="1"/>
+            </p:cNvPicPr>
+            <p:nvPr/>
+          </p:nvPicPr>
+          <p:blipFill>
+            <a:blip r:embed="rId6" cstate="print"/>
+            <a:srcRect l="12051" t="16667" r="5893" b="54167"/>
+            <a:stretch>
+              <a:fillRect/>
+            </a:stretch>
+          </p:blipFill>
+          <p:spPr bwMode="auto">
+            <a:xfrm>
+              <a:off x="3071802" y="33105"/>
+              <a:ext cx="3143274" cy="681251"/>
+            </a:xfrm>
+            <a:prstGeom prst="rect">
+              <a:avLst/>
+            </a:prstGeom>
+            <a:noFill/>
+            <a:ln w="9525">
+              <a:noFill/>
+              <a:miter lim="800000"/>
+              <a:headEnd/>
+              <a:tailEnd/>
+            </a:ln>
+            <a:effectLst/>
+          </p:spPr>
+        </p:pic>
+        <p:pic>
+          <p:nvPicPr>
+            <p:cNvPr id="17" name="Picture 2"/>
+            <p:cNvPicPr>
+              <a:picLocks noChangeAspect="1" noChangeArrowheads="1"/>
+            </p:cNvPicPr>
+            <p:nvPr/>
+          </p:nvPicPr>
+          <p:blipFill>
+            <a:blip r:embed="rId7"/>
+            <a:srcRect l="74285" t="66211" r="2939" b="22997"/>
+            <a:stretch>
+              <a:fillRect/>
+            </a:stretch>
+          </p:blipFill>
+          <p:spPr bwMode="auto">
+            <a:xfrm>
+              <a:off x="6929454" y="142852"/>
+              <a:ext cx="1500166" cy="433410"/>
+            </a:xfrm>
+            <a:prstGeom prst="rect">
+              <a:avLst/>
+            </a:prstGeom>
+            <a:noFill/>
+            <a:ln w="9525">
+              <a:noFill/>
+              <a:miter lim="800000"/>
+              <a:headEnd/>
+              <a:tailEnd/>
+            </a:ln>
+            <a:effectLst/>
+          </p:spPr>
+        </p:pic>
+        <p:cxnSp>
+          <p:nvCxnSpPr>
+            <p:cNvPr id="18" name="Connettore 1 17"/>
+            <p:cNvCxnSpPr/>
+            <p:nvPr/>
+          </p:nvCxnSpPr>
+          <p:spPr>
+            <a:xfrm rot="10800000" flipV="1">
+              <a:off x="796" y="711275"/>
+              <a:ext cx="9143207" cy="3080"/>
+            </a:xfrm>
+            <a:prstGeom prst="line">
+              <a:avLst/>
+            </a:prstGeom>
+            <a:ln>
+              <a:solidFill>
+                <a:schemeClr val="bg1">
+                  <a:lumMod val="50000"/>
+                </a:schemeClr>
+              </a:solidFill>
+            </a:ln>
+          </p:spPr>
+          <p:style>
+            <a:lnRef idx="1">
+              <a:schemeClr val="accent1"/>
+            </a:lnRef>
+            <a:fillRef idx="0">
+              <a:schemeClr val="accent1"/>
+            </a:fillRef>
+            <a:effectRef idx="0">
+              <a:schemeClr val="accent1"/>
+            </a:effectRef>
+            <a:fontRef idx="minor">
+              <a:schemeClr val="tx1"/>
+            </a:fontRef>
+          </p:style>
+        </p:cxnSp>
+      </p:grpSp>
     </p:spTree>
   </p:cSld>
   <p:clrMapOvr>
     <a:masterClrMapping/>
   </p:clrMapOvr>
+  <p:transition/>
+  <p:timing>
+    <p:tnLst>
+      <p:par>
+        <p:cTn id="1" dur="indefinite" restart="never" nodeType="tmRoot"/>
+      </p:par>
+    </p:tnLst>
+  </p:timing>
 </p:sld>
 </file>
 
 <file path=ppt/slides/slide19.xml><?xml version="1.0" encoding="utf-8"?>
-<p:sld xmlns:a="http://schemas.openxmlformats.org/drawingml/2006/main" xmlns:r="http://schemas.openxmlformats.org/officeDocument/2006/relationships" xmlns:p="http://schemas.openxmlformats.org/presentationml/2006/main">
+<p:sld xmlns:a="http://schemas.openxmlformats.org/drawingml/2006/main" xmlns:r="http://schemas.openxmlformats.org/officeDocument/2006/relationships" xmlns:p="http://schemas.openxmlformats.org/presentationml/2006/main" show="0">
   <p:cSld>
     <p:spTree>
       <p:nvGrpSpPr>
@@ -4410,7 +7508,12 @@
             <p:ph type="title"/>
           </p:nvPr>
         </p:nvSpPr>
-        <p:spPr/>
+        <p:spPr>
+          <a:xfrm>
+            <a:off x="457200" y="720747"/>
+            <a:ext cx="8229600" cy="1143000"/>
+          </a:xfrm>
+        </p:spPr>
         <p:txBody>
           <a:bodyPr>
             <a:normAutofit fontScale="90000"/>
@@ -4427,11 +7530,11 @@
             </a:r>
             <a:r>
               <a:rPr lang="it-IT" dirty="0" smtClean="0"/>
-              <a:t> 4/</a:t>
+              <a:t> 3/</a:t>
             </a:r>
             <a:r>
               <a:rPr lang="it-IT" dirty="0" err="1" smtClean="0"/>
-              <a:t>4</a:t>
+              <a:t>3</a:t>
             </a:r>
             <a:endParaRPr lang="it-IT" dirty="0"/>
           </a:p>
@@ -4449,7 +7552,7 @@
         </p:nvSpPr>
         <p:spPr>
           <a:xfrm>
-            <a:off x="428596" y="1500174"/>
+            <a:off x="457200" y="2046309"/>
             <a:ext cx="8229600" cy="4525963"/>
           </a:xfrm>
         </p:spPr>
@@ -4459,15 +7562,14 @@
           <a:p>
             <a:r>
               <a:rPr lang="it-IT" dirty="0" smtClean="0"/>
-              <a:t>Compilazione e simulazione</a:t>
-            </a:r>
-            <a:endParaRPr lang="it-IT" dirty="0"/>
+              <a:t>Codice di test</a:t>
+            </a:r>
           </a:p>
         </p:txBody>
       </p:sp>
       <p:pic>
         <p:nvPicPr>
-          <p:cNvPr id="13315" name="Picture 3" descr="C:\Users\fiapol\Desktop\tesi\PoorManThesis-master\PoorManThesis-master\images\rsaSimulazione.png"/>
+          <p:cNvPr id="12291" name="Picture 3" descr="C:\Users\fiapol\Desktop\tesi\PoorManThesis-master\PoorManThesis-master\images\rsaTxQa.png"/>
           <p:cNvPicPr>
             <a:picLocks noChangeAspect="1" noChangeArrowheads="1"/>
           </p:cNvPicPr>
@@ -4482,8 +7584,8 @@
         </p:blipFill>
         <p:spPr bwMode="auto">
           <a:xfrm>
-            <a:off x="642910" y="2125335"/>
-            <a:ext cx="7909525" cy="4446937"/>
+            <a:off x="1928794" y="3232167"/>
+            <a:ext cx="5162991" cy="2209801"/>
           </a:xfrm>
           <a:prstGeom prst="rect">
             <a:avLst/>
@@ -4491,11 +7593,284 @@
           <a:noFill/>
         </p:spPr>
       </p:pic>
+      <p:grpSp>
+        <p:nvGrpSpPr>
+          <p:cNvPr id="14" name="Gruppo 13"/>
+          <p:cNvGrpSpPr/>
+          <p:nvPr/>
+        </p:nvGrpSpPr>
+        <p:grpSpPr>
+          <a:xfrm>
+            <a:off x="796" y="33105"/>
+            <a:ext cx="9143207" cy="681251"/>
+            <a:chOff x="796" y="33105"/>
+            <a:chExt cx="9143207" cy="681251"/>
+          </a:xfrm>
+        </p:grpSpPr>
+        <p:grpSp>
+          <p:nvGrpSpPr>
+            <p:cNvPr id="15" name="Gruppo 7"/>
+            <p:cNvGrpSpPr/>
+            <p:nvPr/>
+          </p:nvGrpSpPr>
+          <p:grpSpPr>
+            <a:xfrm>
+              <a:off x="71406" y="71414"/>
+              <a:ext cx="3071864" cy="567375"/>
+              <a:chOff x="0" y="0"/>
+              <a:chExt cx="8715404" cy="1609736"/>
+            </a:xfrm>
+          </p:grpSpPr>
+          <p:pic>
+            <p:nvPicPr>
+              <p:cNvPr id="19" name="Picture 3"/>
+              <p:cNvPicPr>
+                <a:picLocks noChangeAspect="1" noChangeArrowheads="1"/>
+              </p:cNvPicPr>
+              <p:nvPr/>
+            </p:nvPicPr>
+            <p:blipFill>
+              <a:blip r:embed="rId3" cstate="print"/>
+              <a:srcRect l="45509" t="4944" r="39530" b="69980"/>
+              <a:stretch>
+                <a:fillRect/>
+              </a:stretch>
+            </p:blipFill>
+            <p:spPr bwMode="auto">
+              <a:xfrm>
+                <a:off x="0" y="0"/>
+                <a:ext cx="1857388" cy="1609736"/>
+              </a:xfrm>
+              <a:prstGeom prst="rect">
+                <a:avLst/>
+              </a:prstGeom>
+              <a:noFill/>
+              <a:ln w="9525">
+                <a:noFill/>
+                <a:miter lim="800000"/>
+                <a:headEnd/>
+                <a:tailEnd/>
+              </a:ln>
+              <a:effectLst/>
+            </p:spPr>
+          </p:pic>
+          <p:pic>
+            <p:nvPicPr>
+              <p:cNvPr id="20" name="Picture 4"/>
+              <p:cNvPicPr>
+                <a:picLocks noChangeAspect="1" noChangeArrowheads="1"/>
+              </p:cNvPicPr>
+              <p:nvPr/>
+            </p:nvPicPr>
+            <p:blipFill>
+              <a:blip r:embed="rId4" cstate="print"/>
+              <a:srcRect l="16687" t="64901" r="11001" b="28126"/>
+              <a:stretch>
+                <a:fillRect/>
+              </a:stretch>
+            </p:blipFill>
+            <p:spPr bwMode="auto">
+              <a:xfrm>
+                <a:off x="1714512" y="671173"/>
+                <a:ext cx="7000892" cy="357190"/>
+              </a:xfrm>
+              <a:prstGeom prst="rect">
+                <a:avLst/>
+              </a:prstGeom>
+              <a:noFill/>
+              <a:ln w="9525">
+                <a:noFill/>
+                <a:miter lim="800000"/>
+                <a:headEnd/>
+                <a:tailEnd/>
+              </a:ln>
+              <a:effectLst/>
+            </p:spPr>
+          </p:pic>
+          <p:pic>
+            <p:nvPicPr>
+              <p:cNvPr id="21" name="Picture 3"/>
+              <p:cNvPicPr>
+                <a:picLocks noChangeAspect="1" noChangeArrowheads="1"/>
+              </p:cNvPicPr>
+              <p:nvPr/>
+            </p:nvPicPr>
+            <p:blipFill>
+              <a:blip r:embed="rId5" cstate="print"/>
+              <a:srcRect l="28553" t="28091" r="22574" b="62426"/>
+              <a:stretch>
+                <a:fillRect/>
+              </a:stretch>
+            </p:blipFill>
+            <p:spPr bwMode="auto">
+              <a:xfrm>
+                <a:off x="3071802" y="99669"/>
+                <a:ext cx="4272064" cy="428628"/>
+              </a:xfrm>
+              <a:prstGeom prst="rect">
+                <a:avLst/>
+              </a:prstGeom>
+              <a:noFill/>
+              <a:ln w="9525">
+                <a:noFill/>
+                <a:miter lim="800000"/>
+                <a:headEnd/>
+                <a:tailEnd/>
+              </a:ln>
+              <a:effectLst/>
+            </p:spPr>
+          </p:pic>
+          <p:pic>
+            <p:nvPicPr>
+              <p:cNvPr id="22" name="Picture 4"/>
+              <p:cNvPicPr>
+                <a:picLocks noChangeAspect="1" noChangeArrowheads="1"/>
+              </p:cNvPicPr>
+              <p:nvPr/>
+            </p:nvPicPr>
+            <p:blipFill>
+              <a:blip r:embed="rId4" cstate="print"/>
+              <a:srcRect l="16687" t="80243" r="11001" b="13986"/>
+              <a:stretch>
+                <a:fillRect/>
+              </a:stretch>
+            </p:blipFill>
+            <p:spPr bwMode="auto">
+              <a:xfrm>
+                <a:off x="1714512" y="1028363"/>
+                <a:ext cx="7000892" cy="295621"/>
+              </a:xfrm>
+              <a:prstGeom prst="rect">
+                <a:avLst/>
+              </a:prstGeom>
+              <a:noFill/>
+              <a:ln w="9525">
+                <a:noFill/>
+                <a:miter lim="800000"/>
+                <a:headEnd/>
+                <a:tailEnd/>
+              </a:ln>
+              <a:effectLst/>
+            </p:spPr>
+          </p:pic>
+        </p:grpSp>
+        <p:pic>
+          <p:nvPicPr>
+            <p:cNvPr id="16" name="Picture 2"/>
+            <p:cNvPicPr>
+              <a:picLocks noChangeAspect="1" noChangeArrowheads="1"/>
+            </p:cNvPicPr>
+            <p:nvPr/>
+          </p:nvPicPr>
+          <p:blipFill>
+            <a:blip r:embed="rId6" cstate="print"/>
+            <a:srcRect l="12051" t="16667" r="5893" b="54167"/>
+            <a:stretch>
+              <a:fillRect/>
+            </a:stretch>
+          </p:blipFill>
+          <p:spPr bwMode="auto">
+            <a:xfrm>
+              <a:off x="3071802" y="33105"/>
+              <a:ext cx="3143274" cy="681251"/>
+            </a:xfrm>
+            <a:prstGeom prst="rect">
+              <a:avLst/>
+            </a:prstGeom>
+            <a:noFill/>
+            <a:ln w="9525">
+              <a:noFill/>
+              <a:miter lim="800000"/>
+              <a:headEnd/>
+              <a:tailEnd/>
+            </a:ln>
+            <a:effectLst/>
+          </p:spPr>
+        </p:pic>
+        <p:pic>
+          <p:nvPicPr>
+            <p:cNvPr id="17" name="Picture 2"/>
+            <p:cNvPicPr>
+              <a:picLocks noChangeAspect="1" noChangeArrowheads="1"/>
+            </p:cNvPicPr>
+            <p:nvPr/>
+          </p:nvPicPr>
+          <p:blipFill>
+            <a:blip r:embed="rId7"/>
+            <a:srcRect l="74285" t="66211" r="2939" b="22997"/>
+            <a:stretch>
+              <a:fillRect/>
+            </a:stretch>
+          </p:blipFill>
+          <p:spPr bwMode="auto">
+            <a:xfrm>
+              <a:off x="6929454" y="142852"/>
+              <a:ext cx="1500166" cy="433410"/>
+            </a:xfrm>
+            <a:prstGeom prst="rect">
+              <a:avLst/>
+            </a:prstGeom>
+            <a:noFill/>
+            <a:ln w="9525">
+              <a:noFill/>
+              <a:miter lim="800000"/>
+              <a:headEnd/>
+              <a:tailEnd/>
+            </a:ln>
+            <a:effectLst/>
+          </p:spPr>
+        </p:pic>
+        <p:cxnSp>
+          <p:nvCxnSpPr>
+            <p:cNvPr id="18" name="Connettore 1 17"/>
+            <p:cNvCxnSpPr/>
+            <p:nvPr/>
+          </p:nvCxnSpPr>
+          <p:spPr>
+            <a:xfrm rot="10800000" flipV="1">
+              <a:off x="796" y="711275"/>
+              <a:ext cx="9143207" cy="3080"/>
+            </a:xfrm>
+            <a:prstGeom prst="line">
+              <a:avLst/>
+            </a:prstGeom>
+            <a:ln>
+              <a:solidFill>
+                <a:schemeClr val="bg1">
+                  <a:lumMod val="50000"/>
+                </a:schemeClr>
+              </a:solidFill>
+            </a:ln>
+          </p:spPr>
+          <p:style>
+            <a:lnRef idx="1">
+              <a:schemeClr val="accent1"/>
+            </a:lnRef>
+            <a:fillRef idx="0">
+              <a:schemeClr val="accent1"/>
+            </a:fillRef>
+            <a:effectRef idx="0">
+              <a:schemeClr val="accent1"/>
+            </a:effectRef>
+            <a:fontRef idx="minor">
+              <a:schemeClr val="tx1"/>
+            </a:fontRef>
+          </p:style>
+        </p:cxnSp>
+      </p:grpSp>
     </p:spTree>
   </p:cSld>
   <p:clrMapOvr>
     <a:masterClrMapping/>
   </p:clrMapOvr>
+  <p:transition/>
+  <p:timing>
+    <p:tnLst>
+      <p:par>
+        <p:cTn id="1" dur="indefinite" restart="never" nodeType="tmRoot"/>
+      </p:par>
+    </p:tnLst>
+  </p:timing>
 </p:sld>
 </file>
 
@@ -4526,7 +7901,12 @@
             <p:ph type="title"/>
           </p:nvPr>
         </p:nvSpPr>
-        <p:spPr/>
+        <p:spPr>
+          <a:xfrm>
+            <a:off x="428596" y="720747"/>
+            <a:ext cx="8229600" cy="1143000"/>
+          </a:xfrm>
+        </p:spPr>
         <p:txBody>
           <a:bodyPr>
             <a:normAutofit/>
@@ -4551,7 +7931,12 @@
             <p:ph idx="1"/>
           </p:nvPr>
         </p:nvSpPr>
-        <p:spPr/>
+        <p:spPr>
+          <a:xfrm>
+            <a:off x="428596" y="2046309"/>
+            <a:ext cx="8229600" cy="4525963"/>
+          </a:xfrm>
+        </p:spPr>
         <p:txBody>
           <a:bodyPr>
             <a:normAutofit/>
@@ -4567,32 +7952,15 @@
             <a:pPr lvl="1"/>
             <a:r>
               <a:rPr lang="it-IT" dirty="0" smtClean="0"/>
-              <a:t>Sviluppo </a:t>
-            </a:r>
+              <a:t>Sviluppo tradizionale in Hardware</a:t>
+            </a:r>
+          </a:p>
+          <a:p>
+            <a:pPr lvl="1"/>
             <a:r>
               <a:rPr lang="it-IT" dirty="0" smtClean="0"/>
-              <a:t>tradizionale in </a:t>
-            </a:r>
-            <a:r>
-              <a:rPr lang="it-IT" dirty="0" smtClean="0"/>
-              <a:t>Hardware</a:t>
-            </a:r>
-          </a:p>
-          <a:p>
-            <a:pPr lvl="1"/>
-            <a:r>
-              <a:rPr lang="it-IT" dirty="0" smtClean="0"/>
-              <a:t>nuovi </a:t>
-            </a:r>
-            <a:r>
-              <a:rPr lang="it-IT" dirty="0" smtClean="0"/>
-              <a:t>SDR </a:t>
-            </a:r>
-            <a:r>
-              <a:rPr lang="it-IT" dirty="0" smtClean="0"/>
-              <a:t>economici</a:t>
-            </a:r>
-            <a:endParaRPr lang="it-IT" dirty="0" smtClean="0"/>
+              <a:t>nuovi SDR economici</a:t>
+            </a:r>
           </a:p>
           <a:p>
             <a:r>
@@ -4635,11 +8003,283 @@
           </a:p>
         </p:txBody>
       </p:sp>
+      <p:grpSp>
+        <p:nvGrpSpPr>
+          <p:cNvPr id="15" name="Gruppo 14"/>
+          <p:cNvGrpSpPr/>
+          <p:nvPr/>
+        </p:nvGrpSpPr>
+        <p:grpSpPr>
+          <a:xfrm>
+            <a:off x="796" y="33105"/>
+            <a:ext cx="9143207" cy="681251"/>
+            <a:chOff x="796" y="33105"/>
+            <a:chExt cx="9143207" cy="681251"/>
+          </a:xfrm>
+        </p:grpSpPr>
+        <p:grpSp>
+          <p:nvGrpSpPr>
+            <p:cNvPr id="8" name="Gruppo 7"/>
+            <p:cNvGrpSpPr/>
+            <p:nvPr/>
+          </p:nvGrpSpPr>
+          <p:grpSpPr>
+            <a:xfrm>
+              <a:off x="71406" y="71414"/>
+              <a:ext cx="3071866" cy="567375"/>
+              <a:chOff x="0" y="0"/>
+              <a:chExt cx="8715404" cy="1609736"/>
+            </a:xfrm>
+          </p:grpSpPr>
+          <p:pic>
+            <p:nvPicPr>
+              <p:cNvPr id="4" name="Picture 3"/>
+              <p:cNvPicPr>
+                <a:picLocks noChangeAspect="1" noChangeArrowheads="1"/>
+              </p:cNvPicPr>
+              <p:nvPr/>
+            </p:nvPicPr>
+            <p:blipFill>
+              <a:blip r:embed="rId3" cstate="print"/>
+              <a:srcRect l="45509" t="4944" r="39530" b="69980"/>
+              <a:stretch>
+                <a:fillRect/>
+              </a:stretch>
+            </p:blipFill>
+            <p:spPr bwMode="auto">
+              <a:xfrm>
+                <a:off x="0" y="0"/>
+                <a:ext cx="1857388" cy="1609736"/>
+              </a:xfrm>
+              <a:prstGeom prst="rect">
+                <a:avLst/>
+              </a:prstGeom>
+              <a:noFill/>
+              <a:ln w="9525">
+                <a:noFill/>
+                <a:miter lim="800000"/>
+                <a:headEnd/>
+                <a:tailEnd/>
+              </a:ln>
+              <a:effectLst/>
+            </p:spPr>
+          </p:pic>
+          <p:pic>
+            <p:nvPicPr>
+              <p:cNvPr id="5" name="Picture 4"/>
+              <p:cNvPicPr>
+                <a:picLocks noChangeAspect="1" noChangeArrowheads="1"/>
+              </p:cNvPicPr>
+              <p:nvPr/>
+            </p:nvPicPr>
+            <p:blipFill>
+              <a:blip r:embed="rId4" cstate="print"/>
+              <a:srcRect l="16687" t="64901" r="11001" b="28126"/>
+              <a:stretch>
+                <a:fillRect/>
+              </a:stretch>
+            </p:blipFill>
+            <p:spPr bwMode="auto">
+              <a:xfrm>
+                <a:off x="1714512" y="671173"/>
+                <a:ext cx="7000892" cy="357190"/>
+              </a:xfrm>
+              <a:prstGeom prst="rect">
+                <a:avLst/>
+              </a:prstGeom>
+              <a:noFill/>
+              <a:ln w="9525">
+                <a:noFill/>
+                <a:miter lim="800000"/>
+                <a:headEnd/>
+                <a:tailEnd/>
+              </a:ln>
+              <a:effectLst/>
+            </p:spPr>
+          </p:pic>
+          <p:pic>
+            <p:nvPicPr>
+              <p:cNvPr id="6" name="Picture 3"/>
+              <p:cNvPicPr>
+                <a:picLocks noChangeAspect="1" noChangeArrowheads="1"/>
+              </p:cNvPicPr>
+              <p:nvPr/>
+            </p:nvPicPr>
+            <p:blipFill>
+              <a:blip r:embed="rId5" cstate="print"/>
+              <a:srcRect l="28553" t="28091" r="22574" b="62426"/>
+              <a:stretch>
+                <a:fillRect/>
+              </a:stretch>
+            </p:blipFill>
+            <p:spPr bwMode="auto">
+              <a:xfrm>
+                <a:off x="3071802" y="99669"/>
+                <a:ext cx="4272064" cy="428628"/>
+              </a:xfrm>
+              <a:prstGeom prst="rect">
+                <a:avLst/>
+              </a:prstGeom>
+              <a:noFill/>
+              <a:ln w="9525">
+                <a:noFill/>
+                <a:miter lim="800000"/>
+                <a:headEnd/>
+                <a:tailEnd/>
+              </a:ln>
+              <a:effectLst/>
+            </p:spPr>
+          </p:pic>
+          <p:pic>
+            <p:nvPicPr>
+              <p:cNvPr id="7" name="Picture 4"/>
+              <p:cNvPicPr>
+                <a:picLocks noChangeAspect="1" noChangeArrowheads="1"/>
+              </p:cNvPicPr>
+              <p:nvPr/>
+            </p:nvPicPr>
+            <p:blipFill>
+              <a:blip r:embed="rId4" cstate="print"/>
+              <a:srcRect l="16687" t="80243" r="11001" b="13986"/>
+              <a:stretch>
+                <a:fillRect/>
+              </a:stretch>
+            </p:blipFill>
+            <p:spPr bwMode="auto">
+              <a:xfrm>
+                <a:off x="1714512" y="1028363"/>
+                <a:ext cx="7000892" cy="295621"/>
+              </a:xfrm>
+              <a:prstGeom prst="rect">
+                <a:avLst/>
+              </a:prstGeom>
+              <a:noFill/>
+              <a:ln w="9525">
+                <a:noFill/>
+                <a:miter lim="800000"/>
+                <a:headEnd/>
+                <a:tailEnd/>
+              </a:ln>
+              <a:effectLst/>
+            </p:spPr>
+          </p:pic>
+        </p:grpSp>
+        <p:pic>
+          <p:nvPicPr>
+            <p:cNvPr id="9" name="Picture 2"/>
+            <p:cNvPicPr>
+              <a:picLocks noChangeAspect="1" noChangeArrowheads="1"/>
+            </p:cNvPicPr>
+            <p:nvPr/>
+          </p:nvPicPr>
+          <p:blipFill>
+            <a:blip r:embed="rId6" cstate="print"/>
+            <a:srcRect l="12051" t="16667" r="5893" b="54167"/>
+            <a:stretch>
+              <a:fillRect/>
+            </a:stretch>
+          </p:blipFill>
+          <p:spPr bwMode="auto">
+            <a:xfrm>
+              <a:off x="3071802" y="33105"/>
+              <a:ext cx="3143274" cy="681251"/>
+            </a:xfrm>
+            <a:prstGeom prst="rect">
+              <a:avLst/>
+            </a:prstGeom>
+            <a:noFill/>
+            <a:ln w="9525">
+              <a:noFill/>
+              <a:miter lim="800000"/>
+              <a:headEnd/>
+              <a:tailEnd/>
+            </a:ln>
+            <a:effectLst/>
+          </p:spPr>
+        </p:pic>
+        <p:pic>
+          <p:nvPicPr>
+            <p:cNvPr id="11" name="Picture 2"/>
+            <p:cNvPicPr>
+              <a:picLocks noChangeAspect="1" noChangeArrowheads="1"/>
+            </p:cNvPicPr>
+            <p:nvPr/>
+          </p:nvPicPr>
+          <p:blipFill>
+            <a:blip r:embed="rId7"/>
+            <a:srcRect l="74285" t="66211" r="2939" b="22997"/>
+            <a:stretch>
+              <a:fillRect/>
+            </a:stretch>
+          </p:blipFill>
+          <p:spPr bwMode="auto">
+            <a:xfrm>
+              <a:off x="6929454" y="142852"/>
+              <a:ext cx="1500166" cy="433410"/>
+            </a:xfrm>
+            <a:prstGeom prst="rect">
+              <a:avLst/>
+            </a:prstGeom>
+            <a:noFill/>
+            <a:ln w="9525">
+              <a:noFill/>
+              <a:miter lim="800000"/>
+              <a:headEnd/>
+              <a:tailEnd/>
+            </a:ln>
+            <a:effectLst/>
+          </p:spPr>
+        </p:pic>
+        <p:cxnSp>
+          <p:nvCxnSpPr>
+            <p:cNvPr id="13" name="Connettore 1 12"/>
+            <p:cNvCxnSpPr/>
+            <p:nvPr/>
+          </p:nvCxnSpPr>
+          <p:spPr>
+            <a:xfrm rot="10800000" flipV="1">
+              <a:off x="796" y="711275"/>
+              <a:ext cx="9143207" cy="3080"/>
+            </a:xfrm>
+            <a:prstGeom prst="line">
+              <a:avLst/>
+            </a:prstGeom>
+            <a:ln>
+              <a:solidFill>
+                <a:schemeClr val="bg1">
+                  <a:lumMod val="50000"/>
+                </a:schemeClr>
+              </a:solidFill>
+            </a:ln>
+          </p:spPr>
+          <p:style>
+            <a:lnRef idx="1">
+              <a:schemeClr val="accent1"/>
+            </a:lnRef>
+            <a:fillRef idx="0">
+              <a:schemeClr val="accent1"/>
+            </a:fillRef>
+            <a:effectRef idx="0">
+              <a:schemeClr val="accent1"/>
+            </a:effectRef>
+            <a:fontRef idx="minor">
+              <a:schemeClr val="tx1"/>
+            </a:fontRef>
+          </p:style>
+        </p:cxnSp>
+      </p:grpSp>
     </p:spTree>
   </p:cSld>
   <p:clrMapOvr>
     <a:masterClrMapping/>
   </p:clrMapOvr>
+  <p:timing>
+    <p:tnLst>
+      <p:par>
+        <p:cTn id="1" dur="indefinite" restart="never" nodeType="tmRoot"/>
+      </p:par>
+    </p:tnLst>
+  </p:timing>
 </p:sld>
 </file>
 
@@ -4670,7 +8310,369 @@
             <p:ph type="title"/>
           </p:nvPr>
         </p:nvSpPr>
-        <p:spPr/>
+        <p:spPr>
+          <a:xfrm>
+            <a:off x="457200" y="714356"/>
+            <a:ext cx="8229600" cy="1143000"/>
+          </a:xfrm>
+        </p:spPr>
+        <p:txBody>
+          <a:bodyPr>
+            <a:normAutofit/>
+          </a:bodyPr>
+          <a:lstStyle/>
+          <a:p>
+            <a:r>
+              <a:rPr lang="it-IT" dirty="0" smtClean="0"/>
+              <a:t>Utilizzo modulo </a:t>
+            </a:r>
+            <a:r>
+              <a:rPr lang="it-IT" dirty="0" err="1" smtClean="0"/>
+              <a:t>Gnuradio</a:t>
+            </a:r>
+            <a:endParaRPr lang="it-IT" dirty="0"/>
+          </a:p>
+        </p:txBody>
+      </p:sp>
+      <p:pic>
+        <p:nvPicPr>
+          <p:cNvPr id="13315" name="Picture 3" descr="C:\Users\fiapol\Desktop\tesi\PoorManThesis-master\PoorManThesis-master\images\rsaSimulazione.png"/>
+          <p:cNvPicPr>
+            <a:picLocks noChangeAspect="1" noChangeArrowheads="1"/>
+          </p:cNvPicPr>
+          <p:nvPr/>
+        </p:nvPicPr>
+        <p:blipFill>
+          <a:blip r:embed="rId2"/>
+          <a:srcRect/>
+          <a:stretch>
+            <a:fillRect/>
+          </a:stretch>
+        </p:blipFill>
+        <p:spPr bwMode="auto">
+          <a:xfrm>
+            <a:off x="357158" y="1714488"/>
+            <a:ext cx="8429684" cy="4739384"/>
+          </a:xfrm>
+          <a:prstGeom prst="rect">
+            <a:avLst/>
+          </a:prstGeom>
+          <a:noFill/>
+        </p:spPr>
+      </p:pic>
+      <p:grpSp>
+        <p:nvGrpSpPr>
+          <p:cNvPr id="15" name="Gruppo 14"/>
+          <p:cNvGrpSpPr/>
+          <p:nvPr/>
+        </p:nvGrpSpPr>
+        <p:grpSpPr>
+          <a:xfrm>
+            <a:off x="796" y="33105"/>
+            <a:ext cx="9143207" cy="681251"/>
+            <a:chOff x="796" y="33105"/>
+            <a:chExt cx="9143207" cy="681251"/>
+          </a:xfrm>
+        </p:grpSpPr>
+        <p:grpSp>
+          <p:nvGrpSpPr>
+            <p:cNvPr id="16" name="Gruppo 7"/>
+            <p:cNvGrpSpPr/>
+            <p:nvPr/>
+          </p:nvGrpSpPr>
+          <p:grpSpPr>
+            <a:xfrm>
+              <a:off x="71406" y="71414"/>
+              <a:ext cx="3071864" cy="567375"/>
+              <a:chOff x="0" y="0"/>
+              <a:chExt cx="8715404" cy="1609736"/>
+            </a:xfrm>
+          </p:grpSpPr>
+          <p:pic>
+            <p:nvPicPr>
+              <p:cNvPr id="20" name="Picture 3"/>
+              <p:cNvPicPr>
+                <a:picLocks noChangeAspect="1" noChangeArrowheads="1"/>
+              </p:cNvPicPr>
+              <p:nvPr/>
+            </p:nvPicPr>
+            <p:blipFill>
+              <a:blip r:embed="rId3" cstate="print"/>
+              <a:srcRect l="45509" t="4944" r="39530" b="69980"/>
+              <a:stretch>
+                <a:fillRect/>
+              </a:stretch>
+            </p:blipFill>
+            <p:spPr bwMode="auto">
+              <a:xfrm>
+                <a:off x="0" y="0"/>
+                <a:ext cx="1857388" cy="1609736"/>
+              </a:xfrm>
+              <a:prstGeom prst="rect">
+                <a:avLst/>
+              </a:prstGeom>
+              <a:noFill/>
+              <a:ln w="9525">
+                <a:noFill/>
+                <a:miter lim="800000"/>
+                <a:headEnd/>
+                <a:tailEnd/>
+              </a:ln>
+              <a:effectLst/>
+            </p:spPr>
+          </p:pic>
+          <p:pic>
+            <p:nvPicPr>
+              <p:cNvPr id="21" name="Picture 4"/>
+              <p:cNvPicPr>
+                <a:picLocks noChangeAspect="1" noChangeArrowheads="1"/>
+              </p:cNvPicPr>
+              <p:nvPr/>
+            </p:nvPicPr>
+            <p:blipFill>
+              <a:blip r:embed="rId4" cstate="print"/>
+              <a:srcRect l="16687" t="64901" r="11001" b="28126"/>
+              <a:stretch>
+                <a:fillRect/>
+              </a:stretch>
+            </p:blipFill>
+            <p:spPr bwMode="auto">
+              <a:xfrm>
+                <a:off x="1714512" y="671173"/>
+                <a:ext cx="7000892" cy="357190"/>
+              </a:xfrm>
+              <a:prstGeom prst="rect">
+                <a:avLst/>
+              </a:prstGeom>
+              <a:noFill/>
+              <a:ln w="9525">
+                <a:noFill/>
+                <a:miter lim="800000"/>
+                <a:headEnd/>
+                <a:tailEnd/>
+              </a:ln>
+              <a:effectLst/>
+            </p:spPr>
+          </p:pic>
+          <p:pic>
+            <p:nvPicPr>
+              <p:cNvPr id="22" name="Picture 3"/>
+              <p:cNvPicPr>
+                <a:picLocks noChangeAspect="1" noChangeArrowheads="1"/>
+              </p:cNvPicPr>
+              <p:nvPr/>
+            </p:nvPicPr>
+            <p:blipFill>
+              <a:blip r:embed="rId5" cstate="print"/>
+              <a:srcRect l="28553" t="28091" r="22574" b="62426"/>
+              <a:stretch>
+                <a:fillRect/>
+              </a:stretch>
+            </p:blipFill>
+            <p:spPr bwMode="auto">
+              <a:xfrm>
+                <a:off x="3071802" y="99669"/>
+                <a:ext cx="4272064" cy="428628"/>
+              </a:xfrm>
+              <a:prstGeom prst="rect">
+                <a:avLst/>
+              </a:prstGeom>
+              <a:noFill/>
+              <a:ln w="9525">
+                <a:noFill/>
+                <a:miter lim="800000"/>
+                <a:headEnd/>
+                <a:tailEnd/>
+              </a:ln>
+              <a:effectLst/>
+            </p:spPr>
+          </p:pic>
+          <p:pic>
+            <p:nvPicPr>
+              <p:cNvPr id="23" name="Picture 4"/>
+              <p:cNvPicPr>
+                <a:picLocks noChangeAspect="1" noChangeArrowheads="1"/>
+              </p:cNvPicPr>
+              <p:nvPr/>
+            </p:nvPicPr>
+            <p:blipFill>
+              <a:blip r:embed="rId4" cstate="print"/>
+              <a:srcRect l="16687" t="80243" r="11001" b="13986"/>
+              <a:stretch>
+                <a:fillRect/>
+              </a:stretch>
+            </p:blipFill>
+            <p:spPr bwMode="auto">
+              <a:xfrm>
+                <a:off x="1714512" y="1028363"/>
+                <a:ext cx="7000892" cy="295621"/>
+              </a:xfrm>
+              <a:prstGeom prst="rect">
+                <a:avLst/>
+              </a:prstGeom>
+              <a:noFill/>
+              <a:ln w="9525">
+                <a:noFill/>
+                <a:miter lim="800000"/>
+                <a:headEnd/>
+                <a:tailEnd/>
+              </a:ln>
+              <a:effectLst/>
+            </p:spPr>
+          </p:pic>
+        </p:grpSp>
+        <p:pic>
+          <p:nvPicPr>
+            <p:cNvPr id="17" name="Picture 2"/>
+            <p:cNvPicPr>
+              <a:picLocks noChangeAspect="1" noChangeArrowheads="1"/>
+            </p:cNvPicPr>
+            <p:nvPr/>
+          </p:nvPicPr>
+          <p:blipFill>
+            <a:blip r:embed="rId6" cstate="print"/>
+            <a:srcRect l="12051" t="16667" r="5893" b="54167"/>
+            <a:stretch>
+              <a:fillRect/>
+            </a:stretch>
+          </p:blipFill>
+          <p:spPr bwMode="auto">
+            <a:xfrm>
+              <a:off x="3071802" y="33105"/>
+              <a:ext cx="3143274" cy="681251"/>
+            </a:xfrm>
+            <a:prstGeom prst="rect">
+              <a:avLst/>
+            </a:prstGeom>
+            <a:noFill/>
+            <a:ln w="9525">
+              <a:noFill/>
+              <a:miter lim="800000"/>
+              <a:headEnd/>
+              <a:tailEnd/>
+            </a:ln>
+            <a:effectLst/>
+          </p:spPr>
+        </p:pic>
+        <p:pic>
+          <p:nvPicPr>
+            <p:cNvPr id="18" name="Picture 2"/>
+            <p:cNvPicPr>
+              <a:picLocks noChangeAspect="1" noChangeArrowheads="1"/>
+            </p:cNvPicPr>
+            <p:nvPr/>
+          </p:nvPicPr>
+          <p:blipFill>
+            <a:blip r:embed="rId7"/>
+            <a:srcRect l="74285" t="66211" r="2939" b="22997"/>
+            <a:stretch>
+              <a:fillRect/>
+            </a:stretch>
+          </p:blipFill>
+          <p:spPr bwMode="auto">
+            <a:xfrm>
+              <a:off x="6929454" y="142852"/>
+              <a:ext cx="1500166" cy="433410"/>
+            </a:xfrm>
+            <a:prstGeom prst="rect">
+              <a:avLst/>
+            </a:prstGeom>
+            <a:noFill/>
+            <a:ln w="9525">
+              <a:noFill/>
+              <a:miter lim="800000"/>
+              <a:headEnd/>
+              <a:tailEnd/>
+            </a:ln>
+            <a:effectLst/>
+          </p:spPr>
+        </p:pic>
+        <p:cxnSp>
+          <p:nvCxnSpPr>
+            <p:cNvPr id="19" name="Connettore 1 18"/>
+            <p:cNvCxnSpPr/>
+            <p:nvPr/>
+          </p:nvCxnSpPr>
+          <p:spPr>
+            <a:xfrm rot="10800000" flipV="1">
+              <a:off x="796" y="711275"/>
+              <a:ext cx="9143207" cy="3080"/>
+            </a:xfrm>
+            <a:prstGeom prst="line">
+              <a:avLst/>
+            </a:prstGeom>
+            <a:ln>
+              <a:solidFill>
+                <a:schemeClr val="bg1">
+                  <a:lumMod val="50000"/>
+                </a:schemeClr>
+              </a:solidFill>
+            </a:ln>
+          </p:spPr>
+          <p:style>
+            <a:lnRef idx="1">
+              <a:schemeClr val="accent1"/>
+            </a:lnRef>
+            <a:fillRef idx="0">
+              <a:schemeClr val="accent1"/>
+            </a:fillRef>
+            <a:effectRef idx="0">
+              <a:schemeClr val="accent1"/>
+            </a:effectRef>
+            <a:fontRef idx="minor">
+              <a:schemeClr val="tx1"/>
+            </a:fontRef>
+          </p:style>
+        </p:cxnSp>
+      </p:grpSp>
+    </p:spTree>
+  </p:cSld>
+  <p:clrMapOvr>
+    <a:masterClrMapping/>
+  </p:clrMapOvr>
+  <p:timing>
+    <p:tnLst>
+      <p:par>
+        <p:cTn id="1" dur="indefinite" restart="never" nodeType="tmRoot"/>
+      </p:par>
+    </p:tnLst>
+  </p:timing>
+</p:sld>
+</file>
+
+<file path=ppt/slides/slide21.xml><?xml version="1.0" encoding="utf-8"?>
+<p:sld xmlns:a="http://schemas.openxmlformats.org/drawingml/2006/main" xmlns:r="http://schemas.openxmlformats.org/officeDocument/2006/relationships" xmlns:p="http://schemas.openxmlformats.org/presentationml/2006/main">
+  <p:cSld>
+    <p:spTree>
+      <p:nvGrpSpPr>
+        <p:cNvPr id="1" name=""/>
+        <p:cNvGrpSpPr/>
+        <p:nvPr/>
+      </p:nvGrpSpPr>
+      <p:grpSpPr>
+        <a:xfrm>
+          <a:off x="0" y="0"/>
+          <a:ext cx="0" cy="0"/>
+          <a:chOff x="0" y="0"/>
+          <a:chExt cx="0" cy="0"/>
+        </a:xfrm>
+      </p:grpSpPr>
+      <p:sp>
+        <p:nvSpPr>
+          <p:cNvPr id="2" name="Titolo 1"/>
+          <p:cNvSpPr>
+            <a:spLocks noGrp="1"/>
+          </p:cNvSpPr>
+          <p:nvPr>
+            <p:ph type="title"/>
+          </p:nvPr>
+        </p:nvSpPr>
+        <p:spPr>
+          <a:xfrm>
+            <a:off x="457200" y="720747"/>
+            <a:ext cx="8229600" cy="1143000"/>
+          </a:xfrm>
+        </p:spPr>
         <p:txBody>
           <a:bodyPr>
             <a:normAutofit/>
@@ -4695,7 +8697,12 @@
             <p:ph idx="1"/>
           </p:nvPr>
         </p:nvSpPr>
-        <p:spPr/>
+        <p:spPr>
+          <a:xfrm>
+            <a:off x="457200" y="2046309"/>
+            <a:ext cx="8229600" cy="4525963"/>
+          </a:xfrm>
+        </p:spPr>
         <p:txBody>
           <a:bodyPr>
             <a:normAutofit/>
@@ -4769,11 +8776,610 @@
           </a:p>
         </p:txBody>
       </p:sp>
+      <p:grpSp>
+        <p:nvGrpSpPr>
+          <p:cNvPr id="13" name="Gruppo 12"/>
+          <p:cNvGrpSpPr/>
+          <p:nvPr/>
+        </p:nvGrpSpPr>
+        <p:grpSpPr>
+          <a:xfrm>
+            <a:off x="796" y="33105"/>
+            <a:ext cx="9143207" cy="681251"/>
+            <a:chOff x="796" y="33105"/>
+            <a:chExt cx="9143207" cy="681251"/>
+          </a:xfrm>
+        </p:grpSpPr>
+        <p:grpSp>
+          <p:nvGrpSpPr>
+            <p:cNvPr id="14" name="Gruppo 7"/>
+            <p:cNvGrpSpPr/>
+            <p:nvPr/>
+          </p:nvGrpSpPr>
+          <p:grpSpPr>
+            <a:xfrm>
+              <a:off x="71406" y="71414"/>
+              <a:ext cx="3071864" cy="567375"/>
+              <a:chOff x="0" y="0"/>
+              <a:chExt cx="8715404" cy="1609736"/>
+            </a:xfrm>
+          </p:grpSpPr>
+          <p:pic>
+            <p:nvPicPr>
+              <p:cNvPr id="18" name="Picture 3"/>
+              <p:cNvPicPr>
+                <a:picLocks noChangeAspect="1" noChangeArrowheads="1"/>
+              </p:cNvPicPr>
+              <p:nvPr/>
+            </p:nvPicPr>
+            <p:blipFill>
+              <a:blip r:embed="rId2" cstate="print"/>
+              <a:srcRect l="45509" t="4944" r="39530" b="69980"/>
+              <a:stretch>
+                <a:fillRect/>
+              </a:stretch>
+            </p:blipFill>
+            <p:spPr bwMode="auto">
+              <a:xfrm>
+                <a:off x="0" y="0"/>
+                <a:ext cx="1857388" cy="1609736"/>
+              </a:xfrm>
+              <a:prstGeom prst="rect">
+                <a:avLst/>
+              </a:prstGeom>
+              <a:noFill/>
+              <a:ln w="9525">
+                <a:noFill/>
+                <a:miter lim="800000"/>
+                <a:headEnd/>
+                <a:tailEnd/>
+              </a:ln>
+              <a:effectLst/>
+            </p:spPr>
+          </p:pic>
+          <p:pic>
+            <p:nvPicPr>
+              <p:cNvPr id="19" name="Picture 4"/>
+              <p:cNvPicPr>
+                <a:picLocks noChangeAspect="1" noChangeArrowheads="1"/>
+              </p:cNvPicPr>
+              <p:nvPr/>
+            </p:nvPicPr>
+            <p:blipFill>
+              <a:blip r:embed="rId3" cstate="print"/>
+              <a:srcRect l="16687" t="64901" r="11001" b="28126"/>
+              <a:stretch>
+                <a:fillRect/>
+              </a:stretch>
+            </p:blipFill>
+            <p:spPr bwMode="auto">
+              <a:xfrm>
+                <a:off x="1714512" y="671173"/>
+                <a:ext cx="7000892" cy="357190"/>
+              </a:xfrm>
+              <a:prstGeom prst="rect">
+                <a:avLst/>
+              </a:prstGeom>
+              <a:noFill/>
+              <a:ln w="9525">
+                <a:noFill/>
+                <a:miter lim="800000"/>
+                <a:headEnd/>
+                <a:tailEnd/>
+              </a:ln>
+              <a:effectLst/>
+            </p:spPr>
+          </p:pic>
+          <p:pic>
+            <p:nvPicPr>
+              <p:cNvPr id="20" name="Picture 3"/>
+              <p:cNvPicPr>
+                <a:picLocks noChangeAspect="1" noChangeArrowheads="1"/>
+              </p:cNvPicPr>
+              <p:nvPr/>
+            </p:nvPicPr>
+            <p:blipFill>
+              <a:blip r:embed="rId4" cstate="print"/>
+              <a:srcRect l="28553" t="28091" r="22574" b="62426"/>
+              <a:stretch>
+                <a:fillRect/>
+              </a:stretch>
+            </p:blipFill>
+            <p:spPr bwMode="auto">
+              <a:xfrm>
+                <a:off x="3071802" y="99669"/>
+                <a:ext cx="4272064" cy="428628"/>
+              </a:xfrm>
+              <a:prstGeom prst="rect">
+                <a:avLst/>
+              </a:prstGeom>
+              <a:noFill/>
+              <a:ln w="9525">
+                <a:noFill/>
+                <a:miter lim="800000"/>
+                <a:headEnd/>
+                <a:tailEnd/>
+              </a:ln>
+              <a:effectLst/>
+            </p:spPr>
+          </p:pic>
+          <p:pic>
+            <p:nvPicPr>
+              <p:cNvPr id="21" name="Picture 4"/>
+              <p:cNvPicPr>
+                <a:picLocks noChangeAspect="1" noChangeArrowheads="1"/>
+              </p:cNvPicPr>
+              <p:nvPr/>
+            </p:nvPicPr>
+            <p:blipFill>
+              <a:blip r:embed="rId3" cstate="print"/>
+              <a:srcRect l="16687" t="80243" r="11001" b="13986"/>
+              <a:stretch>
+                <a:fillRect/>
+              </a:stretch>
+            </p:blipFill>
+            <p:spPr bwMode="auto">
+              <a:xfrm>
+                <a:off x="1714512" y="1028363"/>
+                <a:ext cx="7000892" cy="295621"/>
+              </a:xfrm>
+              <a:prstGeom prst="rect">
+                <a:avLst/>
+              </a:prstGeom>
+              <a:noFill/>
+              <a:ln w="9525">
+                <a:noFill/>
+                <a:miter lim="800000"/>
+                <a:headEnd/>
+                <a:tailEnd/>
+              </a:ln>
+              <a:effectLst/>
+            </p:spPr>
+          </p:pic>
+        </p:grpSp>
+        <p:pic>
+          <p:nvPicPr>
+            <p:cNvPr id="15" name="Picture 2"/>
+            <p:cNvPicPr>
+              <a:picLocks noChangeAspect="1" noChangeArrowheads="1"/>
+            </p:cNvPicPr>
+            <p:nvPr/>
+          </p:nvPicPr>
+          <p:blipFill>
+            <a:blip r:embed="rId5" cstate="print"/>
+            <a:srcRect l="12051" t="16667" r="5893" b="54167"/>
+            <a:stretch>
+              <a:fillRect/>
+            </a:stretch>
+          </p:blipFill>
+          <p:spPr bwMode="auto">
+            <a:xfrm>
+              <a:off x="3071802" y="33105"/>
+              <a:ext cx="3143274" cy="681251"/>
+            </a:xfrm>
+            <a:prstGeom prst="rect">
+              <a:avLst/>
+            </a:prstGeom>
+            <a:noFill/>
+            <a:ln w="9525">
+              <a:noFill/>
+              <a:miter lim="800000"/>
+              <a:headEnd/>
+              <a:tailEnd/>
+            </a:ln>
+            <a:effectLst/>
+          </p:spPr>
+        </p:pic>
+        <p:pic>
+          <p:nvPicPr>
+            <p:cNvPr id="16" name="Picture 2"/>
+            <p:cNvPicPr>
+              <a:picLocks noChangeAspect="1" noChangeArrowheads="1"/>
+            </p:cNvPicPr>
+            <p:nvPr/>
+          </p:nvPicPr>
+          <p:blipFill>
+            <a:blip r:embed="rId6"/>
+            <a:srcRect l="74285" t="66211" r="2939" b="22997"/>
+            <a:stretch>
+              <a:fillRect/>
+            </a:stretch>
+          </p:blipFill>
+          <p:spPr bwMode="auto">
+            <a:xfrm>
+              <a:off x="6929454" y="142852"/>
+              <a:ext cx="1500166" cy="433410"/>
+            </a:xfrm>
+            <a:prstGeom prst="rect">
+              <a:avLst/>
+            </a:prstGeom>
+            <a:noFill/>
+            <a:ln w="9525">
+              <a:noFill/>
+              <a:miter lim="800000"/>
+              <a:headEnd/>
+              <a:tailEnd/>
+            </a:ln>
+            <a:effectLst/>
+          </p:spPr>
+        </p:pic>
+        <p:cxnSp>
+          <p:nvCxnSpPr>
+            <p:cNvPr id="17" name="Connettore 1 16"/>
+            <p:cNvCxnSpPr/>
+            <p:nvPr/>
+          </p:nvCxnSpPr>
+          <p:spPr>
+            <a:xfrm rot="10800000" flipV="1">
+              <a:off x="796" y="711275"/>
+              <a:ext cx="9143207" cy="3080"/>
+            </a:xfrm>
+            <a:prstGeom prst="line">
+              <a:avLst/>
+            </a:prstGeom>
+            <a:ln>
+              <a:solidFill>
+                <a:schemeClr val="bg1">
+                  <a:lumMod val="50000"/>
+                </a:schemeClr>
+              </a:solidFill>
+            </a:ln>
+          </p:spPr>
+          <p:style>
+            <a:lnRef idx="1">
+              <a:schemeClr val="accent1"/>
+            </a:lnRef>
+            <a:fillRef idx="0">
+              <a:schemeClr val="accent1"/>
+            </a:fillRef>
+            <a:effectRef idx="0">
+              <a:schemeClr val="accent1"/>
+            </a:effectRef>
+            <a:fontRef idx="minor">
+              <a:schemeClr val="tx1"/>
+            </a:fontRef>
+          </p:style>
+        </p:cxnSp>
+      </p:grpSp>
     </p:spTree>
   </p:cSld>
   <p:clrMapOvr>
     <a:masterClrMapping/>
   </p:clrMapOvr>
+  <p:timing>
+    <p:tnLst>
+      <p:par>
+        <p:cTn id="1" dur="indefinite" restart="never" nodeType="tmRoot"/>
+      </p:par>
+    </p:tnLst>
+  </p:timing>
+</p:sld>
+</file>
+
+<file path=ppt/slides/slide22.xml><?xml version="1.0" encoding="utf-8"?>
+<p:sld xmlns:a="http://schemas.openxmlformats.org/drawingml/2006/main" xmlns:r="http://schemas.openxmlformats.org/officeDocument/2006/relationships" xmlns:p="http://schemas.openxmlformats.org/presentationml/2006/main">
+  <p:cSld>
+    <p:spTree>
+      <p:nvGrpSpPr>
+        <p:cNvPr id="1" name=""/>
+        <p:cNvGrpSpPr/>
+        <p:nvPr/>
+      </p:nvGrpSpPr>
+      <p:grpSpPr>
+        <a:xfrm>
+          <a:off x="0" y="0"/>
+          <a:ext cx="0" cy="0"/>
+          <a:chOff x="0" y="0"/>
+          <a:chExt cx="0" cy="0"/>
+        </a:xfrm>
+      </p:grpSpPr>
+      <p:sp>
+        <p:nvSpPr>
+          <p:cNvPr id="2" name="Titolo 1"/>
+          <p:cNvSpPr>
+            <a:spLocks noGrp="1"/>
+          </p:cNvSpPr>
+          <p:nvPr>
+            <p:ph type="title"/>
+          </p:nvPr>
+        </p:nvSpPr>
+        <p:spPr>
+          <a:xfrm>
+            <a:off x="485804" y="3000372"/>
+            <a:ext cx="8229600" cy="1143000"/>
+          </a:xfrm>
+        </p:spPr>
+        <p:txBody>
+          <a:bodyPr>
+            <a:normAutofit/>
+          </a:bodyPr>
+          <a:lstStyle/>
+          <a:p>
+            <a:r>
+              <a:rPr lang="it-IT" dirty="0" smtClean="0"/>
+              <a:t>Fine</a:t>
+            </a:r>
+            <a:endParaRPr lang="it-IT" dirty="0"/>
+          </a:p>
+        </p:txBody>
+      </p:sp>
+      <p:grpSp>
+        <p:nvGrpSpPr>
+          <p:cNvPr id="14" name="Gruppo 13"/>
+          <p:cNvGrpSpPr/>
+          <p:nvPr/>
+        </p:nvGrpSpPr>
+        <p:grpSpPr>
+          <a:xfrm>
+            <a:off x="796" y="33105"/>
+            <a:ext cx="9143207" cy="681251"/>
+            <a:chOff x="796" y="33105"/>
+            <a:chExt cx="9143207" cy="681251"/>
+          </a:xfrm>
+        </p:grpSpPr>
+        <p:grpSp>
+          <p:nvGrpSpPr>
+            <p:cNvPr id="15" name="Gruppo 7"/>
+            <p:cNvGrpSpPr/>
+            <p:nvPr/>
+          </p:nvGrpSpPr>
+          <p:grpSpPr>
+            <a:xfrm>
+              <a:off x="71406" y="71414"/>
+              <a:ext cx="3071864" cy="567375"/>
+              <a:chOff x="0" y="0"/>
+              <a:chExt cx="8715404" cy="1609736"/>
+            </a:xfrm>
+          </p:grpSpPr>
+          <p:pic>
+            <p:nvPicPr>
+              <p:cNvPr id="19" name="Picture 3"/>
+              <p:cNvPicPr>
+                <a:picLocks noChangeAspect="1" noChangeArrowheads="1"/>
+              </p:cNvPicPr>
+              <p:nvPr/>
+            </p:nvPicPr>
+            <p:blipFill>
+              <a:blip r:embed="rId2" cstate="print"/>
+              <a:srcRect l="45509" t="4944" r="39530" b="69980"/>
+              <a:stretch>
+                <a:fillRect/>
+              </a:stretch>
+            </p:blipFill>
+            <p:spPr bwMode="auto">
+              <a:xfrm>
+                <a:off x="0" y="0"/>
+                <a:ext cx="1857388" cy="1609736"/>
+              </a:xfrm>
+              <a:prstGeom prst="rect">
+                <a:avLst/>
+              </a:prstGeom>
+              <a:noFill/>
+              <a:ln w="9525">
+                <a:noFill/>
+                <a:miter lim="800000"/>
+                <a:headEnd/>
+                <a:tailEnd/>
+              </a:ln>
+              <a:effectLst/>
+            </p:spPr>
+          </p:pic>
+          <p:pic>
+            <p:nvPicPr>
+              <p:cNvPr id="20" name="Picture 4"/>
+              <p:cNvPicPr>
+                <a:picLocks noChangeAspect="1" noChangeArrowheads="1"/>
+              </p:cNvPicPr>
+              <p:nvPr/>
+            </p:nvPicPr>
+            <p:blipFill>
+              <a:blip r:embed="rId3" cstate="print"/>
+              <a:srcRect l="16687" t="64901" r="11001" b="28126"/>
+              <a:stretch>
+                <a:fillRect/>
+              </a:stretch>
+            </p:blipFill>
+            <p:spPr bwMode="auto">
+              <a:xfrm>
+                <a:off x="1714512" y="671173"/>
+                <a:ext cx="7000892" cy="357190"/>
+              </a:xfrm>
+              <a:prstGeom prst="rect">
+                <a:avLst/>
+              </a:prstGeom>
+              <a:noFill/>
+              <a:ln w="9525">
+                <a:noFill/>
+                <a:miter lim="800000"/>
+                <a:headEnd/>
+                <a:tailEnd/>
+              </a:ln>
+              <a:effectLst/>
+            </p:spPr>
+          </p:pic>
+          <p:pic>
+            <p:nvPicPr>
+              <p:cNvPr id="21" name="Picture 3"/>
+              <p:cNvPicPr>
+                <a:picLocks noChangeAspect="1" noChangeArrowheads="1"/>
+              </p:cNvPicPr>
+              <p:nvPr/>
+            </p:nvPicPr>
+            <p:blipFill>
+              <a:blip r:embed="rId4" cstate="print"/>
+              <a:srcRect l="28553" t="28091" r="22574" b="62426"/>
+              <a:stretch>
+                <a:fillRect/>
+              </a:stretch>
+            </p:blipFill>
+            <p:spPr bwMode="auto">
+              <a:xfrm>
+                <a:off x="3071802" y="99669"/>
+                <a:ext cx="4272064" cy="428628"/>
+              </a:xfrm>
+              <a:prstGeom prst="rect">
+                <a:avLst/>
+              </a:prstGeom>
+              <a:noFill/>
+              <a:ln w="9525">
+                <a:noFill/>
+                <a:miter lim="800000"/>
+                <a:headEnd/>
+                <a:tailEnd/>
+              </a:ln>
+              <a:effectLst/>
+            </p:spPr>
+          </p:pic>
+          <p:pic>
+            <p:nvPicPr>
+              <p:cNvPr id="22" name="Picture 4"/>
+              <p:cNvPicPr>
+                <a:picLocks noChangeAspect="1" noChangeArrowheads="1"/>
+              </p:cNvPicPr>
+              <p:nvPr/>
+            </p:nvPicPr>
+            <p:blipFill>
+              <a:blip r:embed="rId3" cstate="print"/>
+              <a:srcRect l="16687" t="80243" r="11001" b="13986"/>
+              <a:stretch>
+                <a:fillRect/>
+              </a:stretch>
+            </p:blipFill>
+            <p:spPr bwMode="auto">
+              <a:xfrm>
+                <a:off x="1714512" y="1028363"/>
+                <a:ext cx="7000892" cy="295621"/>
+              </a:xfrm>
+              <a:prstGeom prst="rect">
+                <a:avLst/>
+              </a:prstGeom>
+              <a:noFill/>
+              <a:ln w="9525">
+                <a:noFill/>
+                <a:miter lim="800000"/>
+                <a:headEnd/>
+                <a:tailEnd/>
+              </a:ln>
+              <a:effectLst/>
+            </p:spPr>
+          </p:pic>
+        </p:grpSp>
+        <p:pic>
+          <p:nvPicPr>
+            <p:cNvPr id="16" name="Picture 2"/>
+            <p:cNvPicPr>
+              <a:picLocks noChangeAspect="1" noChangeArrowheads="1"/>
+            </p:cNvPicPr>
+            <p:nvPr/>
+          </p:nvPicPr>
+          <p:blipFill>
+            <a:blip r:embed="rId5" cstate="print"/>
+            <a:srcRect l="12051" t="16667" r="5893" b="54167"/>
+            <a:stretch>
+              <a:fillRect/>
+            </a:stretch>
+          </p:blipFill>
+          <p:spPr bwMode="auto">
+            <a:xfrm>
+              <a:off x="3071802" y="33105"/>
+              <a:ext cx="3143274" cy="681251"/>
+            </a:xfrm>
+            <a:prstGeom prst="rect">
+              <a:avLst/>
+            </a:prstGeom>
+            <a:noFill/>
+            <a:ln w="9525">
+              <a:noFill/>
+              <a:miter lim="800000"/>
+              <a:headEnd/>
+              <a:tailEnd/>
+            </a:ln>
+            <a:effectLst/>
+          </p:spPr>
+        </p:pic>
+        <p:pic>
+          <p:nvPicPr>
+            <p:cNvPr id="17" name="Picture 2"/>
+            <p:cNvPicPr>
+              <a:picLocks noChangeAspect="1" noChangeArrowheads="1"/>
+            </p:cNvPicPr>
+            <p:nvPr/>
+          </p:nvPicPr>
+          <p:blipFill>
+            <a:blip r:embed="rId6"/>
+            <a:srcRect l="74285" t="66211" r="2939" b="22997"/>
+            <a:stretch>
+              <a:fillRect/>
+            </a:stretch>
+          </p:blipFill>
+          <p:spPr bwMode="auto">
+            <a:xfrm>
+              <a:off x="6929454" y="142852"/>
+              <a:ext cx="1500166" cy="433410"/>
+            </a:xfrm>
+            <a:prstGeom prst="rect">
+              <a:avLst/>
+            </a:prstGeom>
+            <a:noFill/>
+            <a:ln w="9525">
+              <a:noFill/>
+              <a:miter lim="800000"/>
+              <a:headEnd/>
+              <a:tailEnd/>
+            </a:ln>
+            <a:effectLst/>
+          </p:spPr>
+        </p:pic>
+        <p:cxnSp>
+          <p:nvCxnSpPr>
+            <p:cNvPr id="18" name="Connettore 1 17"/>
+            <p:cNvCxnSpPr/>
+            <p:nvPr/>
+          </p:nvCxnSpPr>
+          <p:spPr>
+            <a:xfrm rot="10800000" flipV="1">
+              <a:off x="796" y="711275"/>
+              <a:ext cx="9143207" cy="3080"/>
+            </a:xfrm>
+            <a:prstGeom prst="line">
+              <a:avLst/>
+            </a:prstGeom>
+            <a:ln>
+              <a:solidFill>
+                <a:schemeClr val="bg1">
+                  <a:lumMod val="50000"/>
+                </a:schemeClr>
+              </a:solidFill>
+            </a:ln>
+          </p:spPr>
+          <p:style>
+            <a:lnRef idx="1">
+              <a:schemeClr val="accent1"/>
+            </a:lnRef>
+            <a:fillRef idx="0">
+              <a:schemeClr val="accent1"/>
+            </a:fillRef>
+            <a:effectRef idx="0">
+              <a:schemeClr val="accent1"/>
+            </a:effectRef>
+            <a:fontRef idx="minor">
+              <a:schemeClr val="tx1"/>
+            </a:fontRef>
+          </p:style>
+        </p:cxnSp>
+      </p:grpSp>
+    </p:spTree>
+  </p:cSld>
+  <p:clrMapOvr>
+    <a:masterClrMapping/>
+  </p:clrMapOvr>
+  <p:timing>
+    <p:tnLst>
+      <p:par>
+        <p:cTn id="1" dur="indefinite" restart="never" nodeType="tmRoot"/>
+      </p:par>
+    </p:tnLst>
+  </p:timing>
 </p:sld>
 </file>
 
@@ -4804,7 +9410,12 @@
             <p:ph type="title"/>
           </p:nvPr>
         </p:nvSpPr>
-        <p:spPr/>
+        <p:spPr>
+          <a:xfrm>
+            <a:off x="457200" y="720747"/>
+            <a:ext cx="8229600" cy="1143000"/>
+          </a:xfrm>
+        </p:spPr>
         <p:txBody>
           <a:bodyPr>
             <a:normAutofit/>
@@ -4829,7 +9440,12 @@
             <p:ph idx="1"/>
           </p:nvPr>
         </p:nvSpPr>
-        <p:spPr/>
+        <p:spPr>
+          <a:xfrm>
+            <a:off x="457200" y="2046309"/>
+            <a:ext cx="8229600" cy="4525963"/>
+          </a:xfrm>
+        </p:spPr>
         <p:txBody>
           <a:bodyPr>
             <a:normAutofit fontScale="85000" lnSpcReduction="20000"/>
@@ -4902,7 +9518,6 @@
               <a:rPr lang="it-IT" dirty="0" smtClean="0"/>
               <a:t>Sicurezza garantita e semplicità di utilizzo</a:t>
             </a:r>
-            <a:endParaRPr lang="it-IT" dirty="0" smtClean="0"/>
           </a:p>
           <a:p>
             <a:pPr>
@@ -4912,11 +9527,283 @@
           </a:p>
         </p:txBody>
       </p:sp>
+      <p:grpSp>
+        <p:nvGrpSpPr>
+          <p:cNvPr id="13" name="Gruppo 12"/>
+          <p:cNvGrpSpPr/>
+          <p:nvPr/>
+        </p:nvGrpSpPr>
+        <p:grpSpPr>
+          <a:xfrm>
+            <a:off x="796" y="33105"/>
+            <a:ext cx="9143207" cy="681251"/>
+            <a:chOff x="796" y="33105"/>
+            <a:chExt cx="9143207" cy="681251"/>
+          </a:xfrm>
+        </p:grpSpPr>
+        <p:grpSp>
+          <p:nvGrpSpPr>
+            <p:cNvPr id="14" name="Gruppo 7"/>
+            <p:cNvGrpSpPr/>
+            <p:nvPr/>
+          </p:nvGrpSpPr>
+          <p:grpSpPr>
+            <a:xfrm>
+              <a:off x="71406" y="71414"/>
+              <a:ext cx="3071864" cy="567375"/>
+              <a:chOff x="0" y="0"/>
+              <a:chExt cx="8715404" cy="1609736"/>
+            </a:xfrm>
+          </p:grpSpPr>
+          <p:pic>
+            <p:nvPicPr>
+              <p:cNvPr id="18" name="Picture 3"/>
+              <p:cNvPicPr>
+                <a:picLocks noChangeAspect="1" noChangeArrowheads="1"/>
+              </p:cNvPicPr>
+              <p:nvPr/>
+            </p:nvPicPr>
+            <p:blipFill>
+              <a:blip r:embed="rId2" cstate="print"/>
+              <a:srcRect l="45509" t="4944" r="39530" b="69980"/>
+              <a:stretch>
+                <a:fillRect/>
+              </a:stretch>
+            </p:blipFill>
+            <p:spPr bwMode="auto">
+              <a:xfrm>
+                <a:off x="0" y="0"/>
+                <a:ext cx="1857388" cy="1609736"/>
+              </a:xfrm>
+              <a:prstGeom prst="rect">
+                <a:avLst/>
+              </a:prstGeom>
+              <a:noFill/>
+              <a:ln w="9525">
+                <a:noFill/>
+                <a:miter lim="800000"/>
+                <a:headEnd/>
+                <a:tailEnd/>
+              </a:ln>
+              <a:effectLst/>
+            </p:spPr>
+          </p:pic>
+          <p:pic>
+            <p:nvPicPr>
+              <p:cNvPr id="19" name="Picture 4"/>
+              <p:cNvPicPr>
+                <a:picLocks noChangeAspect="1" noChangeArrowheads="1"/>
+              </p:cNvPicPr>
+              <p:nvPr/>
+            </p:nvPicPr>
+            <p:blipFill>
+              <a:blip r:embed="rId3" cstate="print"/>
+              <a:srcRect l="16687" t="64901" r="11001" b="28126"/>
+              <a:stretch>
+                <a:fillRect/>
+              </a:stretch>
+            </p:blipFill>
+            <p:spPr bwMode="auto">
+              <a:xfrm>
+                <a:off x="1714512" y="671173"/>
+                <a:ext cx="7000892" cy="357190"/>
+              </a:xfrm>
+              <a:prstGeom prst="rect">
+                <a:avLst/>
+              </a:prstGeom>
+              <a:noFill/>
+              <a:ln w="9525">
+                <a:noFill/>
+                <a:miter lim="800000"/>
+                <a:headEnd/>
+                <a:tailEnd/>
+              </a:ln>
+              <a:effectLst/>
+            </p:spPr>
+          </p:pic>
+          <p:pic>
+            <p:nvPicPr>
+              <p:cNvPr id="20" name="Picture 3"/>
+              <p:cNvPicPr>
+                <a:picLocks noChangeAspect="1" noChangeArrowheads="1"/>
+              </p:cNvPicPr>
+              <p:nvPr/>
+            </p:nvPicPr>
+            <p:blipFill>
+              <a:blip r:embed="rId4" cstate="print"/>
+              <a:srcRect l="28553" t="28091" r="22574" b="62426"/>
+              <a:stretch>
+                <a:fillRect/>
+              </a:stretch>
+            </p:blipFill>
+            <p:spPr bwMode="auto">
+              <a:xfrm>
+                <a:off x="3071802" y="99669"/>
+                <a:ext cx="4272064" cy="428628"/>
+              </a:xfrm>
+              <a:prstGeom prst="rect">
+                <a:avLst/>
+              </a:prstGeom>
+              <a:noFill/>
+              <a:ln w="9525">
+                <a:noFill/>
+                <a:miter lim="800000"/>
+                <a:headEnd/>
+                <a:tailEnd/>
+              </a:ln>
+              <a:effectLst/>
+            </p:spPr>
+          </p:pic>
+          <p:pic>
+            <p:nvPicPr>
+              <p:cNvPr id="21" name="Picture 4"/>
+              <p:cNvPicPr>
+                <a:picLocks noChangeAspect="1" noChangeArrowheads="1"/>
+              </p:cNvPicPr>
+              <p:nvPr/>
+            </p:nvPicPr>
+            <p:blipFill>
+              <a:blip r:embed="rId3" cstate="print"/>
+              <a:srcRect l="16687" t="80243" r="11001" b="13986"/>
+              <a:stretch>
+                <a:fillRect/>
+              </a:stretch>
+            </p:blipFill>
+            <p:spPr bwMode="auto">
+              <a:xfrm>
+                <a:off x="1714512" y="1028363"/>
+                <a:ext cx="7000892" cy="295621"/>
+              </a:xfrm>
+              <a:prstGeom prst="rect">
+                <a:avLst/>
+              </a:prstGeom>
+              <a:noFill/>
+              <a:ln w="9525">
+                <a:noFill/>
+                <a:miter lim="800000"/>
+                <a:headEnd/>
+                <a:tailEnd/>
+              </a:ln>
+              <a:effectLst/>
+            </p:spPr>
+          </p:pic>
+        </p:grpSp>
+        <p:pic>
+          <p:nvPicPr>
+            <p:cNvPr id="15" name="Picture 2"/>
+            <p:cNvPicPr>
+              <a:picLocks noChangeAspect="1" noChangeArrowheads="1"/>
+            </p:cNvPicPr>
+            <p:nvPr/>
+          </p:nvPicPr>
+          <p:blipFill>
+            <a:blip r:embed="rId5" cstate="print"/>
+            <a:srcRect l="12051" t="16667" r="5893" b="54167"/>
+            <a:stretch>
+              <a:fillRect/>
+            </a:stretch>
+          </p:blipFill>
+          <p:spPr bwMode="auto">
+            <a:xfrm>
+              <a:off x="3071802" y="33105"/>
+              <a:ext cx="3143274" cy="681251"/>
+            </a:xfrm>
+            <a:prstGeom prst="rect">
+              <a:avLst/>
+            </a:prstGeom>
+            <a:noFill/>
+            <a:ln w="9525">
+              <a:noFill/>
+              <a:miter lim="800000"/>
+              <a:headEnd/>
+              <a:tailEnd/>
+            </a:ln>
+            <a:effectLst/>
+          </p:spPr>
+        </p:pic>
+        <p:pic>
+          <p:nvPicPr>
+            <p:cNvPr id="16" name="Picture 2"/>
+            <p:cNvPicPr>
+              <a:picLocks noChangeAspect="1" noChangeArrowheads="1"/>
+            </p:cNvPicPr>
+            <p:nvPr/>
+          </p:nvPicPr>
+          <p:blipFill>
+            <a:blip r:embed="rId6"/>
+            <a:srcRect l="74285" t="66211" r="2939" b="22997"/>
+            <a:stretch>
+              <a:fillRect/>
+            </a:stretch>
+          </p:blipFill>
+          <p:spPr bwMode="auto">
+            <a:xfrm>
+              <a:off x="6929454" y="142852"/>
+              <a:ext cx="1500166" cy="433410"/>
+            </a:xfrm>
+            <a:prstGeom prst="rect">
+              <a:avLst/>
+            </a:prstGeom>
+            <a:noFill/>
+            <a:ln w="9525">
+              <a:noFill/>
+              <a:miter lim="800000"/>
+              <a:headEnd/>
+              <a:tailEnd/>
+            </a:ln>
+            <a:effectLst/>
+          </p:spPr>
+        </p:pic>
+        <p:cxnSp>
+          <p:nvCxnSpPr>
+            <p:cNvPr id="17" name="Connettore 1 16"/>
+            <p:cNvCxnSpPr/>
+            <p:nvPr/>
+          </p:nvCxnSpPr>
+          <p:spPr>
+            <a:xfrm rot="10800000" flipV="1">
+              <a:off x="796" y="711275"/>
+              <a:ext cx="9143207" cy="3080"/>
+            </a:xfrm>
+            <a:prstGeom prst="line">
+              <a:avLst/>
+            </a:prstGeom>
+            <a:ln>
+              <a:solidFill>
+                <a:schemeClr val="bg1">
+                  <a:lumMod val="50000"/>
+                </a:schemeClr>
+              </a:solidFill>
+            </a:ln>
+          </p:spPr>
+          <p:style>
+            <a:lnRef idx="1">
+              <a:schemeClr val="accent1"/>
+            </a:lnRef>
+            <a:fillRef idx="0">
+              <a:schemeClr val="accent1"/>
+            </a:fillRef>
+            <a:effectRef idx="0">
+              <a:schemeClr val="accent1"/>
+            </a:effectRef>
+            <a:fontRef idx="minor">
+              <a:schemeClr val="tx1"/>
+            </a:fontRef>
+          </p:style>
+        </p:cxnSp>
+      </p:grpSp>
     </p:spTree>
   </p:cSld>
   <p:clrMapOvr>
     <a:masterClrMapping/>
   </p:clrMapOvr>
+  <p:timing>
+    <p:tnLst>
+      <p:par>
+        <p:cTn id="1" dur="indefinite" restart="never" nodeType="tmRoot"/>
+      </p:par>
+    </p:tnLst>
+  </p:timing>
 </p:sld>
 </file>
 
@@ -4947,7 +9834,12 @@
             <p:ph type="title"/>
           </p:nvPr>
         </p:nvSpPr>
-        <p:spPr/>
+        <p:spPr>
+          <a:xfrm>
+            <a:off x="0" y="720746"/>
+            <a:ext cx="9144000" cy="1279494"/>
+          </a:xfrm>
+        </p:spPr>
         <p:txBody>
           <a:bodyPr>
             <a:normAutofit/>
@@ -4955,26 +9847,26 @@
           <a:lstStyle/>
           <a:p>
             <a:r>
-              <a:rPr lang="it-IT" sz="2800" dirty="0" smtClean="0"/>
+              <a:rPr lang="it-IT" sz="3200" dirty="0" smtClean="0"/>
               <a:t>OFDM (</a:t>
             </a:r>
             <a:r>
-              <a:rPr lang="it-IT" sz="2800" dirty="0" err="1" smtClean="0"/>
+              <a:rPr lang="it-IT" sz="3200" dirty="0" err="1" smtClean="0"/>
               <a:t>Orthogonal</a:t>
             </a:r>
             <a:r>
-              <a:rPr lang="it-IT" sz="2800" dirty="0" smtClean="0"/>
+              <a:rPr lang="it-IT" sz="3200" dirty="0" smtClean="0"/>
               <a:t> </a:t>
             </a:r>
             <a:r>
-              <a:rPr lang="it-IT" sz="2800" dirty="0" err="1" smtClean="0"/>
+              <a:rPr lang="it-IT" sz="3200" dirty="0" err="1" smtClean="0"/>
               <a:t>Frequency-Division</a:t>
             </a:r>
             <a:r>
-              <a:rPr lang="it-IT" sz="2800" dirty="0" smtClean="0"/>
+              <a:rPr lang="it-IT" sz="3200" dirty="0" smtClean="0"/>
               <a:t> Multiplexing)</a:t>
             </a:r>
-            <a:endParaRPr lang="it-IT" sz="2800" dirty="0"/>
+            <a:endParaRPr lang="it-IT" sz="3200" dirty="0"/>
           </a:p>
         </p:txBody>
       </p:sp>
@@ -4988,7 +9880,12 @@
             <p:ph idx="1"/>
           </p:nvPr>
         </p:nvSpPr>
-        <p:spPr/>
+        <p:spPr>
+          <a:xfrm>
+            <a:off x="457200" y="2046309"/>
+            <a:ext cx="8229600" cy="4525963"/>
+          </a:xfrm>
+        </p:spPr>
         <p:txBody>
           <a:bodyPr/>
           <a:lstStyle/>
@@ -5007,35 +9904,315 @@
           <a:p>
             <a:r>
               <a:rPr lang="it-IT" dirty="0" smtClean="0"/>
-              <a:t>Equalizzazione</a:t>
-            </a:r>
-          </a:p>
-          <a:p>
-            <a:r>
-              <a:rPr lang="it-IT" dirty="0" smtClean="0"/>
-              <a:t>Recupero errori</a:t>
-            </a:r>
-          </a:p>
-          <a:p>
-            <a:r>
-              <a:rPr lang="it-IT" dirty="0" smtClean="0"/>
-              <a:t>Sincronizzazione Frequenza</a:t>
-            </a:r>
-          </a:p>
-          <a:p>
-            <a:r>
-              <a:rPr lang="it-IT" dirty="0" smtClean="0"/>
               <a:t>Allocazione sottobande</a:t>
             </a:r>
             <a:endParaRPr lang="it-IT" dirty="0"/>
           </a:p>
         </p:txBody>
       </p:sp>
+      <p:pic>
+        <p:nvPicPr>
+          <p:cNvPr id="1026" name="Picture 2" descr="C:\Users\fiapol\Desktop\tesi\repositorio\PoorManThesis\presentazione\immagini presentazione\ofdm freq-time representation.png"/>
+          <p:cNvPicPr>
+            <a:picLocks noChangeAspect="1" noChangeArrowheads="1"/>
+          </p:cNvPicPr>
+          <p:nvPr/>
+        </p:nvPicPr>
+        <p:blipFill>
+          <a:blip r:embed="rId2"/>
+          <a:srcRect/>
+          <a:stretch>
+            <a:fillRect/>
+          </a:stretch>
+        </p:blipFill>
+        <p:spPr bwMode="auto">
+          <a:xfrm>
+            <a:off x="1460521" y="3887562"/>
+            <a:ext cx="6183313" cy="2827586"/>
+          </a:xfrm>
+          <a:prstGeom prst="rect">
+            <a:avLst/>
+          </a:prstGeom>
+          <a:noFill/>
+        </p:spPr>
+      </p:pic>
+      <p:grpSp>
+        <p:nvGrpSpPr>
+          <p:cNvPr id="14" name="Gruppo 13"/>
+          <p:cNvGrpSpPr/>
+          <p:nvPr/>
+        </p:nvGrpSpPr>
+        <p:grpSpPr>
+          <a:xfrm>
+            <a:off x="796" y="33105"/>
+            <a:ext cx="9143207" cy="681251"/>
+            <a:chOff x="796" y="33105"/>
+            <a:chExt cx="9143207" cy="681251"/>
+          </a:xfrm>
+        </p:grpSpPr>
+        <p:grpSp>
+          <p:nvGrpSpPr>
+            <p:cNvPr id="15" name="Gruppo 7"/>
+            <p:cNvGrpSpPr/>
+            <p:nvPr/>
+          </p:nvGrpSpPr>
+          <p:grpSpPr>
+            <a:xfrm>
+              <a:off x="71406" y="71414"/>
+              <a:ext cx="3071864" cy="567375"/>
+              <a:chOff x="0" y="0"/>
+              <a:chExt cx="8715404" cy="1609736"/>
+            </a:xfrm>
+          </p:grpSpPr>
+          <p:pic>
+            <p:nvPicPr>
+              <p:cNvPr id="19" name="Picture 3"/>
+              <p:cNvPicPr>
+                <a:picLocks noChangeAspect="1" noChangeArrowheads="1"/>
+              </p:cNvPicPr>
+              <p:nvPr/>
+            </p:nvPicPr>
+            <p:blipFill>
+              <a:blip r:embed="rId3" cstate="print"/>
+              <a:srcRect l="45509" t="4944" r="39530" b="69980"/>
+              <a:stretch>
+                <a:fillRect/>
+              </a:stretch>
+            </p:blipFill>
+            <p:spPr bwMode="auto">
+              <a:xfrm>
+                <a:off x="0" y="0"/>
+                <a:ext cx="1857388" cy="1609736"/>
+              </a:xfrm>
+              <a:prstGeom prst="rect">
+                <a:avLst/>
+              </a:prstGeom>
+              <a:noFill/>
+              <a:ln w="9525">
+                <a:noFill/>
+                <a:miter lim="800000"/>
+                <a:headEnd/>
+                <a:tailEnd/>
+              </a:ln>
+              <a:effectLst/>
+            </p:spPr>
+          </p:pic>
+          <p:pic>
+            <p:nvPicPr>
+              <p:cNvPr id="20" name="Picture 4"/>
+              <p:cNvPicPr>
+                <a:picLocks noChangeAspect="1" noChangeArrowheads="1"/>
+              </p:cNvPicPr>
+              <p:nvPr/>
+            </p:nvPicPr>
+            <p:blipFill>
+              <a:blip r:embed="rId4" cstate="print"/>
+              <a:srcRect l="16687" t="64901" r="11001" b="28126"/>
+              <a:stretch>
+                <a:fillRect/>
+              </a:stretch>
+            </p:blipFill>
+            <p:spPr bwMode="auto">
+              <a:xfrm>
+                <a:off x="1714512" y="671173"/>
+                <a:ext cx="7000892" cy="357190"/>
+              </a:xfrm>
+              <a:prstGeom prst="rect">
+                <a:avLst/>
+              </a:prstGeom>
+              <a:noFill/>
+              <a:ln w="9525">
+                <a:noFill/>
+                <a:miter lim="800000"/>
+                <a:headEnd/>
+                <a:tailEnd/>
+              </a:ln>
+              <a:effectLst/>
+            </p:spPr>
+          </p:pic>
+          <p:pic>
+            <p:nvPicPr>
+              <p:cNvPr id="21" name="Picture 3"/>
+              <p:cNvPicPr>
+                <a:picLocks noChangeAspect="1" noChangeArrowheads="1"/>
+              </p:cNvPicPr>
+              <p:nvPr/>
+            </p:nvPicPr>
+            <p:blipFill>
+              <a:blip r:embed="rId5" cstate="print"/>
+              <a:srcRect l="28553" t="28091" r="22574" b="62426"/>
+              <a:stretch>
+                <a:fillRect/>
+              </a:stretch>
+            </p:blipFill>
+            <p:spPr bwMode="auto">
+              <a:xfrm>
+                <a:off x="3071802" y="99669"/>
+                <a:ext cx="4272064" cy="428628"/>
+              </a:xfrm>
+              <a:prstGeom prst="rect">
+                <a:avLst/>
+              </a:prstGeom>
+              <a:noFill/>
+              <a:ln w="9525">
+                <a:noFill/>
+                <a:miter lim="800000"/>
+                <a:headEnd/>
+                <a:tailEnd/>
+              </a:ln>
+              <a:effectLst/>
+            </p:spPr>
+          </p:pic>
+          <p:pic>
+            <p:nvPicPr>
+              <p:cNvPr id="22" name="Picture 4"/>
+              <p:cNvPicPr>
+                <a:picLocks noChangeAspect="1" noChangeArrowheads="1"/>
+              </p:cNvPicPr>
+              <p:nvPr/>
+            </p:nvPicPr>
+            <p:blipFill>
+              <a:blip r:embed="rId4" cstate="print"/>
+              <a:srcRect l="16687" t="80243" r="11001" b="13986"/>
+              <a:stretch>
+                <a:fillRect/>
+              </a:stretch>
+            </p:blipFill>
+            <p:spPr bwMode="auto">
+              <a:xfrm>
+                <a:off x="1714512" y="1028363"/>
+                <a:ext cx="7000892" cy="295621"/>
+              </a:xfrm>
+              <a:prstGeom prst="rect">
+                <a:avLst/>
+              </a:prstGeom>
+              <a:noFill/>
+              <a:ln w="9525">
+                <a:noFill/>
+                <a:miter lim="800000"/>
+                <a:headEnd/>
+                <a:tailEnd/>
+              </a:ln>
+              <a:effectLst/>
+            </p:spPr>
+          </p:pic>
+        </p:grpSp>
+        <p:pic>
+          <p:nvPicPr>
+            <p:cNvPr id="16" name="Picture 2"/>
+            <p:cNvPicPr>
+              <a:picLocks noChangeAspect="1" noChangeArrowheads="1"/>
+            </p:cNvPicPr>
+            <p:nvPr/>
+          </p:nvPicPr>
+          <p:blipFill>
+            <a:blip r:embed="rId6" cstate="print"/>
+            <a:srcRect l="12051" t="16667" r="5893" b="54167"/>
+            <a:stretch>
+              <a:fillRect/>
+            </a:stretch>
+          </p:blipFill>
+          <p:spPr bwMode="auto">
+            <a:xfrm>
+              <a:off x="3071802" y="33105"/>
+              <a:ext cx="3143274" cy="681251"/>
+            </a:xfrm>
+            <a:prstGeom prst="rect">
+              <a:avLst/>
+            </a:prstGeom>
+            <a:noFill/>
+            <a:ln w="9525">
+              <a:noFill/>
+              <a:miter lim="800000"/>
+              <a:headEnd/>
+              <a:tailEnd/>
+            </a:ln>
+            <a:effectLst/>
+          </p:spPr>
+        </p:pic>
+        <p:pic>
+          <p:nvPicPr>
+            <p:cNvPr id="17" name="Picture 2"/>
+            <p:cNvPicPr>
+              <a:picLocks noChangeAspect="1" noChangeArrowheads="1"/>
+            </p:cNvPicPr>
+            <p:nvPr/>
+          </p:nvPicPr>
+          <p:blipFill>
+            <a:blip r:embed="rId7"/>
+            <a:srcRect l="74285" t="66211" r="2939" b="22997"/>
+            <a:stretch>
+              <a:fillRect/>
+            </a:stretch>
+          </p:blipFill>
+          <p:spPr bwMode="auto">
+            <a:xfrm>
+              <a:off x="6929454" y="142852"/>
+              <a:ext cx="1500166" cy="433410"/>
+            </a:xfrm>
+            <a:prstGeom prst="rect">
+              <a:avLst/>
+            </a:prstGeom>
+            <a:noFill/>
+            <a:ln w="9525">
+              <a:noFill/>
+              <a:miter lim="800000"/>
+              <a:headEnd/>
+              <a:tailEnd/>
+            </a:ln>
+            <a:effectLst/>
+          </p:spPr>
+        </p:pic>
+        <p:cxnSp>
+          <p:nvCxnSpPr>
+            <p:cNvPr id="18" name="Connettore 1 17"/>
+            <p:cNvCxnSpPr/>
+            <p:nvPr/>
+          </p:nvCxnSpPr>
+          <p:spPr>
+            <a:xfrm rot="10800000" flipV="1">
+              <a:off x="796" y="711275"/>
+              <a:ext cx="9143207" cy="3080"/>
+            </a:xfrm>
+            <a:prstGeom prst="line">
+              <a:avLst/>
+            </a:prstGeom>
+            <a:ln>
+              <a:solidFill>
+                <a:schemeClr val="bg1">
+                  <a:lumMod val="50000"/>
+                </a:schemeClr>
+              </a:solidFill>
+            </a:ln>
+          </p:spPr>
+          <p:style>
+            <a:lnRef idx="1">
+              <a:schemeClr val="accent1"/>
+            </a:lnRef>
+            <a:fillRef idx="0">
+              <a:schemeClr val="accent1"/>
+            </a:fillRef>
+            <a:effectRef idx="0">
+              <a:schemeClr val="accent1"/>
+            </a:effectRef>
+            <a:fontRef idx="minor">
+              <a:schemeClr val="tx1"/>
+            </a:fontRef>
+          </p:style>
+        </p:cxnSp>
+      </p:grpSp>
     </p:spTree>
   </p:cSld>
   <p:clrMapOvr>
     <a:masterClrMapping/>
   </p:clrMapOvr>
+  <p:timing>
+    <p:tnLst>
+      <p:par>
+        <p:cTn id="1" dur="indefinite" restart="never" nodeType="tmRoot"/>
+      </p:par>
+    </p:tnLst>
+  </p:timing>
 </p:sld>
 </file>
 
@@ -5066,24 +10243,39 @@
             <p:ph type="title"/>
           </p:nvPr>
         </p:nvSpPr>
-        <p:spPr/>
+        <p:spPr>
+          <a:xfrm>
+            <a:off x="0" y="714356"/>
+            <a:ext cx="9144000" cy="1279494"/>
+          </a:xfrm>
+        </p:spPr>
         <p:txBody>
-          <a:bodyPr/>
+          <a:bodyPr>
+            <a:normAutofit/>
+          </a:bodyPr>
           <a:lstStyle/>
           <a:p>
             <a:r>
-              <a:rPr lang="it-IT" dirty="0" smtClean="0"/>
-              <a:t>SDR (Software </a:t>
-            </a:r>
-            <a:r>
-              <a:rPr lang="it-IT" dirty="0" err="1" smtClean="0"/>
-              <a:t>Defined</a:t>
-            </a:r>
-            <a:r>
-              <a:rPr lang="it-IT" dirty="0" smtClean="0"/>
-              <a:t> Radio)</a:t>
-            </a:r>
-            <a:endParaRPr lang="it-IT" dirty="0"/>
+              <a:rPr lang="it-IT" sz="3200" dirty="0" smtClean="0"/>
+              <a:t>OFDM (</a:t>
+            </a:r>
+            <a:r>
+              <a:rPr lang="it-IT" sz="3200" dirty="0" err="1" smtClean="0"/>
+              <a:t>Orthogonal</a:t>
+            </a:r>
+            <a:r>
+              <a:rPr lang="it-IT" sz="3200" dirty="0" smtClean="0"/>
+              <a:t> </a:t>
+            </a:r>
+            <a:r>
+              <a:rPr lang="it-IT" sz="3200" dirty="0" err="1" smtClean="0"/>
+              <a:t>Frequency-Division</a:t>
+            </a:r>
+            <a:r>
+              <a:rPr lang="it-IT" sz="3200" dirty="0" smtClean="0"/>
+              <a:t> Multiplexing)</a:t>
+            </a:r>
+            <a:endParaRPr lang="it-IT" sz="3200" dirty="0"/>
           </a:p>
         </p:txBody>
       </p:sp>
@@ -5097,65 +10289,321 @@
             <p:ph idx="1"/>
           </p:nvPr>
         </p:nvSpPr>
-        <p:spPr/>
+        <p:spPr>
+          <a:xfrm>
+            <a:off x="457200" y="2689251"/>
+            <a:ext cx="8229600" cy="4525963"/>
+          </a:xfrm>
+        </p:spPr>
         <p:txBody>
           <a:bodyPr/>
           <a:lstStyle/>
           <a:p>
             <a:r>
               <a:rPr lang="it-IT" dirty="0" smtClean="0"/>
-              <a:t>Sviluppo software apparati radio</a:t>
-            </a:r>
-          </a:p>
-          <a:p>
-            <a:endParaRPr lang="it-IT" dirty="0" smtClean="0"/>
-          </a:p>
-          <a:p>
-            <a:pPr>
-              <a:buNone/>
-            </a:pPr>
-            <a:r>
-              <a:rPr lang="it-IT" dirty="0" err="1" smtClean="0"/>
-              <a:t>Device</a:t>
-            </a:r>
+              <a:t>Equalizzazione</a:t>
+            </a:r>
+          </a:p>
+          <a:p>
             <a:r>
               <a:rPr lang="it-IT" dirty="0" smtClean="0"/>
-              <a:t> utilizzati</a:t>
-            </a:r>
-          </a:p>
-          <a:p>
-            <a:pPr lvl="1"/>
+              <a:t>Controllo</a:t>
+            </a:r>
             <a:r>
               <a:rPr lang="it-IT" dirty="0" smtClean="0"/>
-              <a:t> USRP in trasmissione</a:t>
-            </a:r>
-          </a:p>
-          <a:p>
-            <a:pPr lvl="1"/>
+              <a:t> </a:t>
+            </a:r>
             <a:r>
               <a:rPr lang="it-IT" dirty="0" smtClean="0"/>
-              <a:t>SDR-RTL ricezione</a:t>
-            </a:r>
-          </a:p>
-          <a:p>
-            <a:pPr lvl="1">
-              <a:buNone/>
-            </a:pPr>
-            <a:endParaRPr lang="it-IT" dirty="0" smtClean="0"/>
-          </a:p>
-          <a:p>
-            <a:endParaRPr lang="it-IT" dirty="0" smtClean="0"/>
-          </a:p>
-          <a:p>
+              <a:t>errori</a:t>
+            </a:r>
+          </a:p>
+          <a:p>
+            <a:r>
+              <a:rPr lang="it-IT" dirty="0" smtClean="0"/>
+              <a:t>Sincronizzazione Frequenza</a:t>
+            </a:r>
             <a:endParaRPr lang="it-IT" dirty="0"/>
           </a:p>
         </p:txBody>
       </p:sp>
+      <p:grpSp>
+        <p:nvGrpSpPr>
+          <p:cNvPr id="14" name="Gruppo 13"/>
+          <p:cNvGrpSpPr/>
+          <p:nvPr/>
+        </p:nvGrpSpPr>
+        <p:grpSpPr>
+          <a:xfrm>
+            <a:off x="796" y="33105"/>
+            <a:ext cx="9143207" cy="681251"/>
+            <a:chOff x="796" y="33105"/>
+            <a:chExt cx="9143207" cy="681251"/>
+          </a:xfrm>
+        </p:grpSpPr>
+        <p:grpSp>
+          <p:nvGrpSpPr>
+            <p:cNvPr id="15" name="Gruppo 7"/>
+            <p:cNvGrpSpPr/>
+            <p:nvPr/>
+          </p:nvGrpSpPr>
+          <p:grpSpPr>
+            <a:xfrm>
+              <a:off x="71406" y="71414"/>
+              <a:ext cx="3071864" cy="567375"/>
+              <a:chOff x="0" y="0"/>
+              <a:chExt cx="8715404" cy="1609736"/>
+            </a:xfrm>
+          </p:grpSpPr>
+          <p:pic>
+            <p:nvPicPr>
+              <p:cNvPr id="19" name="Picture 3"/>
+              <p:cNvPicPr>
+                <a:picLocks noChangeAspect="1" noChangeArrowheads="1"/>
+              </p:cNvPicPr>
+              <p:nvPr/>
+            </p:nvPicPr>
+            <p:blipFill>
+              <a:blip r:embed="rId2" cstate="print"/>
+              <a:srcRect l="45509" t="4944" r="39530" b="69980"/>
+              <a:stretch>
+                <a:fillRect/>
+              </a:stretch>
+            </p:blipFill>
+            <p:spPr bwMode="auto">
+              <a:xfrm>
+                <a:off x="0" y="0"/>
+                <a:ext cx="1857388" cy="1609736"/>
+              </a:xfrm>
+              <a:prstGeom prst="rect">
+                <a:avLst/>
+              </a:prstGeom>
+              <a:noFill/>
+              <a:ln w="9525">
+                <a:noFill/>
+                <a:miter lim="800000"/>
+                <a:headEnd/>
+                <a:tailEnd/>
+              </a:ln>
+              <a:effectLst/>
+            </p:spPr>
+          </p:pic>
+          <p:pic>
+            <p:nvPicPr>
+              <p:cNvPr id="20" name="Picture 4"/>
+              <p:cNvPicPr>
+                <a:picLocks noChangeAspect="1" noChangeArrowheads="1"/>
+              </p:cNvPicPr>
+              <p:nvPr/>
+            </p:nvPicPr>
+            <p:blipFill>
+              <a:blip r:embed="rId3" cstate="print"/>
+              <a:srcRect l="16687" t="64901" r="11001" b="28126"/>
+              <a:stretch>
+                <a:fillRect/>
+              </a:stretch>
+            </p:blipFill>
+            <p:spPr bwMode="auto">
+              <a:xfrm>
+                <a:off x="1714512" y="671173"/>
+                <a:ext cx="7000892" cy="357190"/>
+              </a:xfrm>
+              <a:prstGeom prst="rect">
+                <a:avLst/>
+              </a:prstGeom>
+              <a:noFill/>
+              <a:ln w="9525">
+                <a:noFill/>
+                <a:miter lim="800000"/>
+                <a:headEnd/>
+                <a:tailEnd/>
+              </a:ln>
+              <a:effectLst/>
+            </p:spPr>
+          </p:pic>
+          <p:pic>
+            <p:nvPicPr>
+              <p:cNvPr id="21" name="Picture 3"/>
+              <p:cNvPicPr>
+                <a:picLocks noChangeAspect="1" noChangeArrowheads="1"/>
+              </p:cNvPicPr>
+              <p:nvPr/>
+            </p:nvPicPr>
+            <p:blipFill>
+              <a:blip r:embed="rId4" cstate="print"/>
+              <a:srcRect l="28553" t="28091" r="22574" b="62426"/>
+              <a:stretch>
+                <a:fillRect/>
+              </a:stretch>
+            </p:blipFill>
+            <p:spPr bwMode="auto">
+              <a:xfrm>
+                <a:off x="3071802" y="99669"/>
+                <a:ext cx="4272064" cy="428628"/>
+              </a:xfrm>
+              <a:prstGeom prst="rect">
+                <a:avLst/>
+              </a:prstGeom>
+              <a:noFill/>
+              <a:ln w="9525">
+                <a:noFill/>
+                <a:miter lim="800000"/>
+                <a:headEnd/>
+                <a:tailEnd/>
+              </a:ln>
+              <a:effectLst/>
+            </p:spPr>
+          </p:pic>
+          <p:pic>
+            <p:nvPicPr>
+              <p:cNvPr id="22" name="Picture 4"/>
+              <p:cNvPicPr>
+                <a:picLocks noChangeAspect="1" noChangeArrowheads="1"/>
+              </p:cNvPicPr>
+              <p:nvPr/>
+            </p:nvPicPr>
+            <p:blipFill>
+              <a:blip r:embed="rId3" cstate="print"/>
+              <a:srcRect l="16687" t="80243" r="11001" b="13986"/>
+              <a:stretch>
+                <a:fillRect/>
+              </a:stretch>
+            </p:blipFill>
+            <p:spPr bwMode="auto">
+              <a:xfrm>
+                <a:off x="1714512" y="1028363"/>
+                <a:ext cx="7000892" cy="295621"/>
+              </a:xfrm>
+              <a:prstGeom prst="rect">
+                <a:avLst/>
+              </a:prstGeom>
+              <a:noFill/>
+              <a:ln w="9525">
+                <a:noFill/>
+                <a:miter lim="800000"/>
+                <a:headEnd/>
+                <a:tailEnd/>
+              </a:ln>
+              <a:effectLst/>
+            </p:spPr>
+          </p:pic>
+        </p:grpSp>
+        <p:pic>
+          <p:nvPicPr>
+            <p:cNvPr id="16" name="Picture 2"/>
+            <p:cNvPicPr>
+              <a:picLocks noChangeAspect="1" noChangeArrowheads="1"/>
+            </p:cNvPicPr>
+            <p:nvPr/>
+          </p:nvPicPr>
+          <p:blipFill>
+            <a:blip r:embed="rId5" cstate="print"/>
+            <a:srcRect l="12051" t="16667" r="5893" b="54167"/>
+            <a:stretch>
+              <a:fillRect/>
+            </a:stretch>
+          </p:blipFill>
+          <p:spPr bwMode="auto">
+            <a:xfrm>
+              <a:off x="3071802" y="33105"/>
+              <a:ext cx="3143274" cy="681251"/>
+            </a:xfrm>
+            <a:prstGeom prst="rect">
+              <a:avLst/>
+            </a:prstGeom>
+            <a:noFill/>
+            <a:ln w="9525">
+              <a:noFill/>
+              <a:miter lim="800000"/>
+              <a:headEnd/>
+              <a:tailEnd/>
+            </a:ln>
+            <a:effectLst/>
+          </p:spPr>
+        </p:pic>
+        <p:pic>
+          <p:nvPicPr>
+            <p:cNvPr id="17" name="Picture 2"/>
+            <p:cNvPicPr>
+              <a:picLocks noChangeAspect="1" noChangeArrowheads="1"/>
+            </p:cNvPicPr>
+            <p:nvPr/>
+          </p:nvPicPr>
+          <p:blipFill>
+            <a:blip r:embed="rId6"/>
+            <a:srcRect l="74285" t="66211" r="2939" b="22997"/>
+            <a:stretch>
+              <a:fillRect/>
+            </a:stretch>
+          </p:blipFill>
+          <p:spPr bwMode="auto">
+            <a:xfrm>
+              <a:off x="6929454" y="142852"/>
+              <a:ext cx="1500166" cy="433410"/>
+            </a:xfrm>
+            <a:prstGeom prst="rect">
+              <a:avLst/>
+            </a:prstGeom>
+            <a:noFill/>
+            <a:ln w="9525">
+              <a:noFill/>
+              <a:miter lim="800000"/>
+              <a:headEnd/>
+              <a:tailEnd/>
+            </a:ln>
+            <a:effectLst/>
+          </p:spPr>
+        </p:pic>
+        <p:cxnSp>
+          <p:nvCxnSpPr>
+            <p:cNvPr id="18" name="Connettore 1 17"/>
+            <p:cNvCxnSpPr/>
+            <p:nvPr/>
+          </p:nvCxnSpPr>
+          <p:spPr>
+            <a:xfrm rot="10800000" flipV="1">
+              <a:off x="796" y="711275"/>
+              <a:ext cx="9143207" cy="3080"/>
+            </a:xfrm>
+            <a:prstGeom prst="line">
+              <a:avLst/>
+            </a:prstGeom>
+            <a:ln>
+              <a:solidFill>
+                <a:schemeClr val="bg1">
+                  <a:lumMod val="50000"/>
+                </a:schemeClr>
+              </a:solidFill>
+            </a:ln>
+          </p:spPr>
+          <p:style>
+            <a:lnRef idx="1">
+              <a:schemeClr val="accent1"/>
+            </a:lnRef>
+            <a:fillRef idx="0">
+              <a:schemeClr val="accent1"/>
+            </a:fillRef>
+            <a:effectRef idx="0">
+              <a:schemeClr val="accent1"/>
+            </a:effectRef>
+            <a:fontRef idx="minor">
+              <a:schemeClr val="tx1"/>
+            </a:fontRef>
+          </p:style>
+        </p:cxnSp>
+      </p:grpSp>
     </p:spTree>
   </p:cSld>
   <p:clrMapOvr>
     <a:masterClrMapping/>
   </p:clrMapOvr>
+  <p:timing>
+    <p:tnLst>
+      <p:par>
+        <p:cTn id="1" dur="indefinite" restart="never" nodeType="tmRoot"/>
+      </p:par>
+    </p:tnLst>
+  </p:timing>
 </p:sld>
 </file>
 
@@ -5186,14 +10634,27 @@
             <p:ph type="title"/>
           </p:nvPr>
         </p:nvSpPr>
-        <p:spPr/>
+        <p:spPr>
+          <a:xfrm>
+            <a:off x="457200" y="731845"/>
+            <a:ext cx="8229600" cy="1143000"/>
+          </a:xfrm>
+        </p:spPr>
         <p:txBody>
           <a:bodyPr/>
           <a:lstStyle/>
           <a:p>
             <a:r>
+              <a:rPr lang="it-IT" dirty="0" smtClean="0"/>
+              <a:t>SDR (Software </a:t>
+            </a:r>
+            <a:r>
               <a:rPr lang="it-IT" dirty="0" err="1" smtClean="0"/>
-              <a:t>Gnuradio</a:t>
+              <a:t>Defined</a:t>
+            </a:r>
+            <a:r>
+              <a:rPr lang="it-IT" dirty="0" smtClean="0"/>
+              <a:t> Radio)</a:t>
             </a:r>
             <a:endParaRPr lang="it-IT" dirty="0"/>
           </a:p>
@@ -5209,34 +10670,402 @@
             <p:ph idx="1"/>
           </p:nvPr>
         </p:nvSpPr>
-        <p:spPr/>
+        <p:spPr>
+          <a:xfrm>
+            <a:off x="457200" y="1974871"/>
+            <a:ext cx="8229600" cy="4525963"/>
+          </a:xfrm>
+        </p:spPr>
         <p:txBody>
           <a:bodyPr/>
           <a:lstStyle/>
           <a:p>
             <a:r>
               <a:rPr lang="it-IT" dirty="0" smtClean="0"/>
-              <a:t>Ambiente open source per l’elaborazioni di segnali finalizzato allo sviluppo di sistemi radio</a:t>
-            </a:r>
-          </a:p>
-          <a:p>
+              <a:t>Sviluppo software apparati radio</a:t>
+            </a:r>
+          </a:p>
+          <a:p>
+            <a:pPr>
+              <a:buNone/>
+            </a:pPr>
+            <a:endParaRPr lang="it-IT" dirty="0" smtClean="0"/>
+          </a:p>
+          <a:p>
+            <a:pPr>
+              <a:buNone/>
+            </a:pPr>
+            <a:r>
+              <a:rPr lang="it-IT" dirty="0" err="1" smtClean="0"/>
+              <a:t>Device</a:t>
+            </a:r>
             <a:r>
               <a:rPr lang="it-IT" dirty="0" smtClean="0"/>
-              <a:t>Largamente utilizzato per la ricerca e per la realizzazione di sistemi radio.</a:t>
-            </a:r>
+              <a:t> utilizzati</a:t>
+            </a:r>
+          </a:p>
+          <a:p>
+            <a:pPr lvl="1"/>
+            <a:r>
+              <a:rPr lang="it-IT" dirty="0" smtClean="0"/>
+              <a:t> USRP in trasmissione</a:t>
+            </a:r>
+          </a:p>
+          <a:p>
+            <a:pPr lvl="1"/>
+            <a:r>
+              <a:rPr lang="it-IT" dirty="0" smtClean="0"/>
+              <a:t>SDR-RTL ricezione</a:t>
+            </a:r>
+          </a:p>
+          <a:p>
+            <a:pPr lvl="1">
+              <a:buNone/>
+            </a:pPr>
+            <a:endParaRPr lang="it-IT" dirty="0" smtClean="0"/>
+          </a:p>
+          <a:p>
+            <a:endParaRPr lang="it-IT" dirty="0" smtClean="0"/>
+          </a:p>
+          <a:p>
+            <a:endParaRPr lang="it-IT" dirty="0"/>
           </a:p>
         </p:txBody>
       </p:sp>
+      <p:pic>
+        <p:nvPicPr>
+          <p:cNvPr id="3074" name="Picture 2" descr="C:\Users\fiapol\Desktop\tesi\repositorio\PoorManThesis\presentazione\immagini presentazione\rtlsdr.jpg"/>
+          <p:cNvPicPr>
+            <a:picLocks noChangeAspect="1" noChangeArrowheads="1"/>
+          </p:cNvPicPr>
+          <p:nvPr/>
+        </p:nvPicPr>
+        <p:blipFill>
+          <a:blip r:embed="rId2"/>
+          <a:srcRect/>
+          <a:stretch>
+            <a:fillRect/>
+          </a:stretch>
+        </p:blipFill>
+        <p:spPr bwMode="auto">
+          <a:xfrm>
+            <a:off x="6286512" y="4828344"/>
+            <a:ext cx="2571768" cy="1815366"/>
+          </a:xfrm>
+          <a:prstGeom prst="rect">
+            <a:avLst/>
+          </a:prstGeom>
+          <a:noFill/>
+        </p:spPr>
+      </p:pic>
+      <p:pic>
+        <p:nvPicPr>
+          <p:cNvPr id="3075" name="Picture 3" descr="C:\Users\fiapol\Desktop\tesi\repositorio\PoorManThesis\presentazione\immagini presentazione\B210.png"/>
+          <p:cNvPicPr>
+            <a:picLocks noChangeAspect="1" noChangeArrowheads="1"/>
+          </p:cNvPicPr>
+          <p:nvPr/>
+        </p:nvPicPr>
+        <p:blipFill>
+          <a:blip r:embed="rId3"/>
+          <a:srcRect/>
+          <a:stretch>
+            <a:fillRect/>
+          </a:stretch>
+        </p:blipFill>
+        <p:spPr bwMode="auto">
+          <a:xfrm>
+            <a:off x="5643538" y="2428868"/>
+            <a:ext cx="3500462" cy="2448911"/>
+          </a:xfrm>
+          <a:prstGeom prst="rect">
+            <a:avLst/>
+          </a:prstGeom>
+          <a:noFill/>
+        </p:spPr>
+      </p:pic>
+      <p:grpSp>
+        <p:nvGrpSpPr>
+          <p:cNvPr id="15" name="Gruppo 14"/>
+          <p:cNvGrpSpPr/>
+          <p:nvPr/>
+        </p:nvGrpSpPr>
+        <p:grpSpPr>
+          <a:xfrm>
+            <a:off x="796" y="33105"/>
+            <a:ext cx="9143207" cy="681251"/>
+            <a:chOff x="796" y="33105"/>
+            <a:chExt cx="9143207" cy="681251"/>
+          </a:xfrm>
+        </p:grpSpPr>
+        <p:grpSp>
+          <p:nvGrpSpPr>
+            <p:cNvPr id="16" name="Gruppo 7"/>
+            <p:cNvGrpSpPr/>
+            <p:nvPr/>
+          </p:nvGrpSpPr>
+          <p:grpSpPr>
+            <a:xfrm>
+              <a:off x="71406" y="71414"/>
+              <a:ext cx="3071864" cy="567375"/>
+              <a:chOff x="0" y="0"/>
+              <a:chExt cx="8715404" cy="1609736"/>
+            </a:xfrm>
+          </p:grpSpPr>
+          <p:pic>
+            <p:nvPicPr>
+              <p:cNvPr id="20" name="Picture 3"/>
+              <p:cNvPicPr>
+                <a:picLocks noChangeAspect="1" noChangeArrowheads="1"/>
+              </p:cNvPicPr>
+              <p:nvPr/>
+            </p:nvPicPr>
+            <p:blipFill>
+              <a:blip r:embed="rId4" cstate="print"/>
+              <a:srcRect l="45509" t="4944" r="39530" b="69980"/>
+              <a:stretch>
+                <a:fillRect/>
+              </a:stretch>
+            </p:blipFill>
+            <p:spPr bwMode="auto">
+              <a:xfrm>
+                <a:off x="0" y="0"/>
+                <a:ext cx="1857388" cy="1609736"/>
+              </a:xfrm>
+              <a:prstGeom prst="rect">
+                <a:avLst/>
+              </a:prstGeom>
+              <a:noFill/>
+              <a:ln w="9525">
+                <a:noFill/>
+                <a:miter lim="800000"/>
+                <a:headEnd/>
+                <a:tailEnd/>
+              </a:ln>
+              <a:effectLst/>
+            </p:spPr>
+          </p:pic>
+          <p:pic>
+            <p:nvPicPr>
+              <p:cNvPr id="21" name="Picture 4"/>
+              <p:cNvPicPr>
+                <a:picLocks noChangeAspect="1" noChangeArrowheads="1"/>
+              </p:cNvPicPr>
+              <p:nvPr/>
+            </p:nvPicPr>
+            <p:blipFill>
+              <a:blip r:embed="rId5" cstate="print"/>
+              <a:srcRect l="16687" t="64901" r="11001" b="28126"/>
+              <a:stretch>
+                <a:fillRect/>
+              </a:stretch>
+            </p:blipFill>
+            <p:spPr bwMode="auto">
+              <a:xfrm>
+                <a:off x="1714512" y="671173"/>
+                <a:ext cx="7000892" cy="357190"/>
+              </a:xfrm>
+              <a:prstGeom prst="rect">
+                <a:avLst/>
+              </a:prstGeom>
+              <a:noFill/>
+              <a:ln w="9525">
+                <a:noFill/>
+                <a:miter lim="800000"/>
+                <a:headEnd/>
+                <a:tailEnd/>
+              </a:ln>
+              <a:effectLst/>
+            </p:spPr>
+          </p:pic>
+          <p:pic>
+            <p:nvPicPr>
+              <p:cNvPr id="22" name="Picture 3"/>
+              <p:cNvPicPr>
+                <a:picLocks noChangeAspect="1" noChangeArrowheads="1"/>
+              </p:cNvPicPr>
+              <p:nvPr/>
+            </p:nvPicPr>
+            <p:blipFill>
+              <a:blip r:embed="rId6" cstate="print"/>
+              <a:srcRect l="28553" t="28091" r="22574" b="62426"/>
+              <a:stretch>
+                <a:fillRect/>
+              </a:stretch>
+            </p:blipFill>
+            <p:spPr bwMode="auto">
+              <a:xfrm>
+                <a:off x="3071802" y="99669"/>
+                <a:ext cx="4272064" cy="428628"/>
+              </a:xfrm>
+              <a:prstGeom prst="rect">
+                <a:avLst/>
+              </a:prstGeom>
+              <a:noFill/>
+              <a:ln w="9525">
+                <a:noFill/>
+                <a:miter lim="800000"/>
+                <a:headEnd/>
+                <a:tailEnd/>
+              </a:ln>
+              <a:effectLst/>
+            </p:spPr>
+          </p:pic>
+          <p:pic>
+            <p:nvPicPr>
+              <p:cNvPr id="23" name="Picture 4"/>
+              <p:cNvPicPr>
+                <a:picLocks noChangeAspect="1" noChangeArrowheads="1"/>
+              </p:cNvPicPr>
+              <p:nvPr/>
+            </p:nvPicPr>
+            <p:blipFill>
+              <a:blip r:embed="rId5" cstate="print"/>
+              <a:srcRect l="16687" t="80243" r="11001" b="13986"/>
+              <a:stretch>
+                <a:fillRect/>
+              </a:stretch>
+            </p:blipFill>
+            <p:spPr bwMode="auto">
+              <a:xfrm>
+                <a:off x="1714512" y="1028363"/>
+                <a:ext cx="7000892" cy="295621"/>
+              </a:xfrm>
+              <a:prstGeom prst="rect">
+                <a:avLst/>
+              </a:prstGeom>
+              <a:noFill/>
+              <a:ln w="9525">
+                <a:noFill/>
+                <a:miter lim="800000"/>
+                <a:headEnd/>
+                <a:tailEnd/>
+              </a:ln>
+              <a:effectLst/>
+            </p:spPr>
+          </p:pic>
+        </p:grpSp>
+        <p:pic>
+          <p:nvPicPr>
+            <p:cNvPr id="17" name="Picture 2"/>
+            <p:cNvPicPr>
+              <a:picLocks noChangeAspect="1" noChangeArrowheads="1"/>
+            </p:cNvPicPr>
+            <p:nvPr/>
+          </p:nvPicPr>
+          <p:blipFill>
+            <a:blip r:embed="rId7" cstate="print"/>
+            <a:srcRect l="12051" t="16667" r="5893" b="54167"/>
+            <a:stretch>
+              <a:fillRect/>
+            </a:stretch>
+          </p:blipFill>
+          <p:spPr bwMode="auto">
+            <a:xfrm>
+              <a:off x="3071802" y="33105"/>
+              <a:ext cx="3143274" cy="681251"/>
+            </a:xfrm>
+            <a:prstGeom prst="rect">
+              <a:avLst/>
+            </a:prstGeom>
+            <a:noFill/>
+            <a:ln w="9525">
+              <a:noFill/>
+              <a:miter lim="800000"/>
+              <a:headEnd/>
+              <a:tailEnd/>
+            </a:ln>
+            <a:effectLst/>
+          </p:spPr>
+        </p:pic>
+        <p:pic>
+          <p:nvPicPr>
+            <p:cNvPr id="18" name="Picture 2"/>
+            <p:cNvPicPr>
+              <a:picLocks noChangeAspect="1" noChangeArrowheads="1"/>
+            </p:cNvPicPr>
+            <p:nvPr/>
+          </p:nvPicPr>
+          <p:blipFill>
+            <a:blip r:embed="rId8"/>
+            <a:srcRect l="74285" t="66211" r="2939" b="22997"/>
+            <a:stretch>
+              <a:fillRect/>
+            </a:stretch>
+          </p:blipFill>
+          <p:spPr bwMode="auto">
+            <a:xfrm>
+              <a:off x="6929454" y="142852"/>
+              <a:ext cx="1500166" cy="433410"/>
+            </a:xfrm>
+            <a:prstGeom prst="rect">
+              <a:avLst/>
+            </a:prstGeom>
+            <a:noFill/>
+            <a:ln w="9525">
+              <a:noFill/>
+              <a:miter lim="800000"/>
+              <a:headEnd/>
+              <a:tailEnd/>
+            </a:ln>
+            <a:effectLst/>
+          </p:spPr>
+        </p:pic>
+        <p:cxnSp>
+          <p:nvCxnSpPr>
+            <p:cNvPr id="19" name="Connettore 1 18"/>
+            <p:cNvCxnSpPr/>
+            <p:nvPr/>
+          </p:nvCxnSpPr>
+          <p:spPr>
+            <a:xfrm rot="10800000" flipV="1">
+              <a:off x="796" y="711275"/>
+              <a:ext cx="9143207" cy="3080"/>
+            </a:xfrm>
+            <a:prstGeom prst="line">
+              <a:avLst/>
+            </a:prstGeom>
+            <a:ln>
+              <a:solidFill>
+                <a:schemeClr val="bg1">
+                  <a:lumMod val="50000"/>
+                </a:schemeClr>
+              </a:solidFill>
+            </a:ln>
+          </p:spPr>
+          <p:style>
+            <a:lnRef idx="1">
+              <a:schemeClr val="accent1"/>
+            </a:lnRef>
+            <a:fillRef idx="0">
+              <a:schemeClr val="accent1"/>
+            </a:fillRef>
+            <a:effectRef idx="0">
+              <a:schemeClr val="accent1"/>
+            </a:effectRef>
+            <a:fontRef idx="minor">
+              <a:schemeClr val="tx1"/>
+            </a:fontRef>
+          </p:style>
+        </p:cxnSp>
+      </p:grpSp>
     </p:spTree>
   </p:cSld>
   <p:clrMapOvr>
     <a:masterClrMapping/>
   </p:clrMapOvr>
+  <p:timing>
+    <p:tnLst>
+      <p:par>
+        <p:cTn id="1" dur="indefinite" restart="never" nodeType="tmRoot"/>
+      </p:par>
+    </p:tnLst>
+  </p:timing>
 </p:sld>
 </file>
 
 <file path=ppt/slides/slide7.xml><?xml version="1.0" encoding="utf-8"?>
-<p:sld xmlns:a="http://schemas.openxmlformats.org/drawingml/2006/main" xmlns:r="http://schemas.openxmlformats.org/officeDocument/2006/relationships" xmlns:p="http://schemas.openxmlformats.org/presentationml/2006/main">
+<p:sld xmlns:a="http://schemas.openxmlformats.org/drawingml/2006/main" xmlns:r="http://schemas.openxmlformats.org/officeDocument/2006/relationships" xmlns:p="http://schemas.openxmlformats.org/presentationml/2006/main" show="0">
   <p:cSld>
     <p:spTree>
       <p:nvGrpSpPr>
@@ -5262,14 +11091,19 @@
             <p:ph type="title"/>
           </p:nvPr>
         </p:nvSpPr>
-        <p:spPr/>
+        <p:spPr>
+          <a:xfrm>
+            <a:off x="457200" y="649309"/>
+            <a:ext cx="8229600" cy="1143000"/>
+          </a:xfrm>
+        </p:spPr>
         <p:txBody>
           <a:bodyPr/>
           <a:lstStyle/>
           <a:p>
             <a:r>
-              <a:rPr lang="it-IT" dirty="0" smtClean="0"/>
-              <a:t>Trasmettitore 1/4</a:t>
+              <a:rPr lang="it-IT" dirty="0" err="1" smtClean="0"/>
+              <a:t>Gnuradio</a:t>
             </a:r>
             <a:endParaRPr lang="it-IT" dirty="0"/>
           </a:p>
@@ -5285,35 +11119,32 @@
             <p:ph idx="1"/>
           </p:nvPr>
         </p:nvSpPr>
-        <p:spPr/>
+        <p:spPr>
+          <a:xfrm>
+            <a:off x="457200" y="2189185"/>
+            <a:ext cx="8229600" cy="4525963"/>
+          </a:xfrm>
+        </p:spPr>
         <p:txBody>
           <a:bodyPr/>
           <a:lstStyle/>
           <a:p>
-            <a:pPr>
-              <a:buNone/>
-            </a:pPr>
             <a:r>
               <a:rPr lang="it-IT" dirty="0" smtClean="0"/>
-              <a:t>Formazione </a:t>
-            </a:r>
+              <a:t>Ambiente open source per l’elaborazioni di segnali finalizzato allo sviluppo di sistemi radio</a:t>
+            </a:r>
+          </a:p>
+          <a:p>
             <a:r>
               <a:rPr lang="it-IT" dirty="0" smtClean="0"/>
-              <a:t>pacchetti dal flusso in ingresso</a:t>
-            </a:r>
-            <a:endParaRPr lang="it-IT" dirty="0" smtClean="0"/>
-          </a:p>
-          <a:p>
-            <a:pPr>
-              <a:buNone/>
-            </a:pPr>
-            <a:endParaRPr lang="it-IT" dirty="0" smtClean="0"/>
+              <a:t>Largamente utilizzato per la ricerca e per la realizzazione di sistemi radio.</a:t>
+            </a:r>
           </a:p>
         </p:txBody>
       </p:sp>
       <p:pic>
         <p:nvPicPr>
-          <p:cNvPr id="1026" name="Picture 2" descr="C:\Users\fiapol\Desktop\tesi\PoorManThesis-master\PoorManThesis-master\images\Tx1.png"/>
+          <p:cNvPr id="2050" name="Picture 2" descr="C:\Users\fiapol\Desktop\tesi\repositorio\PoorManThesis\presentazione\immagini presentazione\gnu.PNG"/>
           <p:cNvPicPr>
             <a:picLocks noChangeAspect="1" noChangeArrowheads="1"/>
           </p:cNvPicPr>
@@ -5328,8 +11159,8 @@
         </p:blipFill>
         <p:spPr bwMode="auto">
           <a:xfrm>
-            <a:off x="214282" y="3071811"/>
-            <a:ext cx="8715436" cy="2021450"/>
+            <a:off x="2214546" y="785794"/>
+            <a:ext cx="4741773" cy="1143008"/>
           </a:xfrm>
           <a:prstGeom prst="rect">
             <a:avLst/>
@@ -5337,11 +11168,284 @@
           <a:noFill/>
         </p:spPr>
       </p:pic>
+      <p:grpSp>
+        <p:nvGrpSpPr>
+          <p:cNvPr id="14" name="Gruppo 13"/>
+          <p:cNvGrpSpPr/>
+          <p:nvPr/>
+        </p:nvGrpSpPr>
+        <p:grpSpPr>
+          <a:xfrm>
+            <a:off x="796" y="33105"/>
+            <a:ext cx="9143207" cy="681251"/>
+            <a:chOff x="796" y="33105"/>
+            <a:chExt cx="9143207" cy="681251"/>
+          </a:xfrm>
+        </p:grpSpPr>
+        <p:grpSp>
+          <p:nvGrpSpPr>
+            <p:cNvPr id="15" name="Gruppo 7"/>
+            <p:cNvGrpSpPr/>
+            <p:nvPr/>
+          </p:nvGrpSpPr>
+          <p:grpSpPr>
+            <a:xfrm>
+              <a:off x="71406" y="71414"/>
+              <a:ext cx="3071864" cy="567375"/>
+              <a:chOff x="0" y="0"/>
+              <a:chExt cx="8715404" cy="1609736"/>
+            </a:xfrm>
+          </p:grpSpPr>
+          <p:pic>
+            <p:nvPicPr>
+              <p:cNvPr id="19" name="Picture 3"/>
+              <p:cNvPicPr>
+                <a:picLocks noChangeAspect="1" noChangeArrowheads="1"/>
+              </p:cNvPicPr>
+              <p:nvPr/>
+            </p:nvPicPr>
+            <p:blipFill>
+              <a:blip r:embed="rId3" cstate="print"/>
+              <a:srcRect l="45509" t="4944" r="39530" b="69980"/>
+              <a:stretch>
+                <a:fillRect/>
+              </a:stretch>
+            </p:blipFill>
+            <p:spPr bwMode="auto">
+              <a:xfrm>
+                <a:off x="0" y="0"/>
+                <a:ext cx="1857388" cy="1609736"/>
+              </a:xfrm>
+              <a:prstGeom prst="rect">
+                <a:avLst/>
+              </a:prstGeom>
+              <a:noFill/>
+              <a:ln w="9525">
+                <a:noFill/>
+                <a:miter lim="800000"/>
+                <a:headEnd/>
+                <a:tailEnd/>
+              </a:ln>
+              <a:effectLst/>
+            </p:spPr>
+          </p:pic>
+          <p:pic>
+            <p:nvPicPr>
+              <p:cNvPr id="20" name="Picture 4"/>
+              <p:cNvPicPr>
+                <a:picLocks noChangeAspect="1" noChangeArrowheads="1"/>
+              </p:cNvPicPr>
+              <p:nvPr/>
+            </p:nvPicPr>
+            <p:blipFill>
+              <a:blip r:embed="rId4" cstate="print"/>
+              <a:srcRect l="16687" t="64901" r="11001" b="28126"/>
+              <a:stretch>
+                <a:fillRect/>
+              </a:stretch>
+            </p:blipFill>
+            <p:spPr bwMode="auto">
+              <a:xfrm>
+                <a:off x="1714512" y="671173"/>
+                <a:ext cx="7000892" cy="357190"/>
+              </a:xfrm>
+              <a:prstGeom prst="rect">
+                <a:avLst/>
+              </a:prstGeom>
+              <a:noFill/>
+              <a:ln w="9525">
+                <a:noFill/>
+                <a:miter lim="800000"/>
+                <a:headEnd/>
+                <a:tailEnd/>
+              </a:ln>
+              <a:effectLst/>
+            </p:spPr>
+          </p:pic>
+          <p:pic>
+            <p:nvPicPr>
+              <p:cNvPr id="21" name="Picture 3"/>
+              <p:cNvPicPr>
+                <a:picLocks noChangeAspect="1" noChangeArrowheads="1"/>
+              </p:cNvPicPr>
+              <p:nvPr/>
+            </p:nvPicPr>
+            <p:blipFill>
+              <a:blip r:embed="rId5" cstate="print"/>
+              <a:srcRect l="28553" t="28091" r="22574" b="62426"/>
+              <a:stretch>
+                <a:fillRect/>
+              </a:stretch>
+            </p:blipFill>
+            <p:spPr bwMode="auto">
+              <a:xfrm>
+                <a:off x="3071802" y="99669"/>
+                <a:ext cx="4272064" cy="428628"/>
+              </a:xfrm>
+              <a:prstGeom prst="rect">
+                <a:avLst/>
+              </a:prstGeom>
+              <a:noFill/>
+              <a:ln w="9525">
+                <a:noFill/>
+                <a:miter lim="800000"/>
+                <a:headEnd/>
+                <a:tailEnd/>
+              </a:ln>
+              <a:effectLst/>
+            </p:spPr>
+          </p:pic>
+          <p:pic>
+            <p:nvPicPr>
+              <p:cNvPr id="22" name="Picture 4"/>
+              <p:cNvPicPr>
+                <a:picLocks noChangeAspect="1" noChangeArrowheads="1"/>
+              </p:cNvPicPr>
+              <p:nvPr/>
+            </p:nvPicPr>
+            <p:blipFill>
+              <a:blip r:embed="rId4" cstate="print"/>
+              <a:srcRect l="16687" t="80243" r="11001" b="13986"/>
+              <a:stretch>
+                <a:fillRect/>
+              </a:stretch>
+            </p:blipFill>
+            <p:spPr bwMode="auto">
+              <a:xfrm>
+                <a:off x="1714512" y="1028363"/>
+                <a:ext cx="7000892" cy="295621"/>
+              </a:xfrm>
+              <a:prstGeom prst="rect">
+                <a:avLst/>
+              </a:prstGeom>
+              <a:noFill/>
+              <a:ln w="9525">
+                <a:noFill/>
+                <a:miter lim="800000"/>
+                <a:headEnd/>
+                <a:tailEnd/>
+              </a:ln>
+              <a:effectLst/>
+            </p:spPr>
+          </p:pic>
+        </p:grpSp>
+        <p:pic>
+          <p:nvPicPr>
+            <p:cNvPr id="16" name="Picture 2"/>
+            <p:cNvPicPr>
+              <a:picLocks noChangeAspect="1" noChangeArrowheads="1"/>
+            </p:cNvPicPr>
+            <p:nvPr/>
+          </p:nvPicPr>
+          <p:blipFill>
+            <a:blip r:embed="rId6" cstate="print"/>
+            <a:srcRect l="12051" t="16667" r="5893" b="54167"/>
+            <a:stretch>
+              <a:fillRect/>
+            </a:stretch>
+          </p:blipFill>
+          <p:spPr bwMode="auto">
+            <a:xfrm>
+              <a:off x="3071802" y="33105"/>
+              <a:ext cx="3143274" cy="681251"/>
+            </a:xfrm>
+            <a:prstGeom prst="rect">
+              <a:avLst/>
+            </a:prstGeom>
+            <a:noFill/>
+            <a:ln w="9525">
+              <a:noFill/>
+              <a:miter lim="800000"/>
+              <a:headEnd/>
+              <a:tailEnd/>
+            </a:ln>
+            <a:effectLst/>
+          </p:spPr>
+        </p:pic>
+        <p:pic>
+          <p:nvPicPr>
+            <p:cNvPr id="17" name="Picture 2"/>
+            <p:cNvPicPr>
+              <a:picLocks noChangeAspect="1" noChangeArrowheads="1"/>
+            </p:cNvPicPr>
+            <p:nvPr/>
+          </p:nvPicPr>
+          <p:blipFill>
+            <a:blip r:embed="rId7"/>
+            <a:srcRect l="74285" t="66211" r="2939" b="22997"/>
+            <a:stretch>
+              <a:fillRect/>
+            </a:stretch>
+          </p:blipFill>
+          <p:spPr bwMode="auto">
+            <a:xfrm>
+              <a:off x="6929454" y="142852"/>
+              <a:ext cx="1500166" cy="433410"/>
+            </a:xfrm>
+            <a:prstGeom prst="rect">
+              <a:avLst/>
+            </a:prstGeom>
+            <a:noFill/>
+            <a:ln w="9525">
+              <a:noFill/>
+              <a:miter lim="800000"/>
+              <a:headEnd/>
+              <a:tailEnd/>
+            </a:ln>
+            <a:effectLst/>
+          </p:spPr>
+        </p:pic>
+        <p:cxnSp>
+          <p:nvCxnSpPr>
+            <p:cNvPr id="18" name="Connettore 1 17"/>
+            <p:cNvCxnSpPr/>
+            <p:nvPr/>
+          </p:nvCxnSpPr>
+          <p:spPr>
+            <a:xfrm rot="10800000" flipV="1">
+              <a:off x="796" y="711275"/>
+              <a:ext cx="9143207" cy="3080"/>
+            </a:xfrm>
+            <a:prstGeom prst="line">
+              <a:avLst/>
+            </a:prstGeom>
+            <a:ln>
+              <a:solidFill>
+                <a:schemeClr val="bg1">
+                  <a:lumMod val="50000"/>
+                </a:schemeClr>
+              </a:solidFill>
+            </a:ln>
+          </p:spPr>
+          <p:style>
+            <a:lnRef idx="1">
+              <a:schemeClr val="accent1"/>
+            </a:lnRef>
+            <a:fillRef idx="0">
+              <a:schemeClr val="accent1"/>
+            </a:fillRef>
+            <a:effectRef idx="0">
+              <a:schemeClr val="accent1"/>
+            </a:effectRef>
+            <a:fontRef idx="minor">
+              <a:schemeClr val="tx1"/>
+            </a:fontRef>
+          </p:style>
+        </p:cxnSp>
+      </p:grpSp>
     </p:spTree>
   </p:cSld>
   <p:clrMapOvr>
     <a:masterClrMapping/>
   </p:clrMapOvr>
+  <p:transition/>
+  <p:timing>
+    <p:tnLst>
+      <p:par>
+        <p:cTn id="1" dur="indefinite" restart="never" nodeType="tmRoot"/>
+      </p:par>
+    </p:tnLst>
+  </p:timing>
 </p:sld>
 </file>
 
@@ -5372,14 +11476,19 @@
             <p:ph type="title"/>
           </p:nvPr>
         </p:nvSpPr>
-        <p:spPr/>
+        <p:spPr>
+          <a:xfrm>
+            <a:off x="457200" y="720747"/>
+            <a:ext cx="8229600" cy="1143000"/>
+          </a:xfrm>
+        </p:spPr>
         <p:txBody>
           <a:bodyPr/>
           <a:lstStyle/>
           <a:p>
             <a:r>
               <a:rPr lang="it-IT" dirty="0" smtClean="0"/>
-              <a:t>Trasmettitore 2/4</a:t>
+              <a:t>Trasmettitore 1/4</a:t>
             </a:r>
             <a:endParaRPr lang="it-IT" dirty="0"/>
           </a:p>
@@ -5395,25 +11504,35 @@
             <p:ph idx="1"/>
           </p:nvPr>
         </p:nvSpPr>
-        <p:spPr/>
+        <p:spPr>
+          <a:xfrm>
+            <a:off x="457200" y="2046309"/>
+            <a:ext cx="8229600" cy="4525963"/>
+          </a:xfrm>
+        </p:spPr>
         <p:txBody>
           <a:bodyPr/>
           <a:lstStyle/>
           <a:p>
-            <a:pPr algn="ctr">
+            <a:pPr>
               <a:buNone/>
             </a:pPr>
             <a:r>
               <a:rPr lang="it-IT" dirty="0" smtClean="0"/>
-              <a:t>Codifica informazioni in Simboli</a:t>
-            </a:r>
+              <a:t>Formazione pacchetti dal flusso in ingresso</a:t>
+            </a:r>
+          </a:p>
+          <a:p>
+            <a:pPr>
+              <a:buNone/>
+            </a:pPr>
             <a:endParaRPr lang="it-IT" dirty="0" smtClean="0"/>
           </a:p>
         </p:txBody>
       </p:sp>
       <p:pic>
         <p:nvPicPr>
-          <p:cNvPr id="2050" name="Picture 2" descr="C:\Users\fiapol\Desktop\tesi\PoorManThesis-master\PoorManThesis-master\images\Tx2.png"/>
+          <p:cNvPr id="1026" name="Picture 2" descr="C:\Users\fiapol\Desktop\tesi\PoorManThesis-master\PoorManThesis-master\images\Tx1.png"/>
           <p:cNvPicPr>
             <a:picLocks noChangeAspect="1" noChangeArrowheads="1"/>
           </p:cNvPicPr>
@@ -5428,8 +11547,8 @@
         </p:blipFill>
         <p:spPr bwMode="auto">
           <a:xfrm>
-            <a:off x="161956" y="3143248"/>
-            <a:ext cx="8839200" cy="1619250"/>
+            <a:off x="214282" y="3517920"/>
+            <a:ext cx="8715436" cy="2021450"/>
           </a:xfrm>
           <a:prstGeom prst="rect">
             <a:avLst/>
@@ -5437,11 +11556,283 @@
           <a:noFill/>
         </p:spPr>
       </p:pic>
+      <p:grpSp>
+        <p:nvGrpSpPr>
+          <p:cNvPr id="14" name="Gruppo 13"/>
+          <p:cNvGrpSpPr/>
+          <p:nvPr/>
+        </p:nvGrpSpPr>
+        <p:grpSpPr>
+          <a:xfrm>
+            <a:off x="796" y="33105"/>
+            <a:ext cx="9143207" cy="681251"/>
+            <a:chOff x="796" y="33105"/>
+            <a:chExt cx="9143207" cy="681251"/>
+          </a:xfrm>
+        </p:grpSpPr>
+        <p:grpSp>
+          <p:nvGrpSpPr>
+            <p:cNvPr id="15" name="Gruppo 7"/>
+            <p:cNvGrpSpPr/>
+            <p:nvPr/>
+          </p:nvGrpSpPr>
+          <p:grpSpPr>
+            <a:xfrm>
+              <a:off x="71406" y="71414"/>
+              <a:ext cx="3071864" cy="567375"/>
+              <a:chOff x="0" y="0"/>
+              <a:chExt cx="8715404" cy="1609736"/>
+            </a:xfrm>
+          </p:grpSpPr>
+          <p:pic>
+            <p:nvPicPr>
+              <p:cNvPr id="19" name="Picture 3"/>
+              <p:cNvPicPr>
+                <a:picLocks noChangeAspect="1" noChangeArrowheads="1"/>
+              </p:cNvPicPr>
+              <p:nvPr/>
+            </p:nvPicPr>
+            <p:blipFill>
+              <a:blip r:embed="rId3" cstate="print"/>
+              <a:srcRect l="45509" t="4944" r="39530" b="69980"/>
+              <a:stretch>
+                <a:fillRect/>
+              </a:stretch>
+            </p:blipFill>
+            <p:spPr bwMode="auto">
+              <a:xfrm>
+                <a:off x="0" y="0"/>
+                <a:ext cx="1857388" cy="1609736"/>
+              </a:xfrm>
+              <a:prstGeom prst="rect">
+                <a:avLst/>
+              </a:prstGeom>
+              <a:noFill/>
+              <a:ln w="9525">
+                <a:noFill/>
+                <a:miter lim="800000"/>
+                <a:headEnd/>
+                <a:tailEnd/>
+              </a:ln>
+              <a:effectLst/>
+            </p:spPr>
+          </p:pic>
+          <p:pic>
+            <p:nvPicPr>
+              <p:cNvPr id="20" name="Picture 4"/>
+              <p:cNvPicPr>
+                <a:picLocks noChangeAspect="1" noChangeArrowheads="1"/>
+              </p:cNvPicPr>
+              <p:nvPr/>
+            </p:nvPicPr>
+            <p:blipFill>
+              <a:blip r:embed="rId4" cstate="print"/>
+              <a:srcRect l="16687" t="64901" r="11001" b="28126"/>
+              <a:stretch>
+                <a:fillRect/>
+              </a:stretch>
+            </p:blipFill>
+            <p:spPr bwMode="auto">
+              <a:xfrm>
+                <a:off x="1714512" y="671173"/>
+                <a:ext cx="7000892" cy="357190"/>
+              </a:xfrm>
+              <a:prstGeom prst="rect">
+                <a:avLst/>
+              </a:prstGeom>
+              <a:noFill/>
+              <a:ln w="9525">
+                <a:noFill/>
+                <a:miter lim="800000"/>
+                <a:headEnd/>
+                <a:tailEnd/>
+              </a:ln>
+              <a:effectLst/>
+            </p:spPr>
+          </p:pic>
+          <p:pic>
+            <p:nvPicPr>
+              <p:cNvPr id="21" name="Picture 3"/>
+              <p:cNvPicPr>
+                <a:picLocks noChangeAspect="1" noChangeArrowheads="1"/>
+              </p:cNvPicPr>
+              <p:nvPr/>
+            </p:nvPicPr>
+            <p:blipFill>
+              <a:blip r:embed="rId5" cstate="print"/>
+              <a:srcRect l="28553" t="28091" r="22574" b="62426"/>
+              <a:stretch>
+                <a:fillRect/>
+              </a:stretch>
+            </p:blipFill>
+            <p:spPr bwMode="auto">
+              <a:xfrm>
+                <a:off x="3071802" y="99669"/>
+                <a:ext cx="4272064" cy="428628"/>
+              </a:xfrm>
+              <a:prstGeom prst="rect">
+                <a:avLst/>
+              </a:prstGeom>
+              <a:noFill/>
+              <a:ln w="9525">
+                <a:noFill/>
+                <a:miter lim="800000"/>
+                <a:headEnd/>
+                <a:tailEnd/>
+              </a:ln>
+              <a:effectLst/>
+            </p:spPr>
+          </p:pic>
+          <p:pic>
+            <p:nvPicPr>
+              <p:cNvPr id="22" name="Picture 4"/>
+              <p:cNvPicPr>
+                <a:picLocks noChangeAspect="1" noChangeArrowheads="1"/>
+              </p:cNvPicPr>
+              <p:nvPr/>
+            </p:nvPicPr>
+            <p:blipFill>
+              <a:blip r:embed="rId4" cstate="print"/>
+              <a:srcRect l="16687" t="80243" r="11001" b="13986"/>
+              <a:stretch>
+                <a:fillRect/>
+              </a:stretch>
+            </p:blipFill>
+            <p:spPr bwMode="auto">
+              <a:xfrm>
+                <a:off x="1714512" y="1028363"/>
+                <a:ext cx="7000892" cy="295621"/>
+              </a:xfrm>
+              <a:prstGeom prst="rect">
+                <a:avLst/>
+              </a:prstGeom>
+              <a:noFill/>
+              <a:ln w="9525">
+                <a:noFill/>
+                <a:miter lim="800000"/>
+                <a:headEnd/>
+                <a:tailEnd/>
+              </a:ln>
+              <a:effectLst/>
+            </p:spPr>
+          </p:pic>
+        </p:grpSp>
+        <p:pic>
+          <p:nvPicPr>
+            <p:cNvPr id="16" name="Picture 2"/>
+            <p:cNvPicPr>
+              <a:picLocks noChangeAspect="1" noChangeArrowheads="1"/>
+            </p:cNvPicPr>
+            <p:nvPr/>
+          </p:nvPicPr>
+          <p:blipFill>
+            <a:blip r:embed="rId6" cstate="print"/>
+            <a:srcRect l="12051" t="16667" r="5893" b="54167"/>
+            <a:stretch>
+              <a:fillRect/>
+            </a:stretch>
+          </p:blipFill>
+          <p:spPr bwMode="auto">
+            <a:xfrm>
+              <a:off x="3071802" y="33105"/>
+              <a:ext cx="3143274" cy="681251"/>
+            </a:xfrm>
+            <a:prstGeom prst="rect">
+              <a:avLst/>
+            </a:prstGeom>
+            <a:noFill/>
+            <a:ln w="9525">
+              <a:noFill/>
+              <a:miter lim="800000"/>
+              <a:headEnd/>
+              <a:tailEnd/>
+            </a:ln>
+            <a:effectLst/>
+          </p:spPr>
+        </p:pic>
+        <p:pic>
+          <p:nvPicPr>
+            <p:cNvPr id="17" name="Picture 2"/>
+            <p:cNvPicPr>
+              <a:picLocks noChangeAspect="1" noChangeArrowheads="1"/>
+            </p:cNvPicPr>
+            <p:nvPr/>
+          </p:nvPicPr>
+          <p:blipFill>
+            <a:blip r:embed="rId7"/>
+            <a:srcRect l="74285" t="66211" r="2939" b="22997"/>
+            <a:stretch>
+              <a:fillRect/>
+            </a:stretch>
+          </p:blipFill>
+          <p:spPr bwMode="auto">
+            <a:xfrm>
+              <a:off x="6929454" y="142852"/>
+              <a:ext cx="1500166" cy="433410"/>
+            </a:xfrm>
+            <a:prstGeom prst="rect">
+              <a:avLst/>
+            </a:prstGeom>
+            <a:noFill/>
+            <a:ln w="9525">
+              <a:noFill/>
+              <a:miter lim="800000"/>
+              <a:headEnd/>
+              <a:tailEnd/>
+            </a:ln>
+            <a:effectLst/>
+          </p:spPr>
+        </p:pic>
+        <p:cxnSp>
+          <p:nvCxnSpPr>
+            <p:cNvPr id="18" name="Connettore 1 17"/>
+            <p:cNvCxnSpPr/>
+            <p:nvPr/>
+          </p:nvCxnSpPr>
+          <p:spPr>
+            <a:xfrm rot="10800000" flipV="1">
+              <a:off x="796" y="711275"/>
+              <a:ext cx="9143207" cy="3080"/>
+            </a:xfrm>
+            <a:prstGeom prst="line">
+              <a:avLst/>
+            </a:prstGeom>
+            <a:ln>
+              <a:solidFill>
+                <a:schemeClr val="bg1">
+                  <a:lumMod val="50000"/>
+                </a:schemeClr>
+              </a:solidFill>
+            </a:ln>
+          </p:spPr>
+          <p:style>
+            <a:lnRef idx="1">
+              <a:schemeClr val="accent1"/>
+            </a:lnRef>
+            <a:fillRef idx="0">
+              <a:schemeClr val="accent1"/>
+            </a:fillRef>
+            <a:effectRef idx="0">
+              <a:schemeClr val="accent1"/>
+            </a:effectRef>
+            <a:fontRef idx="minor">
+              <a:schemeClr val="tx1"/>
+            </a:fontRef>
+          </p:style>
+        </p:cxnSp>
+      </p:grpSp>
     </p:spTree>
   </p:cSld>
   <p:clrMapOvr>
     <a:masterClrMapping/>
   </p:clrMapOvr>
+  <p:timing>
+    <p:tnLst>
+      <p:par>
+        <p:cTn id="1" dur="indefinite" restart="never" nodeType="tmRoot"/>
+      </p:par>
+    </p:tnLst>
+  </p:timing>
 </p:sld>
 </file>
 
@@ -5472,14 +11863,19 @@
             <p:ph type="title"/>
           </p:nvPr>
         </p:nvSpPr>
-        <p:spPr/>
+        <p:spPr>
+          <a:xfrm>
+            <a:off x="457200" y="720747"/>
+            <a:ext cx="8229600" cy="1143000"/>
+          </a:xfrm>
+        </p:spPr>
         <p:txBody>
           <a:bodyPr/>
           <a:lstStyle/>
           <a:p>
             <a:r>
               <a:rPr lang="it-IT" dirty="0" smtClean="0"/>
-              <a:t>Trasmettitore 3/4</a:t>
+              <a:t>Trasmettitore 2/4</a:t>
             </a:r>
             <a:endParaRPr lang="it-IT" dirty="0"/>
           </a:p>
@@ -5495,7 +11891,12 @@
             <p:ph idx="1"/>
           </p:nvPr>
         </p:nvSpPr>
-        <p:spPr/>
+        <p:spPr>
+          <a:xfrm>
+            <a:off x="457200" y="2046309"/>
+            <a:ext cx="8229600" cy="4525963"/>
+          </a:xfrm>
+        </p:spPr>
         <p:txBody>
           <a:bodyPr/>
           <a:lstStyle/>
@@ -5505,18 +11906,14 @@
             </a:pPr>
             <a:r>
               <a:rPr lang="it-IT" dirty="0" smtClean="0"/>
-              <a:t>Allocazione simboli sulle sottoportanti e creazione campioni </a:t>
-            </a:r>
-            <a:r>
-              <a:rPr lang="it-IT" dirty="0" smtClean="0"/>
-              <a:t>per l’SDR</a:t>
+              <a:t>Codifica informazioni in Simboli</a:t>
             </a:r>
           </a:p>
         </p:txBody>
       </p:sp>
       <p:pic>
         <p:nvPicPr>
-          <p:cNvPr id="3074" name="Picture 2" descr="C:\Users\fiapol\Desktop\tesi\PoorManThesis-master\PoorManThesis-master\images\Tx3.png"/>
+          <p:cNvPr id="2050" name="Picture 2" descr="C:\Users\fiapol\Desktop\tesi\PoorManThesis-master\PoorManThesis-master\images\Tx2.png"/>
           <p:cNvPicPr>
             <a:picLocks noChangeAspect="1" noChangeArrowheads="1"/>
           </p:cNvPicPr>
@@ -5531,8 +11928,8 @@
         </p:blipFill>
         <p:spPr bwMode="auto">
           <a:xfrm>
-            <a:off x="130207" y="3286124"/>
-            <a:ext cx="8942387" cy="1687743"/>
+            <a:off x="161956" y="3589357"/>
+            <a:ext cx="8839200" cy="1619250"/>
           </a:xfrm>
           <a:prstGeom prst="rect">
             <a:avLst/>
@@ -5540,11 +11937,283 @@
           <a:noFill/>
         </p:spPr>
       </p:pic>
+      <p:grpSp>
+        <p:nvGrpSpPr>
+          <p:cNvPr id="14" name="Gruppo 13"/>
+          <p:cNvGrpSpPr/>
+          <p:nvPr/>
+        </p:nvGrpSpPr>
+        <p:grpSpPr>
+          <a:xfrm>
+            <a:off x="796" y="33105"/>
+            <a:ext cx="9143207" cy="681251"/>
+            <a:chOff x="796" y="33105"/>
+            <a:chExt cx="9143207" cy="681251"/>
+          </a:xfrm>
+        </p:grpSpPr>
+        <p:grpSp>
+          <p:nvGrpSpPr>
+            <p:cNvPr id="15" name="Gruppo 7"/>
+            <p:cNvGrpSpPr/>
+            <p:nvPr/>
+          </p:nvGrpSpPr>
+          <p:grpSpPr>
+            <a:xfrm>
+              <a:off x="71406" y="71414"/>
+              <a:ext cx="3071864" cy="567375"/>
+              <a:chOff x="0" y="0"/>
+              <a:chExt cx="8715404" cy="1609736"/>
+            </a:xfrm>
+          </p:grpSpPr>
+          <p:pic>
+            <p:nvPicPr>
+              <p:cNvPr id="19" name="Picture 3"/>
+              <p:cNvPicPr>
+                <a:picLocks noChangeAspect="1" noChangeArrowheads="1"/>
+              </p:cNvPicPr>
+              <p:nvPr/>
+            </p:nvPicPr>
+            <p:blipFill>
+              <a:blip r:embed="rId3" cstate="print"/>
+              <a:srcRect l="45509" t="4944" r="39530" b="69980"/>
+              <a:stretch>
+                <a:fillRect/>
+              </a:stretch>
+            </p:blipFill>
+            <p:spPr bwMode="auto">
+              <a:xfrm>
+                <a:off x="0" y="0"/>
+                <a:ext cx="1857388" cy="1609736"/>
+              </a:xfrm>
+              <a:prstGeom prst="rect">
+                <a:avLst/>
+              </a:prstGeom>
+              <a:noFill/>
+              <a:ln w="9525">
+                <a:noFill/>
+                <a:miter lim="800000"/>
+                <a:headEnd/>
+                <a:tailEnd/>
+              </a:ln>
+              <a:effectLst/>
+            </p:spPr>
+          </p:pic>
+          <p:pic>
+            <p:nvPicPr>
+              <p:cNvPr id="20" name="Picture 4"/>
+              <p:cNvPicPr>
+                <a:picLocks noChangeAspect="1" noChangeArrowheads="1"/>
+              </p:cNvPicPr>
+              <p:nvPr/>
+            </p:nvPicPr>
+            <p:blipFill>
+              <a:blip r:embed="rId4" cstate="print"/>
+              <a:srcRect l="16687" t="64901" r="11001" b="28126"/>
+              <a:stretch>
+                <a:fillRect/>
+              </a:stretch>
+            </p:blipFill>
+            <p:spPr bwMode="auto">
+              <a:xfrm>
+                <a:off x="1714512" y="671173"/>
+                <a:ext cx="7000892" cy="357190"/>
+              </a:xfrm>
+              <a:prstGeom prst="rect">
+                <a:avLst/>
+              </a:prstGeom>
+              <a:noFill/>
+              <a:ln w="9525">
+                <a:noFill/>
+                <a:miter lim="800000"/>
+                <a:headEnd/>
+                <a:tailEnd/>
+              </a:ln>
+              <a:effectLst/>
+            </p:spPr>
+          </p:pic>
+          <p:pic>
+            <p:nvPicPr>
+              <p:cNvPr id="21" name="Picture 3"/>
+              <p:cNvPicPr>
+                <a:picLocks noChangeAspect="1" noChangeArrowheads="1"/>
+              </p:cNvPicPr>
+              <p:nvPr/>
+            </p:nvPicPr>
+            <p:blipFill>
+              <a:blip r:embed="rId5" cstate="print"/>
+              <a:srcRect l="28553" t="28091" r="22574" b="62426"/>
+              <a:stretch>
+                <a:fillRect/>
+              </a:stretch>
+            </p:blipFill>
+            <p:spPr bwMode="auto">
+              <a:xfrm>
+                <a:off x="3071802" y="99669"/>
+                <a:ext cx="4272064" cy="428628"/>
+              </a:xfrm>
+              <a:prstGeom prst="rect">
+                <a:avLst/>
+              </a:prstGeom>
+              <a:noFill/>
+              <a:ln w="9525">
+                <a:noFill/>
+                <a:miter lim="800000"/>
+                <a:headEnd/>
+                <a:tailEnd/>
+              </a:ln>
+              <a:effectLst/>
+            </p:spPr>
+          </p:pic>
+          <p:pic>
+            <p:nvPicPr>
+              <p:cNvPr id="22" name="Picture 4"/>
+              <p:cNvPicPr>
+                <a:picLocks noChangeAspect="1" noChangeArrowheads="1"/>
+              </p:cNvPicPr>
+              <p:nvPr/>
+            </p:nvPicPr>
+            <p:blipFill>
+              <a:blip r:embed="rId4" cstate="print"/>
+              <a:srcRect l="16687" t="80243" r="11001" b="13986"/>
+              <a:stretch>
+                <a:fillRect/>
+              </a:stretch>
+            </p:blipFill>
+            <p:spPr bwMode="auto">
+              <a:xfrm>
+                <a:off x="1714512" y="1028363"/>
+                <a:ext cx="7000892" cy="295621"/>
+              </a:xfrm>
+              <a:prstGeom prst="rect">
+                <a:avLst/>
+              </a:prstGeom>
+              <a:noFill/>
+              <a:ln w="9525">
+                <a:noFill/>
+                <a:miter lim="800000"/>
+                <a:headEnd/>
+                <a:tailEnd/>
+              </a:ln>
+              <a:effectLst/>
+            </p:spPr>
+          </p:pic>
+        </p:grpSp>
+        <p:pic>
+          <p:nvPicPr>
+            <p:cNvPr id="16" name="Picture 2"/>
+            <p:cNvPicPr>
+              <a:picLocks noChangeAspect="1" noChangeArrowheads="1"/>
+            </p:cNvPicPr>
+            <p:nvPr/>
+          </p:nvPicPr>
+          <p:blipFill>
+            <a:blip r:embed="rId6" cstate="print"/>
+            <a:srcRect l="12051" t="16667" r="5893" b="54167"/>
+            <a:stretch>
+              <a:fillRect/>
+            </a:stretch>
+          </p:blipFill>
+          <p:spPr bwMode="auto">
+            <a:xfrm>
+              <a:off x="3071802" y="33105"/>
+              <a:ext cx="3143274" cy="681251"/>
+            </a:xfrm>
+            <a:prstGeom prst="rect">
+              <a:avLst/>
+            </a:prstGeom>
+            <a:noFill/>
+            <a:ln w="9525">
+              <a:noFill/>
+              <a:miter lim="800000"/>
+              <a:headEnd/>
+              <a:tailEnd/>
+            </a:ln>
+            <a:effectLst/>
+          </p:spPr>
+        </p:pic>
+        <p:pic>
+          <p:nvPicPr>
+            <p:cNvPr id="17" name="Picture 2"/>
+            <p:cNvPicPr>
+              <a:picLocks noChangeAspect="1" noChangeArrowheads="1"/>
+            </p:cNvPicPr>
+            <p:nvPr/>
+          </p:nvPicPr>
+          <p:blipFill>
+            <a:blip r:embed="rId7"/>
+            <a:srcRect l="74285" t="66211" r="2939" b="22997"/>
+            <a:stretch>
+              <a:fillRect/>
+            </a:stretch>
+          </p:blipFill>
+          <p:spPr bwMode="auto">
+            <a:xfrm>
+              <a:off x="6929454" y="142852"/>
+              <a:ext cx="1500166" cy="433410"/>
+            </a:xfrm>
+            <a:prstGeom prst="rect">
+              <a:avLst/>
+            </a:prstGeom>
+            <a:noFill/>
+            <a:ln w="9525">
+              <a:noFill/>
+              <a:miter lim="800000"/>
+              <a:headEnd/>
+              <a:tailEnd/>
+            </a:ln>
+            <a:effectLst/>
+          </p:spPr>
+        </p:pic>
+        <p:cxnSp>
+          <p:nvCxnSpPr>
+            <p:cNvPr id="18" name="Connettore 1 17"/>
+            <p:cNvCxnSpPr/>
+            <p:nvPr/>
+          </p:nvCxnSpPr>
+          <p:spPr>
+            <a:xfrm rot="10800000" flipV="1">
+              <a:off x="796" y="711275"/>
+              <a:ext cx="9143207" cy="3080"/>
+            </a:xfrm>
+            <a:prstGeom prst="line">
+              <a:avLst/>
+            </a:prstGeom>
+            <a:ln>
+              <a:solidFill>
+                <a:schemeClr val="bg1">
+                  <a:lumMod val="50000"/>
+                </a:schemeClr>
+              </a:solidFill>
+            </a:ln>
+          </p:spPr>
+          <p:style>
+            <a:lnRef idx="1">
+              <a:schemeClr val="accent1"/>
+            </a:lnRef>
+            <a:fillRef idx="0">
+              <a:schemeClr val="accent1"/>
+            </a:fillRef>
+            <a:effectRef idx="0">
+              <a:schemeClr val="accent1"/>
+            </a:effectRef>
+            <a:fontRef idx="minor">
+              <a:schemeClr val="tx1"/>
+            </a:fontRef>
+          </p:style>
+        </p:cxnSp>
+      </p:grpSp>
     </p:spTree>
   </p:cSld>
   <p:clrMapOvr>
     <a:masterClrMapping/>
   </p:clrMapOvr>
+  <p:timing>
+    <p:tnLst>
+      <p:par>
+        <p:cTn id="1" dur="indefinite" restart="never" nodeType="tmRoot"/>
+      </p:par>
+    </p:tnLst>
+  </p:timing>
 </p:sld>
 </file>
 
@@ -5829,4 +12498,570 @@
   <a:objectDefaults/>
   <a:extraClrSchemeLst/>
 </a:theme>
+</file>
+
+<file path=ppt/theme/theme2.xml><?xml version="1.0" encoding="utf-8"?>
+<a:theme xmlns:a="http://schemas.openxmlformats.org/drawingml/2006/main" name="Tema di Office">
+  <a:themeElements>
+    <a:clrScheme name="Office">
+      <a:dk1>
+        <a:sysClr val="windowText" lastClr="000000"/>
+      </a:dk1>
+      <a:lt1>
+        <a:sysClr val="window" lastClr="FFFFFF"/>
+      </a:lt1>
+      <a:dk2>
+        <a:srgbClr val="1F497D"/>
+      </a:dk2>
+      <a:lt2>
+        <a:srgbClr val="EEECE1"/>
+      </a:lt2>
+      <a:accent1>
+        <a:srgbClr val="4F81BD"/>
+      </a:accent1>
+      <a:accent2>
+        <a:srgbClr val="C0504D"/>
+      </a:accent2>
+      <a:accent3>
+        <a:srgbClr val="9BBB59"/>
+      </a:accent3>
+      <a:accent4>
+        <a:srgbClr val="8064A2"/>
+      </a:accent4>
+      <a:accent5>
+        <a:srgbClr val="4BACC6"/>
+      </a:accent5>
+      <a:accent6>
+        <a:srgbClr val="F79646"/>
+      </a:accent6>
+      <a:hlink>
+        <a:srgbClr val="0000FF"/>
+      </a:hlink>
+      <a:folHlink>
+        <a:srgbClr val="800080"/>
+      </a:folHlink>
+    </a:clrScheme>
+    <a:fontScheme name="Office">
+      <a:majorFont>
+        <a:latin typeface="Calibri"/>
+        <a:ea typeface=""/>
+        <a:cs typeface=""/>
+        <a:font script="Jpan" typeface="ＭＳ Ｐゴシック"/>
+        <a:font script="Hang" typeface="맑은 고딕"/>
+        <a:font script="Hans" typeface="宋体"/>
+        <a:font script="Hant" typeface="新細明體"/>
+        <a:font script="Arab" typeface="Times New Roman"/>
+        <a:font script="Hebr" typeface="Times New Roman"/>
+        <a:font script="Thai" typeface="Angsana New"/>
+        <a:font script="Ethi" typeface="Nyala"/>
+        <a:font script="Beng" typeface="Vrinda"/>
+        <a:font script="Gujr" typeface="Shruti"/>
+        <a:font script="Khmr" typeface="MoolBoran"/>
+        <a:font script="Knda" typeface="Tunga"/>
+        <a:font script="Guru" typeface="Raavi"/>
+        <a:font script="Cans" typeface="Euphemia"/>
+        <a:font script="Cher" typeface="Plantagenet Cherokee"/>
+        <a:font script="Yiii" typeface="Microsoft Yi Baiti"/>
+        <a:font script="Tibt" typeface="Microsoft Himalaya"/>
+        <a:font script="Thaa" typeface="MV Boli"/>
+        <a:font script="Deva" typeface="Mangal"/>
+        <a:font script="Telu" typeface="Gautami"/>
+        <a:font script="Taml" typeface="Latha"/>
+        <a:font script="Syrc" typeface="Estrangelo Edessa"/>
+        <a:font script="Orya" typeface="Kalinga"/>
+        <a:font script="Mlym" typeface="Kartika"/>
+        <a:font script="Laoo" typeface="DokChampa"/>
+        <a:font script="Sinh" typeface="Iskoola Pota"/>
+        <a:font script="Mong" typeface="Mongolian Baiti"/>
+        <a:font script="Viet" typeface="Times New Roman"/>
+        <a:font script="Uigh" typeface="Microsoft Uighur"/>
+      </a:majorFont>
+      <a:minorFont>
+        <a:latin typeface="Calibri"/>
+        <a:ea typeface=""/>
+        <a:cs typeface=""/>
+        <a:font script="Jpan" typeface="ＭＳ Ｐゴシック"/>
+        <a:font script="Hang" typeface="맑은 고딕"/>
+        <a:font script="Hans" typeface="宋体"/>
+        <a:font script="Hant" typeface="新細明體"/>
+        <a:font script="Arab" typeface="Arial"/>
+        <a:font script="Hebr" typeface="Arial"/>
+        <a:font script="Thai" typeface="Cordia New"/>
+        <a:font script="Ethi" typeface="Nyala"/>
+        <a:font script="Beng" typeface="Vrinda"/>
+        <a:font script="Gujr" typeface="Shruti"/>
+        <a:font script="Khmr" typeface="DaunPenh"/>
+        <a:font script="Knda" typeface="Tunga"/>
+        <a:font script="Guru" typeface="Raavi"/>
+        <a:font script="Cans" typeface="Euphemia"/>
+        <a:font script="Cher" typeface="Plantagenet Cherokee"/>
+        <a:font script="Yiii" typeface="Microsoft Yi Baiti"/>
+        <a:font script="Tibt" typeface="Microsoft Himalaya"/>
+        <a:font script="Thaa" typeface="MV Boli"/>
+        <a:font script="Deva" typeface="Mangal"/>
+        <a:font script="Telu" typeface="Gautami"/>
+        <a:font script="Taml" typeface="Latha"/>
+        <a:font script="Syrc" typeface="Estrangelo Edessa"/>
+        <a:font script="Orya" typeface="Kalinga"/>
+        <a:font script="Mlym" typeface="Kartika"/>
+        <a:font script="Laoo" typeface="DokChampa"/>
+        <a:font script="Sinh" typeface="Iskoola Pota"/>
+        <a:font script="Mong" typeface="Mongolian Baiti"/>
+        <a:font script="Viet" typeface="Arial"/>
+        <a:font script="Uigh" typeface="Microsoft Uighur"/>
+      </a:minorFont>
+    </a:fontScheme>
+    <a:fmtScheme name="Office">
+      <a:fillStyleLst>
+        <a:solidFill>
+          <a:schemeClr val="phClr"/>
+        </a:solidFill>
+        <a:gradFill rotWithShape="1">
+          <a:gsLst>
+            <a:gs pos="0">
+              <a:schemeClr val="phClr">
+                <a:tint val="50000"/>
+                <a:satMod val="300000"/>
+              </a:schemeClr>
+            </a:gs>
+            <a:gs pos="35000">
+              <a:schemeClr val="phClr">
+                <a:tint val="37000"/>
+                <a:satMod val="300000"/>
+              </a:schemeClr>
+            </a:gs>
+            <a:gs pos="100000">
+              <a:schemeClr val="phClr">
+                <a:tint val="15000"/>
+                <a:satMod val="350000"/>
+              </a:schemeClr>
+            </a:gs>
+          </a:gsLst>
+          <a:lin ang="16200000" scaled="1"/>
+        </a:gradFill>
+        <a:gradFill rotWithShape="1">
+          <a:gsLst>
+            <a:gs pos="0">
+              <a:schemeClr val="phClr">
+                <a:shade val="51000"/>
+                <a:satMod val="130000"/>
+              </a:schemeClr>
+            </a:gs>
+            <a:gs pos="80000">
+              <a:schemeClr val="phClr">
+                <a:shade val="93000"/>
+                <a:satMod val="130000"/>
+              </a:schemeClr>
+            </a:gs>
+            <a:gs pos="100000">
+              <a:schemeClr val="phClr">
+                <a:shade val="94000"/>
+                <a:satMod val="135000"/>
+              </a:schemeClr>
+            </a:gs>
+          </a:gsLst>
+          <a:lin ang="16200000" scaled="0"/>
+        </a:gradFill>
+      </a:fillStyleLst>
+      <a:lnStyleLst>
+        <a:ln w="9525" cap="flat" cmpd="sng" algn="ctr">
+          <a:solidFill>
+            <a:schemeClr val="phClr">
+              <a:shade val="95000"/>
+              <a:satMod val="105000"/>
+            </a:schemeClr>
+          </a:solidFill>
+          <a:prstDash val="solid"/>
+        </a:ln>
+        <a:ln w="25400" cap="flat" cmpd="sng" algn="ctr">
+          <a:solidFill>
+            <a:schemeClr val="phClr"/>
+          </a:solidFill>
+          <a:prstDash val="solid"/>
+        </a:ln>
+        <a:ln w="38100" cap="flat" cmpd="sng" algn="ctr">
+          <a:solidFill>
+            <a:schemeClr val="phClr"/>
+          </a:solidFill>
+          <a:prstDash val="solid"/>
+        </a:ln>
+      </a:lnStyleLst>
+      <a:effectStyleLst>
+        <a:effectStyle>
+          <a:effectLst>
+            <a:outerShdw blurRad="40000" dist="20000" dir="5400000" rotWithShape="0">
+              <a:srgbClr val="000000">
+                <a:alpha val="38000"/>
+              </a:srgbClr>
+            </a:outerShdw>
+          </a:effectLst>
+        </a:effectStyle>
+        <a:effectStyle>
+          <a:effectLst>
+            <a:outerShdw blurRad="40000" dist="23000" dir="5400000" rotWithShape="0">
+              <a:srgbClr val="000000">
+                <a:alpha val="35000"/>
+              </a:srgbClr>
+            </a:outerShdw>
+          </a:effectLst>
+        </a:effectStyle>
+        <a:effectStyle>
+          <a:effectLst>
+            <a:outerShdw blurRad="40000" dist="23000" dir="5400000" rotWithShape="0">
+              <a:srgbClr val="000000">
+                <a:alpha val="35000"/>
+              </a:srgbClr>
+            </a:outerShdw>
+          </a:effectLst>
+          <a:scene3d>
+            <a:camera prst="orthographicFront">
+              <a:rot lat="0" lon="0" rev="0"/>
+            </a:camera>
+            <a:lightRig rig="threePt" dir="t">
+              <a:rot lat="0" lon="0" rev="1200000"/>
+            </a:lightRig>
+          </a:scene3d>
+          <a:sp3d>
+            <a:bevelT w="63500" h="25400"/>
+          </a:sp3d>
+        </a:effectStyle>
+      </a:effectStyleLst>
+      <a:bgFillStyleLst>
+        <a:solidFill>
+          <a:schemeClr val="phClr"/>
+        </a:solidFill>
+        <a:gradFill rotWithShape="1">
+          <a:gsLst>
+            <a:gs pos="0">
+              <a:schemeClr val="phClr">
+                <a:tint val="40000"/>
+                <a:satMod val="350000"/>
+              </a:schemeClr>
+            </a:gs>
+            <a:gs pos="40000">
+              <a:schemeClr val="phClr">
+                <a:tint val="45000"/>
+                <a:shade val="99000"/>
+                <a:satMod val="350000"/>
+              </a:schemeClr>
+            </a:gs>
+            <a:gs pos="100000">
+              <a:schemeClr val="phClr">
+                <a:shade val="20000"/>
+                <a:satMod val="255000"/>
+              </a:schemeClr>
+            </a:gs>
+          </a:gsLst>
+          <a:path path="circle">
+            <a:fillToRect l="50000" t="-80000" r="50000" b="180000"/>
+          </a:path>
+        </a:gradFill>
+        <a:gradFill rotWithShape="1">
+          <a:gsLst>
+            <a:gs pos="0">
+              <a:schemeClr val="phClr">
+                <a:tint val="80000"/>
+                <a:satMod val="300000"/>
+              </a:schemeClr>
+            </a:gs>
+            <a:gs pos="100000">
+              <a:schemeClr val="phClr">
+                <a:shade val="30000"/>
+                <a:satMod val="200000"/>
+              </a:schemeClr>
+            </a:gs>
+          </a:gsLst>
+          <a:path path="circle">
+            <a:fillToRect l="50000" t="50000" r="50000" b="50000"/>
+          </a:path>
+        </a:gradFill>
+      </a:bgFillStyleLst>
+    </a:fmtScheme>
+  </a:themeElements>
+  <a:objectDefaults/>
+  <a:extraClrSchemeLst/>
+</a:theme>
+</file>
+
+<file path=ppt/theme/theme3.xml><?xml version="1.0" encoding="utf-8"?>
+<a:theme xmlns:a="http://schemas.openxmlformats.org/drawingml/2006/main" name="Tema di Office">
+  <a:themeElements>
+    <a:clrScheme name="Office">
+      <a:dk1>
+        <a:sysClr val="windowText" lastClr="000000"/>
+      </a:dk1>
+      <a:lt1>
+        <a:sysClr val="window" lastClr="FFFFFF"/>
+      </a:lt1>
+      <a:dk2>
+        <a:srgbClr val="1F497D"/>
+      </a:dk2>
+      <a:lt2>
+        <a:srgbClr val="EEECE1"/>
+      </a:lt2>
+      <a:accent1>
+        <a:srgbClr val="4F81BD"/>
+      </a:accent1>
+      <a:accent2>
+        <a:srgbClr val="C0504D"/>
+      </a:accent2>
+      <a:accent3>
+        <a:srgbClr val="9BBB59"/>
+      </a:accent3>
+      <a:accent4>
+        <a:srgbClr val="8064A2"/>
+      </a:accent4>
+      <a:accent5>
+        <a:srgbClr val="4BACC6"/>
+      </a:accent5>
+      <a:accent6>
+        <a:srgbClr val="F79646"/>
+      </a:accent6>
+      <a:hlink>
+        <a:srgbClr val="0000FF"/>
+      </a:hlink>
+      <a:folHlink>
+        <a:srgbClr val="800080"/>
+      </a:folHlink>
+    </a:clrScheme>
+    <a:fontScheme name="Office">
+      <a:majorFont>
+        <a:latin typeface="Calibri"/>
+        <a:ea typeface=""/>
+        <a:cs typeface=""/>
+        <a:font script="Jpan" typeface="ＭＳ Ｐゴシック"/>
+        <a:font script="Hang" typeface="맑은 고딕"/>
+        <a:font script="Hans" typeface="宋体"/>
+        <a:font script="Hant" typeface="新細明體"/>
+        <a:font script="Arab" typeface="Times New Roman"/>
+        <a:font script="Hebr" typeface="Times New Roman"/>
+        <a:font script="Thai" typeface="Angsana New"/>
+        <a:font script="Ethi" typeface="Nyala"/>
+        <a:font script="Beng" typeface="Vrinda"/>
+        <a:font script="Gujr" typeface="Shruti"/>
+        <a:font script="Khmr" typeface="MoolBoran"/>
+        <a:font script="Knda" typeface="Tunga"/>
+        <a:font script="Guru" typeface="Raavi"/>
+        <a:font script="Cans" typeface="Euphemia"/>
+        <a:font script="Cher" typeface="Plantagenet Cherokee"/>
+        <a:font script="Yiii" typeface="Microsoft Yi Baiti"/>
+        <a:font script="Tibt" typeface="Microsoft Himalaya"/>
+        <a:font script="Thaa" typeface="MV Boli"/>
+        <a:font script="Deva" typeface="Mangal"/>
+        <a:font script="Telu" typeface="Gautami"/>
+        <a:font script="Taml" typeface="Latha"/>
+        <a:font script="Syrc" typeface="Estrangelo Edessa"/>
+        <a:font script="Orya" typeface="Kalinga"/>
+        <a:font script="Mlym" typeface="Kartika"/>
+        <a:font script="Laoo" typeface="DokChampa"/>
+        <a:font script="Sinh" typeface="Iskoola Pota"/>
+        <a:font script="Mong" typeface="Mongolian Baiti"/>
+        <a:font script="Viet" typeface="Times New Roman"/>
+        <a:font script="Uigh" typeface="Microsoft Uighur"/>
+      </a:majorFont>
+      <a:minorFont>
+        <a:latin typeface="Calibri"/>
+        <a:ea typeface=""/>
+        <a:cs typeface=""/>
+        <a:font script="Jpan" typeface="ＭＳ Ｐゴシック"/>
+        <a:font script="Hang" typeface="맑은 고딕"/>
+        <a:font script="Hans" typeface="宋体"/>
+        <a:font script="Hant" typeface="新細明體"/>
+        <a:font script="Arab" typeface="Arial"/>
+        <a:font script="Hebr" typeface="Arial"/>
+        <a:font script="Thai" typeface="Cordia New"/>
+        <a:font script="Ethi" typeface="Nyala"/>
+        <a:font script="Beng" typeface="Vrinda"/>
+        <a:font script="Gujr" typeface="Shruti"/>
+        <a:font script="Khmr" typeface="DaunPenh"/>
+        <a:font script="Knda" typeface="Tunga"/>
+        <a:font script="Guru" typeface="Raavi"/>
+        <a:font script="Cans" typeface="Euphemia"/>
+        <a:font script="Cher" typeface="Plantagenet Cherokee"/>
+        <a:font script="Yiii" typeface="Microsoft Yi Baiti"/>
+        <a:font script="Tibt" typeface="Microsoft Himalaya"/>
+        <a:font script="Thaa" typeface="MV Boli"/>
+        <a:font script="Deva" typeface="Mangal"/>
+        <a:font script="Telu" typeface="Gautami"/>
+        <a:font script="Taml" typeface="Latha"/>
+        <a:font script="Syrc" typeface="Estrangelo Edessa"/>
+        <a:font script="Orya" typeface="Kalinga"/>
+        <a:font script="Mlym" typeface="Kartika"/>
+        <a:font script="Laoo" typeface="DokChampa"/>
+        <a:font script="Sinh" typeface="Iskoola Pota"/>
+        <a:font script="Mong" typeface="Mongolian Baiti"/>
+        <a:font script="Viet" typeface="Arial"/>
+        <a:font script="Uigh" typeface="Microsoft Uighur"/>
+      </a:minorFont>
+    </a:fontScheme>
+    <a:fmtScheme name="Office">
+      <a:fillStyleLst>
+        <a:solidFill>
+          <a:schemeClr val="phClr"/>
+        </a:solidFill>
+        <a:gradFill rotWithShape="1">
+          <a:gsLst>
+            <a:gs pos="0">
+              <a:schemeClr val="phClr">
+                <a:tint val="50000"/>
+                <a:satMod val="300000"/>
+              </a:schemeClr>
+            </a:gs>
+            <a:gs pos="35000">
+              <a:schemeClr val="phClr">
+                <a:tint val="37000"/>
+                <a:satMod val="300000"/>
+              </a:schemeClr>
+            </a:gs>
+            <a:gs pos="100000">
+              <a:schemeClr val="phClr">
+                <a:tint val="15000"/>
+                <a:satMod val="350000"/>
+              </a:schemeClr>
+            </a:gs>
+          </a:gsLst>
+          <a:lin ang="16200000" scaled="1"/>
+        </a:gradFill>
+        <a:gradFill rotWithShape="1">
+          <a:gsLst>
+            <a:gs pos="0">
+              <a:schemeClr val="phClr">
+                <a:shade val="51000"/>
+                <a:satMod val="130000"/>
+              </a:schemeClr>
+            </a:gs>
+            <a:gs pos="80000">
+              <a:schemeClr val="phClr">
+                <a:shade val="93000"/>
+                <a:satMod val="130000"/>
+              </a:schemeClr>
+            </a:gs>
+            <a:gs pos="100000">
+              <a:schemeClr val="phClr">
+                <a:shade val="94000"/>
+                <a:satMod val="135000"/>
+              </a:schemeClr>
+            </a:gs>
+          </a:gsLst>
+          <a:lin ang="16200000" scaled="0"/>
+        </a:gradFill>
+      </a:fillStyleLst>
+      <a:lnStyleLst>
+        <a:ln w="9525" cap="flat" cmpd="sng" algn="ctr">
+          <a:solidFill>
+            <a:schemeClr val="phClr">
+              <a:shade val="95000"/>
+              <a:satMod val="105000"/>
+            </a:schemeClr>
+          </a:solidFill>
+          <a:prstDash val="solid"/>
+        </a:ln>
+        <a:ln w="25400" cap="flat" cmpd="sng" algn="ctr">
+          <a:solidFill>
+            <a:schemeClr val="phClr"/>
+          </a:solidFill>
+          <a:prstDash val="solid"/>
+        </a:ln>
+        <a:ln w="38100" cap="flat" cmpd="sng" algn="ctr">
+          <a:solidFill>
+            <a:schemeClr val="phClr"/>
+          </a:solidFill>
+          <a:prstDash val="solid"/>
+        </a:ln>
+      </a:lnStyleLst>
+      <a:effectStyleLst>
+        <a:effectStyle>
+          <a:effectLst>
+            <a:outerShdw blurRad="40000" dist="20000" dir="5400000" rotWithShape="0">
+              <a:srgbClr val="000000">
+                <a:alpha val="38000"/>
+              </a:srgbClr>
+            </a:outerShdw>
+          </a:effectLst>
+        </a:effectStyle>
+        <a:effectStyle>
+          <a:effectLst>
+            <a:outerShdw blurRad="40000" dist="23000" dir="5400000" rotWithShape="0">
+              <a:srgbClr val="000000">
+                <a:alpha val="35000"/>
+              </a:srgbClr>
+            </a:outerShdw>
+          </a:effectLst>
+        </a:effectStyle>
+        <a:effectStyle>
+          <a:effectLst>
+            <a:outerShdw blurRad="40000" dist="23000" dir="5400000" rotWithShape="0">
+              <a:srgbClr val="000000">
+                <a:alpha val="35000"/>
+              </a:srgbClr>
+            </a:outerShdw>
+          </a:effectLst>
+          <a:scene3d>
+            <a:camera prst="orthographicFront">
+              <a:rot lat="0" lon="0" rev="0"/>
+            </a:camera>
+            <a:lightRig rig="threePt" dir="t">
+              <a:rot lat="0" lon="0" rev="1200000"/>
+            </a:lightRig>
+          </a:scene3d>
+          <a:sp3d>
+            <a:bevelT w="63500" h="25400"/>
+          </a:sp3d>
+        </a:effectStyle>
+      </a:effectStyleLst>
+      <a:bgFillStyleLst>
+        <a:solidFill>
+          <a:schemeClr val="phClr"/>
+        </a:solidFill>
+        <a:gradFill rotWithShape="1">
+          <a:gsLst>
+            <a:gs pos="0">
+              <a:schemeClr val="phClr">
+                <a:tint val="40000"/>
+                <a:satMod val="350000"/>
+              </a:schemeClr>
+            </a:gs>
+            <a:gs pos="40000">
+              <a:schemeClr val="phClr">
+                <a:tint val="45000"/>
+                <a:shade val="99000"/>
+                <a:satMod val="350000"/>
+              </a:schemeClr>
+            </a:gs>
+            <a:gs pos="100000">
+              <a:schemeClr val="phClr">
+                <a:shade val="20000"/>
+                <a:satMod val="255000"/>
+              </a:schemeClr>
+            </a:gs>
+          </a:gsLst>
+          <a:path path="circle">
+            <a:fillToRect l="50000" t="-80000" r="50000" b="180000"/>
+          </a:path>
+        </a:gradFill>
+        <a:gradFill rotWithShape="1">
+          <a:gsLst>
+            <a:gs pos="0">
+              <a:schemeClr val="phClr">
+                <a:tint val="80000"/>
+                <a:satMod val="300000"/>
+              </a:schemeClr>
+            </a:gs>
+            <a:gs pos="100000">
+              <a:schemeClr val="phClr">
+                <a:shade val="30000"/>
+                <a:satMod val="200000"/>
+              </a:schemeClr>
+            </a:gs>
+          </a:gsLst>
+          <a:path path="circle">
+            <a:fillToRect l="50000" t="50000" r="50000" b="50000"/>
+          </a:path>
+        </a:gradFill>
+      </a:bgFillStyleLst>
+    </a:fmtScheme>
+  </a:themeElements>
+  <a:objectDefaults/>
+  <a:extraClrSchemeLst/>
+</a:theme>
 </file>
--- a/presentazione/Andrea_Filippi_presentazione.pptx
+++ b/presentazione/Andrea_Filippi_presentazione.pptx
@@ -5,34 +5,32 @@
     <p:sldMasterId id="2147483648" r:id="rId1"/>
   </p:sldMasterIdLst>
   <p:notesMasterIdLst>
-    <p:notesMasterId r:id="rId24"/>
+    <p:notesMasterId r:id="rId22"/>
   </p:notesMasterIdLst>
   <p:handoutMasterIdLst>
-    <p:handoutMasterId r:id="rId25"/>
+    <p:handoutMasterId r:id="rId23"/>
   </p:handoutMasterIdLst>
   <p:sldIdLst>
     <p:sldId id="257" r:id="rId2"/>
     <p:sldId id="258" r:id="rId3"/>
     <p:sldId id="276" r:id="rId4"/>
-    <p:sldId id="259" r:id="rId5"/>
-    <p:sldId id="279" r:id="rId6"/>
-    <p:sldId id="260" r:id="rId7"/>
-    <p:sldId id="261" r:id="rId8"/>
-    <p:sldId id="262" r:id="rId9"/>
-    <p:sldId id="263" r:id="rId10"/>
-    <p:sldId id="264" r:id="rId11"/>
-    <p:sldId id="265" r:id="rId12"/>
-    <p:sldId id="266" r:id="rId13"/>
-    <p:sldId id="267" r:id="rId14"/>
-    <p:sldId id="268" r:id="rId15"/>
-    <p:sldId id="270" r:id="rId16"/>
-    <p:sldId id="277" r:id="rId17"/>
-    <p:sldId id="271" r:id="rId18"/>
-    <p:sldId id="273" r:id="rId19"/>
-    <p:sldId id="274" r:id="rId20"/>
-    <p:sldId id="275" r:id="rId21"/>
-    <p:sldId id="272" r:id="rId22"/>
-    <p:sldId id="278" r:id="rId23"/>
+    <p:sldId id="260" r:id="rId5"/>
+    <p:sldId id="280" r:id="rId6"/>
+    <p:sldId id="261" r:id="rId7"/>
+    <p:sldId id="262" r:id="rId8"/>
+    <p:sldId id="259" r:id="rId9"/>
+    <p:sldId id="264" r:id="rId10"/>
+    <p:sldId id="279" r:id="rId11"/>
+    <p:sldId id="266" r:id="rId12"/>
+    <p:sldId id="267" r:id="rId13"/>
+    <p:sldId id="270" r:id="rId14"/>
+    <p:sldId id="277" r:id="rId15"/>
+    <p:sldId id="271" r:id="rId16"/>
+    <p:sldId id="273" r:id="rId17"/>
+    <p:sldId id="274" r:id="rId18"/>
+    <p:sldId id="275" r:id="rId19"/>
+    <p:sldId id="272" r:id="rId20"/>
+    <p:sldId id="278" r:id="rId21"/>
   </p:sldIdLst>
   <p:sldSz cx="9144000" cy="6858000" type="screen4x3"/>
   <p:notesSz cx="6858000" cy="9144000"/>
@@ -221,7 +219,7 @@
             <a:fld id="{1241E074-2FD2-4C27-9E2D-186E87302046}" type="datetimeFigureOut">
               <a:rPr lang="it-IT" smtClean="0"/>
               <a:pPr/>
-              <a:t>03/10/2018</a:t>
+              <a:t>04/10/2018</a:t>
             </a:fld>
             <a:endParaRPr lang="it-IT"/>
           </a:p>
@@ -388,7 +386,7 @@
             <a:fld id="{B97B50AB-66F7-4003-9F4E-503B6C387402}" type="datetimeFigureOut">
               <a:rPr lang="it-IT" smtClean="0"/>
               <a:pPr/>
-              <a:t>03/10/2018</a:t>
+              <a:t>04/10/2018</a:t>
             </a:fld>
             <a:endParaRPr lang="it-IT"/>
           </a:p>
@@ -895,7 +893,7 @@
             <a:fld id="{D25BB3CF-9E66-4877-B644-C586699910B7}" type="datetimeFigureOut">
               <a:rPr lang="it-IT" smtClean="0"/>
               <a:pPr/>
-              <a:t>03/10/2018</a:t>
+              <a:t>04/10/2018</a:t>
             </a:fld>
             <a:endParaRPr lang="it-IT"/>
           </a:p>
@@ -1062,7 +1060,7 @@
             <a:fld id="{D25BB3CF-9E66-4877-B644-C586699910B7}" type="datetimeFigureOut">
               <a:rPr lang="it-IT" smtClean="0"/>
               <a:pPr/>
-              <a:t>03/10/2018</a:t>
+              <a:t>04/10/2018</a:t>
             </a:fld>
             <a:endParaRPr lang="it-IT"/>
           </a:p>
@@ -1239,7 +1237,7 @@
             <a:fld id="{D25BB3CF-9E66-4877-B644-C586699910B7}" type="datetimeFigureOut">
               <a:rPr lang="it-IT" smtClean="0"/>
               <a:pPr/>
-              <a:t>03/10/2018</a:t>
+              <a:t>04/10/2018</a:t>
             </a:fld>
             <a:endParaRPr lang="it-IT"/>
           </a:p>
@@ -1406,7 +1404,7 @@
             <a:fld id="{D25BB3CF-9E66-4877-B644-C586699910B7}" type="datetimeFigureOut">
               <a:rPr lang="it-IT" smtClean="0"/>
               <a:pPr/>
-              <a:t>03/10/2018</a:t>
+              <a:t>04/10/2018</a:t>
             </a:fld>
             <a:endParaRPr lang="it-IT"/>
           </a:p>
@@ -1649,7 +1647,7 @@
             <a:fld id="{D25BB3CF-9E66-4877-B644-C586699910B7}" type="datetimeFigureOut">
               <a:rPr lang="it-IT" smtClean="0"/>
               <a:pPr/>
-              <a:t>03/10/2018</a:t>
+              <a:t>04/10/2018</a:t>
             </a:fld>
             <a:endParaRPr lang="it-IT"/>
           </a:p>
@@ -1934,7 +1932,7 @@
             <a:fld id="{D25BB3CF-9E66-4877-B644-C586699910B7}" type="datetimeFigureOut">
               <a:rPr lang="it-IT" smtClean="0"/>
               <a:pPr/>
-              <a:t>03/10/2018</a:t>
+              <a:t>04/10/2018</a:t>
             </a:fld>
             <a:endParaRPr lang="it-IT"/>
           </a:p>
@@ -2353,7 +2351,7 @@
             <a:fld id="{D25BB3CF-9E66-4877-B644-C586699910B7}" type="datetimeFigureOut">
               <a:rPr lang="it-IT" smtClean="0"/>
               <a:pPr/>
-              <a:t>03/10/2018</a:t>
+              <a:t>04/10/2018</a:t>
             </a:fld>
             <a:endParaRPr lang="it-IT"/>
           </a:p>
@@ -2468,7 +2466,7 @@
             <a:fld id="{D25BB3CF-9E66-4877-B644-C586699910B7}" type="datetimeFigureOut">
               <a:rPr lang="it-IT" smtClean="0"/>
               <a:pPr/>
-              <a:t>03/10/2018</a:t>
+              <a:t>04/10/2018</a:t>
             </a:fld>
             <a:endParaRPr lang="it-IT"/>
           </a:p>
@@ -2560,7 +2558,7 @@
             <a:fld id="{D25BB3CF-9E66-4877-B644-C586699910B7}" type="datetimeFigureOut">
               <a:rPr lang="it-IT" smtClean="0"/>
               <a:pPr/>
-              <a:t>03/10/2018</a:t>
+              <a:t>04/10/2018</a:t>
             </a:fld>
             <a:endParaRPr lang="it-IT"/>
           </a:p>
@@ -2834,7 +2832,7 @@
             <a:fld id="{D25BB3CF-9E66-4877-B644-C586699910B7}" type="datetimeFigureOut">
               <a:rPr lang="it-IT" smtClean="0"/>
               <a:pPr/>
-              <a:t>03/10/2018</a:t>
+              <a:t>04/10/2018</a:t>
             </a:fld>
             <a:endParaRPr lang="it-IT"/>
           </a:p>
@@ -3084,7 +3082,7 @@
             <a:fld id="{D25BB3CF-9E66-4877-B644-C586699910B7}" type="datetimeFigureOut">
               <a:rPr lang="it-IT" smtClean="0"/>
               <a:pPr/>
-              <a:t>03/10/2018</a:t>
+              <a:t>04/10/2018</a:t>
             </a:fld>
             <a:endParaRPr lang="it-IT"/>
           </a:p>
@@ -3294,7 +3292,7 @@
             <a:fld id="{D25BB3CF-9E66-4877-B644-C586699910B7}" type="datetimeFigureOut">
               <a:rPr lang="it-IT" smtClean="0"/>
               <a:pPr/>
-              <a:t>03/10/2018</a:t>
+              <a:t>04/10/2018</a:t>
             </a:fld>
             <a:endParaRPr lang="it-IT"/>
           </a:p>
@@ -3940,19 +3938,37 @@
         </p:nvSpPr>
         <p:spPr>
           <a:xfrm>
-            <a:off x="457200" y="720747"/>
-            <a:ext cx="8229600" cy="1143000"/>
+            <a:off x="0" y="714356"/>
+            <a:ext cx="9144000" cy="1279494"/>
           </a:xfrm>
         </p:spPr>
         <p:txBody>
-          <a:bodyPr/>
+          <a:bodyPr>
+            <a:normAutofit/>
+          </a:bodyPr>
           <a:lstStyle/>
           <a:p>
             <a:r>
-              <a:rPr lang="it-IT" dirty="0" smtClean="0"/>
-              <a:t>Trasmettitore 3/4</a:t>
-            </a:r>
-            <a:endParaRPr lang="it-IT" dirty="0"/>
+              <a:rPr lang="it-IT" sz="3200" dirty="0" smtClean="0"/>
+              <a:t>OFDM (</a:t>
+            </a:r>
+            <a:r>
+              <a:rPr lang="it-IT" sz="3200" dirty="0" err="1" smtClean="0"/>
+              <a:t>Orthogonal</a:t>
+            </a:r>
+            <a:r>
+              <a:rPr lang="it-IT" sz="3200" dirty="0" smtClean="0"/>
+              <a:t> </a:t>
+            </a:r>
+            <a:r>
+              <a:rPr lang="it-IT" sz="3200" dirty="0" err="1" smtClean="0"/>
+              <a:t>Frequency-Division</a:t>
+            </a:r>
+            <a:r>
+              <a:rPr lang="it-IT" sz="3200" dirty="0" smtClean="0"/>
+              <a:t> Multiplexing)</a:t>
+            </a:r>
+            <a:endParaRPr lang="it-IT" sz="3200" dirty="0"/>
           </a:p>
         </p:txBody>
       </p:sp>
@@ -3968,50 +3984,40 @@
         </p:nvSpPr>
         <p:spPr>
           <a:xfrm>
-            <a:off x="457200" y="2046309"/>
-            <a:ext cx="8229600" cy="4525963"/>
+            <a:off x="457200" y="2689251"/>
+            <a:ext cx="8229600" cy="3454393"/>
           </a:xfrm>
         </p:spPr>
         <p:txBody>
           <a:bodyPr/>
           <a:lstStyle/>
           <a:p>
-            <a:pPr algn="ctr">
-              <a:buNone/>
-            </a:pPr>
             <a:r>
               <a:rPr lang="it-IT" dirty="0" smtClean="0"/>
-              <a:t>Allocazione simboli sulle sottoportanti e creazione campioni per l’SDR</a:t>
-            </a:r>
+              <a:t>Sincronizzazione </a:t>
+            </a:r>
+            <a:endParaRPr lang="it-IT" dirty="0" smtClean="0"/>
+          </a:p>
+          <a:p>
+            <a:r>
+              <a:rPr lang="it-IT" dirty="0" smtClean="0"/>
+              <a:t>Equalizzazione</a:t>
+            </a:r>
+            <a:endParaRPr lang="it-IT" dirty="0" smtClean="0"/>
+          </a:p>
+          <a:p>
+            <a:r>
+              <a:rPr lang="it-IT" dirty="0" smtClean="0"/>
+              <a:t>Controllo </a:t>
+            </a:r>
+            <a:r>
+              <a:rPr lang="it-IT" dirty="0" smtClean="0"/>
+              <a:t>errore</a:t>
+            </a:r>
+            <a:endParaRPr lang="it-IT" dirty="0" smtClean="0"/>
           </a:p>
         </p:txBody>
       </p:sp>
-      <p:pic>
-        <p:nvPicPr>
-          <p:cNvPr id="3074" name="Picture 2" descr="C:\Users\fiapol\Desktop\tesi\PoorManThesis-master\PoorManThesis-master\images\Tx3.png"/>
-          <p:cNvPicPr>
-            <a:picLocks noChangeAspect="1" noChangeArrowheads="1"/>
-          </p:cNvPicPr>
-          <p:nvPr/>
-        </p:nvPicPr>
-        <p:blipFill>
-          <a:blip r:embed="rId2"/>
-          <a:srcRect/>
-          <a:stretch>
-            <a:fillRect/>
-          </a:stretch>
-        </p:blipFill>
-        <p:spPr bwMode="auto">
-          <a:xfrm>
-            <a:off x="130207" y="3732233"/>
-            <a:ext cx="8942387" cy="1687743"/>
-          </a:xfrm>
-          <a:prstGeom prst="rect">
-            <a:avLst/>
-          </a:prstGeom>
-          <a:noFill/>
-        </p:spPr>
-      </p:pic>
       <p:grpSp>
         <p:nvGrpSpPr>
           <p:cNvPr id="14" name="Gruppo 13"/>
@@ -4049,7 +4055,7 @@
               <p:nvPr/>
             </p:nvPicPr>
             <p:blipFill>
-              <a:blip r:embed="rId3" cstate="print"/>
+              <a:blip r:embed="rId2" cstate="print"/>
               <a:srcRect l="45509" t="4944" r="39530" b="69980"/>
               <a:stretch>
                 <a:fillRect/>
@@ -4082,7 +4088,7 @@
               <p:nvPr/>
             </p:nvPicPr>
             <p:blipFill>
-              <a:blip r:embed="rId4" cstate="print"/>
+              <a:blip r:embed="rId3" cstate="print"/>
               <a:srcRect l="16687" t="64901" r="11001" b="28126"/>
               <a:stretch>
                 <a:fillRect/>
@@ -4115,7 +4121,7 @@
               <p:nvPr/>
             </p:nvPicPr>
             <p:blipFill>
-              <a:blip r:embed="rId5" cstate="print"/>
+              <a:blip r:embed="rId4" cstate="print"/>
               <a:srcRect l="28553" t="28091" r="22574" b="62426"/>
               <a:stretch>
                 <a:fillRect/>
@@ -4148,7 +4154,7 @@
               <p:nvPr/>
             </p:nvPicPr>
             <p:blipFill>
-              <a:blip r:embed="rId4" cstate="print"/>
+              <a:blip r:embed="rId3" cstate="print"/>
               <a:srcRect l="16687" t="80243" r="11001" b="13986"/>
               <a:stretch>
                 <a:fillRect/>
@@ -4182,7 +4188,7 @@
             <p:nvPr/>
           </p:nvPicPr>
           <p:blipFill>
-            <a:blip r:embed="rId6" cstate="print"/>
+            <a:blip r:embed="rId5" cstate="print"/>
             <a:srcRect l="12051" t="16667" r="5893" b="54167"/>
             <a:stretch>
               <a:fillRect/>
@@ -4215,7 +4221,7 @@
             <p:nvPr/>
           </p:nvPicPr>
           <p:blipFill>
-            <a:blip r:embed="rId7"/>
+            <a:blip r:embed="rId6"/>
             <a:srcRect l="74285" t="66211" r="2939" b="22997"/>
             <a:stretch>
               <a:fillRect/>
@@ -4282,6 +4288,7 @@
   <p:clrMapOvr>
     <a:masterClrMapping/>
   </p:clrMapOvr>
+  <p:transition/>
   <p:timing>
     <p:tnLst>
       <p:par>
@@ -4321,7 +4328,7 @@
         </p:nvSpPr>
         <p:spPr>
           <a:xfrm>
-            <a:off x="457200" y="714356"/>
+            <a:off x="457200" y="642918"/>
             <a:ext cx="8229600" cy="1143000"/>
           </a:xfrm>
         </p:spPr>
@@ -4331,11 +4338,11 @@
           <a:p>
             <a:r>
               <a:rPr lang="it-IT" dirty="0" smtClean="0"/>
-              <a:t>Trasmettitore 4/</a:t>
-            </a:r>
-            <a:r>
-              <a:rPr lang="it-IT" dirty="0" err="1" smtClean="0"/>
-              <a:t>4</a:t>
+              <a:t>Ricevitore </a:t>
+            </a:r>
+            <a:r>
+              <a:rPr lang="it-IT" dirty="0" smtClean="0"/>
+              <a:t>1/2</a:t>
             </a:r>
             <a:endParaRPr lang="it-IT" dirty="0"/>
           </a:p>
@@ -4353,27 +4360,29 @@
         </p:nvSpPr>
         <p:spPr>
           <a:xfrm>
-            <a:off x="457200" y="2079647"/>
+            <a:off x="457200" y="1785926"/>
             <a:ext cx="8229600" cy="4525963"/>
           </a:xfrm>
         </p:spPr>
         <p:txBody>
-          <a:bodyPr/>
+          <a:bodyPr>
+            <a:normAutofit/>
+          </a:bodyPr>
           <a:lstStyle/>
           <a:p>
             <a:pPr algn="ctr">
               <a:buNone/>
             </a:pPr>
             <a:r>
-              <a:rPr lang="it-IT" dirty="0" smtClean="0"/>
-              <a:t>Passaggio dati all’SDR</a:t>
+              <a:rPr lang="it-IT" sz="2200" dirty="0" smtClean="0"/>
+              <a:t>Ricezione informazioni, sincronizzazione</a:t>
             </a:r>
           </a:p>
         </p:txBody>
       </p:sp>
       <p:pic>
         <p:nvPicPr>
-          <p:cNvPr id="4098" name="Picture 2" descr="C:\Users\fiapol\Desktop\tesi\PoorManThesis-master\PoorManThesis-master\images\Tx4.png"/>
+          <p:cNvPr id="5122" name="Picture 2" descr="C:\Users\fiapol\Desktop\tesi\PoorManThesis-master\PoorManThesis-master\images\Rx1.png"/>
           <p:cNvPicPr>
             <a:picLocks noChangeAspect="1" noChangeArrowheads="1"/>
           </p:cNvPicPr>
@@ -4388,8 +4397,8 @@
         </p:blipFill>
         <p:spPr bwMode="auto">
           <a:xfrm>
-            <a:off x="1928794" y="3143248"/>
-            <a:ext cx="5705475" cy="2924175"/>
+            <a:off x="88414" y="2714620"/>
+            <a:ext cx="8912742" cy="3302833"/>
           </a:xfrm>
           <a:prstGeom prst="rect">
             <a:avLst/>
@@ -4706,7 +4715,7 @@
         </p:nvSpPr>
         <p:spPr>
           <a:xfrm>
-            <a:off x="457200" y="720747"/>
+            <a:off x="457200" y="642926"/>
             <a:ext cx="8229600" cy="1143000"/>
           </a:xfrm>
         </p:spPr>
@@ -4716,7 +4725,15 @@
           <a:p>
             <a:r>
               <a:rPr lang="it-IT" dirty="0" smtClean="0"/>
-              <a:t>Ricevitore 1/3</a:t>
+              <a:t>Ricevitore </a:t>
+            </a:r>
+            <a:r>
+              <a:rPr lang="it-IT" dirty="0" smtClean="0"/>
+              <a:t>2/</a:t>
+            </a:r>
+            <a:r>
+              <a:rPr lang="it-IT" dirty="0" err="1" smtClean="0"/>
+              <a:t>2</a:t>
             </a:r>
             <a:endParaRPr lang="it-IT" dirty="0"/>
           </a:p>
@@ -4734,402 +4751,32 @@
         </p:nvSpPr>
         <p:spPr>
           <a:xfrm>
-            <a:off x="457200" y="2046309"/>
+            <a:off x="457200" y="1617681"/>
             <a:ext cx="8229600" cy="4525963"/>
           </a:xfrm>
         </p:spPr>
         <p:txBody>
-          <a:bodyPr/>
+          <a:bodyPr>
+            <a:normAutofit/>
+          </a:bodyPr>
           <a:lstStyle/>
           <a:p>
             <a:pPr algn="ctr">
               <a:buNone/>
             </a:pPr>
             <a:r>
-              <a:rPr lang="it-IT" dirty="0" smtClean="0"/>
-              <a:t>Ricezione informazioni, sincronizzazione</a:t>
-            </a:r>
-          </a:p>
-        </p:txBody>
-      </p:sp>
-      <p:pic>
-        <p:nvPicPr>
-          <p:cNvPr id="5122" name="Picture 2" descr="C:\Users\fiapol\Desktop\tesi\PoorManThesis-master\PoorManThesis-master\images\Rx1.png"/>
-          <p:cNvPicPr>
-            <a:picLocks noChangeAspect="1" noChangeArrowheads="1"/>
-          </p:cNvPicPr>
-          <p:nvPr/>
-        </p:nvPicPr>
-        <p:blipFill>
-          <a:blip r:embed="rId2"/>
-          <a:srcRect/>
-          <a:stretch>
-            <a:fillRect/>
-          </a:stretch>
-        </p:blipFill>
-        <p:spPr bwMode="auto">
-          <a:xfrm>
-            <a:off x="88414" y="3160729"/>
-            <a:ext cx="8912742" cy="3302833"/>
-          </a:xfrm>
-          <a:prstGeom prst="rect">
-            <a:avLst/>
-          </a:prstGeom>
-          <a:noFill/>
-        </p:spPr>
-      </p:pic>
-      <p:grpSp>
-        <p:nvGrpSpPr>
-          <p:cNvPr id="14" name="Gruppo 13"/>
-          <p:cNvGrpSpPr/>
-          <p:nvPr/>
-        </p:nvGrpSpPr>
-        <p:grpSpPr>
-          <a:xfrm>
-            <a:off x="796" y="33105"/>
-            <a:ext cx="9143207" cy="681251"/>
-            <a:chOff x="796" y="33105"/>
-            <a:chExt cx="9143207" cy="681251"/>
-          </a:xfrm>
-        </p:grpSpPr>
-        <p:grpSp>
-          <p:nvGrpSpPr>
-            <p:cNvPr id="15" name="Gruppo 7"/>
-            <p:cNvGrpSpPr/>
-            <p:nvPr/>
-          </p:nvGrpSpPr>
-          <p:grpSpPr>
-            <a:xfrm>
-              <a:off x="71406" y="71414"/>
-              <a:ext cx="3071864" cy="567375"/>
-              <a:chOff x="0" y="0"/>
-              <a:chExt cx="8715404" cy="1609736"/>
-            </a:xfrm>
-          </p:grpSpPr>
-          <p:pic>
-            <p:nvPicPr>
-              <p:cNvPr id="19" name="Picture 3"/>
-              <p:cNvPicPr>
-                <a:picLocks noChangeAspect="1" noChangeArrowheads="1"/>
-              </p:cNvPicPr>
-              <p:nvPr/>
-            </p:nvPicPr>
-            <p:blipFill>
-              <a:blip r:embed="rId3" cstate="print"/>
-              <a:srcRect l="45509" t="4944" r="39530" b="69980"/>
-              <a:stretch>
-                <a:fillRect/>
-              </a:stretch>
-            </p:blipFill>
-            <p:spPr bwMode="auto">
-              <a:xfrm>
-                <a:off x="0" y="0"/>
-                <a:ext cx="1857388" cy="1609736"/>
-              </a:xfrm>
-              <a:prstGeom prst="rect">
-                <a:avLst/>
-              </a:prstGeom>
-              <a:noFill/>
-              <a:ln w="9525">
-                <a:noFill/>
-                <a:miter lim="800000"/>
-                <a:headEnd/>
-                <a:tailEnd/>
-              </a:ln>
-              <a:effectLst/>
-            </p:spPr>
-          </p:pic>
-          <p:pic>
-            <p:nvPicPr>
-              <p:cNvPr id="20" name="Picture 4"/>
-              <p:cNvPicPr>
-                <a:picLocks noChangeAspect="1" noChangeArrowheads="1"/>
-              </p:cNvPicPr>
-              <p:nvPr/>
-            </p:nvPicPr>
-            <p:blipFill>
-              <a:blip r:embed="rId4" cstate="print"/>
-              <a:srcRect l="16687" t="64901" r="11001" b="28126"/>
-              <a:stretch>
-                <a:fillRect/>
-              </a:stretch>
-            </p:blipFill>
-            <p:spPr bwMode="auto">
-              <a:xfrm>
-                <a:off x="1714512" y="671173"/>
-                <a:ext cx="7000892" cy="357190"/>
-              </a:xfrm>
-              <a:prstGeom prst="rect">
-                <a:avLst/>
-              </a:prstGeom>
-              <a:noFill/>
-              <a:ln w="9525">
-                <a:noFill/>
-                <a:miter lim="800000"/>
-                <a:headEnd/>
-                <a:tailEnd/>
-              </a:ln>
-              <a:effectLst/>
-            </p:spPr>
-          </p:pic>
-          <p:pic>
-            <p:nvPicPr>
-              <p:cNvPr id="21" name="Picture 3"/>
-              <p:cNvPicPr>
-                <a:picLocks noChangeAspect="1" noChangeArrowheads="1"/>
-              </p:cNvPicPr>
-              <p:nvPr/>
-            </p:nvPicPr>
-            <p:blipFill>
-              <a:blip r:embed="rId5" cstate="print"/>
-              <a:srcRect l="28553" t="28091" r="22574" b="62426"/>
-              <a:stretch>
-                <a:fillRect/>
-              </a:stretch>
-            </p:blipFill>
-            <p:spPr bwMode="auto">
-              <a:xfrm>
-                <a:off x="3071802" y="99669"/>
-                <a:ext cx="4272064" cy="428628"/>
-              </a:xfrm>
-              <a:prstGeom prst="rect">
-                <a:avLst/>
-              </a:prstGeom>
-              <a:noFill/>
-              <a:ln w="9525">
-                <a:noFill/>
-                <a:miter lim="800000"/>
-                <a:headEnd/>
-                <a:tailEnd/>
-              </a:ln>
-              <a:effectLst/>
-            </p:spPr>
-          </p:pic>
-          <p:pic>
-            <p:nvPicPr>
-              <p:cNvPr id="22" name="Picture 4"/>
-              <p:cNvPicPr>
-                <a:picLocks noChangeAspect="1" noChangeArrowheads="1"/>
-              </p:cNvPicPr>
-              <p:nvPr/>
-            </p:nvPicPr>
-            <p:blipFill>
-              <a:blip r:embed="rId4" cstate="print"/>
-              <a:srcRect l="16687" t="80243" r="11001" b="13986"/>
-              <a:stretch>
-                <a:fillRect/>
-              </a:stretch>
-            </p:blipFill>
-            <p:spPr bwMode="auto">
-              <a:xfrm>
-                <a:off x="1714512" y="1028363"/>
-                <a:ext cx="7000892" cy="295621"/>
-              </a:xfrm>
-              <a:prstGeom prst="rect">
-                <a:avLst/>
-              </a:prstGeom>
-              <a:noFill/>
-              <a:ln w="9525">
-                <a:noFill/>
-                <a:miter lim="800000"/>
-                <a:headEnd/>
-                <a:tailEnd/>
-              </a:ln>
-              <a:effectLst/>
-            </p:spPr>
-          </p:pic>
-        </p:grpSp>
-        <p:pic>
-          <p:nvPicPr>
-            <p:cNvPr id="16" name="Picture 2"/>
-            <p:cNvPicPr>
-              <a:picLocks noChangeAspect="1" noChangeArrowheads="1"/>
-            </p:cNvPicPr>
-            <p:nvPr/>
-          </p:nvPicPr>
-          <p:blipFill>
-            <a:blip r:embed="rId6" cstate="print"/>
-            <a:srcRect l="12051" t="16667" r="5893" b="54167"/>
-            <a:stretch>
-              <a:fillRect/>
-            </a:stretch>
-          </p:blipFill>
-          <p:spPr bwMode="auto">
-            <a:xfrm>
-              <a:off x="3071802" y="33105"/>
-              <a:ext cx="3143274" cy="681251"/>
-            </a:xfrm>
-            <a:prstGeom prst="rect">
-              <a:avLst/>
-            </a:prstGeom>
-            <a:noFill/>
-            <a:ln w="9525">
-              <a:noFill/>
-              <a:miter lim="800000"/>
-              <a:headEnd/>
-              <a:tailEnd/>
-            </a:ln>
-            <a:effectLst/>
-          </p:spPr>
-        </p:pic>
-        <p:pic>
-          <p:nvPicPr>
-            <p:cNvPr id="17" name="Picture 2"/>
-            <p:cNvPicPr>
-              <a:picLocks noChangeAspect="1" noChangeArrowheads="1"/>
-            </p:cNvPicPr>
-            <p:nvPr/>
-          </p:nvPicPr>
-          <p:blipFill>
-            <a:blip r:embed="rId7"/>
-            <a:srcRect l="74285" t="66211" r="2939" b="22997"/>
-            <a:stretch>
-              <a:fillRect/>
-            </a:stretch>
-          </p:blipFill>
-          <p:spPr bwMode="auto">
-            <a:xfrm>
-              <a:off x="6929454" y="142852"/>
-              <a:ext cx="1500166" cy="433410"/>
-            </a:xfrm>
-            <a:prstGeom prst="rect">
-              <a:avLst/>
-            </a:prstGeom>
-            <a:noFill/>
-            <a:ln w="9525">
-              <a:noFill/>
-              <a:miter lim="800000"/>
-              <a:headEnd/>
-              <a:tailEnd/>
-            </a:ln>
-            <a:effectLst/>
-          </p:spPr>
-        </p:pic>
-        <p:cxnSp>
-          <p:nvCxnSpPr>
-            <p:cNvPr id="18" name="Connettore 1 17"/>
-            <p:cNvCxnSpPr/>
-            <p:nvPr/>
-          </p:nvCxnSpPr>
-          <p:spPr>
-            <a:xfrm rot="10800000" flipV="1">
-              <a:off x="796" y="711275"/>
-              <a:ext cx="9143207" cy="3080"/>
-            </a:xfrm>
-            <a:prstGeom prst="line">
-              <a:avLst/>
-            </a:prstGeom>
-            <a:ln>
-              <a:solidFill>
-                <a:schemeClr val="bg1">
-                  <a:lumMod val="50000"/>
-                </a:schemeClr>
-              </a:solidFill>
-            </a:ln>
-          </p:spPr>
-          <p:style>
-            <a:lnRef idx="1">
-              <a:schemeClr val="accent1"/>
-            </a:lnRef>
-            <a:fillRef idx="0">
-              <a:schemeClr val="accent1"/>
-            </a:fillRef>
-            <a:effectRef idx="0">
-              <a:schemeClr val="accent1"/>
-            </a:effectRef>
-            <a:fontRef idx="minor">
-              <a:schemeClr val="tx1"/>
-            </a:fontRef>
-          </p:style>
-        </p:cxnSp>
-      </p:grpSp>
-    </p:spTree>
-  </p:cSld>
-  <p:clrMapOvr>
-    <a:masterClrMapping/>
-  </p:clrMapOvr>
-  <p:timing>
-    <p:tnLst>
-      <p:par>
-        <p:cTn id="1" dur="indefinite" restart="never" nodeType="tmRoot"/>
-      </p:par>
-    </p:tnLst>
-  </p:timing>
-</p:sld>
-</file>
-
-<file path=ppt/slides/slide13.xml><?xml version="1.0" encoding="utf-8"?>
-<p:sld xmlns:a="http://schemas.openxmlformats.org/drawingml/2006/main" xmlns:r="http://schemas.openxmlformats.org/officeDocument/2006/relationships" xmlns:p="http://schemas.openxmlformats.org/presentationml/2006/main">
-  <p:cSld>
-    <p:spTree>
-      <p:nvGrpSpPr>
-        <p:cNvPr id="1" name=""/>
-        <p:cNvGrpSpPr/>
-        <p:nvPr/>
-      </p:nvGrpSpPr>
-      <p:grpSpPr>
-        <a:xfrm>
-          <a:off x="0" y="0"/>
-          <a:ext cx="0" cy="0"/>
-          <a:chOff x="0" y="0"/>
-          <a:chExt cx="0" cy="0"/>
-        </a:xfrm>
-      </p:grpSpPr>
-      <p:sp>
-        <p:nvSpPr>
-          <p:cNvPr id="2" name="Titolo 1"/>
-          <p:cNvSpPr>
-            <a:spLocks noGrp="1"/>
-          </p:cNvSpPr>
-          <p:nvPr>
-            <p:ph type="title"/>
-          </p:nvPr>
-        </p:nvSpPr>
-        <p:spPr>
-          <a:xfrm>
-            <a:off x="457200" y="720747"/>
-            <a:ext cx="8229600" cy="1143000"/>
-          </a:xfrm>
-        </p:spPr>
-        <p:txBody>
-          <a:bodyPr/>
-          <a:lstStyle/>
-          <a:p>
-            <a:r>
-              <a:rPr lang="it-IT" dirty="0" smtClean="0"/>
-              <a:t>Ricevitore 2/3</a:t>
-            </a:r>
-            <a:endParaRPr lang="it-IT" dirty="0"/>
-          </a:p>
-        </p:txBody>
-      </p:sp>
-      <p:sp>
-        <p:nvSpPr>
-          <p:cNvPr id="3" name="Segnaposto contenuto 2"/>
-          <p:cNvSpPr>
-            <a:spLocks noGrp="1"/>
-          </p:cNvSpPr>
-          <p:nvPr>
-            <p:ph idx="1"/>
-          </p:nvPr>
-        </p:nvSpPr>
-        <p:spPr>
-          <a:xfrm>
-            <a:off x="457200" y="2046309"/>
-            <a:ext cx="8229600" cy="4525963"/>
-          </a:xfrm>
-        </p:spPr>
-        <p:txBody>
-          <a:bodyPr/>
-          <a:lstStyle/>
-          <a:p>
-            <a:pPr algn="ctr">
-              <a:buNone/>
-            </a:pPr>
-            <a:r>
-              <a:rPr lang="it-IT" dirty="0" smtClean="0"/>
-              <a:t>Equalizzazione e ottenimento simboli</a:t>
-            </a:r>
+              <a:rPr lang="it-IT" sz="2200" dirty="0" smtClean="0"/>
+              <a:t>Equalizzazione, </a:t>
+            </a:r>
+            <a:r>
+              <a:rPr lang="it-IT" sz="2200" dirty="0" smtClean="0"/>
+              <a:t>ottenimento </a:t>
+            </a:r>
+            <a:r>
+              <a:rPr lang="it-IT" sz="2200" dirty="0" smtClean="0"/>
+              <a:t>simboli e controllo errore</a:t>
+            </a:r>
+            <a:endParaRPr lang="it-IT" sz="2200" dirty="0" smtClean="0"/>
           </a:p>
         </p:txBody>
       </p:sp>
@@ -5150,7 +4797,7 @@
         </p:blipFill>
         <p:spPr bwMode="auto">
           <a:xfrm>
-            <a:off x="142844" y="3017853"/>
+            <a:off x="133397" y="2187615"/>
             <a:ext cx="9010635" cy="2924032"/>
           </a:xfrm>
           <a:prstGeom prst="rect">
@@ -5424,6 +5071,32 @@
           </p:style>
         </p:cxnSp>
       </p:grpSp>
+      <p:pic>
+        <p:nvPicPr>
+          <p:cNvPr id="23" name="Picture 2" descr="C:\Users\fiapol\Desktop\tesi\PoorManThesis-master\PoorManThesis-master\images\Rx3.png"/>
+          <p:cNvPicPr>
+            <a:picLocks noChangeAspect="1" noChangeArrowheads="1"/>
+          </p:cNvPicPr>
+          <p:nvPr/>
+        </p:nvPicPr>
+        <p:blipFill>
+          <a:blip r:embed="rId8"/>
+          <a:srcRect/>
+          <a:stretch>
+            <a:fillRect/>
+          </a:stretch>
+        </p:blipFill>
+        <p:spPr bwMode="auto">
+          <a:xfrm>
+            <a:off x="142876" y="5116573"/>
+            <a:ext cx="8858280" cy="1241385"/>
+          </a:xfrm>
+          <a:prstGeom prst="rect">
+            <a:avLst/>
+          </a:prstGeom>
+          <a:noFill/>
+        </p:spPr>
+      </p:pic>
     </p:spTree>
   </p:cSld>
   <p:clrMapOvr>
@@ -5439,400 +5112,7 @@
 </p:sld>
 </file>
 
-<file path=ppt/slides/slide14.xml><?xml version="1.0" encoding="utf-8"?>
-<p:sld xmlns:a="http://schemas.openxmlformats.org/drawingml/2006/main" xmlns:r="http://schemas.openxmlformats.org/officeDocument/2006/relationships" xmlns:p="http://schemas.openxmlformats.org/presentationml/2006/main">
-  <p:cSld>
-    <p:spTree>
-      <p:nvGrpSpPr>
-        <p:cNvPr id="1" name=""/>
-        <p:cNvGrpSpPr/>
-        <p:nvPr/>
-      </p:nvGrpSpPr>
-      <p:grpSpPr>
-        <a:xfrm>
-          <a:off x="0" y="0"/>
-          <a:ext cx="0" cy="0"/>
-          <a:chOff x="0" y="0"/>
-          <a:chExt cx="0" cy="0"/>
-        </a:xfrm>
-      </p:grpSpPr>
-      <p:sp>
-        <p:nvSpPr>
-          <p:cNvPr id="2" name="Titolo 1"/>
-          <p:cNvSpPr>
-            <a:spLocks noGrp="1"/>
-          </p:cNvSpPr>
-          <p:nvPr>
-            <p:ph type="title"/>
-          </p:nvPr>
-        </p:nvSpPr>
-        <p:spPr>
-          <a:xfrm>
-            <a:off x="457200" y="720747"/>
-            <a:ext cx="8229600" cy="1143000"/>
-          </a:xfrm>
-        </p:spPr>
-        <p:txBody>
-          <a:bodyPr/>
-          <a:lstStyle/>
-          <a:p>
-            <a:r>
-              <a:rPr lang="it-IT" dirty="0" smtClean="0"/>
-              <a:t>Ricevitore 3/</a:t>
-            </a:r>
-            <a:r>
-              <a:rPr lang="it-IT" dirty="0" err="1" smtClean="0"/>
-              <a:t>3</a:t>
-            </a:r>
-            <a:endParaRPr lang="it-IT" dirty="0"/>
-          </a:p>
-        </p:txBody>
-      </p:sp>
-      <p:sp>
-        <p:nvSpPr>
-          <p:cNvPr id="3" name="Segnaposto contenuto 2"/>
-          <p:cNvSpPr>
-            <a:spLocks noGrp="1"/>
-          </p:cNvSpPr>
-          <p:nvPr>
-            <p:ph idx="1"/>
-          </p:nvPr>
-        </p:nvSpPr>
-        <p:spPr>
-          <a:xfrm>
-            <a:off x="457200" y="2046309"/>
-            <a:ext cx="8229600" cy="4525963"/>
-          </a:xfrm>
-        </p:spPr>
-        <p:txBody>
-          <a:bodyPr/>
-          <a:lstStyle/>
-          <a:p>
-            <a:pPr algn="ctr">
-              <a:buNone/>
-            </a:pPr>
-            <a:r>
-              <a:rPr lang="it-IT" dirty="0" smtClean="0"/>
-              <a:t>Decodifica </a:t>
-            </a:r>
-            <a:r>
-              <a:rPr lang="it-IT" dirty="0" err="1" smtClean="0"/>
-              <a:t>payload</a:t>
-            </a:r>
-            <a:r>
-              <a:rPr lang="it-IT" dirty="0" smtClean="0"/>
-              <a:t> e scrittura file</a:t>
-            </a:r>
-          </a:p>
-        </p:txBody>
-      </p:sp>
-      <p:pic>
-        <p:nvPicPr>
-          <p:cNvPr id="7170" name="Picture 2" descr="C:\Users\fiapol\Desktop\tesi\PoorManThesis-master\PoorManThesis-master\images\Rx3.png"/>
-          <p:cNvPicPr>
-            <a:picLocks noChangeAspect="1" noChangeArrowheads="1"/>
-          </p:cNvPicPr>
-          <p:nvPr/>
-        </p:nvPicPr>
-        <p:blipFill>
-          <a:blip r:embed="rId2"/>
-          <a:srcRect/>
-          <a:stretch>
-            <a:fillRect/>
-          </a:stretch>
-        </p:blipFill>
-        <p:spPr bwMode="auto">
-          <a:xfrm>
-            <a:off x="142844" y="3660795"/>
-            <a:ext cx="8858280" cy="1241385"/>
-          </a:xfrm>
-          <a:prstGeom prst="rect">
-            <a:avLst/>
-          </a:prstGeom>
-          <a:noFill/>
-        </p:spPr>
-      </p:pic>
-      <p:grpSp>
-        <p:nvGrpSpPr>
-          <p:cNvPr id="14" name="Gruppo 13"/>
-          <p:cNvGrpSpPr/>
-          <p:nvPr/>
-        </p:nvGrpSpPr>
-        <p:grpSpPr>
-          <a:xfrm>
-            <a:off x="796" y="33105"/>
-            <a:ext cx="9143207" cy="681251"/>
-            <a:chOff x="796" y="33105"/>
-            <a:chExt cx="9143207" cy="681251"/>
-          </a:xfrm>
-        </p:grpSpPr>
-        <p:grpSp>
-          <p:nvGrpSpPr>
-            <p:cNvPr id="15" name="Gruppo 7"/>
-            <p:cNvGrpSpPr/>
-            <p:nvPr/>
-          </p:nvGrpSpPr>
-          <p:grpSpPr>
-            <a:xfrm>
-              <a:off x="71406" y="71414"/>
-              <a:ext cx="3071864" cy="567375"/>
-              <a:chOff x="0" y="0"/>
-              <a:chExt cx="8715404" cy="1609736"/>
-            </a:xfrm>
-          </p:grpSpPr>
-          <p:pic>
-            <p:nvPicPr>
-              <p:cNvPr id="19" name="Picture 3"/>
-              <p:cNvPicPr>
-                <a:picLocks noChangeAspect="1" noChangeArrowheads="1"/>
-              </p:cNvPicPr>
-              <p:nvPr/>
-            </p:nvPicPr>
-            <p:blipFill>
-              <a:blip r:embed="rId3" cstate="print"/>
-              <a:srcRect l="45509" t="4944" r="39530" b="69980"/>
-              <a:stretch>
-                <a:fillRect/>
-              </a:stretch>
-            </p:blipFill>
-            <p:spPr bwMode="auto">
-              <a:xfrm>
-                <a:off x="0" y="0"/>
-                <a:ext cx="1857388" cy="1609736"/>
-              </a:xfrm>
-              <a:prstGeom prst="rect">
-                <a:avLst/>
-              </a:prstGeom>
-              <a:noFill/>
-              <a:ln w="9525">
-                <a:noFill/>
-                <a:miter lim="800000"/>
-                <a:headEnd/>
-                <a:tailEnd/>
-              </a:ln>
-              <a:effectLst/>
-            </p:spPr>
-          </p:pic>
-          <p:pic>
-            <p:nvPicPr>
-              <p:cNvPr id="20" name="Picture 4"/>
-              <p:cNvPicPr>
-                <a:picLocks noChangeAspect="1" noChangeArrowheads="1"/>
-              </p:cNvPicPr>
-              <p:nvPr/>
-            </p:nvPicPr>
-            <p:blipFill>
-              <a:blip r:embed="rId4" cstate="print"/>
-              <a:srcRect l="16687" t="64901" r="11001" b="28126"/>
-              <a:stretch>
-                <a:fillRect/>
-              </a:stretch>
-            </p:blipFill>
-            <p:spPr bwMode="auto">
-              <a:xfrm>
-                <a:off x="1714512" y="671173"/>
-                <a:ext cx="7000892" cy="357190"/>
-              </a:xfrm>
-              <a:prstGeom prst="rect">
-                <a:avLst/>
-              </a:prstGeom>
-              <a:noFill/>
-              <a:ln w="9525">
-                <a:noFill/>
-                <a:miter lim="800000"/>
-                <a:headEnd/>
-                <a:tailEnd/>
-              </a:ln>
-              <a:effectLst/>
-            </p:spPr>
-          </p:pic>
-          <p:pic>
-            <p:nvPicPr>
-              <p:cNvPr id="21" name="Picture 3"/>
-              <p:cNvPicPr>
-                <a:picLocks noChangeAspect="1" noChangeArrowheads="1"/>
-              </p:cNvPicPr>
-              <p:nvPr/>
-            </p:nvPicPr>
-            <p:blipFill>
-              <a:blip r:embed="rId5" cstate="print"/>
-              <a:srcRect l="28553" t="28091" r="22574" b="62426"/>
-              <a:stretch>
-                <a:fillRect/>
-              </a:stretch>
-            </p:blipFill>
-            <p:spPr bwMode="auto">
-              <a:xfrm>
-                <a:off x="3071802" y="99669"/>
-                <a:ext cx="4272064" cy="428628"/>
-              </a:xfrm>
-              <a:prstGeom prst="rect">
-                <a:avLst/>
-              </a:prstGeom>
-              <a:noFill/>
-              <a:ln w="9525">
-                <a:noFill/>
-                <a:miter lim="800000"/>
-                <a:headEnd/>
-                <a:tailEnd/>
-              </a:ln>
-              <a:effectLst/>
-            </p:spPr>
-          </p:pic>
-          <p:pic>
-            <p:nvPicPr>
-              <p:cNvPr id="22" name="Picture 4"/>
-              <p:cNvPicPr>
-                <a:picLocks noChangeAspect="1" noChangeArrowheads="1"/>
-              </p:cNvPicPr>
-              <p:nvPr/>
-            </p:nvPicPr>
-            <p:blipFill>
-              <a:blip r:embed="rId4" cstate="print"/>
-              <a:srcRect l="16687" t="80243" r="11001" b="13986"/>
-              <a:stretch>
-                <a:fillRect/>
-              </a:stretch>
-            </p:blipFill>
-            <p:spPr bwMode="auto">
-              <a:xfrm>
-                <a:off x="1714512" y="1028363"/>
-                <a:ext cx="7000892" cy="295621"/>
-              </a:xfrm>
-              <a:prstGeom prst="rect">
-                <a:avLst/>
-              </a:prstGeom>
-              <a:noFill/>
-              <a:ln w="9525">
-                <a:noFill/>
-                <a:miter lim="800000"/>
-                <a:headEnd/>
-                <a:tailEnd/>
-              </a:ln>
-              <a:effectLst/>
-            </p:spPr>
-          </p:pic>
-        </p:grpSp>
-        <p:pic>
-          <p:nvPicPr>
-            <p:cNvPr id="16" name="Picture 2"/>
-            <p:cNvPicPr>
-              <a:picLocks noChangeAspect="1" noChangeArrowheads="1"/>
-            </p:cNvPicPr>
-            <p:nvPr/>
-          </p:nvPicPr>
-          <p:blipFill>
-            <a:blip r:embed="rId6" cstate="print"/>
-            <a:srcRect l="12051" t="16667" r="5893" b="54167"/>
-            <a:stretch>
-              <a:fillRect/>
-            </a:stretch>
-          </p:blipFill>
-          <p:spPr bwMode="auto">
-            <a:xfrm>
-              <a:off x="3071802" y="33105"/>
-              <a:ext cx="3143274" cy="681251"/>
-            </a:xfrm>
-            <a:prstGeom prst="rect">
-              <a:avLst/>
-            </a:prstGeom>
-            <a:noFill/>
-            <a:ln w="9525">
-              <a:noFill/>
-              <a:miter lim="800000"/>
-              <a:headEnd/>
-              <a:tailEnd/>
-            </a:ln>
-            <a:effectLst/>
-          </p:spPr>
-        </p:pic>
-        <p:pic>
-          <p:nvPicPr>
-            <p:cNvPr id="17" name="Picture 2"/>
-            <p:cNvPicPr>
-              <a:picLocks noChangeAspect="1" noChangeArrowheads="1"/>
-            </p:cNvPicPr>
-            <p:nvPr/>
-          </p:nvPicPr>
-          <p:blipFill>
-            <a:blip r:embed="rId7"/>
-            <a:srcRect l="74285" t="66211" r="2939" b="22997"/>
-            <a:stretch>
-              <a:fillRect/>
-            </a:stretch>
-          </p:blipFill>
-          <p:spPr bwMode="auto">
-            <a:xfrm>
-              <a:off x="6929454" y="142852"/>
-              <a:ext cx="1500166" cy="433410"/>
-            </a:xfrm>
-            <a:prstGeom prst="rect">
-              <a:avLst/>
-            </a:prstGeom>
-            <a:noFill/>
-            <a:ln w="9525">
-              <a:noFill/>
-              <a:miter lim="800000"/>
-              <a:headEnd/>
-              <a:tailEnd/>
-            </a:ln>
-            <a:effectLst/>
-          </p:spPr>
-        </p:pic>
-        <p:cxnSp>
-          <p:nvCxnSpPr>
-            <p:cNvPr id="18" name="Connettore 1 17"/>
-            <p:cNvCxnSpPr/>
-            <p:nvPr/>
-          </p:nvCxnSpPr>
-          <p:spPr>
-            <a:xfrm rot="10800000" flipV="1">
-              <a:off x="796" y="711275"/>
-              <a:ext cx="9143207" cy="3080"/>
-            </a:xfrm>
-            <a:prstGeom prst="line">
-              <a:avLst/>
-            </a:prstGeom>
-            <a:ln>
-              <a:solidFill>
-                <a:schemeClr val="bg1">
-                  <a:lumMod val="50000"/>
-                </a:schemeClr>
-              </a:solidFill>
-            </a:ln>
-          </p:spPr>
-          <p:style>
-            <a:lnRef idx="1">
-              <a:schemeClr val="accent1"/>
-            </a:lnRef>
-            <a:fillRef idx="0">
-              <a:schemeClr val="accent1"/>
-            </a:fillRef>
-            <a:effectRef idx="0">
-              <a:schemeClr val="accent1"/>
-            </a:effectRef>
-            <a:fontRef idx="minor">
-              <a:schemeClr val="tx1"/>
-            </a:fontRef>
-          </p:style>
-        </p:cxnSp>
-      </p:grpSp>
-    </p:spTree>
-  </p:cSld>
-  <p:clrMapOvr>
-    <a:masterClrMapping/>
-  </p:clrMapOvr>
-  <p:timing>
-    <p:tnLst>
-      <p:par>
-        <p:cTn id="1" dur="indefinite" restart="never" nodeType="tmRoot"/>
-      </p:par>
-    </p:tnLst>
-  </p:timing>
-</p:sld>
-</file>
-
-<file path=ppt/slides/slide15.xml><?xml version="1.0" encoding="utf-8"?>
+<file path=ppt/slides/slide13.xml><?xml version="1.0" encoding="utf-8"?>
 <p:sld xmlns:a="http://schemas.openxmlformats.org/drawingml/2006/main" xmlns:r="http://schemas.openxmlformats.org/officeDocument/2006/relationships" xmlns:p="http://schemas.openxmlformats.org/presentationml/2006/main">
   <p:cSld>
     <p:spTree>
@@ -5905,7 +5185,7 @@
         </p:blipFill>
         <p:spPr bwMode="auto">
           <a:xfrm>
-            <a:off x="6000792" y="1571612"/>
+            <a:off x="6000760" y="1571612"/>
             <a:ext cx="3143240" cy="2530111"/>
           </a:xfrm>
           <a:prstGeom prst="rect">
@@ -6320,8 +5600,8 @@
 </p:sld>
 </file>
 
-<file path=ppt/slides/slide16.xml><?xml version="1.0" encoding="utf-8"?>
-<p:sld xmlns:a="http://schemas.openxmlformats.org/drawingml/2006/main" xmlns:r="http://schemas.openxmlformats.org/officeDocument/2006/relationships" xmlns:p="http://schemas.openxmlformats.org/presentationml/2006/main">
+<file path=ppt/slides/slide14.xml><?xml version="1.0" encoding="utf-8"?>
+<p:sld xmlns:a="http://schemas.openxmlformats.org/drawingml/2006/main" xmlns:r="http://schemas.openxmlformats.org/officeDocument/2006/relationships" xmlns:p="http://schemas.openxmlformats.org/presentationml/2006/main" show="0">
   <p:cSld>
     <p:spTree>
       <p:nvGrpSpPr>
@@ -6359,11 +5639,7 @@
           <a:p>
             <a:r>
               <a:rPr lang="it-IT" dirty="0" smtClean="0"/>
-              <a:t>Creare blocchi in </a:t>
-            </a:r>
-            <a:r>
-              <a:rPr lang="it-IT" dirty="0" err="1" smtClean="0"/>
-              <a:t>Gnuradio</a:t>
+              <a:t>Creare blocchi in Gnuradio</a:t>
             </a:r>
             <a:endParaRPr lang="it-IT" dirty="0"/>
           </a:p>
@@ -6381,7 +5657,7 @@
         </p:nvSpPr>
         <p:spPr>
           <a:xfrm>
-            <a:off x="457200" y="2046309"/>
+            <a:off x="457200" y="2189185"/>
             <a:ext cx="8229600" cy="4525963"/>
           </a:xfrm>
         </p:spPr>
@@ -6693,6 +5969,7 @@
   <p:clrMapOvr>
     <a:masterClrMapping/>
   </p:clrMapOvr>
+  <p:transition/>
   <p:timing>
     <p:tnLst>
       <p:par>
@@ -6703,7 +5980,7 @@
 </p:sld>
 </file>
 
-<file path=ppt/slides/slide17.xml><?xml version="1.0" encoding="utf-8"?>
+<file path=ppt/slides/slide15.xml><?xml version="1.0" encoding="utf-8"?>
 <p:sld xmlns:a="http://schemas.openxmlformats.org/drawingml/2006/main" xmlns:r="http://schemas.openxmlformats.org/officeDocument/2006/relationships" xmlns:p="http://schemas.openxmlformats.org/presentationml/2006/main" show="0">
   <p:cSld>
     <p:spTree>
@@ -6744,15 +6021,7 @@
           <a:p>
             <a:r>
               <a:rPr lang="it-IT" dirty="0" smtClean="0"/>
-              <a:t>Progettazione modulo </a:t>
-            </a:r>
-            <a:r>
-              <a:rPr lang="it-IT" dirty="0" err="1" smtClean="0"/>
-              <a:t>Gnuradio</a:t>
-            </a:r>
-            <a:r>
-              <a:rPr lang="it-IT" dirty="0" smtClean="0"/>
-              <a:t> 1/3</a:t>
+              <a:t>Progettazione modulo Gnuradio 1/3</a:t>
             </a:r>
             <a:endParaRPr lang="it-IT" dirty="0"/>
           </a:p>
@@ -7092,7 +6361,7 @@
 </p:sld>
 </file>
 
-<file path=ppt/slides/slide18.xml><?xml version="1.0" encoding="utf-8"?>
+<file path=ppt/slides/slide16.xml><?xml version="1.0" encoding="utf-8"?>
 <p:sld xmlns:a="http://schemas.openxmlformats.org/drawingml/2006/main" xmlns:r="http://schemas.openxmlformats.org/officeDocument/2006/relationships" xmlns:p="http://schemas.openxmlformats.org/presentationml/2006/main" show="0">
   <p:cSld>
     <p:spTree>
@@ -7133,15 +6402,7 @@
           <a:p>
             <a:r>
               <a:rPr lang="it-IT" dirty="0" smtClean="0"/>
-              <a:t>Progettazione modulo </a:t>
-            </a:r>
-            <a:r>
-              <a:rPr lang="it-IT" dirty="0" err="1" smtClean="0"/>
-              <a:t>Gnuradio</a:t>
-            </a:r>
-            <a:r>
-              <a:rPr lang="it-IT" dirty="0" smtClean="0"/>
-              <a:t> 2/3</a:t>
+              <a:t>Progettazione modulo Gnuradio 2/3</a:t>
             </a:r>
             <a:endParaRPr lang="it-IT" dirty="0"/>
           </a:p>
@@ -7481,7 +6742,7 @@
 </p:sld>
 </file>
 
-<file path=ppt/slides/slide19.xml><?xml version="1.0" encoding="utf-8"?>
+<file path=ppt/slides/slide17.xml><?xml version="1.0" encoding="utf-8"?>
 <p:sld xmlns:a="http://schemas.openxmlformats.org/drawingml/2006/main" xmlns:r="http://schemas.openxmlformats.org/officeDocument/2006/relationships" xmlns:p="http://schemas.openxmlformats.org/presentationml/2006/main" show="0">
   <p:cSld>
     <p:spTree>
@@ -7522,15 +6783,7 @@
           <a:p>
             <a:r>
               <a:rPr lang="it-IT" dirty="0" smtClean="0"/>
-              <a:t>Progettazione modulo </a:t>
-            </a:r>
-            <a:r>
-              <a:rPr lang="it-IT" dirty="0" err="1" smtClean="0"/>
-              <a:t>Gnuradio</a:t>
-            </a:r>
-            <a:r>
-              <a:rPr lang="it-IT" dirty="0" smtClean="0"/>
-              <a:t> 3/</a:t>
+              <a:t>Progettazione modulo Gnuradio 3/</a:t>
             </a:r>
             <a:r>
               <a:rPr lang="it-IT" dirty="0" err="1" smtClean="0"/>
@@ -7874,6 +7127,765 @@
 </p:sld>
 </file>
 
+<file path=ppt/slides/slide18.xml><?xml version="1.0" encoding="utf-8"?>
+<p:sld xmlns:a="http://schemas.openxmlformats.org/drawingml/2006/main" xmlns:r="http://schemas.openxmlformats.org/officeDocument/2006/relationships" xmlns:p="http://schemas.openxmlformats.org/presentationml/2006/main">
+  <p:cSld>
+    <p:spTree>
+      <p:nvGrpSpPr>
+        <p:cNvPr id="1" name=""/>
+        <p:cNvGrpSpPr/>
+        <p:nvPr/>
+      </p:nvGrpSpPr>
+      <p:grpSpPr>
+        <a:xfrm>
+          <a:off x="0" y="0"/>
+          <a:ext cx="0" cy="0"/>
+          <a:chOff x="0" y="0"/>
+          <a:chExt cx="0" cy="0"/>
+        </a:xfrm>
+      </p:grpSpPr>
+      <p:sp>
+        <p:nvSpPr>
+          <p:cNvPr id="2" name="Titolo 1"/>
+          <p:cNvSpPr>
+            <a:spLocks noGrp="1"/>
+          </p:cNvSpPr>
+          <p:nvPr>
+            <p:ph type="title"/>
+          </p:nvPr>
+        </p:nvSpPr>
+        <p:spPr>
+          <a:xfrm>
+            <a:off x="457200" y="714356"/>
+            <a:ext cx="8229600" cy="1143000"/>
+          </a:xfrm>
+        </p:spPr>
+        <p:txBody>
+          <a:bodyPr>
+            <a:normAutofit fontScale="90000"/>
+          </a:bodyPr>
+          <a:lstStyle/>
+          <a:p>
+            <a:r>
+              <a:rPr lang="it-IT" dirty="0" smtClean="0"/>
+              <a:t>Realizzazione modulo RSA in Gnuradio</a:t>
+            </a:r>
+            <a:endParaRPr lang="it-IT" dirty="0"/>
+          </a:p>
+        </p:txBody>
+      </p:sp>
+      <p:pic>
+        <p:nvPicPr>
+          <p:cNvPr id="13315" name="Picture 3" descr="C:\Users\fiapol\Desktop\tesi\PoorManThesis-master\PoorManThesis-master\images\rsaSimulazione.png"/>
+          <p:cNvPicPr>
+            <a:picLocks noChangeAspect="1" noChangeArrowheads="1"/>
+          </p:cNvPicPr>
+          <p:nvPr/>
+        </p:nvPicPr>
+        <p:blipFill>
+          <a:blip r:embed="rId2"/>
+          <a:srcRect/>
+          <a:stretch>
+            <a:fillRect/>
+          </a:stretch>
+        </p:blipFill>
+        <p:spPr bwMode="auto">
+          <a:xfrm>
+            <a:off x="357158" y="1714488"/>
+            <a:ext cx="8429684" cy="4739384"/>
+          </a:xfrm>
+          <a:prstGeom prst="rect">
+            <a:avLst/>
+          </a:prstGeom>
+          <a:noFill/>
+        </p:spPr>
+      </p:pic>
+      <p:grpSp>
+        <p:nvGrpSpPr>
+          <p:cNvPr id="15" name="Gruppo 14"/>
+          <p:cNvGrpSpPr/>
+          <p:nvPr/>
+        </p:nvGrpSpPr>
+        <p:grpSpPr>
+          <a:xfrm>
+            <a:off x="796" y="33105"/>
+            <a:ext cx="9143207" cy="681251"/>
+            <a:chOff x="796" y="33105"/>
+            <a:chExt cx="9143207" cy="681251"/>
+          </a:xfrm>
+        </p:grpSpPr>
+        <p:grpSp>
+          <p:nvGrpSpPr>
+            <p:cNvPr id="16" name="Gruppo 7"/>
+            <p:cNvGrpSpPr/>
+            <p:nvPr/>
+          </p:nvGrpSpPr>
+          <p:grpSpPr>
+            <a:xfrm>
+              <a:off x="71406" y="71414"/>
+              <a:ext cx="3071864" cy="567375"/>
+              <a:chOff x="0" y="0"/>
+              <a:chExt cx="8715404" cy="1609736"/>
+            </a:xfrm>
+          </p:grpSpPr>
+          <p:pic>
+            <p:nvPicPr>
+              <p:cNvPr id="20" name="Picture 3"/>
+              <p:cNvPicPr>
+                <a:picLocks noChangeAspect="1" noChangeArrowheads="1"/>
+              </p:cNvPicPr>
+              <p:nvPr/>
+            </p:nvPicPr>
+            <p:blipFill>
+              <a:blip r:embed="rId3" cstate="print"/>
+              <a:srcRect l="45509" t="4944" r="39530" b="69980"/>
+              <a:stretch>
+                <a:fillRect/>
+              </a:stretch>
+            </p:blipFill>
+            <p:spPr bwMode="auto">
+              <a:xfrm>
+                <a:off x="0" y="0"/>
+                <a:ext cx="1857388" cy="1609736"/>
+              </a:xfrm>
+              <a:prstGeom prst="rect">
+                <a:avLst/>
+              </a:prstGeom>
+              <a:noFill/>
+              <a:ln w="9525">
+                <a:noFill/>
+                <a:miter lim="800000"/>
+                <a:headEnd/>
+                <a:tailEnd/>
+              </a:ln>
+              <a:effectLst/>
+            </p:spPr>
+          </p:pic>
+          <p:pic>
+            <p:nvPicPr>
+              <p:cNvPr id="21" name="Picture 4"/>
+              <p:cNvPicPr>
+                <a:picLocks noChangeAspect="1" noChangeArrowheads="1"/>
+              </p:cNvPicPr>
+              <p:nvPr/>
+            </p:nvPicPr>
+            <p:blipFill>
+              <a:blip r:embed="rId4" cstate="print"/>
+              <a:srcRect l="16687" t="64901" r="11001" b="28126"/>
+              <a:stretch>
+                <a:fillRect/>
+              </a:stretch>
+            </p:blipFill>
+            <p:spPr bwMode="auto">
+              <a:xfrm>
+                <a:off x="1714512" y="671173"/>
+                <a:ext cx="7000892" cy="357190"/>
+              </a:xfrm>
+              <a:prstGeom prst="rect">
+                <a:avLst/>
+              </a:prstGeom>
+              <a:noFill/>
+              <a:ln w="9525">
+                <a:noFill/>
+                <a:miter lim="800000"/>
+                <a:headEnd/>
+                <a:tailEnd/>
+              </a:ln>
+              <a:effectLst/>
+            </p:spPr>
+          </p:pic>
+          <p:pic>
+            <p:nvPicPr>
+              <p:cNvPr id="22" name="Picture 3"/>
+              <p:cNvPicPr>
+                <a:picLocks noChangeAspect="1" noChangeArrowheads="1"/>
+              </p:cNvPicPr>
+              <p:nvPr/>
+            </p:nvPicPr>
+            <p:blipFill>
+              <a:blip r:embed="rId5" cstate="print"/>
+              <a:srcRect l="28553" t="28091" r="22574" b="62426"/>
+              <a:stretch>
+                <a:fillRect/>
+              </a:stretch>
+            </p:blipFill>
+            <p:spPr bwMode="auto">
+              <a:xfrm>
+                <a:off x="3071802" y="99669"/>
+                <a:ext cx="4272064" cy="428628"/>
+              </a:xfrm>
+              <a:prstGeom prst="rect">
+                <a:avLst/>
+              </a:prstGeom>
+              <a:noFill/>
+              <a:ln w="9525">
+                <a:noFill/>
+                <a:miter lim="800000"/>
+                <a:headEnd/>
+                <a:tailEnd/>
+              </a:ln>
+              <a:effectLst/>
+            </p:spPr>
+          </p:pic>
+          <p:pic>
+            <p:nvPicPr>
+              <p:cNvPr id="23" name="Picture 4"/>
+              <p:cNvPicPr>
+                <a:picLocks noChangeAspect="1" noChangeArrowheads="1"/>
+              </p:cNvPicPr>
+              <p:nvPr/>
+            </p:nvPicPr>
+            <p:blipFill>
+              <a:blip r:embed="rId4" cstate="print"/>
+              <a:srcRect l="16687" t="80243" r="11001" b="13986"/>
+              <a:stretch>
+                <a:fillRect/>
+              </a:stretch>
+            </p:blipFill>
+            <p:spPr bwMode="auto">
+              <a:xfrm>
+                <a:off x="1714512" y="1028363"/>
+                <a:ext cx="7000892" cy="295621"/>
+              </a:xfrm>
+              <a:prstGeom prst="rect">
+                <a:avLst/>
+              </a:prstGeom>
+              <a:noFill/>
+              <a:ln w="9525">
+                <a:noFill/>
+                <a:miter lim="800000"/>
+                <a:headEnd/>
+                <a:tailEnd/>
+              </a:ln>
+              <a:effectLst/>
+            </p:spPr>
+          </p:pic>
+        </p:grpSp>
+        <p:pic>
+          <p:nvPicPr>
+            <p:cNvPr id="17" name="Picture 2"/>
+            <p:cNvPicPr>
+              <a:picLocks noChangeAspect="1" noChangeArrowheads="1"/>
+            </p:cNvPicPr>
+            <p:nvPr/>
+          </p:nvPicPr>
+          <p:blipFill>
+            <a:blip r:embed="rId6" cstate="print"/>
+            <a:srcRect l="12051" t="16667" r="5893" b="54167"/>
+            <a:stretch>
+              <a:fillRect/>
+            </a:stretch>
+          </p:blipFill>
+          <p:spPr bwMode="auto">
+            <a:xfrm>
+              <a:off x="3071802" y="33105"/>
+              <a:ext cx="3143274" cy="681251"/>
+            </a:xfrm>
+            <a:prstGeom prst="rect">
+              <a:avLst/>
+            </a:prstGeom>
+            <a:noFill/>
+            <a:ln w="9525">
+              <a:noFill/>
+              <a:miter lim="800000"/>
+              <a:headEnd/>
+              <a:tailEnd/>
+            </a:ln>
+            <a:effectLst/>
+          </p:spPr>
+        </p:pic>
+        <p:pic>
+          <p:nvPicPr>
+            <p:cNvPr id="18" name="Picture 2"/>
+            <p:cNvPicPr>
+              <a:picLocks noChangeAspect="1" noChangeArrowheads="1"/>
+            </p:cNvPicPr>
+            <p:nvPr/>
+          </p:nvPicPr>
+          <p:blipFill>
+            <a:blip r:embed="rId7"/>
+            <a:srcRect l="74285" t="66211" r="2939" b="22997"/>
+            <a:stretch>
+              <a:fillRect/>
+            </a:stretch>
+          </p:blipFill>
+          <p:spPr bwMode="auto">
+            <a:xfrm>
+              <a:off x="6929454" y="142852"/>
+              <a:ext cx="1500166" cy="433410"/>
+            </a:xfrm>
+            <a:prstGeom prst="rect">
+              <a:avLst/>
+            </a:prstGeom>
+            <a:noFill/>
+            <a:ln w="9525">
+              <a:noFill/>
+              <a:miter lim="800000"/>
+              <a:headEnd/>
+              <a:tailEnd/>
+            </a:ln>
+            <a:effectLst/>
+          </p:spPr>
+        </p:pic>
+        <p:cxnSp>
+          <p:nvCxnSpPr>
+            <p:cNvPr id="19" name="Connettore 1 18"/>
+            <p:cNvCxnSpPr/>
+            <p:nvPr/>
+          </p:nvCxnSpPr>
+          <p:spPr>
+            <a:xfrm rot="10800000" flipV="1">
+              <a:off x="796" y="711275"/>
+              <a:ext cx="9143207" cy="3080"/>
+            </a:xfrm>
+            <a:prstGeom prst="line">
+              <a:avLst/>
+            </a:prstGeom>
+            <a:ln>
+              <a:solidFill>
+                <a:schemeClr val="bg1">
+                  <a:lumMod val="50000"/>
+                </a:schemeClr>
+              </a:solidFill>
+            </a:ln>
+          </p:spPr>
+          <p:style>
+            <a:lnRef idx="1">
+              <a:schemeClr val="accent1"/>
+            </a:lnRef>
+            <a:fillRef idx="0">
+              <a:schemeClr val="accent1"/>
+            </a:fillRef>
+            <a:effectRef idx="0">
+              <a:schemeClr val="accent1"/>
+            </a:effectRef>
+            <a:fontRef idx="minor">
+              <a:schemeClr val="tx1"/>
+            </a:fontRef>
+          </p:style>
+        </p:cxnSp>
+      </p:grpSp>
+    </p:spTree>
+  </p:cSld>
+  <p:clrMapOvr>
+    <a:masterClrMapping/>
+  </p:clrMapOvr>
+  <p:timing>
+    <p:tnLst>
+      <p:par>
+        <p:cTn id="1" dur="indefinite" restart="never" nodeType="tmRoot"/>
+      </p:par>
+    </p:tnLst>
+  </p:timing>
+</p:sld>
+</file>
+
+<file path=ppt/slides/slide19.xml><?xml version="1.0" encoding="utf-8"?>
+<p:sld xmlns:a="http://schemas.openxmlformats.org/drawingml/2006/main" xmlns:r="http://schemas.openxmlformats.org/officeDocument/2006/relationships" xmlns:p="http://schemas.openxmlformats.org/presentationml/2006/main">
+  <p:cSld>
+    <p:spTree>
+      <p:nvGrpSpPr>
+        <p:cNvPr id="1" name=""/>
+        <p:cNvGrpSpPr/>
+        <p:nvPr/>
+      </p:nvGrpSpPr>
+      <p:grpSpPr>
+        <a:xfrm>
+          <a:off x="0" y="0"/>
+          <a:ext cx="0" cy="0"/>
+          <a:chOff x="0" y="0"/>
+          <a:chExt cx="0" cy="0"/>
+        </a:xfrm>
+      </p:grpSpPr>
+      <p:sp>
+        <p:nvSpPr>
+          <p:cNvPr id="2" name="Titolo 1"/>
+          <p:cNvSpPr>
+            <a:spLocks noGrp="1"/>
+          </p:cNvSpPr>
+          <p:nvPr>
+            <p:ph type="title"/>
+          </p:nvPr>
+        </p:nvSpPr>
+        <p:spPr>
+          <a:xfrm>
+            <a:off x="457200" y="720747"/>
+            <a:ext cx="8229600" cy="1143000"/>
+          </a:xfrm>
+        </p:spPr>
+        <p:txBody>
+          <a:bodyPr>
+            <a:normAutofit/>
+          </a:bodyPr>
+          <a:lstStyle/>
+          <a:p>
+            <a:r>
+              <a:rPr lang="it-IT" dirty="0" smtClean="0"/>
+              <a:t>Conclusioni</a:t>
+            </a:r>
+            <a:endParaRPr lang="it-IT" dirty="0"/>
+          </a:p>
+        </p:txBody>
+      </p:sp>
+      <p:sp>
+        <p:nvSpPr>
+          <p:cNvPr id="3" name="Segnaposto contenuto 2"/>
+          <p:cNvSpPr>
+            <a:spLocks noGrp="1"/>
+          </p:cNvSpPr>
+          <p:nvPr>
+            <p:ph idx="1"/>
+          </p:nvPr>
+        </p:nvSpPr>
+        <p:spPr>
+          <a:xfrm>
+            <a:off x="457200" y="2117747"/>
+            <a:ext cx="8229600" cy="4525963"/>
+          </a:xfrm>
+        </p:spPr>
+        <p:txBody>
+          <a:bodyPr>
+            <a:normAutofit/>
+          </a:bodyPr>
+          <a:lstStyle/>
+          <a:p>
+            <a:r>
+              <a:rPr lang="it-IT" dirty="0" smtClean="0"/>
+              <a:t>SDR-RTL in grado di funzionare con OFDM</a:t>
+            </a:r>
+          </a:p>
+          <a:p>
+            <a:pPr lvl="1"/>
+            <a:r>
+              <a:rPr lang="it-IT" dirty="0" smtClean="0"/>
+              <a:t>Margine di incremento prestazioni ristretto</a:t>
+            </a:r>
+          </a:p>
+          <a:p>
+            <a:pPr lvl="2">
+              <a:buNone/>
+            </a:pPr>
+            <a:r>
+              <a:rPr lang="it-IT" dirty="0" smtClean="0"/>
+              <a:t>Sample rate massimo e limite cpu</a:t>
+            </a:r>
+          </a:p>
+          <a:p>
+            <a:r>
+              <a:rPr lang="it-IT" dirty="0" smtClean="0"/>
+              <a:t>Integrazione modulo RSA possibile</a:t>
+            </a:r>
+          </a:p>
+          <a:p>
+            <a:pPr lvl="1"/>
+            <a:r>
+              <a:rPr lang="it-IT" dirty="0" smtClean="0"/>
+              <a:t>Identificate le problematiche per integrazione in OFDM</a:t>
+            </a:r>
+            <a:endParaRPr lang="it-IT" dirty="0" smtClean="0"/>
+          </a:p>
+          <a:p>
+            <a:pPr lvl="8"/>
+            <a:endParaRPr lang="it-IT" dirty="0" smtClean="0"/>
+          </a:p>
+          <a:p>
+            <a:pPr lvl="1"/>
+            <a:endParaRPr lang="it-IT" dirty="0" smtClean="0"/>
+          </a:p>
+          <a:p>
+            <a:pPr>
+              <a:buNone/>
+            </a:pPr>
+            <a:endParaRPr lang="it-IT" dirty="0" smtClean="0"/>
+          </a:p>
+          <a:p>
+            <a:pPr>
+              <a:buNone/>
+            </a:pPr>
+            <a:endParaRPr lang="it-IT" dirty="0"/>
+          </a:p>
+        </p:txBody>
+      </p:sp>
+      <p:grpSp>
+        <p:nvGrpSpPr>
+          <p:cNvPr id="13" name="Gruppo 12"/>
+          <p:cNvGrpSpPr/>
+          <p:nvPr/>
+        </p:nvGrpSpPr>
+        <p:grpSpPr>
+          <a:xfrm>
+            <a:off x="796" y="33105"/>
+            <a:ext cx="9143207" cy="681251"/>
+            <a:chOff x="796" y="33105"/>
+            <a:chExt cx="9143207" cy="681251"/>
+          </a:xfrm>
+        </p:grpSpPr>
+        <p:grpSp>
+          <p:nvGrpSpPr>
+            <p:cNvPr id="14" name="Gruppo 7"/>
+            <p:cNvGrpSpPr/>
+            <p:nvPr/>
+          </p:nvGrpSpPr>
+          <p:grpSpPr>
+            <a:xfrm>
+              <a:off x="71406" y="71414"/>
+              <a:ext cx="3071864" cy="567375"/>
+              <a:chOff x="0" y="0"/>
+              <a:chExt cx="8715404" cy="1609736"/>
+            </a:xfrm>
+          </p:grpSpPr>
+          <p:pic>
+            <p:nvPicPr>
+              <p:cNvPr id="18" name="Picture 3"/>
+              <p:cNvPicPr>
+                <a:picLocks noChangeAspect="1" noChangeArrowheads="1"/>
+              </p:cNvPicPr>
+              <p:nvPr/>
+            </p:nvPicPr>
+            <p:blipFill>
+              <a:blip r:embed="rId2" cstate="print"/>
+              <a:srcRect l="45509" t="4944" r="39530" b="69980"/>
+              <a:stretch>
+                <a:fillRect/>
+              </a:stretch>
+            </p:blipFill>
+            <p:spPr bwMode="auto">
+              <a:xfrm>
+                <a:off x="0" y="0"/>
+                <a:ext cx="1857388" cy="1609736"/>
+              </a:xfrm>
+              <a:prstGeom prst="rect">
+                <a:avLst/>
+              </a:prstGeom>
+              <a:noFill/>
+              <a:ln w="9525">
+                <a:noFill/>
+                <a:miter lim="800000"/>
+                <a:headEnd/>
+                <a:tailEnd/>
+              </a:ln>
+              <a:effectLst/>
+            </p:spPr>
+          </p:pic>
+          <p:pic>
+            <p:nvPicPr>
+              <p:cNvPr id="19" name="Picture 4"/>
+              <p:cNvPicPr>
+                <a:picLocks noChangeAspect="1" noChangeArrowheads="1"/>
+              </p:cNvPicPr>
+              <p:nvPr/>
+            </p:nvPicPr>
+            <p:blipFill>
+              <a:blip r:embed="rId3" cstate="print"/>
+              <a:srcRect l="16687" t="64901" r="11001" b="28126"/>
+              <a:stretch>
+                <a:fillRect/>
+              </a:stretch>
+            </p:blipFill>
+            <p:spPr bwMode="auto">
+              <a:xfrm>
+                <a:off x="1714512" y="671173"/>
+                <a:ext cx="7000892" cy="357190"/>
+              </a:xfrm>
+              <a:prstGeom prst="rect">
+                <a:avLst/>
+              </a:prstGeom>
+              <a:noFill/>
+              <a:ln w="9525">
+                <a:noFill/>
+                <a:miter lim="800000"/>
+                <a:headEnd/>
+                <a:tailEnd/>
+              </a:ln>
+              <a:effectLst/>
+            </p:spPr>
+          </p:pic>
+          <p:pic>
+            <p:nvPicPr>
+              <p:cNvPr id="20" name="Picture 3"/>
+              <p:cNvPicPr>
+                <a:picLocks noChangeAspect="1" noChangeArrowheads="1"/>
+              </p:cNvPicPr>
+              <p:nvPr/>
+            </p:nvPicPr>
+            <p:blipFill>
+              <a:blip r:embed="rId4" cstate="print"/>
+              <a:srcRect l="28553" t="28091" r="22574" b="62426"/>
+              <a:stretch>
+                <a:fillRect/>
+              </a:stretch>
+            </p:blipFill>
+            <p:spPr bwMode="auto">
+              <a:xfrm>
+                <a:off x="3071802" y="99669"/>
+                <a:ext cx="4272064" cy="428628"/>
+              </a:xfrm>
+              <a:prstGeom prst="rect">
+                <a:avLst/>
+              </a:prstGeom>
+              <a:noFill/>
+              <a:ln w="9525">
+                <a:noFill/>
+                <a:miter lim="800000"/>
+                <a:headEnd/>
+                <a:tailEnd/>
+              </a:ln>
+              <a:effectLst/>
+            </p:spPr>
+          </p:pic>
+          <p:pic>
+            <p:nvPicPr>
+              <p:cNvPr id="21" name="Picture 4"/>
+              <p:cNvPicPr>
+                <a:picLocks noChangeAspect="1" noChangeArrowheads="1"/>
+              </p:cNvPicPr>
+              <p:nvPr/>
+            </p:nvPicPr>
+            <p:blipFill>
+              <a:blip r:embed="rId3" cstate="print"/>
+              <a:srcRect l="16687" t="80243" r="11001" b="13986"/>
+              <a:stretch>
+                <a:fillRect/>
+              </a:stretch>
+            </p:blipFill>
+            <p:spPr bwMode="auto">
+              <a:xfrm>
+                <a:off x="1714512" y="1028363"/>
+                <a:ext cx="7000892" cy="295621"/>
+              </a:xfrm>
+              <a:prstGeom prst="rect">
+                <a:avLst/>
+              </a:prstGeom>
+              <a:noFill/>
+              <a:ln w="9525">
+                <a:noFill/>
+                <a:miter lim="800000"/>
+                <a:headEnd/>
+                <a:tailEnd/>
+              </a:ln>
+              <a:effectLst/>
+            </p:spPr>
+          </p:pic>
+        </p:grpSp>
+        <p:pic>
+          <p:nvPicPr>
+            <p:cNvPr id="15" name="Picture 2"/>
+            <p:cNvPicPr>
+              <a:picLocks noChangeAspect="1" noChangeArrowheads="1"/>
+            </p:cNvPicPr>
+            <p:nvPr/>
+          </p:nvPicPr>
+          <p:blipFill>
+            <a:blip r:embed="rId5" cstate="print"/>
+            <a:srcRect l="12051" t="16667" r="5893" b="54167"/>
+            <a:stretch>
+              <a:fillRect/>
+            </a:stretch>
+          </p:blipFill>
+          <p:spPr bwMode="auto">
+            <a:xfrm>
+              <a:off x="3071802" y="33105"/>
+              <a:ext cx="3143274" cy="681251"/>
+            </a:xfrm>
+            <a:prstGeom prst="rect">
+              <a:avLst/>
+            </a:prstGeom>
+            <a:noFill/>
+            <a:ln w="9525">
+              <a:noFill/>
+              <a:miter lim="800000"/>
+              <a:headEnd/>
+              <a:tailEnd/>
+            </a:ln>
+            <a:effectLst/>
+          </p:spPr>
+        </p:pic>
+        <p:pic>
+          <p:nvPicPr>
+            <p:cNvPr id="16" name="Picture 2"/>
+            <p:cNvPicPr>
+              <a:picLocks noChangeAspect="1" noChangeArrowheads="1"/>
+            </p:cNvPicPr>
+            <p:nvPr/>
+          </p:nvPicPr>
+          <p:blipFill>
+            <a:blip r:embed="rId6"/>
+            <a:srcRect l="74285" t="66211" r="2939" b="22997"/>
+            <a:stretch>
+              <a:fillRect/>
+            </a:stretch>
+          </p:blipFill>
+          <p:spPr bwMode="auto">
+            <a:xfrm>
+              <a:off x="6929454" y="142852"/>
+              <a:ext cx="1500166" cy="433410"/>
+            </a:xfrm>
+            <a:prstGeom prst="rect">
+              <a:avLst/>
+            </a:prstGeom>
+            <a:noFill/>
+            <a:ln w="9525">
+              <a:noFill/>
+              <a:miter lim="800000"/>
+              <a:headEnd/>
+              <a:tailEnd/>
+            </a:ln>
+            <a:effectLst/>
+          </p:spPr>
+        </p:pic>
+        <p:cxnSp>
+          <p:nvCxnSpPr>
+            <p:cNvPr id="17" name="Connettore 1 16"/>
+            <p:cNvCxnSpPr/>
+            <p:nvPr/>
+          </p:nvCxnSpPr>
+          <p:spPr>
+            <a:xfrm rot="10800000" flipV="1">
+              <a:off x="796" y="711275"/>
+              <a:ext cx="9143207" cy="3080"/>
+            </a:xfrm>
+            <a:prstGeom prst="line">
+              <a:avLst/>
+            </a:prstGeom>
+            <a:ln>
+              <a:solidFill>
+                <a:schemeClr val="bg1">
+                  <a:lumMod val="50000"/>
+                </a:schemeClr>
+              </a:solidFill>
+            </a:ln>
+          </p:spPr>
+          <p:style>
+            <a:lnRef idx="1">
+              <a:schemeClr val="accent1"/>
+            </a:lnRef>
+            <a:fillRef idx="0">
+              <a:schemeClr val="accent1"/>
+            </a:fillRef>
+            <a:effectRef idx="0">
+              <a:schemeClr val="accent1"/>
+            </a:effectRef>
+            <a:fontRef idx="minor">
+              <a:schemeClr val="tx1"/>
+            </a:fontRef>
+          </p:style>
+        </p:cxnSp>
+      </p:grpSp>
+    </p:spTree>
+  </p:cSld>
+  <p:clrMapOvr>
+    <a:masterClrMapping/>
+  </p:clrMapOvr>
+  <p:timing>
+    <p:tnLst>
+      <p:par>
+        <p:cTn id="1" dur="indefinite" restart="never" nodeType="tmRoot"/>
+      </p:par>
+    </p:tnLst>
+  </p:timing>
+</p:sld>
+</file>
+
 <file path=ppt/slides/slide2.xml><?xml version="1.0" encoding="utf-8"?>
 <p:sld xmlns:a="http://schemas.openxmlformats.org/drawingml/2006/main" xmlns:r="http://schemas.openxmlformats.org/officeDocument/2006/relationships" xmlns:p="http://schemas.openxmlformats.org/presentationml/2006/main">
   <p:cSld>
@@ -7933,13 +7945,13 @@
         </p:nvSpPr>
         <p:spPr>
           <a:xfrm>
-            <a:off x="428596" y="2046309"/>
-            <a:ext cx="8229600" cy="4525963"/>
+            <a:off x="428596" y="1928803"/>
+            <a:ext cx="8229600" cy="4572031"/>
           </a:xfrm>
         </p:spPr>
         <p:txBody>
           <a:bodyPr>
-            <a:normAutofit/>
+            <a:normAutofit lnSpcReduction="10000"/>
           </a:bodyPr>
           <a:lstStyle/>
           <a:p>
@@ -7952,27 +7964,50 @@
             <a:pPr lvl="1"/>
             <a:r>
               <a:rPr lang="it-IT" dirty="0" smtClean="0"/>
-              <a:t>Sviluppo tradizionale in Hardware</a:t>
+              <a:t>Sviluppo in </a:t>
+            </a:r>
+            <a:r>
+              <a:rPr lang="it-IT" dirty="0" err="1" smtClean="0"/>
+              <a:t>Hadware</a:t>
+            </a:r>
+            <a:r>
+              <a:rPr lang="it-IT" dirty="0" smtClean="0"/>
+              <a:t> costoso</a:t>
             </a:r>
           </a:p>
           <a:p>
             <a:pPr lvl="1"/>
             <a:r>
+              <a:rPr lang="it-IT" dirty="0" err="1" smtClean="0"/>
+              <a:t>Nouvi</a:t>
+            </a:r>
+            <a:r>
               <a:rPr lang="it-IT" dirty="0" smtClean="0"/>
-              <a:t>nuovi SDR economici</a:t>
-            </a:r>
+              <a:t> SDR economici</a:t>
+            </a:r>
+          </a:p>
+          <a:p>
+            <a:pPr>
+              <a:buNone/>
+            </a:pPr>
+            <a:endParaRPr lang="it-IT" dirty="0" smtClean="0"/>
           </a:p>
           <a:p>
             <a:r>
               <a:rPr lang="it-IT" dirty="0" smtClean="0"/>
-              <a:t>Obiettivo</a:t>
-            </a:r>
+              <a:t>Obiettivi</a:t>
+            </a:r>
+            <a:endParaRPr lang="it-IT" dirty="0" smtClean="0"/>
           </a:p>
           <a:p>
             <a:pPr lvl="1"/>
             <a:r>
               <a:rPr lang="it-IT" dirty="0" smtClean="0"/>
-              <a:t>Osservare il comportamento di SDR economici utilizzando una tecnica di trasmissione avanzata (OFDM)</a:t>
+              <a:t>Valutare il potenziale di SDR </a:t>
+            </a:r>
+            <a:r>
+              <a:rPr lang="it-IT" dirty="0" smtClean="0"/>
+              <a:t>economici utilizzando una tecnica di trasmissione avanzata (OFDM)</a:t>
             </a:r>
           </a:p>
           <a:p>
@@ -7990,7 +8025,7 @@
               <a:t> di sicurezza direttamente in </a:t>
             </a:r>
             <a:r>
-              <a:rPr lang="it-IT" dirty="0" err="1" smtClean="0"/>
+              <a:rPr lang="it-IT" dirty="0" smtClean="0"/>
               <a:t>Gnuradio</a:t>
             </a:r>
             <a:endParaRPr lang="it-IT" dirty="0" smtClean="0"/>
@@ -8312,779 +8347,6 @@
         </p:nvSpPr>
         <p:spPr>
           <a:xfrm>
-            <a:off x="457200" y="714356"/>
-            <a:ext cx="8229600" cy="1143000"/>
-          </a:xfrm>
-        </p:spPr>
-        <p:txBody>
-          <a:bodyPr>
-            <a:normAutofit/>
-          </a:bodyPr>
-          <a:lstStyle/>
-          <a:p>
-            <a:r>
-              <a:rPr lang="it-IT" dirty="0" smtClean="0"/>
-              <a:t>Utilizzo modulo </a:t>
-            </a:r>
-            <a:r>
-              <a:rPr lang="it-IT" dirty="0" err="1" smtClean="0"/>
-              <a:t>Gnuradio</a:t>
-            </a:r>
-            <a:endParaRPr lang="it-IT" dirty="0"/>
-          </a:p>
-        </p:txBody>
-      </p:sp>
-      <p:pic>
-        <p:nvPicPr>
-          <p:cNvPr id="13315" name="Picture 3" descr="C:\Users\fiapol\Desktop\tesi\PoorManThesis-master\PoorManThesis-master\images\rsaSimulazione.png"/>
-          <p:cNvPicPr>
-            <a:picLocks noChangeAspect="1" noChangeArrowheads="1"/>
-          </p:cNvPicPr>
-          <p:nvPr/>
-        </p:nvPicPr>
-        <p:blipFill>
-          <a:blip r:embed="rId2"/>
-          <a:srcRect/>
-          <a:stretch>
-            <a:fillRect/>
-          </a:stretch>
-        </p:blipFill>
-        <p:spPr bwMode="auto">
-          <a:xfrm>
-            <a:off x="357158" y="1714488"/>
-            <a:ext cx="8429684" cy="4739384"/>
-          </a:xfrm>
-          <a:prstGeom prst="rect">
-            <a:avLst/>
-          </a:prstGeom>
-          <a:noFill/>
-        </p:spPr>
-      </p:pic>
-      <p:grpSp>
-        <p:nvGrpSpPr>
-          <p:cNvPr id="15" name="Gruppo 14"/>
-          <p:cNvGrpSpPr/>
-          <p:nvPr/>
-        </p:nvGrpSpPr>
-        <p:grpSpPr>
-          <a:xfrm>
-            <a:off x="796" y="33105"/>
-            <a:ext cx="9143207" cy="681251"/>
-            <a:chOff x="796" y="33105"/>
-            <a:chExt cx="9143207" cy="681251"/>
-          </a:xfrm>
-        </p:grpSpPr>
-        <p:grpSp>
-          <p:nvGrpSpPr>
-            <p:cNvPr id="16" name="Gruppo 7"/>
-            <p:cNvGrpSpPr/>
-            <p:nvPr/>
-          </p:nvGrpSpPr>
-          <p:grpSpPr>
-            <a:xfrm>
-              <a:off x="71406" y="71414"/>
-              <a:ext cx="3071864" cy="567375"/>
-              <a:chOff x="0" y="0"/>
-              <a:chExt cx="8715404" cy="1609736"/>
-            </a:xfrm>
-          </p:grpSpPr>
-          <p:pic>
-            <p:nvPicPr>
-              <p:cNvPr id="20" name="Picture 3"/>
-              <p:cNvPicPr>
-                <a:picLocks noChangeAspect="1" noChangeArrowheads="1"/>
-              </p:cNvPicPr>
-              <p:nvPr/>
-            </p:nvPicPr>
-            <p:blipFill>
-              <a:blip r:embed="rId3" cstate="print"/>
-              <a:srcRect l="45509" t="4944" r="39530" b="69980"/>
-              <a:stretch>
-                <a:fillRect/>
-              </a:stretch>
-            </p:blipFill>
-            <p:spPr bwMode="auto">
-              <a:xfrm>
-                <a:off x="0" y="0"/>
-                <a:ext cx="1857388" cy="1609736"/>
-              </a:xfrm>
-              <a:prstGeom prst="rect">
-                <a:avLst/>
-              </a:prstGeom>
-              <a:noFill/>
-              <a:ln w="9525">
-                <a:noFill/>
-                <a:miter lim="800000"/>
-                <a:headEnd/>
-                <a:tailEnd/>
-              </a:ln>
-              <a:effectLst/>
-            </p:spPr>
-          </p:pic>
-          <p:pic>
-            <p:nvPicPr>
-              <p:cNvPr id="21" name="Picture 4"/>
-              <p:cNvPicPr>
-                <a:picLocks noChangeAspect="1" noChangeArrowheads="1"/>
-              </p:cNvPicPr>
-              <p:nvPr/>
-            </p:nvPicPr>
-            <p:blipFill>
-              <a:blip r:embed="rId4" cstate="print"/>
-              <a:srcRect l="16687" t="64901" r="11001" b="28126"/>
-              <a:stretch>
-                <a:fillRect/>
-              </a:stretch>
-            </p:blipFill>
-            <p:spPr bwMode="auto">
-              <a:xfrm>
-                <a:off x="1714512" y="671173"/>
-                <a:ext cx="7000892" cy="357190"/>
-              </a:xfrm>
-              <a:prstGeom prst="rect">
-                <a:avLst/>
-              </a:prstGeom>
-              <a:noFill/>
-              <a:ln w="9525">
-                <a:noFill/>
-                <a:miter lim="800000"/>
-                <a:headEnd/>
-                <a:tailEnd/>
-              </a:ln>
-              <a:effectLst/>
-            </p:spPr>
-          </p:pic>
-          <p:pic>
-            <p:nvPicPr>
-              <p:cNvPr id="22" name="Picture 3"/>
-              <p:cNvPicPr>
-                <a:picLocks noChangeAspect="1" noChangeArrowheads="1"/>
-              </p:cNvPicPr>
-              <p:nvPr/>
-            </p:nvPicPr>
-            <p:blipFill>
-              <a:blip r:embed="rId5" cstate="print"/>
-              <a:srcRect l="28553" t="28091" r="22574" b="62426"/>
-              <a:stretch>
-                <a:fillRect/>
-              </a:stretch>
-            </p:blipFill>
-            <p:spPr bwMode="auto">
-              <a:xfrm>
-                <a:off x="3071802" y="99669"/>
-                <a:ext cx="4272064" cy="428628"/>
-              </a:xfrm>
-              <a:prstGeom prst="rect">
-                <a:avLst/>
-              </a:prstGeom>
-              <a:noFill/>
-              <a:ln w="9525">
-                <a:noFill/>
-                <a:miter lim="800000"/>
-                <a:headEnd/>
-                <a:tailEnd/>
-              </a:ln>
-              <a:effectLst/>
-            </p:spPr>
-          </p:pic>
-          <p:pic>
-            <p:nvPicPr>
-              <p:cNvPr id="23" name="Picture 4"/>
-              <p:cNvPicPr>
-                <a:picLocks noChangeAspect="1" noChangeArrowheads="1"/>
-              </p:cNvPicPr>
-              <p:nvPr/>
-            </p:nvPicPr>
-            <p:blipFill>
-              <a:blip r:embed="rId4" cstate="print"/>
-              <a:srcRect l="16687" t="80243" r="11001" b="13986"/>
-              <a:stretch>
-                <a:fillRect/>
-              </a:stretch>
-            </p:blipFill>
-            <p:spPr bwMode="auto">
-              <a:xfrm>
-                <a:off x="1714512" y="1028363"/>
-                <a:ext cx="7000892" cy="295621"/>
-              </a:xfrm>
-              <a:prstGeom prst="rect">
-                <a:avLst/>
-              </a:prstGeom>
-              <a:noFill/>
-              <a:ln w="9525">
-                <a:noFill/>
-                <a:miter lim="800000"/>
-                <a:headEnd/>
-                <a:tailEnd/>
-              </a:ln>
-              <a:effectLst/>
-            </p:spPr>
-          </p:pic>
-        </p:grpSp>
-        <p:pic>
-          <p:nvPicPr>
-            <p:cNvPr id="17" name="Picture 2"/>
-            <p:cNvPicPr>
-              <a:picLocks noChangeAspect="1" noChangeArrowheads="1"/>
-            </p:cNvPicPr>
-            <p:nvPr/>
-          </p:nvPicPr>
-          <p:blipFill>
-            <a:blip r:embed="rId6" cstate="print"/>
-            <a:srcRect l="12051" t="16667" r="5893" b="54167"/>
-            <a:stretch>
-              <a:fillRect/>
-            </a:stretch>
-          </p:blipFill>
-          <p:spPr bwMode="auto">
-            <a:xfrm>
-              <a:off x="3071802" y="33105"/>
-              <a:ext cx="3143274" cy="681251"/>
-            </a:xfrm>
-            <a:prstGeom prst="rect">
-              <a:avLst/>
-            </a:prstGeom>
-            <a:noFill/>
-            <a:ln w="9525">
-              <a:noFill/>
-              <a:miter lim="800000"/>
-              <a:headEnd/>
-              <a:tailEnd/>
-            </a:ln>
-            <a:effectLst/>
-          </p:spPr>
-        </p:pic>
-        <p:pic>
-          <p:nvPicPr>
-            <p:cNvPr id="18" name="Picture 2"/>
-            <p:cNvPicPr>
-              <a:picLocks noChangeAspect="1" noChangeArrowheads="1"/>
-            </p:cNvPicPr>
-            <p:nvPr/>
-          </p:nvPicPr>
-          <p:blipFill>
-            <a:blip r:embed="rId7"/>
-            <a:srcRect l="74285" t="66211" r="2939" b="22997"/>
-            <a:stretch>
-              <a:fillRect/>
-            </a:stretch>
-          </p:blipFill>
-          <p:spPr bwMode="auto">
-            <a:xfrm>
-              <a:off x="6929454" y="142852"/>
-              <a:ext cx="1500166" cy="433410"/>
-            </a:xfrm>
-            <a:prstGeom prst="rect">
-              <a:avLst/>
-            </a:prstGeom>
-            <a:noFill/>
-            <a:ln w="9525">
-              <a:noFill/>
-              <a:miter lim="800000"/>
-              <a:headEnd/>
-              <a:tailEnd/>
-            </a:ln>
-            <a:effectLst/>
-          </p:spPr>
-        </p:pic>
-        <p:cxnSp>
-          <p:nvCxnSpPr>
-            <p:cNvPr id="19" name="Connettore 1 18"/>
-            <p:cNvCxnSpPr/>
-            <p:nvPr/>
-          </p:nvCxnSpPr>
-          <p:spPr>
-            <a:xfrm rot="10800000" flipV="1">
-              <a:off x="796" y="711275"/>
-              <a:ext cx="9143207" cy="3080"/>
-            </a:xfrm>
-            <a:prstGeom prst="line">
-              <a:avLst/>
-            </a:prstGeom>
-            <a:ln>
-              <a:solidFill>
-                <a:schemeClr val="bg1">
-                  <a:lumMod val="50000"/>
-                </a:schemeClr>
-              </a:solidFill>
-            </a:ln>
-          </p:spPr>
-          <p:style>
-            <a:lnRef idx="1">
-              <a:schemeClr val="accent1"/>
-            </a:lnRef>
-            <a:fillRef idx="0">
-              <a:schemeClr val="accent1"/>
-            </a:fillRef>
-            <a:effectRef idx="0">
-              <a:schemeClr val="accent1"/>
-            </a:effectRef>
-            <a:fontRef idx="minor">
-              <a:schemeClr val="tx1"/>
-            </a:fontRef>
-          </p:style>
-        </p:cxnSp>
-      </p:grpSp>
-    </p:spTree>
-  </p:cSld>
-  <p:clrMapOvr>
-    <a:masterClrMapping/>
-  </p:clrMapOvr>
-  <p:timing>
-    <p:tnLst>
-      <p:par>
-        <p:cTn id="1" dur="indefinite" restart="never" nodeType="tmRoot"/>
-      </p:par>
-    </p:tnLst>
-  </p:timing>
-</p:sld>
-</file>
-
-<file path=ppt/slides/slide21.xml><?xml version="1.0" encoding="utf-8"?>
-<p:sld xmlns:a="http://schemas.openxmlformats.org/drawingml/2006/main" xmlns:r="http://schemas.openxmlformats.org/officeDocument/2006/relationships" xmlns:p="http://schemas.openxmlformats.org/presentationml/2006/main">
-  <p:cSld>
-    <p:spTree>
-      <p:nvGrpSpPr>
-        <p:cNvPr id="1" name=""/>
-        <p:cNvGrpSpPr/>
-        <p:nvPr/>
-      </p:nvGrpSpPr>
-      <p:grpSpPr>
-        <a:xfrm>
-          <a:off x="0" y="0"/>
-          <a:ext cx="0" cy="0"/>
-          <a:chOff x="0" y="0"/>
-          <a:chExt cx="0" cy="0"/>
-        </a:xfrm>
-      </p:grpSpPr>
-      <p:sp>
-        <p:nvSpPr>
-          <p:cNvPr id="2" name="Titolo 1"/>
-          <p:cNvSpPr>
-            <a:spLocks noGrp="1"/>
-          </p:cNvSpPr>
-          <p:nvPr>
-            <p:ph type="title"/>
-          </p:nvPr>
-        </p:nvSpPr>
-        <p:spPr>
-          <a:xfrm>
-            <a:off x="457200" y="720747"/>
-            <a:ext cx="8229600" cy="1143000"/>
-          </a:xfrm>
-        </p:spPr>
-        <p:txBody>
-          <a:bodyPr>
-            <a:normAutofit/>
-          </a:bodyPr>
-          <a:lstStyle/>
-          <a:p>
-            <a:r>
-              <a:rPr lang="it-IT" dirty="0" smtClean="0"/>
-              <a:t>Conclusioni</a:t>
-            </a:r>
-            <a:endParaRPr lang="it-IT" dirty="0"/>
-          </a:p>
-        </p:txBody>
-      </p:sp>
-      <p:sp>
-        <p:nvSpPr>
-          <p:cNvPr id="3" name="Segnaposto contenuto 2"/>
-          <p:cNvSpPr>
-            <a:spLocks noGrp="1"/>
-          </p:cNvSpPr>
-          <p:nvPr>
-            <p:ph idx="1"/>
-          </p:nvPr>
-        </p:nvSpPr>
-        <p:spPr>
-          <a:xfrm>
-            <a:off x="457200" y="2046309"/>
-            <a:ext cx="8229600" cy="4525963"/>
-          </a:xfrm>
-        </p:spPr>
-        <p:txBody>
-          <a:bodyPr>
-            <a:normAutofit/>
-          </a:bodyPr>
-          <a:lstStyle/>
-          <a:p>
-            <a:r>
-              <a:rPr lang="it-IT" dirty="0" smtClean="0"/>
-              <a:t>SDR-RTL in grado di funzionare con OFDM</a:t>
-            </a:r>
-          </a:p>
-          <a:p>
-            <a:pPr lvl="1"/>
-            <a:r>
-              <a:rPr lang="it-IT" dirty="0" smtClean="0"/>
-              <a:t>Margine di incremento prestazioni ristretto</a:t>
-            </a:r>
-          </a:p>
-          <a:p>
-            <a:pPr lvl="2">
-              <a:buNone/>
-            </a:pPr>
-            <a:r>
-              <a:rPr lang="it-IT" dirty="0" smtClean="0"/>
-              <a:t>Sample rate massimo e limite cpu</a:t>
-            </a:r>
-          </a:p>
-          <a:p>
-            <a:r>
-              <a:rPr lang="it-IT" dirty="0" smtClean="0"/>
-              <a:t>Integrazione modulo RSA possibile</a:t>
-            </a:r>
-          </a:p>
-          <a:p>
-            <a:pPr lvl="1"/>
-            <a:r>
-              <a:rPr lang="it-IT" dirty="0" smtClean="0"/>
-              <a:t> da applicare su blocchi più grandi e con chiavi sicure</a:t>
-            </a:r>
-          </a:p>
-          <a:p>
-            <a:pPr lvl="1"/>
-            <a:r>
-              <a:rPr lang="it-IT" dirty="0" smtClean="0"/>
-              <a:t>Valutare il suo utilizzo in un sistema di crittografia ibrido</a:t>
-            </a:r>
-          </a:p>
-          <a:p>
-            <a:pPr lvl="1"/>
-            <a:endParaRPr lang="it-IT" dirty="0" smtClean="0"/>
-          </a:p>
-          <a:p>
-            <a:pPr lvl="8"/>
-            <a:endParaRPr lang="it-IT" dirty="0" smtClean="0"/>
-          </a:p>
-          <a:p>
-            <a:pPr lvl="1"/>
-            <a:endParaRPr lang="it-IT" dirty="0" smtClean="0"/>
-          </a:p>
-          <a:p>
-            <a:pPr>
-              <a:buNone/>
-            </a:pPr>
-            <a:endParaRPr lang="it-IT" dirty="0" smtClean="0"/>
-          </a:p>
-          <a:p>
-            <a:pPr>
-              <a:buNone/>
-            </a:pPr>
-            <a:endParaRPr lang="it-IT" dirty="0"/>
-          </a:p>
-        </p:txBody>
-      </p:sp>
-      <p:grpSp>
-        <p:nvGrpSpPr>
-          <p:cNvPr id="13" name="Gruppo 12"/>
-          <p:cNvGrpSpPr/>
-          <p:nvPr/>
-        </p:nvGrpSpPr>
-        <p:grpSpPr>
-          <a:xfrm>
-            <a:off x="796" y="33105"/>
-            <a:ext cx="9143207" cy="681251"/>
-            <a:chOff x="796" y="33105"/>
-            <a:chExt cx="9143207" cy="681251"/>
-          </a:xfrm>
-        </p:grpSpPr>
-        <p:grpSp>
-          <p:nvGrpSpPr>
-            <p:cNvPr id="14" name="Gruppo 7"/>
-            <p:cNvGrpSpPr/>
-            <p:nvPr/>
-          </p:nvGrpSpPr>
-          <p:grpSpPr>
-            <a:xfrm>
-              <a:off x="71406" y="71414"/>
-              <a:ext cx="3071864" cy="567375"/>
-              <a:chOff x="0" y="0"/>
-              <a:chExt cx="8715404" cy="1609736"/>
-            </a:xfrm>
-          </p:grpSpPr>
-          <p:pic>
-            <p:nvPicPr>
-              <p:cNvPr id="18" name="Picture 3"/>
-              <p:cNvPicPr>
-                <a:picLocks noChangeAspect="1" noChangeArrowheads="1"/>
-              </p:cNvPicPr>
-              <p:nvPr/>
-            </p:nvPicPr>
-            <p:blipFill>
-              <a:blip r:embed="rId2" cstate="print"/>
-              <a:srcRect l="45509" t="4944" r="39530" b="69980"/>
-              <a:stretch>
-                <a:fillRect/>
-              </a:stretch>
-            </p:blipFill>
-            <p:spPr bwMode="auto">
-              <a:xfrm>
-                <a:off x="0" y="0"/>
-                <a:ext cx="1857388" cy="1609736"/>
-              </a:xfrm>
-              <a:prstGeom prst="rect">
-                <a:avLst/>
-              </a:prstGeom>
-              <a:noFill/>
-              <a:ln w="9525">
-                <a:noFill/>
-                <a:miter lim="800000"/>
-                <a:headEnd/>
-                <a:tailEnd/>
-              </a:ln>
-              <a:effectLst/>
-            </p:spPr>
-          </p:pic>
-          <p:pic>
-            <p:nvPicPr>
-              <p:cNvPr id="19" name="Picture 4"/>
-              <p:cNvPicPr>
-                <a:picLocks noChangeAspect="1" noChangeArrowheads="1"/>
-              </p:cNvPicPr>
-              <p:nvPr/>
-            </p:nvPicPr>
-            <p:blipFill>
-              <a:blip r:embed="rId3" cstate="print"/>
-              <a:srcRect l="16687" t="64901" r="11001" b="28126"/>
-              <a:stretch>
-                <a:fillRect/>
-              </a:stretch>
-            </p:blipFill>
-            <p:spPr bwMode="auto">
-              <a:xfrm>
-                <a:off x="1714512" y="671173"/>
-                <a:ext cx="7000892" cy="357190"/>
-              </a:xfrm>
-              <a:prstGeom prst="rect">
-                <a:avLst/>
-              </a:prstGeom>
-              <a:noFill/>
-              <a:ln w="9525">
-                <a:noFill/>
-                <a:miter lim="800000"/>
-                <a:headEnd/>
-                <a:tailEnd/>
-              </a:ln>
-              <a:effectLst/>
-            </p:spPr>
-          </p:pic>
-          <p:pic>
-            <p:nvPicPr>
-              <p:cNvPr id="20" name="Picture 3"/>
-              <p:cNvPicPr>
-                <a:picLocks noChangeAspect="1" noChangeArrowheads="1"/>
-              </p:cNvPicPr>
-              <p:nvPr/>
-            </p:nvPicPr>
-            <p:blipFill>
-              <a:blip r:embed="rId4" cstate="print"/>
-              <a:srcRect l="28553" t="28091" r="22574" b="62426"/>
-              <a:stretch>
-                <a:fillRect/>
-              </a:stretch>
-            </p:blipFill>
-            <p:spPr bwMode="auto">
-              <a:xfrm>
-                <a:off x="3071802" y="99669"/>
-                <a:ext cx="4272064" cy="428628"/>
-              </a:xfrm>
-              <a:prstGeom prst="rect">
-                <a:avLst/>
-              </a:prstGeom>
-              <a:noFill/>
-              <a:ln w="9525">
-                <a:noFill/>
-                <a:miter lim="800000"/>
-                <a:headEnd/>
-                <a:tailEnd/>
-              </a:ln>
-              <a:effectLst/>
-            </p:spPr>
-          </p:pic>
-          <p:pic>
-            <p:nvPicPr>
-              <p:cNvPr id="21" name="Picture 4"/>
-              <p:cNvPicPr>
-                <a:picLocks noChangeAspect="1" noChangeArrowheads="1"/>
-              </p:cNvPicPr>
-              <p:nvPr/>
-            </p:nvPicPr>
-            <p:blipFill>
-              <a:blip r:embed="rId3" cstate="print"/>
-              <a:srcRect l="16687" t="80243" r="11001" b="13986"/>
-              <a:stretch>
-                <a:fillRect/>
-              </a:stretch>
-            </p:blipFill>
-            <p:spPr bwMode="auto">
-              <a:xfrm>
-                <a:off x="1714512" y="1028363"/>
-                <a:ext cx="7000892" cy="295621"/>
-              </a:xfrm>
-              <a:prstGeom prst="rect">
-                <a:avLst/>
-              </a:prstGeom>
-              <a:noFill/>
-              <a:ln w="9525">
-                <a:noFill/>
-                <a:miter lim="800000"/>
-                <a:headEnd/>
-                <a:tailEnd/>
-              </a:ln>
-              <a:effectLst/>
-            </p:spPr>
-          </p:pic>
-        </p:grpSp>
-        <p:pic>
-          <p:nvPicPr>
-            <p:cNvPr id="15" name="Picture 2"/>
-            <p:cNvPicPr>
-              <a:picLocks noChangeAspect="1" noChangeArrowheads="1"/>
-            </p:cNvPicPr>
-            <p:nvPr/>
-          </p:nvPicPr>
-          <p:blipFill>
-            <a:blip r:embed="rId5" cstate="print"/>
-            <a:srcRect l="12051" t="16667" r="5893" b="54167"/>
-            <a:stretch>
-              <a:fillRect/>
-            </a:stretch>
-          </p:blipFill>
-          <p:spPr bwMode="auto">
-            <a:xfrm>
-              <a:off x="3071802" y="33105"/>
-              <a:ext cx="3143274" cy="681251"/>
-            </a:xfrm>
-            <a:prstGeom prst="rect">
-              <a:avLst/>
-            </a:prstGeom>
-            <a:noFill/>
-            <a:ln w="9525">
-              <a:noFill/>
-              <a:miter lim="800000"/>
-              <a:headEnd/>
-              <a:tailEnd/>
-            </a:ln>
-            <a:effectLst/>
-          </p:spPr>
-        </p:pic>
-        <p:pic>
-          <p:nvPicPr>
-            <p:cNvPr id="16" name="Picture 2"/>
-            <p:cNvPicPr>
-              <a:picLocks noChangeAspect="1" noChangeArrowheads="1"/>
-            </p:cNvPicPr>
-            <p:nvPr/>
-          </p:nvPicPr>
-          <p:blipFill>
-            <a:blip r:embed="rId6"/>
-            <a:srcRect l="74285" t="66211" r="2939" b="22997"/>
-            <a:stretch>
-              <a:fillRect/>
-            </a:stretch>
-          </p:blipFill>
-          <p:spPr bwMode="auto">
-            <a:xfrm>
-              <a:off x="6929454" y="142852"/>
-              <a:ext cx="1500166" cy="433410"/>
-            </a:xfrm>
-            <a:prstGeom prst="rect">
-              <a:avLst/>
-            </a:prstGeom>
-            <a:noFill/>
-            <a:ln w="9525">
-              <a:noFill/>
-              <a:miter lim="800000"/>
-              <a:headEnd/>
-              <a:tailEnd/>
-            </a:ln>
-            <a:effectLst/>
-          </p:spPr>
-        </p:pic>
-        <p:cxnSp>
-          <p:nvCxnSpPr>
-            <p:cNvPr id="17" name="Connettore 1 16"/>
-            <p:cNvCxnSpPr/>
-            <p:nvPr/>
-          </p:nvCxnSpPr>
-          <p:spPr>
-            <a:xfrm rot="10800000" flipV="1">
-              <a:off x="796" y="711275"/>
-              <a:ext cx="9143207" cy="3080"/>
-            </a:xfrm>
-            <a:prstGeom prst="line">
-              <a:avLst/>
-            </a:prstGeom>
-            <a:ln>
-              <a:solidFill>
-                <a:schemeClr val="bg1">
-                  <a:lumMod val="50000"/>
-                </a:schemeClr>
-              </a:solidFill>
-            </a:ln>
-          </p:spPr>
-          <p:style>
-            <a:lnRef idx="1">
-              <a:schemeClr val="accent1"/>
-            </a:lnRef>
-            <a:fillRef idx="0">
-              <a:schemeClr val="accent1"/>
-            </a:fillRef>
-            <a:effectRef idx="0">
-              <a:schemeClr val="accent1"/>
-            </a:effectRef>
-            <a:fontRef idx="minor">
-              <a:schemeClr val="tx1"/>
-            </a:fontRef>
-          </p:style>
-        </p:cxnSp>
-      </p:grpSp>
-    </p:spTree>
-  </p:cSld>
-  <p:clrMapOvr>
-    <a:masterClrMapping/>
-  </p:clrMapOvr>
-  <p:timing>
-    <p:tnLst>
-      <p:par>
-        <p:cTn id="1" dur="indefinite" restart="never" nodeType="tmRoot"/>
-      </p:par>
-    </p:tnLst>
-  </p:timing>
-</p:sld>
-</file>
-
-<file path=ppt/slides/slide22.xml><?xml version="1.0" encoding="utf-8"?>
-<p:sld xmlns:a="http://schemas.openxmlformats.org/drawingml/2006/main" xmlns:r="http://schemas.openxmlformats.org/officeDocument/2006/relationships" xmlns:p="http://schemas.openxmlformats.org/presentationml/2006/main">
-  <p:cSld>
-    <p:spTree>
-      <p:nvGrpSpPr>
-        <p:cNvPr id="1" name=""/>
-        <p:cNvGrpSpPr/>
-        <p:nvPr/>
-      </p:nvGrpSpPr>
-      <p:grpSpPr>
-        <a:xfrm>
-          <a:off x="0" y="0"/>
-          <a:ext cx="0" cy="0"/>
-          <a:chOff x="0" y="0"/>
-          <a:chExt cx="0" cy="0"/>
-        </a:xfrm>
-      </p:grpSpPr>
-      <p:sp>
-        <p:nvSpPr>
-          <p:cNvPr id="2" name="Titolo 1"/>
-          <p:cNvSpPr>
-            <a:spLocks noGrp="1"/>
-          </p:cNvSpPr>
-          <p:nvPr>
-            <p:ph type="title"/>
-          </p:nvPr>
-        </p:nvSpPr>
-        <p:spPr>
-          <a:xfrm>
             <a:off x="485804" y="3000372"/>
             <a:ext cx="8229600" cy="1143000"/>
           </a:xfrm>
@@ -9384,7 +8646,7 @@
 </file>
 
 <file path=ppt/slides/slide3.xml><?xml version="1.0" encoding="utf-8"?>
-<p:sld xmlns:a="http://schemas.openxmlformats.org/drawingml/2006/main" xmlns:r="http://schemas.openxmlformats.org/officeDocument/2006/relationships" xmlns:p="http://schemas.openxmlformats.org/presentationml/2006/main">
+<p:sld xmlns:a="http://schemas.openxmlformats.org/drawingml/2006/main" xmlns:r="http://schemas.openxmlformats.org/officeDocument/2006/relationships" xmlns:p="http://schemas.openxmlformats.org/presentationml/2006/main" show="0">
   <p:cSld>
     <p:spTree>
       <p:nvGrpSpPr>
@@ -9448,7 +8710,7 @@
         </p:spPr>
         <p:txBody>
           <a:bodyPr>
-            <a:normAutofit fontScale="85000" lnSpcReduction="20000"/>
+            <a:normAutofit fontScale="77500" lnSpcReduction="20000"/>
           </a:bodyPr>
           <a:lstStyle/>
           <a:p>
@@ -9480,16 +8742,26 @@
           </a:p>
           <a:p>
             <a:r>
-              <a:rPr lang="it-IT" dirty="0" err="1" smtClean="0"/>
+              <a:rPr lang="it-IT" dirty="0" smtClean="0"/>
               <a:t>Gnuradio</a:t>
             </a:r>
-            <a:endParaRPr lang="it-IT" dirty="0" smtClean="0"/>
           </a:p>
           <a:p>
             <a:pPr lvl="1"/>
             <a:r>
               <a:rPr lang="it-IT" dirty="0" smtClean="0"/>
-              <a:t>Ambiente più utilizzato nel modo degli SDR</a:t>
+              <a:t>open</a:t>
+            </a:r>
+          </a:p>
+          <a:p>
+            <a:pPr lvl="1"/>
+            <a:r>
+              <a:rPr lang="it-IT" dirty="0" smtClean="0"/>
+              <a:t>Ambiente </a:t>
+            </a:r>
+            <a:r>
+              <a:rPr lang="it-IT" dirty="0" smtClean="0"/>
+              <a:t>più utilizzato nel modo degli SDR</a:t>
             </a:r>
           </a:p>
           <a:p>
@@ -9797,6 +9069,7 @@
   <p:clrMapOvr>
     <a:masterClrMapping/>
   </p:clrMapOvr>
+  <p:transition/>
   <p:timing>
     <p:tnLst>
       <p:par>
@@ -9836,806 +9109,6 @@
         </p:nvSpPr>
         <p:spPr>
           <a:xfrm>
-            <a:off x="0" y="720746"/>
-            <a:ext cx="9144000" cy="1279494"/>
-          </a:xfrm>
-        </p:spPr>
-        <p:txBody>
-          <a:bodyPr>
-            <a:normAutofit/>
-          </a:bodyPr>
-          <a:lstStyle/>
-          <a:p>
-            <a:r>
-              <a:rPr lang="it-IT" sz="3200" dirty="0" smtClean="0"/>
-              <a:t>OFDM (</a:t>
-            </a:r>
-            <a:r>
-              <a:rPr lang="it-IT" sz="3200" dirty="0" err="1" smtClean="0"/>
-              <a:t>Orthogonal</a:t>
-            </a:r>
-            <a:r>
-              <a:rPr lang="it-IT" sz="3200" dirty="0" smtClean="0"/>
-              <a:t> </a:t>
-            </a:r>
-            <a:r>
-              <a:rPr lang="it-IT" sz="3200" dirty="0" err="1" smtClean="0"/>
-              <a:t>Frequency-Division</a:t>
-            </a:r>
-            <a:r>
-              <a:rPr lang="it-IT" sz="3200" dirty="0" smtClean="0"/>
-              <a:t> Multiplexing)</a:t>
-            </a:r>
-            <a:endParaRPr lang="it-IT" sz="3200" dirty="0"/>
-          </a:p>
-        </p:txBody>
-      </p:sp>
-      <p:sp>
-        <p:nvSpPr>
-          <p:cNvPr id="3" name="Segnaposto contenuto 2"/>
-          <p:cNvSpPr>
-            <a:spLocks noGrp="1"/>
-          </p:cNvSpPr>
-          <p:nvPr>
-            <p:ph idx="1"/>
-          </p:nvPr>
-        </p:nvSpPr>
-        <p:spPr>
-          <a:xfrm>
-            <a:off x="457200" y="2046309"/>
-            <a:ext cx="8229600" cy="4525963"/>
-          </a:xfrm>
-        </p:spPr>
-        <p:txBody>
-          <a:bodyPr/>
-          <a:lstStyle/>
-          <a:p>
-            <a:r>
-              <a:rPr lang="it-IT" dirty="0" smtClean="0"/>
-              <a:t>Ortogonalità</a:t>
-            </a:r>
-          </a:p>
-          <a:p>
-            <a:r>
-              <a:rPr lang="it-IT" dirty="0" smtClean="0"/>
-              <a:t>Tempi di guardia</a:t>
-            </a:r>
-          </a:p>
-          <a:p>
-            <a:r>
-              <a:rPr lang="it-IT" dirty="0" smtClean="0"/>
-              <a:t>Allocazione sottobande</a:t>
-            </a:r>
-            <a:endParaRPr lang="it-IT" dirty="0"/>
-          </a:p>
-        </p:txBody>
-      </p:sp>
-      <p:pic>
-        <p:nvPicPr>
-          <p:cNvPr id="1026" name="Picture 2" descr="C:\Users\fiapol\Desktop\tesi\repositorio\PoorManThesis\presentazione\immagini presentazione\ofdm freq-time representation.png"/>
-          <p:cNvPicPr>
-            <a:picLocks noChangeAspect="1" noChangeArrowheads="1"/>
-          </p:cNvPicPr>
-          <p:nvPr/>
-        </p:nvPicPr>
-        <p:blipFill>
-          <a:blip r:embed="rId2"/>
-          <a:srcRect/>
-          <a:stretch>
-            <a:fillRect/>
-          </a:stretch>
-        </p:blipFill>
-        <p:spPr bwMode="auto">
-          <a:xfrm>
-            <a:off x="1460521" y="3887562"/>
-            <a:ext cx="6183313" cy="2827586"/>
-          </a:xfrm>
-          <a:prstGeom prst="rect">
-            <a:avLst/>
-          </a:prstGeom>
-          <a:noFill/>
-        </p:spPr>
-      </p:pic>
-      <p:grpSp>
-        <p:nvGrpSpPr>
-          <p:cNvPr id="14" name="Gruppo 13"/>
-          <p:cNvGrpSpPr/>
-          <p:nvPr/>
-        </p:nvGrpSpPr>
-        <p:grpSpPr>
-          <a:xfrm>
-            <a:off x="796" y="33105"/>
-            <a:ext cx="9143207" cy="681251"/>
-            <a:chOff x="796" y="33105"/>
-            <a:chExt cx="9143207" cy="681251"/>
-          </a:xfrm>
-        </p:grpSpPr>
-        <p:grpSp>
-          <p:nvGrpSpPr>
-            <p:cNvPr id="15" name="Gruppo 7"/>
-            <p:cNvGrpSpPr/>
-            <p:nvPr/>
-          </p:nvGrpSpPr>
-          <p:grpSpPr>
-            <a:xfrm>
-              <a:off x="71406" y="71414"/>
-              <a:ext cx="3071864" cy="567375"/>
-              <a:chOff x="0" y="0"/>
-              <a:chExt cx="8715404" cy="1609736"/>
-            </a:xfrm>
-          </p:grpSpPr>
-          <p:pic>
-            <p:nvPicPr>
-              <p:cNvPr id="19" name="Picture 3"/>
-              <p:cNvPicPr>
-                <a:picLocks noChangeAspect="1" noChangeArrowheads="1"/>
-              </p:cNvPicPr>
-              <p:nvPr/>
-            </p:nvPicPr>
-            <p:blipFill>
-              <a:blip r:embed="rId3" cstate="print"/>
-              <a:srcRect l="45509" t="4944" r="39530" b="69980"/>
-              <a:stretch>
-                <a:fillRect/>
-              </a:stretch>
-            </p:blipFill>
-            <p:spPr bwMode="auto">
-              <a:xfrm>
-                <a:off x="0" y="0"/>
-                <a:ext cx="1857388" cy="1609736"/>
-              </a:xfrm>
-              <a:prstGeom prst="rect">
-                <a:avLst/>
-              </a:prstGeom>
-              <a:noFill/>
-              <a:ln w="9525">
-                <a:noFill/>
-                <a:miter lim="800000"/>
-                <a:headEnd/>
-                <a:tailEnd/>
-              </a:ln>
-              <a:effectLst/>
-            </p:spPr>
-          </p:pic>
-          <p:pic>
-            <p:nvPicPr>
-              <p:cNvPr id="20" name="Picture 4"/>
-              <p:cNvPicPr>
-                <a:picLocks noChangeAspect="1" noChangeArrowheads="1"/>
-              </p:cNvPicPr>
-              <p:nvPr/>
-            </p:nvPicPr>
-            <p:blipFill>
-              <a:blip r:embed="rId4" cstate="print"/>
-              <a:srcRect l="16687" t="64901" r="11001" b="28126"/>
-              <a:stretch>
-                <a:fillRect/>
-              </a:stretch>
-            </p:blipFill>
-            <p:spPr bwMode="auto">
-              <a:xfrm>
-                <a:off x="1714512" y="671173"/>
-                <a:ext cx="7000892" cy="357190"/>
-              </a:xfrm>
-              <a:prstGeom prst="rect">
-                <a:avLst/>
-              </a:prstGeom>
-              <a:noFill/>
-              <a:ln w="9525">
-                <a:noFill/>
-                <a:miter lim="800000"/>
-                <a:headEnd/>
-                <a:tailEnd/>
-              </a:ln>
-              <a:effectLst/>
-            </p:spPr>
-          </p:pic>
-          <p:pic>
-            <p:nvPicPr>
-              <p:cNvPr id="21" name="Picture 3"/>
-              <p:cNvPicPr>
-                <a:picLocks noChangeAspect="1" noChangeArrowheads="1"/>
-              </p:cNvPicPr>
-              <p:nvPr/>
-            </p:nvPicPr>
-            <p:blipFill>
-              <a:blip r:embed="rId5" cstate="print"/>
-              <a:srcRect l="28553" t="28091" r="22574" b="62426"/>
-              <a:stretch>
-                <a:fillRect/>
-              </a:stretch>
-            </p:blipFill>
-            <p:spPr bwMode="auto">
-              <a:xfrm>
-                <a:off x="3071802" y="99669"/>
-                <a:ext cx="4272064" cy="428628"/>
-              </a:xfrm>
-              <a:prstGeom prst="rect">
-                <a:avLst/>
-              </a:prstGeom>
-              <a:noFill/>
-              <a:ln w="9525">
-                <a:noFill/>
-                <a:miter lim="800000"/>
-                <a:headEnd/>
-                <a:tailEnd/>
-              </a:ln>
-              <a:effectLst/>
-            </p:spPr>
-          </p:pic>
-          <p:pic>
-            <p:nvPicPr>
-              <p:cNvPr id="22" name="Picture 4"/>
-              <p:cNvPicPr>
-                <a:picLocks noChangeAspect="1" noChangeArrowheads="1"/>
-              </p:cNvPicPr>
-              <p:nvPr/>
-            </p:nvPicPr>
-            <p:blipFill>
-              <a:blip r:embed="rId4" cstate="print"/>
-              <a:srcRect l="16687" t="80243" r="11001" b="13986"/>
-              <a:stretch>
-                <a:fillRect/>
-              </a:stretch>
-            </p:blipFill>
-            <p:spPr bwMode="auto">
-              <a:xfrm>
-                <a:off x="1714512" y="1028363"/>
-                <a:ext cx="7000892" cy="295621"/>
-              </a:xfrm>
-              <a:prstGeom prst="rect">
-                <a:avLst/>
-              </a:prstGeom>
-              <a:noFill/>
-              <a:ln w="9525">
-                <a:noFill/>
-                <a:miter lim="800000"/>
-                <a:headEnd/>
-                <a:tailEnd/>
-              </a:ln>
-              <a:effectLst/>
-            </p:spPr>
-          </p:pic>
-        </p:grpSp>
-        <p:pic>
-          <p:nvPicPr>
-            <p:cNvPr id="16" name="Picture 2"/>
-            <p:cNvPicPr>
-              <a:picLocks noChangeAspect="1" noChangeArrowheads="1"/>
-            </p:cNvPicPr>
-            <p:nvPr/>
-          </p:nvPicPr>
-          <p:blipFill>
-            <a:blip r:embed="rId6" cstate="print"/>
-            <a:srcRect l="12051" t="16667" r="5893" b="54167"/>
-            <a:stretch>
-              <a:fillRect/>
-            </a:stretch>
-          </p:blipFill>
-          <p:spPr bwMode="auto">
-            <a:xfrm>
-              <a:off x="3071802" y="33105"/>
-              <a:ext cx="3143274" cy="681251"/>
-            </a:xfrm>
-            <a:prstGeom prst="rect">
-              <a:avLst/>
-            </a:prstGeom>
-            <a:noFill/>
-            <a:ln w="9525">
-              <a:noFill/>
-              <a:miter lim="800000"/>
-              <a:headEnd/>
-              <a:tailEnd/>
-            </a:ln>
-            <a:effectLst/>
-          </p:spPr>
-        </p:pic>
-        <p:pic>
-          <p:nvPicPr>
-            <p:cNvPr id="17" name="Picture 2"/>
-            <p:cNvPicPr>
-              <a:picLocks noChangeAspect="1" noChangeArrowheads="1"/>
-            </p:cNvPicPr>
-            <p:nvPr/>
-          </p:nvPicPr>
-          <p:blipFill>
-            <a:blip r:embed="rId7"/>
-            <a:srcRect l="74285" t="66211" r="2939" b="22997"/>
-            <a:stretch>
-              <a:fillRect/>
-            </a:stretch>
-          </p:blipFill>
-          <p:spPr bwMode="auto">
-            <a:xfrm>
-              <a:off x="6929454" y="142852"/>
-              <a:ext cx="1500166" cy="433410"/>
-            </a:xfrm>
-            <a:prstGeom prst="rect">
-              <a:avLst/>
-            </a:prstGeom>
-            <a:noFill/>
-            <a:ln w="9525">
-              <a:noFill/>
-              <a:miter lim="800000"/>
-              <a:headEnd/>
-              <a:tailEnd/>
-            </a:ln>
-            <a:effectLst/>
-          </p:spPr>
-        </p:pic>
-        <p:cxnSp>
-          <p:nvCxnSpPr>
-            <p:cNvPr id="18" name="Connettore 1 17"/>
-            <p:cNvCxnSpPr/>
-            <p:nvPr/>
-          </p:nvCxnSpPr>
-          <p:spPr>
-            <a:xfrm rot="10800000" flipV="1">
-              <a:off x="796" y="711275"/>
-              <a:ext cx="9143207" cy="3080"/>
-            </a:xfrm>
-            <a:prstGeom prst="line">
-              <a:avLst/>
-            </a:prstGeom>
-            <a:ln>
-              <a:solidFill>
-                <a:schemeClr val="bg1">
-                  <a:lumMod val="50000"/>
-                </a:schemeClr>
-              </a:solidFill>
-            </a:ln>
-          </p:spPr>
-          <p:style>
-            <a:lnRef idx="1">
-              <a:schemeClr val="accent1"/>
-            </a:lnRef>
-            <a:fillRef idx="0">
-              <a:schemeClr val="accent1"/>
-            </a:fillRef>
-            <a:effectRef idx="0">
-              <a:schemeClr val="accent1"/>
-            </a:effectRef>
-            <a:fontRef idx="minor">
-              <a:schemeClr val="tx1"/>
-            </a:fontRef>
-          </p:style>
-        </p:cxnSp>
-      </p:grpSp>
-    </p:spTree>
-  </p:cSld>
-  <p:clrMapOvr>
-    <a:masterClrMapping/>
-  </p:clrMapOvr>
-  <p:timing>
-    <p:tnLst>
-      <p:par>
-        <p:cTn id="1" dur="indefinite" restart="never" nodeType="tmRoot"/>
-      </p:par>
-    </p:tnLst>
-  </p:timing>
-</p:sld>
-</file>
-
-<file path=ppt/slides/slide5.xml><?xml version="1.0" encoding="utf-8"?>
-<p:sld xmlns:a="http://schemas.openxmlformats.org/drawingml/2006/main" xmlns:r="http://schemas.openxmlformats.org/officeDocument/2006/relationships" xmlns:p="http://schemas.openxmlformats.org/presentationml/2006/main">
-  <p:cSld>
-    <p:spTree>
-      <p:nvGrpSpPr>
-        <p:cNvPr id="1" name=""/>
-        <p:cNvGrpSpPr/>
-        <p:nvPr/>
-      </p:nvGrpSpPr>
-      <p:grpSpPr>
-        <a:xfrm>
-          <a:off x="0" y="0"/>
-          <a:ext cx="0" cy="0"/>
-          <a:chOff x="0" y="0"/>
-          <a:chExt cx="0" cy="0"/>
-        </a:xfrm>
-      </p:grpSpPr>
-      <p:sp>
-        <p:nvSpPr>
-          <p:cNvPr id="2" name="Titolo 1"/>
-          <p:cNvSpPr>
-            <a:spLocks noGrp="1"/>
-          </p:cNvSpPr>
-          <p:nvPr>
-            <p:ph type="title"/>
-          </p:nvPr>
-        </p:nvSpPr>
-        <p:spPr>
-          <a:xfrm>
-            <a:off x="0" y="714356"/>
-            <a:ext cx="9144000" cy="1279494"/>
-          </a:xfrm>
-        </p:spPr>
-        <p:txBody>
-          <a:bodyPr>
-            <a:normAutofit/>
-          </a:bodyPr>
-          <a:lstStyle/>
-          <a:p>
-            <a:r>
-              <a:rPr lang="it-IT" sz="3200" dirty="0" smtClean="0"/>
-              <a:t>OFDM (</a:t>
-            </a:r>
-            <a:r>
-              <a:rPr lang="it-IT" sz="3200" dirty="0" err="1" smtClean="0"/>
-              <a:t>Orthogonal</a:t>
-            </a:r>
-            <a:r>
-              <a:rPr lang="it-IT" sz="3200" dirty="0" smtClean="0"/>
-              <a:t> </a:t>
-            </a:r>
-            <a:r>
-              <a:rPr lang="it-IT" sz="3200" dirty="0" err="1" smtClean="0"/>
-              <a:t>Frequency-Division</a:t>
-            </a:r>
-            <a:r>
-              <a:rPr lang="it-IT" sz="3200" dirty="0" smtClean="0"/>
-              <a:t> Multiplexing)</a:t>
-            </a:r>
-            <a:endParaRPr lang="it-IT" sz="3200" dirty="0"/>
-          </a:p>
-        </p:txBody>
-      </p:sp>
-      <p:sp>
-        <p:nvSpPr>
-          <p:cNvPr id="3" name="Segnaposto contenuto 2"/>
-          <p:cNvSpPr>
-            <a:spLocks noGrp="1"/>
-          </p:cNvSpPr>
-          <p:nvPr>
-            <p:ph idx="1"/>
-          </p:nvPr>
-        </p:nvSpPr>
-        <p:spPr>
-          <a:xfrm>
-            <a:off x="457200" y="2689251"/>
-            <a:ext cx="8229600" cy="4525963"/>
-          </a:xfrm>
-        </p:spPr>
-        <p:txBody>
-          <a:bodyPr/>
-          <a:lstStyle/>
-          <a:p>
-            <a:r>
-              <a:rPr lang="it-IT" dirty="0" smtClean="0"/>
-              <a:t>Equalizzazione</a:t>
-            </a:r>
-          </a:p>
-          <a:p>
-            <a:r>
-              <a:rPr lang="it-IT" dirty="0" smtClean="0"/>
-              <a:t>Controllo</a:t>
-            </a:r>
-            <a:r>
-              <a:rPr lang="it-IT" dirty="0" smtClean="0"/>
-              <a:t> </a:t>
-            </a:r>
-            <a:r>
-              <a:rPr lang="it-IT" dirty="0" smtClean="0"/>
-              <a:t>errori</a:t>
-            </a:r>
-          </a:p>
-          <a:p>
-            <a:r>
-              <a:rPr lang="it-IT" dirty="0" smtClean="0"/>
-              <a:t>Sincronizzazione Frequenza</a:t>
-            </a:r>
-            <a:endParaRPr lang="it-IT" dirty="0"/>
-          </a:p>
-        </p:txBody>
-      </p:sp>
-      <p:grpSp>
-        <p:nvGrpSpPr>
-          <p:cNvPr id="14" name="Gruppo 13"/>
-          <p:cNvGrpSpPr/>
-          <p:nvPr/>
-        </p:nvGrpSpPr>
-        <p:grpSpPr>
-          <a:xfrm>
-            <a:off x="796" y="33105"/>
-            <a:ext cx="9143207" cy="681251"/>
-            <a:chOff x="796" y="33105"/>
-            <a:chExt cx="9143207" cy="681251"/>
-          </a:xfrm>
-        </p:grpSpPr>
-        <p:grpSp>
-          <p:nvGrpSpPr>
-            <p:cNvPr id="15" name="Gruppo 7"/>
-            <p:cNvGrpSpPr/>
-            <p:nvPr/>
-          </p:nvGrpSpPr>
-          <p:grpSpPr>
-            <a:xfrm>
-              <a:off x="71406" y="71414"/>
-              <a:ext cx="3071864" cy="567375"/>
-              <a:chOff x="0" y="0"/>
-              <a:chExt cx="8715404" cy="1609736"/>
-            </a:xfrm>
-          </p:grpSpPr>
-          <p:pic>
-            <p:nvPicPr>
-              <p:cNvPr id="19" name="Picture 3"/>
-              <p:cNvPicPr>
-                <a:picLocks noChangeAspect="1" noChangeArrowheads="1"/>
-              </p:cNvPicPr>
-              <p:nvPr/>
-            </p:nvPicPr>
-            <p:blipFill>
-              <a:blip r:embed="rId2" cstate="print"/>
-              <a:srcRect l="45509" t="4944" r="39530" b="69980"/>
-              <a:stretch>
-                <a:fillRect/>
-              </a:stretch>
-            </p:blipFill>
-            <p:spPr bwMode="auto">
-              <a:xfrm>
-                <a:off x="0" y="0"/>
-                <a:ext cx="1857388" cy="1609736"/>
-              </a:xfrm>
-              <a:prstGeom prst="rect">
-                <a:avLst/>
-              </a:prstGeom>
-              <a:noFill/>
-              <a:ln w="9525">
-                <a:noFill/>
-                <a:miter lim="800000"/>
-                <a:headEnd/>
-                <a:tailEnd/>
-              </a:ln>
-              <a:effectLst/>
-            </p:spPr>
-          </p:pic>
-          <p:pic>
-            <p:nvPicPr>
-              <p:cNvPr id="20" name="Picture 4"/>
-              <p:cNvPicPr>
-                <a:picLocks noChangeAspect="1" noChangeArrowheads="1"/>
-              </p:cNvPicPr>
-              <p:nvPr/>
-            </p:nvPicPr>
-            <p:blipFill>
-              <a:blip r:embed="rId3" cstate="print"/>
-              <a:srcRect l="16687" t="64901" r="11001" b="28126"/>
-              <a:stretch>
-                <a:fillRect/>
-              </a:stretch>
-            </p:blipFill>
-            <p:spPr bwMode="auto">
-              <a:xfrm>
-                <a:off x="1714512" y="671173"/>
-                <a:ext cx="7000892" cy="357190"/>
-              </a:xfrm>
-              <a:prstGeom prst="rect">
-                <a:avLst/>
-              </a:prstGeom>
-              <a:noFill/>
-              <a:ln w="9525">
-                <a:noFill/>
-                <a:miter lim="800000"/>
-                <a:headEnd/>
-                <a:tailEnd/>
-              </a:ln>
-              <a:effectLst/>
-            </p:spPr>
-          </p:pic>
-          <p:pic>
-            <p:nvPicPr>
-              <p:cNvPr id="21" name="Picture 3"/>
-              <p:cNvPicPr>
-                <a:picLocks noChangeAspect="1" noChangeArrowheads="1"/>
-              </p:cNvPicPr>
-              <p:nvPr/>
-            </p:nvPicPr>
-            <p:blipFill>
-              <a:blip r:embed="rId4" cstate="print"/>
-              <a:srcRect l="28553" t="28091" r="22574" b="62426"/>
-              <a:stretch>
-                <a:fillRect/>
-              </a:stretch>
-            </p:blipFill>
-            <p:spPr bwMode="auto">
-              <a:xfrm>
-                <a:off x="3071802" y="99669"/>
-                <a:ext cx="4272064" cy="428628"/>
-              </a:xfrm>
-              <a:prstGeom prst="rect">
-                <a:avLst/>
-              </a:prstGeom>
-              <a:noFill/>
-              <a:ln w="9525">
-                <a:noFill/>
-                <a:miter lim="800000"/>
-                <a:headEnd/>
-                <a:tailEnd/>
-              </a:ln>
-              <a:effectLst/>
-            </p:spPr>
-          </p:pic>
-          <p:pic>
-            <p:nvPicPr>
-              <p:cNvPr id="22" name="Picture 4"/>
-              <p:cNvPicPr>
-                <a:picLocks noChangeAspect="1" noChangeArrowheads="1"/>
-              </p:cNvPicPr>
-              <p:nvPr/>
-            </p:nvPicPr>
-            <p:blipFill>
-              <a:blip r:embed="rId3" cstate="print"/>
-              <a:srcRect l="16687" t="80243" r="11001" b="13986"/>
-              <a:stretch>
-                <a:fillRect/>
-              </a:stretch>
-            </p:blipFill>
-            <p:spPr bwMode="auto">
-              <a:xfrm>
-                <a:off x="1714512" y="1028363"/>
-                <a:ext cx="7000892" cy="295621"/>
-              </a:xfrm>
-              <a:prstGeom prst="rect">
-                <a:avLst/>
-              </a:prstGeom>
-              <a:noFill/>
-              <a:ln w="9525">
-                <a:noFill/>
-                <a:miter lim="800000"/>
-                <a:headEnd/>
-                <a:tailEnd/>
-              </a:ln>
-              <a:effectLst/>
-            </p:spPr>
-          </p:pic>
-        </p:grpSp>
-        <p:pic>
-          <p:nvPicPr>
-            <p:cNvPr id="16" name="Picture 2"/>
-            <p:cNvPicPr>
-              <a:picLocks noChangeAspect="1" noChangeArrowheads="1"/>
-            </p:cNvPicPr>
-            <p:nvPr/>
-          </p:nvPicPr>
-          <p:blipFill>
-            <a:blip r:embed="rId5" cstate="print"/>
-            <a:srcRect l="12051" t="16667" r="5893" b="54167"/>
-            <a:stretch>
-              <a:fillRect/>
-            </a:stretch>
-          </p:blipFill>
-          <p:spPr bwMode="auto">
-            <a:xfrm>
-              <a:off x="3071802" y="33105"/>
-              <a:ext cx="3143274" cy="681251"/>
-            </a:xfrm>
-            <a:prstGeom prst="rect">
-              <a:avLst/>
-            </a:prstGeom>
-            <a:noFill/>
-            <a:ln w="9525">
-              <a:noFill/>
-              <a:miter lim="800000"/>
-              <a:headEnd/>
-              <a:tailEnd/>
-            </a:ln>
-            <a:effectLst/>
-          </p:spPr>
-        </p:pic>
-        <p:pic>
-          <p:nvPicPr>
-            <p:cNvPr id="17" name="Picture 2"/>
-            <p:cNvPicPr>
-              <a:picLocks noChangeAspect="1" noChangeArrowheads="1"/>
-            </p:cNvPicPr>
-            <p:nvPr/>
-          </p:nvPicPr>
-          <p:blipFill>
-            <a:blip r:embed="rId6"/>
-            <a:srcRect l="74285" t="66211" r="2939" b="22997"/>
-            <a:stretch>
-              <a:fillRect/>
-            </a:stretch>
-          </p:blipFill>
-          <p:spPr bwMode="auto">
-            <a:xfrm>
-              <a:off x="6929454" y="142852"/>
-              <a:ext cx="1500166" cy="433410"/>
-            </a:xfrm>
-            <a:prstGeom prst="rect">
-              <a:avLst/>
-            </a:prstGeom>
-            <a:noFill/>
-            <a:ln w="9525">
-              <a:noFill/>
-              <a:miter lim="800000"/>
-              <a:headEnd/>
-              <a:tailEnd/>
-            </a:ln>
-            <a:effectLst/>
-          </p:spPr>
-        </p:pic>
-        <p:cxnSp>
-          <p:nvCxnSpPr>
-            <p:cNvPr id="18" name="Connettore 1 17"/>
-            <p:cNvCxnSpPr/>
-            <p:nvPr/>
-          </p:nvCxnSpPr>
-          <p:spPr>
-            <a:xfrm rot="10800000" flipV="1">
-              <a:off x="796" y="711275"/>
-              <a:ext cx="9143207" cy="3080"/>
-            </a:xfrm>
-            <a:prstGeom prst="line">
-              <a:avLst/>
-            </a:prstGeom>
-            <a:ln>
-              <a:solidFill>
-                <a:schemeClr val="bg1">
-                  <a:lumMod val="50000"/>
-                </a:schemeClr>
-              </a:solidFill>
-            </a:ln>
-          </p:spPr>
-          <p:style>
-            <a:lnRef idx="1">
-              <a:schemeClr val="accent1"/>
-            </a:lnRef>
-            <a:fillRef idx="0">
-              <a:schemeClr val="accent1"/>
-            </a:fillRef>
-            <a:effectRef idx="0">
-              <a:schemeClr val="accent1"/>
-            </a:effectRef>
-            <a:fontRef idx="minor">
-              <a:schemeClr val="tx1"/>
-            </a:fontRef>
-          </p:style>
-        </p:cxnSp>
-      </p:grpSp>
-    </p:spTree>
-  </p:cSld>
-  <p:clrMapOvr>
-    <a:masterClrMapping/>
-  </p:clrMapOvr>
-  <p:timing>
-    <p:tnLst>
-      <p:par>
-        <p:cTn id="1" dur="indefinite" restart="never" nodeType="tmRoot"/>
-      </p:par>
-    </p:tnLst>
-  </p:timing>
-</p:sld>
-</file>
-
-<file path=ppt/slides/slide6.xml><?xml version="1.0" encoding="utf-8"?>
-<p:sld xmlns:a="http://schemas.openxmlformats.org/drawingml/2006/main" xmlns:r="http://schemas.openxmlformats.org/officeDocument/2006/relationships" xmlns:p="http://schemas.openxmlformats.org/presentationml/2006/main">
-  <p:cSld>
-    <p:spTree>
-      <p:nvGrpSpPr>
-        <p:cNvPr id="1" name=""/>
-        <p:cNvGrpSpPr/>
-        <p:nvPr/>
-      </p:nvGrpSpPr>
-      <p:grpSpPr>
-        <a:xfrm>
-          <a:off x="0" y="0"/>
-          <a:ext cx="0" cy="0"/>
-          <a:chOff x="0" y="0"/>
-          <a:chExt cx="0" cy="0"/>
-        </a:xfrm>
-      </p:grpSpPr>
-      <p:sp>
-        <p:nvSpPr>
-          <p:cNvPr id="2" name="Titolo 1"/>
-          <p:cNvSpPr>
-            <a:spLocks noGrp="1"/>
-          </p:cNvSpPr>
-          <p:nvPr>
-            <p:ph type="title"/>
-          </p:nvPr>
-        </p:nvSpPr>
-        <p:spPr>
-          <a:xfrm>
             <a:off x="457200" y="731845"/>
             <a:ext cx="8229600" cy="1143000"/>
           </a:xfrm>
@@ -10696,12 +9169,8 @@
               <a:buNone/>
             </a:pPr>
             <a:r>
-              <a:rPr lang="it-IT" dirty="0" err="1" smtClean="0"/>
-              <a:t>Device</a:t>
-            </a:r>
-            <a:r>
               <a:rPr lang="it-IT" dirty="0" smtClean="0"/>
-              <a:t> utilizzati</a:t>
+              <a:t>Device utilizzati</a:t>
             </a:r>
           </a:p>
           <a:p>
@@ -10722,9 +9191,17 @@
             <a:pPr lvl="1">
               <a:buNone/>
             </a:pPr>
+            <a:r>
+              <a:rPr lang="it-IT" dirty="0" smtClean="0"/>
+              <a:t>Lucido di backup architettura</a:t>
+            </a:r>
             <a:endParaRPr lang="it-IT" dirty="0" smtClean="0"/>
           </a:p>
           <a:p>
+            <a:r>
+              <a:rPr lang="it-IT" dirty="0" smtClean="0"/>
+              <a:t>Driver Gnuradio</a:t>
+            </a:r>
             <a:endParaRPr lang="it-IT" dirty="0" smtClean="0"/>
           </a:p>
           <a:p>
@@ -11064,7 +9541,367 @@
 </p:sld>
 </file>
 
-<file path=ppt/slides/slide7.xml><?xml version="1.0" encoding="utf-8"?>
+<file path=ppt/slides/slide5.xml><?xml version="1.0" encoding="utf-8"?>
+<p:sld xmlns:a="http://schemas.openxmlformats.org/drawingml/2006/main" xmlns:r="http://schemas.openxmlformats.org/officeDocument/2006/relationships" xmlns:p="http://schemas.openxmlformats.org/presentationml/2006/main" show="0">
+  <p:cSld>
+    <p:spTree>
+      <p:nvGrpSpPr>
+        <p:cNvPr id="1" name=""/>
+        <p:cNvGrpSpPr/>
+        <p:nvPr/>
+      </p:nvGrpSpPr>
+      <p:grpSpPr>
+        <a:xfrm>
+          <a:off x="0" y="0"/>
+          <a:ext cx="0" cy="0"/>
+          <a:chOff x="0" y="0"/>
+          <a:chExt cx="0" cy="0"/>
+        </a:xfrm>
+      </p:grpSpPr>
+      <p:sp>
+        <p:nvSpPr>
+          <p:cNvPr id="2" name="Titolo 1"/>
+          <p:cNvSpPr>
+            <a:spLocks noGrp="1"/>
+          </p:cNvSpPr>
+          <p:nvPr>
+            <p:ph type="title"/>
+          </p:nvPr>
+        </p:nvSpPr>
+        <p:spPr>
+          <a:xfrm>
+            <a:off x="457200" y="731845"/>
+            <a:ext cx="8229600" cy="1143000"/>
+          </a:xfrm>
+        </p:spPr>
+        <p:txBody>
+          <a:bodyPr/>
+          <a:lstStyle/>
+          <a:p>
+            <a:r>
+              <a:rPr lang="it-IT" dirty="0" smtClean="0"/>
+              <a:t>SDR (Software </a:t>
+            </a:r>
+            <a:r>
+              <a:rPr lang="it-IT" dirty="0" err="1" smtClean="0"/>
+              <a:t>Defined</a:t>
+            </a:r>
+            <a:r>
+              <a:rPr lang="it-IT" dirty="0" smtClean="0"/>
+              <a:t> Radio)</a:t>
+            </a:r>
+            <a:endParaRPr lang="it-IT" dirty="0"/>
+          </a:p>
+        </p:txBody>
+      </p:sp>
+      <p:grpSp>
+        <p:nvGrpSpPr>
+          <p:cNvPr id="4" name="Gruppo 14"/>
+          <p:cNvGrpSpPr/>
+          <p:nvPr/>
+        </p:nvGrpSpPr>
+        <p:grpSpPr>
+          <a:xfrm>
+            <a:off x="796" y="33105"/>
+            <a:ext cx="9143207" cy="681251"/>
+            <a:chOff x="796" y="33105"/>
+            <a:chExt cx="9143207" cy="681251"/>
+          </a:xfrm>
+        </p:grpSpPr>
+        <p:grpSp>
+          <p:nvGrpSpPr>
+            <p:cNvPr id="5" name="Gruppo 7"/>
+            <p:cNvGrpSpPr/>
+            <p:nvPr/>
+          </p:nvGrpSpPr>
+          <p:grpSpPr>
+            <a:xfrm>
+              <a:off x="71406" y="71414"/>
+              <a:ext cx="3071864" cy="567375"/>
+              <a:chOff x="0" y="0"/>
+              <a:chExt cx="8715404" cy="1609736"/>
+            </a:xfrm>
+          </p:grpSpPr>
+          <p:pic>
+            <p:nvPicPr>
+              <p:cNvPr id="20" name="Picture 3"/>
+              <p:cNvPicPr>
+                <a:picLocks noChangeAspect="1" noChangeArrowheads="1"/>
+              </p:cNvPicPr>
+              <p:nvPr/>
+            </p:nvPicPr>
+            <p:blipFill>
+              <a:blip r:embed="rId2" cstate="print"/>
+              <a:srcRect l="45509" t="4944" r="39530" b="69980"/>
+              <a:stretch>
+                <a:fillRect/>
+              </a:stretch>
+            </p:blipFill>
+            <p:spPr bwMode="auto">
+              <a:xfrm>
+                <a:off x="0" y="0"/>
+                <a:ext cx="1857388" cy="1609736"/>
+              </a:xfrm>
+              <a:prstGeom prst="rect">
+                <a:avLst/>
+              </a:prstGeom>
+              <a:noFill/>
+              <a:ln w="9525">
+                <a:noFill/>
+                <a:miter lim="800000"/>
+                <a:headEnd/>
+                <a:tailEnd/>
+              </a:ln>
+              <a:effectLst/>
+            </p:spPr>
+          </p:pic>
+          <p:pic>
+            <p:nvPicPr>
+              <p:cNvPr id="21" name="Picture 4"/>
+              <p:cNvPicPr>
+                <a:picLocks noChangeAspect="1" noChangeArrowheads="1"/>
+              </p:cNvPicPr>
+              <p:nvPr/>
+            </p:nvPicPr>
+            <p:blipFill>
+              <a:blip r:embed="rId3" cstate="print"/>
+              <a:srcRect l="16687" t="64901" r="11001" b="28126"/>
+              <a:stretch>
+                <a:fillRect/>
+              </a:stretch>
+            </p:blipFill>
+            <p:spPr bwMode="auto">
+              <a:xfrm>
+                <a:off x="1714512" y="671173"/>
+                <a:ext cx="7000892" cy="357190"/>
+              </a:xfrm>
+              <a:prstGeom prst="rect">
+                <a:avLst/>
+              </a:prstGeom>
+              <a:noFill/>
+              <a:ln w="9525">
+                <a:noFill/>
+                <a:miter lim="800000"/>
+                <a:headEnd/>
+                <a:tailEnd/>
+              </a:ln>
+              <a:effectLst/>
+            </p:spPr>
+          </p:pic>
+          <p:pic>
+            <p:nvPicPr>
+              <p:cNvPr id="22" name="Picture 3"/>
+              <p:cNvPicPr>
+                <a:picLocks noChangeAspect="1" noChangeArrowheads="1"/>
+              </p:cNvPicPr>
+              <p:nvPr/>
+            </p:nvPicPr>
+            <p:blipFill>
+              <a:blip r:embed="rId4" cstate="print"/>
+              <a:srcRect l="28553" t="28091" r="22574" b="62426"/>
+              <a:stretch>
+                <a:fillRect/>
+              </a:stretch>
+            </p:blipFill>
+            <p:spPr bwMode="auto">
+              <a:xfrm>
+                <a:off x="3071802" y="99669"/>
+                <a:ext cx="4272064" cy="428628"/>
+              </a:xfrm>
+              <a:prstGeom prst="rect">
+                <a:avLst/>
+              </a:prstGeom>
+              <a:noFill/>
+              <a:ln w="9525">
+                <a:noFill/>
+                <a:miter lim="800000"/>
+                <a:headEnd/>
+                <a:tailEnd/>
+              </a:ln>
+              <a:effectLst/>
+            </p:spPr>
+          </p:pic>
+          <p:pic>
+            <p:nvPicPr>
+              <p:cNvPr id="23" name="Picture 4"/>
+              <p:cNvPicPr>
+                <a:picLocks noChangeAspect="1" noChangeArrowheads="1"/>
+              </p:cNvPicPr>
+              <p:nvPr/>
+            </p:nvPicPr>
+            <p:blipFill>
+              <a:blip r:embed="rId3" cstate="print"/>
+              <a:srcRect l="16687" t="80243" r="11001" b="13986"/>
+              <a:stretch>
+                <a:fillRect/>
+              </a:stretch>
+            </p:blipFill>
+            <p:spPr bwMode="auto">
+              <a:xfrm>
+                <a:off x="1714512" y="1028363"/>
+                <a:ext cx="7000892" cy="295621"/>
+              </a:xfrm>
+              <a:prstGeom prst="rect">
+                <a:avLst/>
+              </a:prstGeom>
+              <a:noFill/>
+              <a:ln w="9525">
+                <a:noFill/>
+                <a:miter lim="800000"/>
+                <a:headEnd/>
+                <a:tailEnd/>
+              </a:ln>
+              <a:effectLst/>
+            </p:spPr>
+          </p:pic>
+        </p:grpSp>
+        <p:pic>
+          <p:nvPicPr>
+            <p:cNvPr id="17" name="Picture 2"/>
+            <p:cNvPicPr>
+              <a:picLocks noChangeAspect="1" noChangeArrowheads="1"/>
+            </p:cNvPicPr>
+            <p:nvPr/>
+          </p:nvPicPr>
+          <p:blipFill>
+            <a:blip r:embed="rId5" cstate="print"/>
+            <a:srcRect l="12051" t="16667" r="5893" b="54167"/>
+            <a:stretch>
+              <a:fillRect/>
+            </a:stretch>
+          </p:blipFill>
+          <p:spPr bwMode="auto">
+            <a:xfrm>
+              <a:off x="3071802" y="33105"/>
+              <a:ext cx="3143274" cy="681251"/>
+            </a:xfrm>
+            <a:prstGeom prst="rect">
+              <a:avLst/>
+            </a:prstGeom>
+            <a:noFill/>
+            <a:ln w="9525">
+              <a:noFill/>
+              <a:miter lim="800000"/>
+              <a:headEnd/>
+              <a:tailEnd/>
+            </a:ln>
+            <a:effectLst/>
+          </p:spPr>
+        </p:pic>
+        <p:pic>
+          <p:nvPicPr>
+            <p:cNvPr id="18" name="Picture 2"/>
+            <p:cNvPicPr>
+              <a:picLocks noChangeAspect="1" noChangeArrowheads="1"/>
+            </p:cNvPicPr>
+            <p:nvPr/>
+          </p:nvPicPr>
+          <p:blipFill>
+            <a:blip r:embed="rId6"/>
+            <a:srcRect l="74285" t="66211" r="2939" b="22997"/>
+            <a:stretch>
+              <a:fillRect/>
+            </a:stretch>
+          </p:blipFill>
+          <p:spPr bwMode="auto">
+            <a:xfrm>
+              <a:off x="6929454" y="142852"/>
+              <a:ext cx="1500166" cy="433410"/>
+            </a:xfrm>
+            <a:prstGeom prst="rect">
+              <a:avLst/>
+            </a:prstGeom>
+            <a:noFill/>
+            <a:ln w="9525">
+              <a:noFill/>
+              <a:miter lim="800000"/>
+              <a:headEnd/>
+              <a:tailEnd/>
+            </a:ln>
+            <a:effectLst/>
+          </p:spPr>
+        </p:pic>
+        <p:cxnSp>
+          <p:nvCxnSpPr>
+            <p:cNvPr id="19" name="Connettore 1 18"/>
+            <p:cNvCxnSpPr/>
+            <p:nvPr/>
+          </p:nvCxnSpPr>
+          <p:spPr>
+            <a:xfrm rot="10800000" flipV="1">
+              <a:off x="796" y="711275"/>
+              <a:ext cx="9143207" cy="3080"/>
+            </a:xfrm>
+            <a:prstGeom prst="line">
+              <a:avLst/>
+            </a:prstGeom>
+            <a:ln>
+              <a:solidFill>
+                <a:schemeClr val="bg1">
+                  <a:lumMod val="50000"/>
+                </a:schemeClr>
+              </a:solidFill>
+            </a:ln>
+          </p:spPr>
+          <p:style>
+            <a:lnRef idx="1">
+              <a:schemeClr val="accent1"/>
+            </a:lnRef>
+            <a:fillRef idx="0">
+              <a:schemeClr val="accent1"/>
+            </a:fillRef>
+            <a:effectRef idx="0">
+              <a:schemeClr val="accent1"/>
+            </a:effectRef>
+            <a:fontRef idx="minor">
+              <a:schemeClr val="tx1"/>
+            </a:fontRef>
+          </p:style>
+        </p:cxnSp>
+      </p:grpSp>
+      <p:pic>
+        <p:nvPicPr>
+          <p:cNvPr id="1026" name="Picture 2" descr="C:\Users\fiapol\Desktop\tesi\repositorio\PoorManThesis\images\sdrDiagram.png"/>
+          <p:cNvPicPr>
+            <a:picLocks noChangeAspect="1" noChangeArrowheads="1"/>
+          </p:cNvPicPr>
+          <p:nvPr/>
+        </p:nvPicPr>
+        <p:blipFill>
+          <a:blip r:embed="rId7"/>
+          <a:srcRect b="46808"/>
+          <a:stretch>
+            <a:fillRect/>
+          </a:stretch>
+        </p:blipFill>
+        <p:spPr bwMode="auto">
+          <a:xfrm>
+            <a:off x="585798" y="2285992"/>
+            <a:ext cx="8058168" cy="3000396"/>
+          </a:xfrm>
+          <a:prstGeom prst="rect">
+            <a:avLst/>
+          </a:prstGeom>
+          <a:noFill/>
+        </p:spPr>
+      </p:pic>
+    </p:spTree>
+  </p:cSld>
+  <p:clrMapOvr>
+    <a:masterClrMapping/>
+  </p:clrMapOvr>
+  <p:transition/>
+  <p:timing>
+    <p:tnLst>
+      <p:par>
+        <p:cTn id="1" dur="indefinite" restart="never" nodeType="tmRoot"/>
+      </p:par>
+    </p:tnLst>
+  </p:timing>
+</p:sld>
+</file>
+
+<file path=ppt/slides/slide6.xml><?xml version="1.0" encoding="utf-8"?>
 <p:sld xmlns:a="http://schemas.openxmlformats.org/drawingml/2006/main" xmlns:r="http://schemas.openxmlformats.org/officeDocument/2006/relationships" xmlns:p="http://schemas.openxmlformats.org/presentationml/2006/main" show="0">
   <p:cSld>
     <p:spTree>
@@ -11102,7 +9939,7 @@
           <a:lstStyle/>
           <a:p>
             <a:r>
-              <a:rPr lang="it-IT" dirty="0" err="1" smtClean="0"/>
+              <a:rPr lang="it-IT" dirty="0" smtClean="0"/>
               <a:t>Gnuradio</a:t>
             </a:r>
             <a:endParaRPr lang="it-IT" dirty="0"/>
@@ -11449,7 +10286,7 @@
 </p:sld>
 </file>
 
-<file path=ppt/slides/slide8.xml><?xml version="1.0" encoding="utf-8"?>
+<file path=ppt/slides/slide7.xml><?xml version="1.0" encoding="utf-8"?>
 <p:sld xmlns:a="http://schemas.openxmlformats.org/drawingml/2006/main" xmlns:r="http://schemas.openxmlformats.org/officeDocument/2006/relationships" xmlns:p="http://schemas.openxmlformats.org/presentationml/2006/main">
   <p:cSld>
     <p:spTree>
@@ -11478,7 +10315,7 @@
         </p:nvSpPr>
         <p:spPr>
           <a:xfrm>
-            <a:off x="457200" y="720747"/>
+            <a:off x="457200" y="642926"/>
             <a:ext cx="8229600" cy="1143000"/>
           </a:xfrm>
         </p:spPr>
@@ -11488,7 +10325,11 @@
           <a:p>
             <a:r>
               <a:rPr lang="it-IT" dirty="0" smtClean="0"/>
-              <a:t>Trasmettitore 1/4</a:t>
+              <a:t>Trasmettitore </a:t>
+            </a:r>
+            <a:r>
+              <a:rPr lang="it-IT" dirty="0" smtClean="0"/>
+              <a:t>1/2</a:t>
             </a:r>
             <a:endParaRPr lang="it-IT" dirty="0"/>
           </a:p>
@@ -11506,8 +10347,8 @@
         </p:nvSpPr>
         <p:spPr>
           <a:xfrm>
-            <a:off x="457200" y="2046309"/>
-            <a:ext cx="8229600" cy="4525963"/>
+            <a:off x="214282" y="1617681"/>
+            <a:ext cx="8786874" cy="4525963"/>
           </a:xfrm>
         </p:spPr>
         <p:txBody>
@@ -11518,9 +10359,23 @@
               <a:buNone/>
             </a:pPr>
             <a:r>
-              <a:rPr lang="it-IT" dirty="0" smtClean="0"/>
-              <a:t>Formazione pacchetti dal flusso in ingresso</a:t>
-            </a:r>
+              <a:rPr lang="it-IT" sz="2200" dirty="0" smtClean="0"/>
+              <a:t>Formazione pacchetti dal flusso in </a:t>
+            </a:r>
+            <a:r>
+              <a:rPr lang="it-IT" sz="2200" dirty="0" smtClean="0"/>
+              <a:t>ingresso, Codifica </a:t>
+            </a:r>
+            <a:r>
+              <a:rPr lang="it-IT" sz="2200" dirty="0" smtClean="0"/>
+              <a:t>informazioni in Simboli</a:t>
+            </a:r>
+          </a:p>
+          <a:p>
+            <a:pPr>
+              <a:buNone/>
+            </a:pPr>
+            <a:endParaRPr lang="it-IT" dirty="0" smtClean="0"/>
           </a:p>
           <a:p>
             <a:pPr>
@@ -11547,7 +10402,7 @@
         </p:blipFill>
         <p:spPr bwMode="auto">
           <a:xfrm>
-            <a:off x="214282" y="3517920"/>
+            <a:off x="285720" y="2407682"/>
             <a:ext cx="8715436" cy="2021450"/>
           </a:xfrm>
           <a:prstGeom prst="rect">
@@ -11821,6 +10676,32 @@
           </p:style>
         </p:cxnSp>
       </p:grpSp>
+      <p:pic>
+        <p:nvPicPr>
+          <p:cNvPr id="23" name="Picture 2" descr="C:\Users\fiapol\Desktop\tesi\PoorManThesis-master\PoorManThesis-master\images\Tx2.png"/>
+          <p:cNvPicPr>
+            <a:picLocks noChangeAspect="1" noChangeArrowheads="1"/>
+          </p:cNvPicPr>
+          <p:nvPr/>
+        </p:nvPicPr>
+        <p:blipFill>
+          <a:blip r:embed="rId8"/>
+          <a:srcRect/>
+          <a:stretch>
+            <a:fillRect/>
+          </a:stretch>
+        </p:blipFill>
+        <p:spPr bwMode="auto">
+          <a:xfrm>
+            <a:off x="214282" y="4643446"/>
+            <a:ext cx="8839200" cy="1619250"/>
+          </a:xfrm>
+          <a:prstGeom prst="rect">
+            <a:avLst/>
+          </a:prstGeom>
+          <a:noFill/>
+        </p:spPr>
+      </p:pic>
     </p:spTree>
   </p:cSld>
   <p:clrMapOvr>
@@ -11836,7 +10717,7 @@
 </p:sld>
 </file>
 
-<file path=ppt/slides/slide9.xml><?xml version="1.0" encoding="utf-8"?>
+<file path=ppt/slides/slide8.xml><?xml version="1.0" encoding="utf-8"?>
 <p:sld xmlns:a="http://schemas.openxmlformats.org/drawingml/2006/main" xmlns:r="http://schemas.openxmlformats.org/officeDocument/2006/relationships" xmlns:p="http://schemas.openxmlformats.org/presentationml/2006/main">
   <p:cSld>
     <p:spTree>
@@ -11865,19 +10746,37 @@
         </p:nvSpPr>
         <p:spPr>
           <a:xfrm>
-            <a:off x="457200" y="720747"/>
-            <a:ext cx="8229600" cy="1143000"/>
+            <a:off x="0" y="642918"/>
+            <a:ext cx="9144000" cy="1279494"/>
           </a:xfrm>
         </p:spPr>
         <p:txBody>
-          <a:bodyPr/>
+          <a:bodyPr>
+            <a:normAutofit/>
+          </a:bodyPr>
           <a:lstStyle/>
           <a:p>
             <a:r>
-              <a:rPr lang="it-IT" dirty="0" smtClean="0"/>
-              <a:t>Trasmettitore 2/4</a:t>
-            </a:r>
-            <a:endParaRPr lang="it-IT" dirty="0"/>
+              <a:rPr lang="it-IT" sz="3200" dirty="0" smtClean="0"/>
+              <a:t>OFDM (</a:t>
+            </a:r>
+            <a:r>
+              <a:rPr lang="it-IT" sz="3200" dirty="0" err="1" smtClean="0"/>
+              <a:t>Orthogonal</a:t>
+            </a:r>
+            <a:r>
+              <a:rPr lang="it-IT" sz="3200" dirty="0" smtClean="0"/>
+              <a:t> </a:t>
+            </a:r>
+            <a:r>
+              <a:rPr lang="it-IT" sz="3200" dirty="0" err="1" smtClean="0"/>
+              <a:t>Frequency-Division</a:t>
+            </a:r>
+            <a:r>
+              <a:rPr lang="it-IT" sz="3200" dirty="0" smtClean="0"/>
+              <a:t> Multiplexing)</a:t>
+            </a:r>
+            <a:endParaRPr lang="it-IT" sz="3200" dirty="0"/>
           </a:p>
         </p:txBody>
       </p:sp>
@@ -11893,7 +10792,7 @@
         </p:nvSpPr>
         <p:spPr>
           <a:xfrm>
-            <a:off x="457200" y="2046309"/>
+            <a:off x="457200" y="1928802"/>
             <a:ext cx="8229600" cy="4525963"/>
           </a:xfrm>
         </p:spPr>
@@ -11901,19 +10800,33 @@
           <a:bodyPr/>
           <a:lstStyle/>
           <a:p>
-            <a:pPr algn="ctr">
-              <a:buNone/>
-            </a:pPr>
             <a:r>
               <a:rPr lang="it-IT" dirty="0" smtClean="0"/>
-              <a:t>Codifica informazioni in Simboli</a:t>
-            </a:r>
+              <a:t>Allocazione sottobande</a:t>
+            </a:r>
+          </a:p>
+          <a:p>
+            <a:endParaRPr lang="it-IT" dirty="0" smtClean="0"/>
+          </a:p>
+          <a:p>
+            <a:endParaRPr lang="it-IT" dirty="0" smtClean="0"/>
+          </a:p>
+          <a:p>
+            <a:r>
+              <a:rPr lang="it-IT" dirty="0" smtClean="0"/>
+              <a:t>Tempi di </a:t>
+            </a:r>
+            <a:r>
+              <a:rPr lang="it-IT" dirty="0" smtClean="0"/>
+              <a:t>guardia</a:t>
+            </a:r>
+            <a:endParaRPr lang="it-IT" dirty="0" smtClean="0"/>
           </a:p>
         </p:txBody>
       </p:sp>
       <p:pic>
         <p:nvPicPr>
-          <p:cNvPr id="2050" name="Picture 2" descr="C:\Users\fiapol\Desktop\tesi\PoorManThesis-master\PoorManThesis-master\images\Tx2.png"/>
+          <p:cNvPr id="1026" name="Picture 2" descr="C:\Users\fiapol\Desktop\tesi\repositorio\PoorManThesis\presentazione\immagini presentazione\ofdm freq-time representation.png"/>
           <p:cNvPicPr>
             <a:picLocks noChangeAspect="1" noChangeArrowheads="1"/>
           </p:cNvPicPr>
@@ -11928,8 +10841,8 @@
         </p:blipFill>
         <p:spPr bwMode="auto">
           <a:xfrm>
-            <a:off x="161956" y="3589357"/>
-            <a:ext cx="8839200" cy="1619250"/>
+            <a:off x="1643042" y="4146548"/>
+            <a:ext cx="5715040" cy="2613448"/>
           </a:xfrm>
           <a:prstGeom prst="rect">
             <a:avLst/>
@@ -12202,6 +11115,462 @@
           </p:style>
         </p:cxnSp>
       </p:grpSp>
+      <p:pic>
+        <p:nvPicPr>
+          <p:cNvPr id="2050" name="Picture 2" descr="C:\Users\fiapol\Desktop\tesi\repositorio\PoorManThesis\images\subcarriers.png"/>
+          <p:cNvPicPr>
+            <a:picLocks noChangeAspect="1" noChangeArrowheads="1"/>
+          </p:cNvPicPr>
+          <p:nvPr/>
+        </p:nvPicPr>
+        <p:blipFill>
+          <a:blip r:embed="rId8"/>
+          <a:srcRect/>
+          <a:stretch>
+            <a:fillRect/>
+          </a:stretch>
+        </p:blipFill>
+        <p:spPr bwMode="auto">
+          <a:xfrm>
+            <a:off x="1928794" y="2512448"/>
+            <a:ext cx="4786346" cy="1124105"/>
+          </a:xfrm>
+          <a:prstGeom prst="rect">
+            <a:avLst/>
+          </a:prstGeom>
+          <a:noFill/>
+        </p:spPr>
+      </p:pic>
+    </p:spTree>
+  </p:cSld>
+  <p:clrMapOvr>
+    <a:masterClrMapping/>
+  </p:clrMapOvr>
+  <p:timing>
+    <p:tnLst>
+      <p:par>
+        <p:cTn id="1" dur="indefinite" restart="never" nodeType="tmRoot"/>
+      </p:par>
+    </p:tnLst>
+  </p:timing>
+</p:sld>
+</file>
+
+<file path=ppt/slides/slide9.xml><?xml version="1.0" encoding="utf-8"?>
+<p:sld xmlns:a="http://schemas.openxmlformats.org/drawingml/2006/main" xmlns:r="http://schemas.openxmlformats.org/officeDocument/2006/relationships" xmlns:p="http://schemas.openxmlformats.org/presentationml/2006/main">
+  <p:cSld>
+    <p:spTree>
+      <p:nvGrpSpPr>
+        <p:cNvPr id="1" name=""/>
+        <p:cNvGrpSpPr/>
+        <p:nvPr/>
+      </p:nvGrpSpPr>
+      <p:grpSpPr>
+        <a:xfrm>
+          <a:off x="0" y="0"/>
+          <a:ext cx="0" cy="0"/>
+          <a:chOff x="0" y="0"/>
+          <a:chExt cx="0" cy="0"/>
+        </a:xfrm>
+      </p:grpSpPr>
+      <p:sp>
+        <p:nvSpPr>
+          <p:cNvPr id="2" name="Titolo 1"/>
+          <p:cNvSpPr>
+            <a:spLocks noGrp="1"/>
+          </p:cNvSpPr>
+          <p:nvPr>
+            <p:ph type="title"/>
+          </p:nvPr>
+        </p:nvSpPr>
+        <p:spPr>
+          <a:xfrm>
+            <a:off x="457200" y="642918"/>
+            <a:ext cx="8229600" cy="1143000"/>
+          </a:xfrm>
+        </p:spPr>
+        <p:txBody>
+          <a:bodyPr/>
+          <a:lstStyle/>
+          <a:p>
+            <a:r>
+              <a:rPr lang="it-IT" dirty="0" smtClean="0"/>
+              <a:t>Trasmettitore </a:t>
+            </a:r>
+            <a:r>
+              <a:rPr lang="it-IT" dirty="0" smtClean="0"/>
+              <a:t>2/</a:t>
+            </a:r>
+            <a:r>
+              <a:rPr lang="it-IT" dirty="0" err="1" smtClean="0"/>
+              <a:t>2</a:t>
+            </a:r>
+            <a:endParaRPr lang="it-IT" dirty="0"/>
+          </a:p>
+        </p:txBody>
+      </p:sp>
+      <p:sp>
+        <p:nvSpPr>
+          <p:cNvPr id="3" name="Segnaposto contenuto 2"/>
+          <p:cNvSpPr>
+            <a:spLocks noGrp="1"/>
+          </p:cNvSpPr>
+          <p:nvPr>
+            <p:ph idx="1"/>
+          </p:nvPr>
+        </p:nvSpPr>
+        <p:spPr>
+          <a:xfrm>
+            <a:off x="428596" y="1714488"/>
+            <a:ext cx="8229600" cy="4525963"/>
+          </a:xfrm>
+        </p:spPr>
+        <p:txBody>
+          <a:bodyPr>
+            <a:normAutofit/>
+          </a:bodyPr>
+          <a:lstStyle/>
+          <a:p>
+            <a:pPr algn="ctr">
+              <a:buNone/>
+            </a:pPr>
+            <a:r>
+              <a:rPr lang="it-IT" sz="2200" dirty="0" smtClean="0"/>
+              <a:t>Allocazione simboli sulle sottoportanti e </a:t>
+            </a:r>
+            <a:r>
+              <a:rPr lang="it-IT" sz="2200" dirty="0" smtClean="0"/>
+              <a:t>passaggio </a:t>
+            </a:r>
+            <a:r>
+              <a:rPr lang="it-IT" sz="2200" dirty="0" smtClean="0"/>
+              <a:t>campioni </a:t>
+            </a:r>
+            <a:r>
+              <a:rPr lang="it-IT" sz="2200" dirty="0" smtClean="0"/>
+              <a:t>all’SDR</a:t>
+            </a:r>
+            <a:endParaRPr lang="it-IT" sz="2200" dirty="0" smtClean="0"/>
+          </a:p>
+        </p:txBody>
+      </p:sp>
+      <p:pic>
+        <p:nvPicPr>
+          <p:cNvPr id="3074" name="Picture 2" descr="C:\Users\fiapol\Desktop\tesi\PoorManThesis-master\PoorManThesis-master\images\Tx3.png"/>
+          <p:cNvPicPr>
+            <a:picLocks noChangeAspect="1" noChangeArrowheads="1"/>
+          </p:cNvPicPr>
+          <p:nvPr/>
+        </p:nvPicPr>
+        <p:blipFill>
+          <a:blip r:embed="rId2"/>
+          <a:srcRect/>
+          <a:stretch>
+            <a:fillRect/>
+          </a:stretch>
+        </p:blipFill>
+        <p:spPr bwMode="auto">
+          <a:xfrm>
+            <a:off x="142844" y="2384199"/>
+            <a:ext cx="8942387" cy="1687743"/>
+          </a:xfrm>
+          <a:prstGeom prst="rect">
+            <a:avLst/>
+          </a:prstGeom>
+          <a:noFill/>
+        </p:spPr>
+      </p:pic>
+      <p:grpSp>
+        <p:nvGrpSpPr>
+          <p:cNvPr id="14" name="Gruppo 13"/>
+          <p:cNvGrpSpPr/>
+          <p:nvPr/>
+        </p:nvGrpSpPr>
+        <p:grpSpPr>
+          <a:xfrm>
+            <a:off x="796" y="33105"/>
+            <a:ext cx="9143207" cy="681251"/>
+            <a:chOff x="796" y="33105"/>
+            <a:chExt cx="9143207" cy="681251"/>
+          </a:xfrm>
+        </p:grpSpPr>
+        <p:grpSp>
+          <p:nvGrpSpPr>
+            <p:cNvPr id="15" name="Gruppo 7"/>
+            <p:cNvGrpSpPr/>
+            <p:nvPr/>
+          </p:nvGrpSpPr>
+          <p:grpSpPr>
+            <a:xfrm>
+              <a:off x="71406" y="71414"/>
+              <a:ext cx="3071864" cy="567375"/>
+              <a:chOff x="0" y="0"/>
+              <a:chExt cx="8715404" cy="1609736"/>
+            </a:xfrm>
+          </p:grpSpPr>
+          <p:pic>
+            <p:nvPicPr>
+              <p:cNvPr id="19" name="Picture 3"/>
+              <p:cNvPicPr>
+                <a:picLocks noChangeAspect="1" noChangeArrowheads="1"/>
+              </p:cNvPicPr>
+              <p:nvPr/>
+            </p:nvPicPr>
+            <p:blipFill>
+              <a:blip r:embed="rId3" cstate="print"/>
+              <a:srcRect l="45509" t="4944" r="39530" b="69980"/>
+              <a:stretch>
+                <a:fillRect/>
+              </a:stretch>
+            </p:blipFill>
+            <p:spPr bwMode="auto">
+              <a:xfrm>
+                <a:off x="0" y="0"/>
+                <a:ext cx="1857388" cy="1609736"/>
+              </a:xfrm>
+              <a:prstGeom prst="rect">
+                <a:avLst/>
+              </a:prstGeom>
+              <a:noFill/>
+              <a:ln w="9525">
+                <a:noFill/>
+                <a:miter lim="800000"/>
+                <a:headEnd/>
+                <a:tailEnd/>
+              </a:ln>
+              <a:effectLst/>
+            </p:spPr>
+          </p:pic>
+          <p:pic>
+            <p:nvPicPr>
+              <p:cNvPr id="20" name="Picture 4"/>
+              <p:cNvPicPr>
+                <a:picLocks noChangeAspect="1" noChangeArrowheads="1"/>
+              </p:cNvPicPr>
+              <p:nvPr/>
+            </p:nvPicPr>
+            <p:blipFill>
+              <a:blip r:embed="rId4" cstate="print"/>
+              <a:srcRect l="16687" t="64901" r="11001" b="28126"/>
+              <a:stretch>
+                <a:fillRect/>
+              </a:stretch>
+            </p:blipFill>
+            <p:spPr bwMode="auto">
+              <a:xfrm>
+                <a:off x="1714512" y="671173"/>
+                <a:ext cx="7000892" cy="357190"/>
+              </a:xfrm>
+              <a:prstGeom prst="rect">
+                <a:avLst/>
+              </a:prstGeom>
+              <a:noFill/>
+              <a:ln w="9525">
+                <a:noFill/>
+                <a:miter lim="800000"/>
+                <a:headEnd/>
+                <a:tailEnd/>
+              </a:ln>
+              <a:effectLst/>
+            </p:spPr>
+          </p:pic>
+          <p:pic>
+            <p:nvPicPr>
+              <p:cNvPr id="21" name="Picture 3"/>
+              <p:cNvPicPr>
+                <a:picLocks noChangeAspect="1" noChangeArrowheads="1"/>
+              </p:cNvPicPr>
+              <p:nvPr/>
+            </p:nvPicPr>
+            <p:blipFill>
+              <a:blip r:embed="rId5" cstate="print"/>
+              <a:srcRect l="28553" t="28091" r="22574" b="62426"/>
+              <a:stretch>
+                <a:fillRect/>
+              </a:stretch>
+            </p:blipFill>
+            <p:spPr bwMode="auto">
+              <a:xfrm>
+                <a:off x="3071802" y="99669"/>
+                <a:ext cx="4272064" cy="428628"/>
+              </a:xfrm>
+              <a:prstGeom prst="rect">
+                <a:avLst/>
+              </a:prstGeom>
+              <a:noFill/>
+              <a:ln w="9525">
+                <a:noFill/>
+                <a:miter lim="800000"/>
+                <a:headEnd/>
+                <a:tailEnd/>
+              </a:ln>
+              <a:effectLst/>
+            </p:spPr>
+          </p:pic>
+          <p:pic>
+            <p:nvPicPr>
+              <p:cNvPr id="22" name="Picture 4"/>
+              <p:cNvPicPr>
+                <a:picLocks noChangeAspect="1" noChangeArrowheads="1"/>
+              </p:cNvPicPr>
+              <p:nvPr/>
+            </p:nvPicPr>
+            <p:blipFill>
+              <a:blip r:embed="rId4" cstate="print"/>
+              <a:srcRect l="16687" t="80243" r="11001" b="13986"/>
+              <a:stretch>
+                <a:fillRect/>
+              </a:stretch>
+            </p:blipFill>
+            <p:spPr bwMode="auto">
+              <a:xfrm>
+                <a:off x="1714512" y="1028363"/>
+                <a:ext cx="7000892" cy="295621"/>
+              </a:xfrm>
+              <a:prstGeom prst="rect">
+                <a:avLst/>
+              </a:prstGeom>
+              <a:noFill/>
+              <a:ln w="9525">
+                <a:noFill/>
+                <a:miter lim="800000"/>
+                <a:headEnd/>
+                <a:tailEnd/>
+              </a:ln>
+              <a:effectLst/>
+            </p:spPr>
+          </p:pic>
+        </p:grpSp>
+        <p:pic>
+          <p:nvPicPr>
+            <p:cNvPr id="16" name="Picture 2"/>
+            <p:cNvPicPr>
+              <a:picLocks noChangeAspect="1" noChangeArrowheads="1"/>
+            </p:cNvPicPr>
+            <p:nvPr/>
+          </p:nvPicPr>
+          <p:blipFill>
+            <a:blip r:embed="rId6" cstate="print"/>
+            <a:srcRect l="12051" t="16667" r="5893" b="54167"/>
+            <a:stretch>
+              <a:fillRect/>
+            </a:stretch>
+          </p:blipFill>
+          <p:spPr bwMode="auto">
+            <a:xfrm>
+              <a:off x="3071802" y="33105"/>
+              <a:ext cx="3143274" cy="681251"/>
+            </a:xfrm>
+            <a:prstGeom prst="rect">
+              <a:avLst/>
+            </a:prstGeom>
+            <a:noFill/>
+            <a:ln w="9525">
+              <a:noFill/>
+              <a:miter lim="800000"/>
+              <a:headEnd/>
+              <a:tailEnd/>
+            </a:ln>
+            <a:effectLst/>
+          </p:spPr>
+        </p:pic>
+        <p:pic>
+          <p:nvPicPr>
+            <p:cNvPr id="17" name="Picture 2"/>
+            <p:cNvPicPr>
+              <a:picLocks noChangeAspect="1" noChangeArrowheads="1"/>
+            </p:cNvPicPr>
+            <p:nvPr/>
+          </p:nvPicPr>
+          <p:blipFill>
+            <a:blip r:embed="rId7"/>
+            <a:srcRect l="74285" t="66211" r="2939" b="22997"/>
+            <a:stretch>
+              <a:fillRect/>
+            </a:stretch>
+          </p:blipFill>
+          <p:spPr bwMode="auto">
+            <a:xfrm>
+              <a:off x="6929454" y="142852"/>
+              <a:ext cx="1500166" cy="433410"/>
+            </a:xfrm>
+            <a:prstGeom prst="rect">
+              <a:avLst/>
+            </a:prstGeom>
+            <a:noFill/>
+            <a:ln w="9525">
+              <a:noFill/>
+              <a:miter lim="800000"/>
+              <a:headEnd/>
+              <a:tailEnd/>
+            </a:ln>
+            <a:effectLst/>
+          </p:spPr>
+        </p:pic>
+        <p:cxnSp>
+          <p:nvCxnSpPr>
+            <p:cNvPr id="18" name="Connettore 1 17"/>
+            <p:cNvCxnSpPr/>
+            <p:nvPr/>
+          </p:nvCxnSpPr>
+          <p:spPr>
+            <a:xfrm rot="10800000" flipV="1">
+              <a:off x="796" y="711275"/>
+              <a:ext cx="9143207" cy="3080"/>
+            </a:xfrm>
+            <a:prstGeom prst="line">
+              <a:avLst/>
+            </a:prstGeom>
+            <a:ln>
+              <a:solidFill>
+                <a:schemeClr val="bg1">
+                  <a:lumMod val="50000"/>
+                </a:schemeClr>
+              </a:solidFill>
+            </a:ln>
+          </p:spPr>
+          <p:style>
+            <a:lnRef idx="1">
+              <a:schemeClr val="accent1"/>
+            </a:lnRef>
+            <a:fillRef idx="0">
+              <a:schemeClr val="accent1"/>
+            </a:fillRef>
+            <a:effectRef idx="0">
+              <a:schemeClr val="accent1"/>
+            </a:effectRef>
+            <a:fontRef idx="minor">
+              <a:schemeClr val="tx1"/>
+            </a:fontRef>
+          </p:style>
+        </p:cxnSp>
+      </p:grpSp>
+      <p:pic>
+        <p:nvPicPr>
+          <p:cNvPr id="23" name="Picture 2" descr="C:\Users\fiapol\Desktop\tesi\PoorManThesis-master\PoorManThesis-master\images\Tx4.png"/>
+          <p:cNvPicPr>
+            <a:picLocks noChangeAspect="1" noChangeArrowheads="1"/>
+          </p:cNvPicPr>
+          <p:nvPr/>
+        </p:nvPicPr>
+        <p:blipFill>
+          <a:blip r:embed="rId8"/>
+          <a:srcRect/>
+          <a:stretch>
+            <a:fillRect/>
+          </a:stretch>
+        </p:blipFill>
+        <p:spPr bwMode="auto">
+          <a:xfrm>
+            <a:off x="1857356" y="4049056"/>
+            <a:ext cx="5062533" cy="2594654"/>
+          </a:xfrm>
+          <a:prstGeom prst="rect">
+            <a:avLst/>
+          </a:prstGeom>
+          <a:noFill/>
+        </p:spPr>
+      </p:pic>
     </p:spTree>
   </p:cSld>
   <p:clrMapOvr>
